--- a/thoughtfulgiftgen/static/img/tgg_imgs.pptx
+++ b/thoughtfulgiftgen/static/img/tgg_imgs.pptx
@@ -6,11 +6,13 @@
   </p:sldMasterIdLst>
   <p:sldIdLst>
     <p:sldId id="256" r:id="rId2"/>
-    <p:sldId id="257" r:id="rId3"/>
-    <p:sldId id="260" r:id="rId4"/>
-    <p:sldId id="259" r:id="rId5"/>
-    <p:sldId id="258" r:id="rId6"/>
-    <p:sldId id="261" r:id="rId7"/>
+    <p:sldId id="262" r:id="rId3"/>
+    <p:sldId id="257" r:id="rId4"/>
+    <p:sldId id="263" r:id="rId5"/>
+    <p:sldId id="260" r:id="rId6"/>
+    <p:sldId id="259" r:id="rId7"/>
+    <p:sldId id="258" r:id="rId8"/>
+    <p:sldId id="261" r:id="rId9"/>
   </p:sldIdLst>
   <p:sldSz cx="9144000" cy="6858000" type="screen4x3"/>
   <p:notesSz cx="6858000" cy="9144000"/>
@@ -293,7 +295,7 @@
           <a:p>
             <a:fld id="{2CBF8408-F707-764D-8E0F-7F69B6D7E410}" type="datetimeFigureOut">
               <a:rPr lang="en-US" smtClean="0"/>
-              <a:t>12/19/14</a:t>
+              <a:t>12/24/14</a:t>
             </a:fld>
             <a:endParaRPr lang="en-US"/>
           </a:p>
@@ -463,7 +465,7 @@
           <a:p>
             <a:fld id="{2CBF8408-F707-764D-8E0F-7F69B6D7E410}" type="datetimeFigureOut">
               <a:rPr lang="en-US" smtClean="0"/>
-              <a:t>12/19/14</a:t>
+              <a:t>12/24/14</a:t>
             </a:fld>
             <a:endParaRPr lang="en-US"/>
           </a:p>
@@ -643,7 +645,7 @@
           <a:p>
             <a:fld id="{2CBF8408-F707-764D-8E0F-7F69B6D7E410}" type="datetimeFigureOut">
               <a:rPr lang="en-US" smtClean="0"/>
-              <a:t>12/19/14</a:t>
+              <a:t>12/24/14</a:t>
             </a:fld>
             <a:endParaRPr lang="en-US"/>
           </a:p>
@@ -813,7 +815,7 @@
           <a:p>
             <a:fld id="{2CBF8408-F707-764D-8E0F-7F69B6D7E410}" type="datetimeFigureOut">
               <a:rPr lang="en-US" smtClean="0"/>
-              <a:t>12/19/14</a:t>
+              <a:t>12/24/14</a:t>
             </a:fld>
             <a:endParaRPr lang="en-US"/>
           </a:p>
@@ -1059,7 +1061,7 @@
           <a:p>
             <a:fld id="{2CBF8408-F707-764D-8E0F-7F69B6D7E410}" type="datetimeFigureOut">
               <a:rPr lang="en-US" smtClean="0"/>
-              <a:t>12/19/14</a:t>
+              <a:t>12/24/14</a:t>
             </a:fld>
             <a:endParaRPr lang="en-US"/>
           </a:p>
@@ -1347,7 +1349,7 @@
           <a:p>
             <a:fld id="{2CBF8408-F707-764D-8E0F-7F69B6D7E410}" type="datetimeFigureOut">
               <a:rPr lang="en-US" smtClean="0"/>
-              <a:t>12/19/14</a:t>
+              <a:t>12/24/14</a:t>
             </a:fld>
             <a:endParaRPr lang="en-US"/>
           </a:p>
@@ -1769,7 +1771,7 @@
           <a:p>
             <a:fld id="{2CBF8408-F707-764D-8E0F-7F69B6D7E410}" type="datetimeFigureOut">
               <a:rPr lang="en-US" smtClean="0"/>
-              <a:t>12/19/14</a:t>
+              <a:t>12/24/14</a:t>
             </a:fld>
             <a:endParaRPr lang="en-US"/>
           </a:p>
@@ -1887,7 +1889,7 @@
           <a:p>
             <a:fld id="{2CBF8408-F707-764D-8E0F-7F69B6D7E410}" type="datetimeFigureOut">
               <a:rPr lang="en-US" smtClean="0"/>
-              <a:t>12/19/14</a:t>
+              <a:t>12/24/14</a:t>
             </a:fld>
             <a:endParaRPr lang="en-US"/>
           </a:p>
@@ -1982,7 +1984,7 @@
           <a:p>
             <a:fld id="{2CBF8408-F707-764D-8E0F-7F69B6D7E410}" type="datetimeFigureOut">
               <a:rPr lang="en-US" smtClean="0"/>
-              <a:t>12/19/14</a:t>
+              <a:t>12/24/14</a:t>
             </a:fld>
             <a:endParaRPr lang="en-US"/>
           </a:p>
@@ -2259,7 +2261,7 @@
           <a:p>
             <a:fld id="{2CBF8408-F707-764D-8E0F-7F69B6D7E410}" type="datetimeFigureOut">
               <a:rPr lang="en-US" smtClean="0"/>
-              <a:t>12/19/14</a:t>
+              <a:t>12/24/14</a:t>
             </a:fld>
             <a:endParaRPr lang="en-US"/>
           </a:p>
@@ -2512,7 +2514,7 @@
           <a:p>
             <a:fld id="{2CBF8408-F707-764D-8E0F-7F69B6D7E410}" type="datetimeFigureOut">
               <a:rPr lang="en-US" smtClean="0"/>
-              <a:t>12/19/14</a:t>
+              <a:t>12/24/14</a:t>
             </a:fld>
             <a:endParaRPr lang="en-US"/>
           </a:p>
@@ -2725,7 +2727,7 @@
           <a:p>
             <a:fld id="{2CBF8408-F707-764D-8E0F-7F69B6D7E410}" type="datetimeFigureOut">
               <a:rPr lang="en-US" smtClean="0"/>
-              <a:t>12/19/14</a:t>
+              <a:t>12/24/14</a:t>
             </a:fld>
             <a:endParaRPr lang="en-US"/>
           </a:p>
@@ -3507,6 +3509,61 @@
           </a:p>
         </p:txBody>
       </p:sp>
+      <p:sp>
+        <p:nvSpPr>
+          <p:cNvPr id="2" name="Rectangle 1"/>
+          <p:cNvSpPr/>
+          <p:nvPr/>
+        </p:nvSpPr>
+        <p:spPr>
+          <a:xfrm>
+            <a:off x="831769" y="5495262"/>
+            <a:ext cx="7263527" cy="1200329"/>
+          </a:xfrm>
+          <a:prstGeom prst="rect">
+            <a:avLst/>
+          </a:prstGeom>
+        </p:spPr>
+        <p:txBody>
+          <a:bodyPr wrap="none">
+            <a:spAutoFit/>
+          </a:bodyPr>
+          <a:lstStyle/>
+          <a:p>
+            <a:r>
+              <a:rPr lang="en-US" sz="7200" b="1" dirty="0">
+                <a:latin typeface="Edwardian Script ITC"/>
+                <a:cs typeface="Edwardian Script ITC"/>
+              </a:rPr>
+              <a:t>We're Getting Married!</a:t>
+            </a:r>
+          </a:p>
+        </p:txBody>
+      </p:sp>
+      <p:pic>
+        <p:nvPicPr>
+          <p:cNvPr id="3" name="Picture 2"/>
+          <p:cNvPicPr>
+            <a:picLocks noChangeAspect="1"/>
+          </p:cNvPicPr>
+          <p:nvPr/>
+        </p:nvPicPr>
+        <p:blipFill>
+          <a:blip r:embed="rId2"/>
+          <a:stretch>
+            <a:fillRect/>
+          </a:stretch>
+        </p:blipFill>
+        <p:spPr>
+          <a:xfrm>
+            <a:off x="5531985" y="472503"/>
+            <a:ext cx="3467100" cy="596900"/>
+          </a:xfrm>
+          <a:prstGeom prst="rect">
+            <a:avLst/>
+          </a:prstGeom>
+        </p:spPr>
+      </p:pic>
     </p:spTree>
     <p:extLst>
       <p:ext uri="{BB962C8B-B14F-4D97-AF65-F5344CB8AC3E}">
@@ -3539,30 +3596,32 @@
       </p:grpSpPr>
       <p:sp>
         <p:nvSpPr>
-          <p:cNvPr id="4" name="Rounded Rectangle 3"/>
+          <p:cNvPr id="7" name="Rounded Rectangle 6"/>
           <p:cNvSpPr/>
           <p:nvPr/>
         </p:nvSpPr>
         <p:spPr>
           <a:xfrm>
-            <a:off x="124244" y="138060"/>
-            <a:ext cx="3147510" cy="3147709"/>
+            <a:off x="4824286" y="0"/>
+            <a:ext cx="3863648" cy="3708661"/>
           </a:xfrm>
           <a:prstGeom prst="roundRect">
             <a:avLst/>
           </a:prstGeom>
           <a:solidFill>
-            <a:schemeClr val="accent5">
-              <a:lumMod val="75000"/>
+            <a:schemeClr val="tx2">
+              <a:lumMod val="60000"/>
+              <a:lumOff val="40000"/>
             </a:schemeClr>
           </a:solidFill>
           <a:ln>
             <a:solidFill>
-              <a:schemeClr val="accent5">
+              <a:schemeClr val="accent1">
                 <a:lumMod val="75000"/>
               </a:schemeClr>
             </a:solidFill>
           </a:ln>
+          <a:effectLst/>
         </p:spPr>
         <p:style>
           <a:lnRef idx="1">
@@ -3589,116 +3648,31 @@
       </p:sp>
       <p:sp>
         <p:nvSpPr>
-          <p:cNvPr id="9" name="TextBox 8"/>
-          <p:cNvSpPr txBox="1"/>
-          <p:nvPr/>
-        </p:nvSpPr>
-        <p:spPr>
-          <a:xfrm>
-            <a:off x="627844" y="2080249"/>
-            <a:ext cx="2085082" cy="1200329"/>
-          </a:xfrm>
-          <a:prstGeom prst="rect">
-            <a:avLst/>
-          </a:prstGeom>
-          <a:noFill/>
-        </p:spPr>
-        <p:txBody>
-          <a:bodyPr wrap="square" rtlCol="0">
-            <a:spAutoFit/>
-          </a:bodyPr>
-          <a:lstStyle/>
-          <a:p>
-            <a:pPr algn="ctr"/>
-            <a:r>
-              <a:rPr lang="en-US" sz="7200" b="1" dirty="0" smtClean="0">
-                <a:solidFill>
-                  <a:schemeClr val="bg1"/>
-                </a:solidFill>
-              </a:rPr>
-              <a:t>0 - 5</a:t>
-            </a:r>
-            <a:endParaRPr lang="en-US" sz="7200" b="1" dirty="0">
-              <a:solidFill>
-                <a:schemeClr val="bg1"/>
-              </a:solidFill>
-            </a:endParaRPr>
-          </a:p>
-        </p:txBody>
-      </p:sp>
-      <p:sp>
-        <p:nvSpPr>
-          <p:cNvPr id="10" name="TextBox 9"/>
-          <p:cNvSpPr txBox="1"/>
-          <p:nvPr/>
-        </p:nvSpPr>
-        <p:spPr>
-          <a:xfrm>
-            <a:off x="3955364" y="2521259"/>
-            <a:ext cx="2085082" cy="523220"/>
-          </a:xfrm>
-          <a:prstGeom prst="rect">
-            <a:avLst/>
-          </a:prstGeom>
-          <a:noFill/>
-        </p:spPr>
-        <p:txBody>
-          <a:bodyPr wrap="square" rtlCol="0">
-            <a:spAutoFit/>
-          </a:bodyPr>
-          <a:lstStyle/>
-          <a:p>
-            <a:pPr algn="ctr"/>
-            <a:r>
-              <a:rPr lang="en-US" sz="2800" dirty="0">
-                <a:solidFill>
-                  <a:schemeClr val="bg1"/>
-                </a:solidFill>
-              </a:rPr>
-              <a:t>6</a:t>
-            </a:r>
-            <a:r>
-              <a:rPr lang="en-US" sz="2800" dirty="0" smtClean="0">
-                <a:solidFill>
-                  <a:schemeClr val="bg1"/>
-                </a:solidFill>
-              </a:rPr>
-              <a:t> - 13</a:t>
-            </a:r>
-            <a:endParaRPr lang="en-US" sz="2800" dirty="0">
-              <a:solidFill>
-                <a:schemeClr val="bg1"/>
-              </a:solidFill>
-            </a:endParaRPr>
-          </a:p>
-        </p:txBody>
-      </p:sp>
-      <p:sp>
-        <p:nvSpPr>
-          <p:cNvPr id="13" name="Rounded Rectangle 12"/>
+          <p:cNvPr id="5" name="Rounded Rectangle 4"/>
           <p:cNvSpPr/>
           <p:nvPr/>
         </p:nvSpPr>
         <p:spPr>
           <a:xfrm>
-            <a:off x="96088" y="3569429"/>
-            <a:ext cx="3147510" cy="3147709"/>
+            <a:off x="302893" y="0"/>
+            <a:ext cx="3863648" cy="3708661"/>
           </a:xfrm>
           <a:prstGeom prst="roundRect">
             <a:avLst/>
           </a:prstGeom>
           <a:solidFill>
-            <a:schemeClr val="accent5">
-              <a:lumMod val="75000"/>
+            <a:schemeClr val="accent2">
+              <a:lumMod val="50000"/>
             </a:schemeClr>
           </a:solidFill>
           <a:ln>
             <a:solidFill>
-              <a:schemeClr val="accent5">
-                <a:lumMod val="75000"/>
+              <a:schemeClr val="accent2">
+                <a:lumMod val="50000"/>
               </a:schemeClr>
             </a:solidFill>
           </a:ln>
+          <a:effectLst/>
         </p:spPr>
         <p:style>
           <a:lnRef idx="1">
@@ -3723,331 +3697,9 @@
           </a:p>
         </p:txBody>
       </p:sp>
-      <p:sp>
-        <p:nvSpPr>
-          <p:cNvPr id="20" name="Rounded Rectangle 19"/>
-          <p:cNvSpPr/>
-          <p:nvPr/>
-        </p:nvSpPr>
-        <p:spPr>
-          <a:xfrm>
-            <a:off x="3576008" y="138060"/>
-            <a:ext cx="3147510" cy="3147709"/>
-          </a:xfrm>
-          <a:prstGeom prst="roundRect">
-            <a:avLst/>
-          </a:prstGeom>
-          <a:solidFill>
-            <a:schemeClr val="accent5">
-              <a:lumMod val="75000"/>
-            </a:schemeClr>
-          </a:solidFill>
-          <a:ln>
-            <a:solidFill>
-              <a:schemeClr val="accent5">
-                <a:lumMod val="75000"/>
-              </a:schemeClr>
-            </a:solidFill>
-          </a:ln>
-        </p:spPr>
-        <p:style>
-          <a:lnRef idx="1">
-            <a:schemeClr val="accent1"/>
-          </a:lnRef>
-          <a:fillRef idx="3">
-            <a:schemeClr val="accent1"/>
-          </a:fillRef>
-          <a:effectRef idx="2">
-            <a:schemeClr val="accent1"/>
-          </a:effectRef>
-          <a:fontRef idx="minor">
-            <a:schemeClr val="lt1"/>
-          </a:fontRef>
-        </p:style>
-        <p:txBody>
-          <a:bodyPr rtlCol="0" anchor="ctr"/>
-          <a:lstStyle/>
-          <a:p>
-            <a:pPr algn="ctr"/>
-            <a:endParaRPr lang="en-US"/>
-          </a:p>
-        </p:txBody>
-      </p:sp>
-      <p:sp>
-        <p:nvSpPr>
-          <p:cNvPr id="22" name="TextBox 21"/>
-          <p:cNvSpPr txBox="1"/>
-          <p:nvPr/>
-        </p:nvSpPr>
-        <p:spPr>
-          <a:xfrm>
-            <a:off x="3547852" y="2080249"/>
-            <a:ext cx="3175666" cy="1200329"/>
-          </a:xfrm>
-          <a:prstGeom prst="rect">
-            <a:avLst/>
-          </a:prstGeom>
-          <a:noFill/>
-        </p:spPr>
-        <p:txBody>
-          <a:bodyPr wrap="square" rtlCol="0">
-            <a:spAutoFit/>
-          </a:bodyPr>
-          <a:lstStyle/>
-          <a:p>
-            <a:pPr algn="ctr"/>
-            <a:r>
-              <a:rPr lang="en-US" sz="7200" b="1" dirty="0">
-                <a:solidFill>
-                  <a:schemeClr val="bg1"/>
-                </a:solidFill>
-              </a:rPr>
-              <a:t>6</a:t>
-            </a:r>
-            <a:r>
-              <a:rPr lang="en-US" sz="7200" b="1" dirty="0" smtClean="0">
-                <a:solidFill>
-                  <a:schemeClr val="bg1"/>
-                </a:solidFill>
-              </a:rPr>
-              <a:t> - 13</a:t>
-            </a:r>
-            <a:endParaRPr lang="en-US" sz="7200" b="1" dirty="0">
-              <a:solidFill>
-                <a:schemeClr val="bg1"/>
-              </a:solidFill>
-            </a:endParaRPr>
-          </a:p>
-        </p:txBody>
-      </p:sp>
-      <p:sp>
-        <p:nvSpPr>
-          <p:cNvPr id="19" name="Rounded Rectangle 18"/>
-          <p:cNvSpPr/>
-          <p:nvPr/>
-        </p:nvSpPr>
-        <p:spPr>
-          <a:xfrm>
-            <a:off x="3544804" y="3569429"/>
-            <a:ext cx="3147510" cy="3147709"/>
-          </a:xfrm>
-          <a:prstGeom prst="roundRect">
-            <a:avLst/>
-          </a:prstGeom>
-          <a:solidFill>
-            <a:schemeClr val="accent5">
-              <a:lumMod val="75000"/>
-            </a:schemeClr>
-          </a:solidFill>
-          <a:ln>
-            <a:solidFill>
-              <a:schemeClr val="accent5">
-                <a:lumMod val="75000"/>
-              </a:schemeClr>
-            </a:solidFill>
-          </a:ln>
-        </p:spPr>
-        <p:style>
-          <a:lnRef idx="1">
-            <a:schemeClr val="accent1"/>
-          </a:lnRef>
-          <a:fillRef idx="3">
-            <a:schemeClr val="accent1"/>
-          </a:fillRef>
-          <a:effectRef idx="2">
-            <a:schemeClr val="accent1"/>
-          </a:effectRef>
-          <a:fontRef idx="minor">
-            <a:schemeClr val="lt1"/>
-          </a:fontRef>
-        </p:style>
-        <p:txBody>
-          <a:bodyPr rtlCol="0" anchor="ctr"/>
-          <a:lstStyle/>
-          <a:p>
-            <a:pPr algn="ctr"/>
-            <a:endParaRPr lang="en-US"/>
-          </a:p>
-        </p:txBody>
-      </p:sp>
-      <p:sp>
-        <p:nvSpPr>
-          <p:cNvPr id="24" name="TextBox 23"/>
-          <p:cNvSpPr txBox="1"/>
-          <p:nvPr/>
-        </p:nvSpPr>
-        <p:spPr>
-          <a:xfrm>
-            <a:off x="3544804" y="5511618"/>
-            <a:ext cx="3147510" cy="1200329"/>
-          </a:xfrm>
-          <a:prstGeom prst="rect">
-            <a:avLst/>
-          </a:prstGeom>
-          <a:noFill/>
-        </p:spPr>
-        <p:txBody>
-          <a:bodyPr wrap="square" rtlCol="0">
-            <a:spAutoFit/>
-          </a:bodyPr>
-          <a:lstStyle/>
-          <a:p>
-            <a:pPr algn="ctr"/>
-            <a:r>
-              <a:rPr lang="en-US" sz="7200" b="1" dirty="0" smtClean="0">
-                <a:solidFill>
-                  <a:schemeClr val="bg1"/>
-                </a:solidFill>
-              </a:rPr>
-              <a:t>30 - 59</a:t>
-            </a:r>
-            <a:endParaRPr lang="en-US" sz="7200" b="1" dirty="0">
-              <a:solidFill>
-                <a:schemeClr val="bg1"/>
-              </a:solidFill>
-            </a:endParaRPr>
-          </a:p>
-        </p:txBody>
-      </p:sp>
-      <p:sp>
-        <p:nvSpPr>
-          <p:cNvPr id="26" name="TextBox 25"/>
-          <p:cNvSpPr txBox="1"/>
-          <p:nvPr/>
-        </p:nvSpPr>
-        <p:spPr>
-          <a:xfrm>
-            <a:off x="96088" y="5521383"/>
-            <a:ext cx="3175666" cy="1200329"/>
-          </a:xfrm>
-          <a:prstGeom prst="rect">
-            <a:avLst/>
-          </a:prstGeom>
-          <a:noFill/>
-        </p:spPr>
-        <p:txBody>
-          <a:bodyPr wrap="square" rtlCol="0">
-            <a:spAutoFit/>
-          </a:bodyPr>
-          <a:lstStyle/>
-          <a:p>
-            <a:pPr algn="ctr"/>
-            <a:r>
-              <a:rPr lang="en-US" sz="7200" b="1" dirty="0" smtClean="0">
-                <a:solidFill>
-                  <a:schemeClr val="bg1"/>
-                </a:solidFill>
-              </a:rPr>
-              <a:t>21</a:t>
-            </a:r>
-            <a:r>
-              <a:rPr lang="en-US" sz="7200" b="1" dirty="0" smtClean="0">
-                <a:solidFill>
-                  <a:schemeClr val="bg1"/>
-                </a:solidFill>
-              </a:rPr>
-              <a:t> - 29</a:t>
-            </a:r>
-            <a:endParaRPr lang="en-US" sz="7200" b="1" dirty="0">
-              <a:solidFill>
-                <a:schemeClr val="bg1"/>
-              </a:solidFill>
-            </a:endParaRPr>
-          </a:p>
-        </p:txBody>
-      </p:sp>
-      <p:sp>
-        <p:nvSpPr>
-          <p:cNvPr id="27" name="Rounded Rectangle 26"/>
-          <p:cNvSpPr/>
-          <p:nvPr/>
-        </p:nvSpPr>
-        <p:spPr>
-          <a:xfrm>
-            <a:off x="7000161" y="3564238"/>
-            <a:ext cx="3147510" cy="3147709"/>
-          </a:xfrm>
-          <a:prstGeom prst="roundRect">
-            <a:avLst/>
-          </a:prstGeom>
-          <a:solidFill>
-            <a:schemeClr val="accent5">
-              <a:lumMod val="75000"/>
-            </a:schemeClr>
-          </a:solidFill>
-          <a:ln>
-            <a:solidFill>
-              <a:schemeClr val="accent5">
-                <a:lumMod val="75000"/>
-              </a:schemeClr>
-            </a:solidFill>
-          </a:ln>
-        </p:spPr>
-        <p:style>
-          <a:lnRef idx="1">
-            <a:schemeClr val="accent1"/>
-          </a:lnRef>
-          <a:fillRef idx="3">
-            <a:schemeClr val="accent1"/>
-          </a:fillRef>
-          <a:effectRef idx="2">
-            <a:schemeClr val="accent1"/>
-          </a:effectRef>
-          <a:fontRef idx="minor">
-            <a:schemeClr val="lt1"/>
-          </a:fontRef>
-        </p:style>
-        <p:txBody>
-          <a:bodyPr rtlCol="0" anchor="ctr"/>
-          <a:lstStyle/>
-          <a:p>
-            <a:pPr algn="ctr"/>
-            <a:endParaRPr lang="en-US"/>
-          </a:p>
-        </p:txBody>
-      </p:sp>
-      <p:sp>
-        <p:nvSpPr>
-          <p:cNvPr id="28" name="TextBox 27"/>
-          <p:cNvSpPr txBox="1"/>
-          <p:nvPr/>
-        </p:nvSpPr>
-        <p:spPr>
-          <a:xfrm>
-            <a:off x="7132082" y="5506427"/>
-            <a:ext cx="3147510" cy="1200329"/>
-          </a:xfrm>
-          <a:prstGeom prst="rect">
-            <a:avLst/>
-          </a:prstGeom>
-          <a:noFill/>
-        </p:spPr>
-        <p:txBody>
-          <a:bodyPr wrap="square" rtlCol="0">
-            <a:spAutoFit/>
-          </a:bodyPr>
-          <a:lstStyle/>
-          <a:p>
-            <a:pPr algn="ctr"/>
-            <a:r>
-              <a:rPr lang="en-US" sz="7200" b="1" dirty="0" smtClean="0">
-                <a:solidFill>
-                  <a:schemeClr val="bg1"/>
-                </a:solidFill>
-              </a:rPr>
-              <a:t>60+</a:t>
-            </a:r>
-            <a:endParaRPr lang="en-US" sz="7200" b="1" dirty="0">
-              <a:solidFill>
-                <a:schemeClr val="bg1"/>
-              </a:solidFill>
-            </a:endParaRPr>
-          </a:p>
-        </p:txBody>
-      </p:sp>
       <p:pic>
         <p:nvPicPr>
-          <p:cNvPr id="3" name="Picture 2"/>
+          <p:cNvPr id="4" name="Picture 3"/>
           <p:cNvPicPr>
             <a:picLocks noChangeAspect="1"/>
           </p:cNvPicPr>
@@ -4061,8 +3713,8 @@
         </p:blipFill>
         <p:spPr>
           <a:xfrm>
-            <a:off x="828815" y="3735097"/>
-            <a:ext cx="1674642" cy="1786285"/>
+            <a:off x="538169" y="333368"/>
+            <a:ext cx="1346039" cy="2955433"/>
           </a:xfrm>
           <a:prstGeom prst="rect">
             <a:avLst/>
@@ -4071,7 +3723,7 @@
       </p:pic>
       <p:pic>
         <p:nvPicPr>
-          <p:cNvPr id="5" name="Picture 4"/>
+          <p:cNvPr id="6" name="Picture 5"/>
           <p:cNvPicPr>
             <a:picLocks noChangeAspect="1"/>
           </p:cNvPicPr>
@@ -4085,111 +3737,42 @@
         </p:blipFill>
         <p:spPr>
           <a:xfrm>
-            <a:off x="7724930" y="3735097"/>
-            <a:ext cx="1633344" cy="1742234"/>
+            <a:off x="7186092" y="333367"/>
+            <a:ext cx="1102773" cy="2955433"/>
           </a:xfrm>
           <a:prstGeom prst="rect">
             <a:avLst/>
           </a:prstGeom>
         </p:spPr>
       </p:pic>
-      <p:pic>
-        <p:nvPicPr>
-          <p:cNvPr id="17" name="Picture 16"/>
-          <p:cNvPicPr>
-            <a:picLocks noChangeAspect="1"/>
-          </p:cNvPicPr>
-          <p:nvPr/>
-        </p:nvPicPr>
-        <p:blipFill>
-          <a:blip r:embed="rId4"/>
-          <a:stretch>
-            <a:fillRect/>
-          </a:stretch>
-        </p:blipFill>
-        <p:spPr>
-          <a:xfrm>
-            <a:off x="990600" y="304800"/>
-            <a:ext cx="1365029" cy="1942189"/>
-          </a:xfrm>
-          <a:prstGeom prst="rect">
-            <a:avLst/>
-          </a:prstGeom>
-        </p:spPr>
-      </p:pic>
-      <p:sp>
-        <p:nvSpPr>
-          <p:cNvPr id="32" name="TextBox 31"/>
-          <p:cNvSpPr txBox="1"/>
-          <p:nvPr/>
-        </p:nvSpPr>
-        <p:spPr>
-          <a:xfrm>
-            <a:off x="7414302" y="2516068"/>
-            <a:ext cx="2085082" cy="523220"/>
-          </a:xfrm>
-          <a:prstGeom prst="rect">
-            <a:avLst/>
-          </a:prstGeom>
-          <a:noFill/>
-        </p:spPr>
-        <p:txBody>
-          <a:bodyPr wrap="square" rtlCol="0">
-            <a:spAutoFit/>
-          </a:bodyPr>
-          <a:lstStyle/>
-          <a:p>
-            <a:pPr algn="ctr"/>
-            <a:r>
-              <a:rPr lang="en-US" sz="2800" dirty="0">
-                <a:solidFill>
-                  <a:schemeClr val="bg1"/>
-                </a:solidFill>
-              </a:rPr>
-              <a:t>6</a:t>
-            </a:r>
-            <a:r>
-              <a:rPr lang="en-US" sz="2800" dirty="0" smtClean="0">
-                <a:solidFill>
-                  <a:schemeClr val="bg1"/>
-                </a:solidFill>
-              </a:rPr>
-              <a:t> - 13</a:t>
-            </a:r>
-            <a:endParaRPr lang="en-US" sz="2800" dirty="0">
-              <a:solidFill>
-                <a:schemeClr val="bg1"/>
-              </a:solidFill>
-            </a:endParaRPr>
-          </a:p>
-        </p:txBody>
-      </p:sp>
-      <p:sp>
-        <p:nvSpPr>
-          <p:cNvPr id="33" name="Rounded Rectangle 32"/>
+      <p:sp>
+        <p:nvSpPr>
+          <p:cNvPr id="8" name="Rounded Rectangle 7"/>
           <p:cNvSpPr/>
           <p:nvPr/>
         </p:nvSpPr>
         <p:spPr>
           <a:xfrm>
-            <a:off x="7034946" y="132869"/>
-            <a:ext cx="3147510" cy="3147709"/>
+            <a:off x="4824286" y="4062619"/>
+            <a:ext cx="3863648" cy="3708661"/>
           </a:xfrm>
           <a:prstGeom prst="roundRect">
             <a:avLst/>
           </a:prstGeom>
           <a:solidFill>
-            <a:schemeClr val="accent5">
-              <a:lumMod val="75000"/>
+            <a:schemeClr val="tx2">
+              <a:lumMod val="60000"/>
+              <a:lumOff val="40000"/>
             </a:schemeClr>
           </a:solidFill>
           <a:ln>
             <a:solidFill>
-              <a:schemeClr val="accent5">
+              <a:schemeClr val="accent1">
                 <a:lumMod val="75000"/>
               </a:schemeClr>
             </a:solidFill>
           </a:ln>
+          <a:effectLst/>
         </p:spPr>
         <p:style>
           <a:lnRef idx="1">
@@ -4216,61 +3799,73 @@
       </p:sp>
       <p:sp>
         <p:nvSpPr>
-          <p:cNvPr id="34" name="TextBox 33"/>
-          <p:cNvSpPr txBox="1"/>
-          <p:nvPr/>
-        </p:nvSpPr>
-        <p:spPr>
-          <a:xfrm>
-            <a:off x="7006790" y="2075058"/>
-            <a:ext cx="3175666" cy="1200329"/>
-          </a:xfrm>
-          <a:prstGeom prst="rect">
-            <a:avLst/>
-          </a:prstGeom>
-          <a:noFill/>
-        </p:spPr>
-        <p:txBody>
-          <a:bodyPr wrap="square" rtlCol="0">
-            <a:spAutoFit/>
-          </a:bodyPr>
-          <a:lstStyle/>
-          <a:p>
-            <a:pPr algn="ctr"/>
-            <a:r>
-              <a:rPr lang="en-US" sz="7200" b="1" dirty="0" smtClean="0">
-                <a:solidFill>
-                  <a:schemeClr val="bg1"/>
-                </a:solidFill>
-              </a:rPr>
-              <a:t>14 - 20</a:t>
-            </a:r>
-            <a:endParaRPr lang="en-US" sz="7200" b="1" dirty="0">
-              <a:solidFill>
-                <a:schemeClr val="bg1"/>
-              </a:solidFill>
-            </a:endParaRPr>
+          <p:cNvPr id="9" name="Rounded Rectangle 8"/>
+          <p:cNvSpPr/>
+          <p:nvPr/>
+        </p:nvSpPr>
+        <p:spPr>
+          <a:xfrm>
+            <a:off x="248506" y="4062619"/>
+            <a:ext cx="3863648" cy="3708661"/>
+          </a:xfrm>
+          <a:prstGeom prst="roundRect">
+            <a:avLst/>
+          </a:prstGeom>
+          <a:solidFill>
+            <a:schemeClr val="accent2">
+              <a:lumMod val="50000"/>
+            </a:schemeClr>
+          </a:solidFill>
+          <a:ln>
+            <a:solidFill>
+              <a:schemeClr val="accent2">
+                <a:lumMod val="50000"/>
+              </a:schemeClr>
+            </a:solidFill>
+          </a:ln>
+          <a:effectLst/>
+        </p:spPr>
+        <p:style>
+          <a:lnRef idx="1">
+            <a:schemeClr val="accent1"/>
+          </a:lnRef>
+          <a:fillRef idx="3">
+            <a:schemeClr val="accent1"/>
+          </a:fillRef>
+          <a:effectRef idx="2">
+            <a:schemeClr val="accent1"/>
+          </a:effectRef>
+          <a:fontRef idx="minor">
+            <a:schemeClr val="lt1"/>
+          </a:fontRef>
+        </p:style>
+        <p:txBody>
+          <a:bodyPr rtlCol="0" anchor="ctr"/>
+          <a:lstStyle/>
+          <a:p>
+            <a:pPr algn="ctr"/>
+            <a:endParaRPr lang="en-US"/>
           </a:p>
         </p:txBody>
       </p:sp>
       <p:pic>
         <p:nvPicPr>
-          <p:cNvPr id="35" name="Picture 34"/>
+          <p:cNvPr id="10" name="Picture 9"/>
           <p:cNvPicPr>
             <a:picLocks noChangeAspect="1"/>
           </p:cNvPicPr>
           <p:nvPr/>
         </p:nvPicPr>
         <p:blipFill>
-          <a:blip r:embed="rId5"/>
+          <a:blip r:embed="rId2"/>
           <a:stretch>
             <a:fillRect/>
           </a:stretch>
         </p:blipFill>
         <p:spPr>
           <a:xfrm>
-            <a:off x="7840206" y="298538"/>
-            <a:ext cx="1630956" cy="1786285"/>
+            <a:off x="483782" y="4395987"/>
+            <a:ext cx="1346039" cy="2955433"/>
           </a:xfrm>
           <a:prstGeom prst="rect">
             <a:avLst/>
@@ -4279,22 +3874,349 @@
       </p:pic>
       <p:pic>
         <p:nvPicPr>
-          <p:cNvPr id="36" name="Picture 35"/>
+          <p:cNvPr id="11" name="Picture 10"/>
           <p:cNvPicPr>
             <a:picLocks noChangeAspect="1"/>
           </p:cNvPicPr>
           <p:nvPr/>
         </p:nvPicPr>
         <p:blipFill>
-          <a:blip r:embed="rId6"/>
+          <a:blip r:embed="rId3"/>
           <a:stretch>
             <a:fillRect/>
           </a:stretch>
         </p:blipFill>
         <p:spPr>
           <a:xfrm>
-            <a:off x="4290266" y="304800"/>
-            <a:ext cx="1697222" cy="1806218"/>
+            <a:off x="7186092" y="4395986"/>
+            <a:ext cx="1102773" cy="2955433"/>
+          </a:xfrm>
+          <a:prstGeom prst="rect">
+            <a:avLst/>
+          </a:prstGeom>
+        </p:spPr>
+      </p:pic>
+      <p:sp>
+        <p:nvSpPr>
+          <p:cNvPr id="14" name="Rectangle 13"/>
+          <p:cNvSpPr/>
+          <p:nvPr/>
+        </p:nvSpPr>
+        <p:spPr>
+          <a:xfrm rot="20640718" flipH="1">
+            <a:off x="1505405" y="4876412"/>
+            <a:ext cx="373789" cy="1246250"/>
+          </a:xfrm>
+          <a:prstGeom prst="rect">
+            <a:avLst/>
+          </a:prstGeom>
+          <a:solidFill>
+            <a:schemeClr val="accent2">
+              <a:lumMod val="50000"/>
+            </a:schemeClr>
+          </a:solidFill>
+          <a:ln>
+            <a:noFill/>
+          </a:ln>
+          <a:effectLst/>
+        </p:spPr>
+        <p:style>
+          <a:lnRef idx="1">
+            <a:schemeClr val="accent1"/>
+          </a:lnRef>
+          <a:fillRef idx="3">
+            <a:schemeClr val="accent1"/>
+          </a:fillRef>
+          <a:effectRef idx="2">
+            <a:schemeClr val="accent1"/>
+          </a:effectRef>
+          <a:fontRef idx="minor">
+            <a:schemeClr val="lt1"/>
+          </a:fontRef>
+        </p:style>
+        <p:txBody>
+          <a:bodyPr rtlCol="0" anchor="ctr"/>
+          <a:lstStyle/>
+          <a:p>
+            <a:pPr algn="ctr"/>
+            <a:endParaRPr lang="en-US"/>
+          </a:p>
+        </p:txBody>
+      </p:sp>
+      <p:sp>
+        <p:nvSpPr>
+          <p:cNvPr id="15" name="Rectangle 14"/>
+          <p:cNvSpPr/>
+          <p:nvPr/>
+        </p:nvSpPr>
+        <p:spPr>
+          <a:xfrm>
+            <a:off x="8039275" y="4778546"/>
+            <a:ext cx="407236" cy="2231854"/>
+          </a:xfrm>
+          <a:prstGeom prst="rect">
+            <a:avLst/>
+          </a:prstGeom>
+          <a:solidFill>
+            <a:schemeClr val="tx2">
+              <a:lumMod val="60000"/>
+              <a:lumOff val="40000"/>
+            </a:schemeClr>
+          </a:solidFill>
+          <a:ln>
+            <a:noFill/>
+          </a:ln>
+          <a:effectLst/>
+        </p:spPr>
+        <p:style>
+          <a:lnRef idx="1">
+            <a:schemeClr val="accent1"/>
+          </a:lnRef>
+          <a:fillRef idx="3">
+            <a:schemeClr val="accent1"/>
+          </a:fillRef>
+          <a:effectRef idx="2">
+            <a:schemeClr val="accent1"/>
+          </a:effectRef>
+          <a:fontRef idx="minor">
+            <a:schemeClr val="lt1"/>
+          </a:fontRef>
+        </p:style>
+        <p:txBody>
+          <a:bodyPr rtlCol="0" anchor="ctr"/>
+          <a:lstStyle/>
+          <a:p>
+            <a:pPr algn="ctr"/>
+            <a:endParaRPr lang="en-US"/>
+          </a:p>
+        </p:txBody>
+      </p:sp>
+      <p:sp>
+        <p:nvSpPr>
+          <p:cNvPr id="18" name="Rectangle 17"/>
+          <p:cNvSpPr/>
+          <p:nvPr/>
+        </p:nvSpPr>
+        <p:spPr>
+          <a:xfrm rot="894166" flipH="1">
+            <a:off x="456665" y="4845245"/>
+            <a:ext cx="385497" cy="1246250"/>
+          </a:xfrm>
+          <a:prstGeom prst="rect">
+            <a:avLst/>
+          </a:prstGeom>
+          <a:solidFill>
+            <a:schemeClr val="accent2">
+              <a:lumMod val="50000"/>
+            </a:schemeClr>
+          </a:solidFill>
+          <a:ln>
+            <a:noFill/>
+          </a:ln>
+          <a:effectLst/>
+        </p:spPr>
+        <p:style>
+          <a:lnRef idx="1">
+            <a:schemeClr val="accent1"/>
+          </a:lnRef>
+          <a:fillRef idx="3">
+            <a:schemeClr val="accent1"/>
+          </a:fillRef>
+          <a:effectRef idx="2">
+            <a:schemeClr val="accent1"/>
+          </a:effectRef>
+          <a:fontRef idx="minor">
+            <a:schemeClr val="lt1"/>
+          </a:fontRef>
+        </p:style>
+        <p:txBody>
+          <a:bodyPr rtlCol="0" anchor="ctr"/>
+          <a:lstStyle/>
+          <a:p>
+            <a:pPr algn="ctr"/>
+            <a:endParaRPr lang="en-US"/>
+          </a:p>
+        </p:txBody>
+      </p:sp>
+      <p:sp>
+        <p:nvSpPr>
+          <p:cNvPr id="20" name="Rectangle 19"/>
+          <p:cNvSpPr/>
+          <p:nvPr/>
+        </p:nvSpPr>
+        <p:spPr>
+          <a:xfrm>
+            <a:off x="7010400" y="4953000"/>
+            <a:ext cx="407236" cy="2231854"/>
+          </a:xfrm>
+          <a:prstGeom prst="rect">
+            <a:avLst/>
+          </a:prstGeom>
+          <a:solidFill>
+            <a:schemeClr val="tx2">
+              <a:lumMod val="60000"/>
+              <a:lumOff val="40000"/>
+            </a:schemeClr>
+          </a:solidFill>
+          <a:ln>
+            <a:noFill/>
+          </a:ln>
+          <a:effectLst/>
+        </p:spPr>
+        <p:style>
+          <a:lnRef idx="1">
+            <a:schemeClr val="accent1"/>
+          </a:lnRef>
+          <a:fillRef idx="3">
+            <a:schemeClr val="accent1"/>
+          </a:fillRef>
+          <a:effectRef idx="2">
+            <a:schemeClr val="accent1"/>
+          </a:effectRef>
+          <a:fontRef idx="minor">
+            <a:schemeClr val="lt1"/>
+          </a:fontRef>
+        </p:style>
+        <p:txBody>
+          <a:bodyPr rtlCol="0" anchor="ctr"/>
+          <a:lstStyle/>
+          <a:p>
+            <a:pPr algn="ctr"/>
+            <a:endParaRPr lang="en-US"/>
+          </a:p>
+        </p:txBody>
+      </p:sp>
+      <p:pic>
+        <p:nvPicPr>
+          <p:cNvPr id="21" name="Picture 20"/>
+          <p:cNvPicPr>
+            <a:picLocks noChangeAspect="1"/>
+          </p:cNvPicPr>
+          <p:nvPr/>
+        </p:nvPicPr>
+        <p:blipFill rotWithShape="1">
+          <a:blip r:embed="rId3"/>
+          <a:srcRect r="80429" b="41502"/>
+          <a:stretch/>
+        </p:blipFill>
+        <p:spPr>
+          <a:xfrm rot="10800000">
+            <a:off x="1406261" y="4109274"/>
+            <a:ext cx="215828" cy="1728866"/>
+          </a:xfrm>
+          <a:prstGeom prst="rect">
+            <a:avLst/>
+          </a:prstGeom>
+        </p:spPr>
+      </p:pic>
+      <p:pic>
+        <p:nvPicPr>
+          <p:cNvPr id="22" name="Picture 21"/>
+          <p:cNvPicPr>
+            <a:picLocks noChangeAspect="1"/>
+          </p:cNvPicPr>
+          <p:nvPr/>
+        </p:nvPicPr>
+        <p:blipFill rotWithShape="1">
+          <a:blip r:embed="rId3"/>
+          <a:srcRect r="80429" b="41502"/>
+          <a:stretch/>
+        </p:blipFill>
+        <p:spPr>
+          <a:xfrm rot="10800000" flipH="1">
+            <a:off x="705236" y="4109274"/>
+            <a:ext cx="215828" cy="1728866"/>
+          </a:xfrm>
+          <a:prstGeom prst="rect">
+            <a:avLst/>
+          </a:prstGeom>
+        </p:spPr>
+      </p:pic>
+      <p:sp>
+        <p:nvSpPr>
+          <p:cNvPr id="23" name="Rectangle 22"/>
+          <p:cNvSpPr/>
+          <p:nvPr/>
+        </p:nvSpPr>
+        <p:spPr>
+          <a:xfrm rot="5400000" flipH="1">
+            <a:off x="1048275" y="4742924"/>
+            <a:ext cx="241173" cy="661324"/>
+          </a:xfrm>
+          <a:prstGeom prst="rect">
+            <a:avLst/>
+          </a:prstGeom>
+          <a:solidFill>
+            <a:schemeClr val="bg1"/>
+          </a:solidFill>
+          <a:ln>
+            <a:noFill/>
+          </a:ln>
+          <a:effectLst/>
+        </p:spPr>
+        <p:style>
+          <a:lnRef idx="1">
+            <a:schemeClr val="accent1"/>
+          </a:lnRef>
+          <a:fillRef idx="3">
+            <a:schemeClr val="accent1"/>
+          </a:fillRef>
+          <a:effectRef idx="2">
+            <a:schemeClr val="accent1"/>
+          </a:effectRef>
+          <a:fontRef idx="minor">
+            <a:schemeClr val="lt1"/>
+          </a:fontRef>
+        </p:style>
+        <p:txBody>
+          <a:bodyPr rtlCol="0" anchor="ctr"/>
+          <a:lstStyle/>
+          <a:p>
+            <a:pPr algn="ctr"/>
+            <a:endParaRPr lang="en-US"/>
+          </a:p>
+        </p:txBody>
+      </p:sp>
+      <p:pic>
+        <p:nvPicPr>
+          <p:cNvPr id="24" name="Picture 23"/>
+          <p:cNvPicPr>
+            <a:picLocks noChangeAspect="1"/>
+          </p:cNvPicPr>
+          <p:nvPr/>
+        </p:nvPicPr>
+        <p:blipFill rotWithShape="1">
+          <a:blip r:embed="rId3"/>
+          <a:srcRect r="80429" b="41502"/>
+          <a:stretch/>
+        </p:blipFill>
+        <p:spPr>
+          <a:xfrm rot="10800000">
+            <a:off x="8021007" y="4109274"/>
+            <a:ext cx="215828" cy="1728866"/>
+          </a:xfrm>
+          <a:prstGeom prst="rect">
+            <a:avLst/>
+          </a:prstGeom>
+        </p:spPr>
+      </p:pic>
+      <p:pic>
+        <p:nvPicPr>
+          <p:cNvPr id="25" name="Picture 24"/>
+          <p:cNvPicPr>
+            <a:picLocks noChangeAspect="1"/>
+          </p:cNvPicPr>
+          <p:nvPr/>
+        </p:nvPicPr>
+        <p:blipFill rotWithShape="1">
+          <a:blip r:embed="rId3"/>
+          <a:srcRect r="80429" b="41502"/>
+          <a:stretch/>
+        </p:blipFill>
+        <p:spPr>
+          <a:xfrm rot="10800000" flipH="1">
+            <a:off x="7230336" y="4109274"/>
+            <a:ext cx="215828" cy="1728866"/>
           </a:xfrm>
           <a:prstGeom prst="rect">
             <a:avLst/>
@@ -4304,7 +4226,7 @@
     </p:spTree>
     <p:extLst>
       <p:ext uri="{BB962C8B-B14F-4D97-AF65-F5344CB8AC3E}">
-        <p14:creationId xmlns:p14="http://schemas.microsoft.com/office/powerpoint/2010/main" val="877488005"/>
+        <p14:creationId xmlns:p14="http://schemas.microsoft.com/office/powerpoint/2010/main" val="350364131"/>
       </p:ext>
     </p:extLst>
   </p:cSld>
@@ -4333,26 +4255,26 @@
       </p:grpSpPr>
       <p:sp>
         <p:nvSpPr>
-          <p:cNvPr id="34" name="Rounded Rectangle 33"/>
+          <p:cNvPr id="33" name="Rounded Rectangle 32"/>
           <p:cNvSpPr/>
           <p:nvPr/>
         </p:nvSpPr>
         <p:spPr>
           <a:xfrm>
-            <a:off x="10361350" y="138060"/>
+            <a:off x="7034946" y="132869"/>
             <a:ext cx="3147510" cy="3147709"/>
           </a:xfrm>
           <a:prstGeom prst="roundRect">
             <a:avLst/>
           </a:prstGeom>
           <a:solidFill>
-            <a:schemeClr val="accent2">
+            <a:schemeClr val="accent5">
               <a:lumMod val="75000"/>
             </a:schemeClr>
           </a:solidFill>
           <a:ln>
             <a:solidFill>
-              <a:schemeClr val="accent2">
+              <a:schemeClr val="accent5">
                 <a:lumMod val="75000"/>
               </a:schemeClr>
             </a:solidFill>
@@ -4381,9 +4303,509 @@
           </a:p>
         </p:txBody>
       </p:sp>
+      <p:sp>
+        <p:nvSpPr>
+          <p:cNvPr id="4" name="Rounded Rectangle 3"/>
+          <p:cNvSpPr/>
+          <p:nvPr/>
+        </p:nvSpPr>
+        <p:spPr>
+          <a:xfrm>
+            <a:off x="124244" y="138060"/>
+            <a:ext cx="3147510" cy="3147709"/>
+          </a:xfrm>
+          <a:prstGeom prst="roundRect">
+            <a:avLst/>
+          </a:prstGeom>
+          <a:solidFill>
+            <a:schemeClr val="accent5">
+              <a:lumMod val="75000"/>
+            </a:schemeClr>
+          </a:solidFill>
+          <a:ln>
+            <a:solidFill>
+              <a:schemeClr val="accent5">
+                <a:lumMod val="75000"/>
+              </a:schemeClr>
+            </a:solidFill>
+          </a:ln>
+        </p:spPr>
+        <p:style>
+          <a:lnRef idx="1">
+            <a:schemeClr val="accent1"/>
+          </a:lnRef>
+          <a:fillRef idx="3">
+            <a:schemeClr val="accent1"/>
+          </a:fillRef>
+          <a:effectRef idx="2">
+            <a:schemeClr val="accent1"/>
+          </a:effectRef>
+          <a:fontRef idx="minor">
+            <a:schemeClr val="lt1"/>
+          </a:fontRef>
+        </p:style>
+        <p:txBody>
+          <a:bodyPr rtlCol="0" anchor="ctr"/>
+          <a:lstStyle/>
+          <a:p>
+            <a:pPr algn="ctr"/>
+            <a:endParaRPr lang="en-US"/>
+          </a:p>
+        </p:txBody>
+      </p:sp>
+      <p:sp>
+        <p:nvSpPr>
+          <p:cNvPr id="9" name="TextBox 8"/>
+          <p:cNvSpPr txBox="1"/>
+          <p:nvPr/>
+        </p:nvSpPr>
+        <p:spPr>
+          <a:xfrm>
+            <a:off x="627844" y="2080249"/>
+            <a:ext cx="2085082" cy="1200329"/>
+          </a:xfrm>
+          <a:prstGeom prst="rect">
+            <a:avLst/>
+          </a:prstGeom>
+          <a:noFill/>
+        </p:spPr>
+        <p:txBody>
+          <a:bodyPr wrap="square" rtlCol="0">
+            <a:spAutoFit/>
+          </a:bodyPr>
+          <a:lstStyle/>
+          <a:p>
+            <a:pPr algn="ctr"/>
+            <a:r>
+              <a:rPr lang="en-US" sz="7200" b="1" dirty="0" smtClean="0">
+                <a:solidFill>
+                  <a:schemeClr val="bg1"/>
+                </a:solidFill>
+              </a:rPr>
+              <a:t>0 - 5</a:t>
+            </a:r>
+            <a:endParaRPr lang="en-US" sz="7200" b="1" dirty="0">
+              <a:solidFill>
+                <a:schemeClr val="bg1"/>
+              </a:solidFill>
+            </a:endParaRPr>
+          </a:p>
+        </p:txBody>
+      </p:sp>
+      <p:sp>
+        <p:nvSpPr>
+          <p:cNvPr id="10" name="TextBox 9"/>
+          <p:cNvSpPr txBox="1"/>
+          <p:nvPr/>
+        </p:nvSpPr>
+        <p:spPr>
+          <a:xfrm>
+            <a:off x="3955364" y="2521259"/>
+            <a:ext cx="2085082" cy="523220"/>
+          </a:xfrm>
+          <a:prstGeom prst="rect">
+            <a:avLst/>
+          </a:prstGeom>
+          <a:noFill/>
+        </p:spPr>
+        <p:txBody>
+          <a:bodyPr wrap="square" rtlCol="0">
+            <a:spAutoFit/>
+          </a:bodyPr>
+          <a:lstStyle/>
+          <a:p>
+            <a:pPr algn="ctr"/>
+            <a:r>
+              <a:rPr lang="en-US" sz="2800" dirty="0">
+                <a:solidFill>
+                  <a:schemeClr val="bg1"/>
+                </a:solidFill>
+              </a:rPr>
+              <a:t>6</a:t>
+            </a:r>
+            <a:r>
+              <a:rPr lang="en-US" sz="2800" dirty="0" smtClean="0">
+                <a:solidFill>
+                  <a:schemeClr val="bg1"/>
+                </a:solidFill>
+              </a:rPr>
+              <a:t> - 13</a:t>
+            </a:r>
+            <a:endParaRPr lang="en-US" sz="2800" dirty="0">
+              <a:solidFill>
+                <a:schemeClr val="bg1"/>
+              </a:solidFill>
+            </a:endParaRPr>
+          </a:p>
+        </p:txBody>
+      </p:sp>
+      <p:sp>
+        <p:nvSpPr>
+          <p:cNvPr id="13" name="Rounded Rectangle 12"/>
+          <p:cNvSpPr/>
+          <p:nvPr/>
+        </p:nvSpPr>
+        <p:spPr>
+          <a:xfrm>
+            <a:off x="96088" y="3569429"/>
+            <a:ext cx="3147510" cy="3147709"/>
+          </a:xfrm>
+          <a:prstGeom prst="roundRect">
+            <a:avLst/>
+          </a:prstGeom>
+          <a:solidFill>
+            <a:schemeClr val="accent5">
+              <a:lumMod val="75000"/>
+            </a:schemeClr>
+          </a:solidFill>
+          <a:ln>
+            <a:solidFill>
+              <a:schemeClr val="accent5">
+                <a:lumMod val="75000"/>
+              </a:schemeClr>
+            </a:solidFill>
+          </a:ln>
+        </p:spPr>
+        <p:style>
+          <a:lnRef idx="1">
+            <a:schemeClr val="accent1"/>
+          </a:lnRef>
+          <a:fillRef idx="3">
+            <a:schemeClr val="accent1"/>
+          </a:fillRef>
+          <a:effectRef idx="2">
+            <a:schemeClr val="accent1"/>
+          </a:effectRef>
+          <a:fontRef idx="minor">
+            <a:schemeClr val="lt1"/>
+          </a:fontRef>
+        </p:style>
+        <p:txBody>
+          <a:bodyPr rtlCol="0" anchor="ctr"/>
+          <a:lstStyle/>
+          <a:p>
+            <a:pPr algn="ctr"/>
+            <a:endParaRPr lang="en-US"/>
+          </a:p>
+        </p:txBody>
+      </p:sp>
+      <p:sp>
+        <p:nvSpPr>
+          <p:cNvPr id="20" name="Rounded Rectangle 19"/>
+          <p:cNvSpPr/>
+          <p:nvPr/>
+        </p:nvSpPr>
+        <p:spPr>
+          <a:xfrm>
+            <a:off x="3576008" y="138060"/>
+            <a:ext cx="3147510" cy="3147709"/>
+          </a:xfrm>
+          <a:prstGeom prst="roundRect">
+            <a:avLst/>
+          </a:prstGeom>
+          <a:solidFill>
+            <a:schemeClr val="accent5">
+              <a:lumMod val="75000"/>
+            </a:schemeClr>
+          </a:solidFill>
+          <a:ln>
+            <a:solidFill>
+              <a:schemeClr val="accent5">
+                <a:lumMod val="75000"/>
+              </a:schemeClr>
+            </a:solidFill>
+          </a:ln>
+        </p:spPr>
+        <p:style>
+          <a:lnRef idx="1">
+            <a:schemeClr val="accent1"/>
+          </a:lnRef>
+          <a:fillRef idx="3">
+            <a:schemeClr val="accent1"/>
+          </a:fillRef>
+          <a:effectRef idx="2">
+            <a:schemeClr val="accent1"/>
+          </a:effectRef>
+          <a:fontRef idx="minor">
+            <a:schemeClr val="lt1"/>
+          </a:fontRef>
+        </p:style>
+        <p:txBody>
+          <a:bodyPr rtlCol="0" anchor="ctr"/>
+          <a:lstStyle/>
+          <a:p>
+            <a:pPr algn="ctr"/>
+            <a:endParaRPr lang="en-US"/>
+          </a:p>
+        </p:txBody>
+      </p:sp>
+      <p:sp>
+        <p:nvSpPr>
+          <p:cNvPr id="22" name="TextBox 21"/>
+          <p:cNvSpPr txBox="1"/>
+          <p:nvPr/>
+        </p:nvSpPr>
+        <p:spPr>
+          <a:xfrm>
+            <a:off x="3547852" y="2080249"/>
+            <a:ext cx="3175666" cy="1200329"/>
+          </a:xfrm>
+          <a:prstGeom prst="rect">
+            <a:avLst/>
+          </a:prstGeom>
+          <a:noFill/>
+        </p:spPr>
+        <p:txBody>
+          <a:bodyPr wrap="square" rtlCol="0">
+            <a:spAutoFit/>
+          </a:bodyPr>
+          <a:lstStyle/>
+          <a:p>
+            <a:pPr algn="ctr"/>
+            <a:r>
+              <a:rPr lang="en-US" sz="7200" b="1" dirty="0">
+                <a:solidFill>
+                  <a:schemeClr val="bg1"/>
+                </a:solidFill>
+              </a:rPr>
+              <a:t>6</a:t>
+            </a:r>
+            <a:r>
+              <a:rPr lang="en-US" sz="7200" b="1" dirty="0" smtClean="0">
+                <a:solidFill>
+                  <a:schemeClr val="bg1"/>
+                </a:solidFill>
+              </a:rPr>
+              <a:t> - 13</a:t>
+            </a:r>
+            <a:endParaRPr lang="en-US" sz="7200" b="1" dirty="0">
+              <a:solidFill>
+                <a:schemeClr val="bg1"/>
+              </a:solidFill>
+            </a:endParaRPr>
+          </a:p>
+        </p:txBody>
+      </p:sp>
+      <p:sp>
+        <p:nvSpPr>
+          <p:cNvPr id="19" name="Rounded Rectangle 18"/>
+          <p:cNvSpPr/>
+          <p:nvPr/>
+        </p:nvSpPr>
+        <p:spPr>
+          <a:xfrm>
+            <a:off x="3544804" y="3569429"/>
+            <a:ext cx="3147510" cy="3147709"/>
+          </a:xfrm>
+          <a:prstGeom prst="roundRect">
+            <a:avLst/>
+          </a:prstGeom>
+          <a:solidFill>
+            <a:schemeClr val="accent5">
+              <a:lumMod val="75000"/>
+            </a:schemeClr>
+          </a:solidFill>
+          <a:ln>
+            <a:solidFill>
+              <a:schemeClr val="accent5">
+                <a:lumMod val="75000"/>
+              </a:schemeClr>
+            </a:solidFill>
+          </a:ln>
+        </p:spPr>
+        <p:style>
+          <a:lnRef idx="1">
+            <a:schemeClr val="accent1"/>
+          </a:lnRef>
+          <a:fillRef idx="3">
+            <a:schemeClr val="accent1"/>
+          </a:fillRef>
+          <a:effectRef idx="2">
+            <a:schemeClr val="accent1"/>
+          </a:effectRef>
+          <a:fontRef idx="minor">
+            <a:schemeClr val="lt1"/>
+          </a:fontRef>
+        </p:style>
+        <p:txBody>
+          <a:bodyPr rtlCol="0" anchor="ctr"/>
+          <a:lstStyle/>
+          <a:p>
+            <a:pPr algn="ctr"/>
+            <a:endParaRPr lang="en-US"/>
+          </a:p>
+        </p:txBody>
+      </p:sp>
+      <p:sp>
+        <p:nvSpPr>
+          <p:cNvPr id="24" name="TextBox 23"/>
+          <p:cNvSpPr txBox="1"/>
+          <p:nvPr/>
+        </p:nvSpPr>
+        <p:spPr>
+          <a:xfrm>
+            <a:off x="3544804" y="5511618"/>
+            <a:ext cx="3147510" cy="1200329"/>
+          </a:xfrm>
+          <a:prstGeom prst="rect">
+            <a:avLst/>
+          </a:prstGeom>
+          <a:noFill/>
+        </p:spPr>
+        <p:txBody>
+          <a:bodyPr wrap="square" rtlCol="0">
+            <a:spAutoFit/>
+          </a:bodyPr>
+          <a:lstStyle/>
+          <a:p>
+            <a:pPr algn="ctr"/>
+            <a:r>
+              <a:rPr lang="en-US" sz="7200" b="1" dirty="0" smtClean="0">
+                <a:solidFill>
+                  <a:schemeClr val="bg1"/>
+                </a:solidFill>
+              </a:rPr>
+              <a:t>30 - 59</a:t>
+            </a:r>
+            <a:endParaRPr lang="en-US" sz="7200" b="1" dirty="0">
+              <a:solidFill>
+                <a:schemeClr val="bg1"/>
+              </a:solidFill>
+            </a:endParaRPr>
+          </a:p>
+        </p:txBody>
+      </p:sp>
+      <p:sp>
+        <p:nvSpPr>
+          <p:cNvPr id="26" name="TextBox 25"/>
+          <p:cNvSpPr txBox="1"/>
+          <p:nvPr/>
+        </p:nvSpPr>
+        <p:spPr>
+          <a:xfrm>
+            <a:off x="96088" y="5521383"/>
+            <a:ext cx="3175666" cy="1200329"/>
+          </a:xfrm>
+          <a:prstGeom prst="rect">
+            <a:avLst/>
+          </a:prstGeom>
+          <a:noFill/>
+        </p:spPr>
+        <p:txBody>
+          <a:bodyPr wrap="square" rtlCol="0">
+            <a:spAutoFit/>
+          </a:bodyPr>
+          <a:lstStyle/>
+          <a:p>
+            <a:pPr algn="ctr"/>
+            <a:r>
+              <a:rPr lang="en-US" sz="7200" b="1" dirty="0" smtClean="0">
+                <a:solidFill>
+                  <a:schemeClr val="bg1"/>
+                </a:solidFill>
+              </a:rPr>
+              <a:t>21 - 29</a:t>
+            </a:r>
+            <a:endParaRPr lang="en-US" sz="7200" b="1" dirty="0">
+              <a:solidFill>
+                <a:schemeClr val="bg1"/>
+              </a:solidFill>
+            </a:endParaRPr>
+          </a:p>
+        </p:txBody>
+      </p:sp>
+      <p:sp>
+        <p:nvSpPr>
+          <p:cNvPr id="27" name="Rounded Rectangle 26"/>
+          <p:cNvSpPr/>
+          <p:nvPr/>
+        </p:nvSpPr>
+        <p:spPr>
+          <a:xfrm>
+            <a:off x="7000161" y="3564238"/>
+            <a:ext cx="3147510" cy="3147709"/>
+          </a:xfrm>
+          <a:prstGeom prst="roundRect">
+            <a:avLst/>
+          </a:prstGeom>
+          <a:solidFill>
+            <a:schemeClr val="accent5">
+              <a:lumMod val="75000"/>
+            </a:schemeClr>
+          </a:solidFill>
+          <a:ln>
+            <a:solidFill>
+              <a:schemeClr val="accent5">
+                <a:lumMod val="75000"/>
+              </a:schemeClr>
+            </a:solidFill>
+          </a:ln>
+        </p:spPr>
+        <p:style>
+          <a:lnRef idx="1">
+            <a:schemeClr val="accent1"/>
+          </a:lnRef>
+          <a:fillRef idx="3">
+            <a:schemeClr val="accent1"/>
+          </a:fillRef>
+          <a:effectRef idx="2">
+            <a:schemeClr val="accent1"/>
+          </a:effectRef>
+          <a:fontRef idx="minor">
+            <a:schemeClr val="lt1"/>
+          </a:fontRef>
+        </p:style>
+        <p:txBody>
+          <a:bodyPr rtlCol="0" anchor="ctr"/>
+          <a:lstStyle/>
+          <a:p>
+            <a:pPr algn="ctr"/>
+            <a:endParaRPr lang="en-US"/>
+          </a:p>
+        </p:txBody>
+      </p:sp>
+      <p:sp>
+        <p:nvSpPr>
+          <p:cNvPr id="28" name="TextBox 27"/>
+          <p:cNvSpPr txBox="1"/>
+          <p:nvPr/>
+        </p:nvSpPr>
+        <p:spPr>
+          <a:xfrm>
+            <a:off x="7579106" y="5506427"/>
+            <a:ext cx="2358113" cy="1200329"/>
+          </a:xfrm>
+          <a:prstGeom prst="rect">
+            <a:avLst/>
+          </a:prstGeom>
+          <a:noFill/>
+        </p:spPr>
+        <p:txBody>
+          <a:bodyPr wrap="square" rtlCol="0">
+            <a:spAutoFit/>
+          </a:bodyPr>
+          <a:lstStyle/>
+          <a:p>
+            <a:pPr algn="ctr"/>
+            <a:r>
+              <a:rPr lang="en-US" sz="7200" b="1" dirty="0" smtClean="0">
+                <a:solidFill>
+                  <a:schemeClr val="bg1"/>
+                </a:solidFill>
+              </a:rPr>
+              <a:t>60+</a:t>
+            </a:r>
+            <a:endParaRPr lang="en-US" sz="7200" b="1" dirty="0">
+              <a:solidFill>
+                <a:schemeClr val="bg1"/>
+              </a:solidFill>
+            </a:endParaRPr>
+          </a:p>
+        </p:txBody>
+      </p:sp>
       <p:pic>
         <p:nvPicPr>
-          <p:cNvPr id="40" name="Picture 39"/>
+          <p:cNvPr id="3" name="Picture 2"/>
           <p:cNvPicPr>
             <a:picLocks noChangeAspect="1"/>
           </p:cNvPicPr>
@@ -4397,8 +4819,8 @@
         </p:blipFill>
         <p:spPr>
           <a:xfrm>
-            <a:off x="10700227" y="352276"/>
-            <a:ext cx="2048633" cy="2234069"/>
+            <a:off x="7824742" y="324733"/>
+            <a:ext cx="1674642" cy="1786285"/>
           </a:xfrm>
           <a:prstGeom prst="rect">
             <a:avLst/>
@@ -4407,7 +4829,7 @@
       </p:pic>
       <p:pic>
         <p:nvPicPr>
-          <p:cNvPr id="41" name="Picture 40"/>
+          <p:cNvPr id="5" name="Picture 4"/>
           <p:cNvPicPr>
             <a:picLocks noChangeAspect="1"/>
           </p:cNvPicPr>
@@ -4421,332 +4843,8 @@
         </p:blipFill>
         <p:spPr>
           <a:xfrm>
-            <a:off x="10837328" y="457402"/>
-            <a:ext cx="2007895" cy="2189644"/>
-          </a:xfrm>
-          <a:prstGeom prst="rect">
-            <a:avLst/>
-          </a:prstGeom>
-        </p:spPr>
-      </p:pic>
-      <p:sp>
-        <p:nvSpPr>
-          <p:cNvPr id="4" name="Rounded Rectangle 3"/>
-          <p:cNvSpPr/>
-          <p:nvPr/>
-        </p:nvSpPr>
-        <p:spPr>
-          <a:xfrm>
-            <a:off x="124244" y="138060"/>
-            <a:ext cx="3147510" cy="3147709"/>
-          </a:xfrm>
-          <a:prstGeom prst="roundRect">
-            <a:avLst/>
-          </a:prstGeom>
-          <a:solidFill>
-            <a:schemeClr val="accent2">
-              <a:lumMod val="75000"/>
-            </a:schemeClr>
-          </a:solidFill>
-          <a:ln>
-            <a:solidFill>
-              <a:schemeClr val="accent2">
-                <a:lumMod val="75000"/>
-              </a:schemeClr>
-            </a:solidFill>
-          </a:ln>
-        </p:spPr>
-        <p:style>
-          <a:lnRef idx="1">
-            <a:schemeClr val="accent1"/>
-          </a:lnRef>
-          <a:fillRef idx="3">
-            <a:schemeClr val="accent1"/>
-          </a:fillRef>
-          <a:effectRef idx="2">
-            <a:schemeClr val="accent1"/>
-          </a:effectRef>
-          <a:fontRef idx="minor">
-            <a:schemeClr val="lt1"/>
-          </a:fontRef>
-        </p:style>
-        <p:txBody>
-          <a:bodyPr rtlCol="0" anchor="ctr"/>
-          <a:lstStyle/>
-          <a:p>
-            <a:pPr algn="ctr"/>
-            <a:endParaRPr lang="en-US"/>
-          </a:p>
-        </p:txBody>
-      </p:sp>
-      <p:sp>
-        <p:nvSpPr>
-          <p:cNvPr id="6" name="Rounded Rectangle 5"/>
-          <p:cNvSpPr/>
-          <p:nvPr/>
-        </p:nvSpPr>
-        <p:spPr>
-          <a:xfrm>
-            <a:off x="124244" y="3603837"/>
-            <a:ext cx="3147510" cy="3147709"/>
-          </a:xfrm>
-          <a:prstGeom prst="roundRect">
-            <a:avLst/>
-          </a:prstGeom>
-          <a:solidFill>
-            <a:schemeClr val="accent2">
-              <a:lumMod val="75000"/>
-            </a:schemeClr>
-          </a:solidFill>
-          <a:ln>
-            <a:solidFill>
-              <a:schemeClr val="accent2">
-                <a:lumMod val="75000"/>
-              </a:schemeClr>
-            </a:solidFill>
-          </a:ln>
-        </p:spPr>
-        <p:style>
-          <a:lnRef idx="1">
-            <a:schemeClr val="accent1"/>
-          </a:lnRef>
-          <a:fillRef idx="3">
-            <a:schemeClr val="accent1"/>
-          </a:fillRef>
-          <a:effectRef idx="2">
-            <a:schemeClr val="accent1"/>
-          </a:effectRef>
-          <a:fontRef idx="minor">
-            <a:schemeClr val="lt1"/>
-          </a:fontRef>
-        </p:style>
-        <p:txBody>
-          <a:bodyPr rtlCol="0" anchor="ctr"/>
-          <a:lstStyle/>
-          <a:p>
-            <a:pPr algn="ctr"/>
-            <a:endParaRPr lang="en-US"/>
-          </a:p>
-        </p:txBody>
-      </p:sp>
-      <p:sp>
-        <p:nvSpPr>
-          <p:cNvPr id="7" name="Rounded Rectangle 6"/>
-          <p:cNvSpPr/>
-          <p:nvPr/>
-        </p:nvSpPr>
-        <p:spPr>
-          <a:xfrm>
-            <a:off x="3576008" y="3603837"/>
-            <a:ext cx="3147510" cy="3147709"/>
-          </a:xfrm>
-          <a:prstGeom prst="roundRect">
-            <a:avLst/>
-          </a:prstGeom>
-          <a:solidFill>
-            <a:schemeClr val="accent2">
-              <a:lumMod val="75000"/>
-            </a:schemeClr>
-          </a:solidFill>
-          <a:ln>
-            <a:solidFill>
-              <a:schemeClr val="accent2">
-                <a:lumMod val="75000"/>
-              </a:schemeClr>
-            </a:solidFill>
-          </a:ln>
-        </p:spPr>
-        <p:style>
-          <a:lnRef idx="1">
-            <a:schemeClr val="accent1"/>
-          </a:lnRef>
-          <a:fillRef idx="3">
-            <a:schemeClr val="accent1"/>
-          </a:fillRef>
-          <a:effectRef idx="2">
-            <a:schemeClr val="accent1"/>
-          </a:effectRef>
-          <a:fontRef idx="minor">
-            <a:schemeClr val="lt1"/>
-          </a:fontRef>
-        </p:style>
-        <p:txBody>
-          <a:bodyPr rtlCol="0" anchor="ctr"/>
-          <a:lstStyle/>
-          <a:p>
-            <a:pPr algn="ctr"/>
-            <a:endParaRPr lang="en-US"/>
-          </a:p>
-        </p:txBody>
-      </p:sp>
-      <p:sp>
-        <p:nvSpPr>
-          <p:cNvPr id="13" name="Rounded Rectangle 12"/>
-          <p:cNvSpPr/>
-          <p:nvPr/>
-        </p:nvSpPr>
-        <p:spPr>
-          <a:xfrm>
-            <a:off x="7000161" y="138060"/>
-            <a:ext cx="3147510" cy="3147709"/>
-          </a:xfrm>
-          <a:prstGeom prst="roundRect">
-            <a:avLst/>
-          </a:prstGeom>
-          <a:solidFill>
-            <a:schemeClr val="accent2">
-              <a:lumMod val="75000"/>
-            </a:schemeClr>
-          </a:solidFill>
-          <a:ln>
-            <a:solidFill>
-              <a:schemeClr val="accent2">
-                <a:lumMod val="75000"/>
-              </a:schemeClr>
-            </a:solidFill>
-          </a:ln>
-        </p:spPr>
-        <p:style>
-          <a:lnRef idx="1">
-            <a:schemeClr val="accent1"/>
-          </a:lnRef>
-          <a:fillRef idx="3">
-            <a:schemeClr val="accent1"/>
-          </a:fillRef>
-          <a:effectRef idx="2">
-            <a:schemeClr val="accent1"/>
-          </a:effectRef>
-          <a:fontRef idx="minor">
-            <a:schemeClr val="lt1"/>
-          </a:fontRef>
-        </p:style>
-        <p:txBody>
-          <a:bodyPr rtlCol="0" anchor="ctr"/>
-          <a:lstStyle/>
-          <a:p>
-            <a:pPr algn="ctr"/>
-            <a:endParaRPr lang="en-US"/>
-          </a:p>
-        </p:txBody>
-      </p:sp>
-      <p:sp>
-        <p:nvSpPr>
-          <p:cNvPr id="15" name="Rounded Rectangle 14"/>
-          <p:cNvSpPr/>
-          <p:nvPr/>
-        </p:nvSpPr>
-        <p:spPr>
-          <a:xfrm>
-            <a:off x="7036035" y="3603837"/>
-            <a:ext cx="3147510" cy="3147709"/>
-          </a:xfrm>
-          <a:prstGeom prst="roundRect">
-            <a:avLst/>
-          </a:prstGeom>
-          <a:solidFill>
-            <a:schemeClr val="accent2">
-              <a:lumMod val="75000"/>
-            </a:schemeClr>
-          </a:solidFill>
-          <a:ln>
-            <a:solidFill>
-              <a:schemeClr val="accent2">
-                <a:lumMod val="75000"/>
-              </a:schemeClr>
-            </a:solidFill>
-          </a:ln>
-        </p:spPr>
-        <p:style>
-          <a:lnRef idx="1">
-            <a:schemeClr val="accent1"/>
-          </a:lnRef>
-          <a:fillRef idx="3">
-            <a:schemeClr val="accent1"/>
-          </a:fillRef>
-          <a:effectRef idx="2">
-            <a:schemeClr val="accent1"/>
-          </a:effectRef>
-          <a:fontRef idx="minor">
-            <a:schemeClr val="lt1"/>
-          </a:fontRef>
-        </p:style>
-        <p:txBody>
-          <a:bodyPr rtlCol="0" anchor="ctr"/>
-          <a:lstStyle/>
-          <a:p>
-            <a:pPr algn="ctr"/>
-            <a:endParaRPr lang="en-US"/>
-          </a:p>
-        </p:txBody>
-      </p:sp>
-      <p:sp>
-        <p:nvSpPr>
-          <p:cNvPr id="20" name="Rounded Rectangle 19"/>
-          <p:cNvSpPr/>
-          <p:nvPr/>
-        </p:nvSpPr>
-        <p:spPr>
-          <a:xfrm>
-            <a:off x="3576008" y="138060"/>
-            <a:ext cx="3147510" cy="3147709"/>
-          </a:xfrm>
-          <a:prstGeom prst="roundRect">
-            <a:avLst/>
-          </a:prstGeom>
-          <a:solidFill>
-            <a:schemeClr val="accent2">
-              <a:lumMod val="75000"/>
-            </a:schemeClr>
-          </a:solidFill>
-          <a:ln>
-            <a:solidFill>
-              <a:schemeClr val="accent2">
-                <a:lumMod val="75000"/>
-              </a:schemeClr>
-            </a:solidFill>
-          </a:ln>
-        </p:spPr>
-        <p:style>
-          <a:lnRef idx="1">
-            <a:schemeClr val="accent1"/>
-          </a:lnRef>
-          <a:fillRef idx="3">
-            <a:schemeClr val="accent1"/>
-          </a:fillRef>
-          <a:effectRef idx="2">
-            <a:schemeClr val="accent1"/>
-          </a:effectRef>
-          <a:fontRef idx="minor">
-            <a:schemeClr val="lt1"/>
-          </a:fontRef>
-        </p:style>
-        <p:txBody>
-          <a:bodyPr rtlCol="0" anchor="ctr"/>
-          <a:lstStyle/>
-          <a:p>
-            <a:pPr algn="ctr"/>
-            <a:endParaRPr lang="en-US"/>
-          </a:p>
-        </p:txBody>
-      </p:sp>
-      <p:pic>
-        <p:nvPicPr>
-          <p:cNvPr id="2" name="Picture 1"/>
-          <p:cNvPicPr>
-            <a:picLocks noChangeAspect="1"/>
-          </p:cNvPicPr>
-          <p:nvPr/>
-        </p:nvPicPr>
-        <p:blipFill>
-          <a:blip r:embed="rId2"/>
-          <a:stretch>
-            <a:fillRect/>
-          </a:stretch>
-        </p:blipFill>
-        <p:spPr>
-          <a:xfrm>
-            <a:off x="7575145" y="525919"/>
-            <a:ext cx="2048633" cy="2234069"/>
+            <a:off x="7724930" y="3735097"/>
+            <a:ext cx="1633344" cy="1742234"/>
           </a:xfrm>
           <a:prstGeom prst="rect">
             <a:avLst/>
@@ -4755,7 +4853,7 @@
       </p:pic>
       <p:pic>
         <p:nvPicPr>
-          <p:cNvPr id="3" name="Picture 2"/>
+          <p:cNvPr id="17" name="Picture 16"/>
           <p:cNvPicPr>
             <a:picLocks noChangeAspect="1"/>
           </p:cNvPicPr>
@@ -4769,8 +4867,8 @@
         </p:blipFill>
         <p:spPr>
           <a:xfrm>
-            <a:off x="3969693" y="931339"/>
-            <a:ext cx="2386066" cy="1631100"/>
+            <a:off x="990600" y="304800"/>
+            <a:ext cx="1365029" cy="1942189"/>
           </a:xfrm>
           <a:prstGeom prst="rect">
             <a:avLst/>
@@ -4779,313 +4877,36 @@
       </p:pic>
       <p:sp>
         <p:nvSpPr>
-          <p:cNvPr id="25" name="Rectangle 24"/>
-          <p:cNvSpPr/>
-          <p:nvPr/>
-        </p:nvSpPr>
-        <p:spPr>
-          <a:xfrm>
-            <a:off x="718494" y="1354670"/>
-            <a:ext cx="2079114" cy="1038432"/>
-          </a:xfrm>
-          <a:prstGeom prst="rect">
-            <a:avLst/>
-          </a:prstGeom>
-          <a:solidFill>
-            <a:schemeClr val="bg1"/>
-          </a:solidFill>
-          <a:ln>
-            <a:noFill/>
-          </a:ln>
-        </p:spPr>
-        <p:style>
-          <a:lnRef idx="1">
-            <a:schemeClr val="accent1"/>
-          </a:lnRef>
-          <a:fillRef idx="3">
-            <a:schemeClr val="accent1"/>
-          </a:fillRef>
-          <a:effectRef idx="2">
-            <a:schemeClr val="accent1"/>
-          </a:effectRef>
-          <a:fontRef idx="minor">
-            <a:schemeClr val="lt1"/>
-          </a:fontRef>
-        </p:style>
-        <p:txBody>
-          <a:bodyPr tIns="0" bIns="0" rtlCol="0" anchor="ctr"/>
-          <a:lstStyle/>
-          <a:p>
-            <a:pPr algn="ctr"/>
-            <a:endParaRPr lang="en-US" sz="7200" b="1" dirty="0">
-              <a:solidFill>
-                <a:schemeClr val="accent2">
-                  <a:lumMod val="75000"/>
-                </a:schemeClr>
-              </a:solidFill>
-            </a:endParaRPr>
-          </a:p>
-        </p:txBody>
-      </p:sp>
-      <p:sp>
-        <p:nvSpPr>
-          <p:cNvPr id="26" name="Rectangle 25"/>
-          <p:cNvSpPr/>
-          <p:nvPr/>
-        </p:nvSpPr>
-        <p:spPr>
-          <a:xfrm>
-            <a:off x="1472003" y="1349026"/>
-            <a:ext cx="574647" cy="1015663"/>
-          </a:xfrm>
-          <a:prstGeom prst="rect">
-            <a:avLst/>
-          </a:prstGeom>
-        </p:spPr>
-        <p:txBody>
-          <a:bodyPr wrap="none">
+          <p:cNvPr id="34" name="TextBox 33"/>
+          <p:cNvSpPr txBox="1"/>
+          <p:nvPr/>
+        </p:nvSpPr>
+        <p:spPr>
+          <a:xfrm>
+            <a:off x="7034946" y="2080249"/>
+            <a:ext cx="3175666" cy="1200329"/>
+          </a:xfrm>
+          <a:prstGeom prst="rect">
+            <a:avLst/>
+          </a:prstGeom>
+          <a:noFill/>
+        </p:spPr>
+        <p:txBody>
+          <a:bodyPr wrap="square" rtlCol="0">
             <a:spAutoFit/>
           </a:bodyPr>
           <a:lstStyle/>
           <a:p>
             <a:pPr algn="ctr"/>
             <a:r>
-              <a:rPr lang="en-US" sz="6000" b="1" dirty="0">
-                <a:solidFill>
-                  <a:schemeClr val="accent2">
-                    <a:lumMod val="75000"/>
-                  </a:schemeClr>
-                </a:solidFill>
-              </a:rPr>
-              <a:t>$</a:t>
-            </a:r>
-            <a:endParaRPr lang="en-US" sz="6000" b="1" dirty="0">
-              <a:solidFill>
-                <a:schemeClr val="accent2">
-                  <a:lumMod val="75000"/>
-                </a:schemeClr>
-              </a:solidFill>
-            </a:endParaRPr>
-          </a:p>
-        </p:txBody>
-      </p:sp>
-      <p:sp>
-        <p:nvSpPr>
-          <p:cNvPr id="27" name="Rectangle 26"/>
-          <p:cNvSpPr/>
-          <p:nvPr/>
-        </p:nvSpPr>
-        <p:spPr>
-          <a:xfrm>
-            <a:off x="4419600" y="1524000"/>
-            <a:ext cx="1524000" cy="792902"/>
-          </a:xfrm>
-          <a:prstGeom prst="rect">
-            <a:avLst/>
-          </a:prstGeom>
-          <a:solidFill>
-            <a:schemeClr val="bg1"/>
-          </a:solidFill>
-          <a:ln>
-            <a:noFill/>
-          </a:ln>
-          <a:effectLst/>
-        </p:spPr>
-        <p:style>
-          <a:lnRef idx="1">
-            <a:schemeClr val="accent1"/>
-          </a:lnRef>
-          <a:fillRef idx="3">
-            <a:schemeClr val="accent1"/>
-          </a:fillRef>
-          <a:effectRef idx="2">
-            <a:schemeClr val="accent1"/>
-          </a:effectRef>
-          <a:fontRef idx="minor">
-            <a:schemeClr val="lt1"/>
-          </a:fontRef>
-        </p:style>
-        <p:txBody>
-          <a:bodyPr tIns="0" bIns="0" rtlCol="0" anchor="ctr"/>
-          <a:lstStyle/>
-          <a:p>
-            <a:pPr algn="ctr"/>
-            <a:endParaRPr lang="en-US" sz="7200" b="1" dirty="0">
-              <a:solidFill>
-                <a:schemeClr val="accent2">
-                  <a:lumMod val="75000"/>
-                </a:schemeClr>
-              </a:solidFill>
-            </a:endParaRPr>
-          </a:p>
-        </p:txBody>
-      </p:sp>
-      <p:sp>
-        <p:nvSpPr>
-          <p:cNvPr id="28" name="Rectangle 27"/>
-          <p:cNvSpPr/>
-          <p:nvPr/>
-        </p:nvSpPr>
-        <p:spPr>
-          <a:xfrm>
-            <a:off x="4588752" y="1377439"/>
-            <a:ext cx="1202449" cy="1015663"/>
-          </a:xfrm>
-          <a:prstGeom prst="rect">
-            <a:avLst/>
-          </a:prstGeom>
-        </p:spPr>
-        <p:txBody>
-          <a:bodyPr wrap="square">
-            <a:spAutoFit/>
-          </a:bodyPr>
-          <a:lstStyle/>
-          <a:p>
-            <a:pPr algn="ctr"/>
-            <a:r>
-              <a:rPr lang="en-US" sz="6000" b="1" dirty="0" smtClean="0">
-                <a:solidFill>
-                  <a:schemeClr val="accent2">
-                    <a:lumMod val="75000"/>
-                  </a:schemeClr>
-                </a:solidFill>
-              </a:rPr>
-              <a:t>$$</a:t>
-            </a:r>
-            <a:endParaRPr lang="en-US" sz="6000" b="1" dirty="0">
-              <a:solidFill>
-                <a:schemeClr val="accent2">
-                  <a:lumMod val="75000"/>
-                </a:schemeClr>
-              </a:solidFill>
-            </a:endParaRPr>
-          </a:p>
-        </p:txBody>
-      </p:sp>
-      <p:sp>
-        <p:nvSpPr>
-          <p:cNvPr id="29" name="Rectangle 28"/>
-          <p:cNvSpPr/>
-          <p:nvPr/>
-        </p:nvSpPr>
-        <p:spPr>
-          <a:xfrm>
-            <a:off x="7941551" y="1529839"/>
-            <a:ext cx="1354848" cy="939463"/>
-          </a:xfrm>
-          <a:prstGeom prst="rect">
-            <a:avLst/>
-          </a:prstGeom>
-          <a:solidFill>
-            <a:schemeClr val="bg1"/>
-          </a:solidFill>
-          <a:ln>
-            <a:noFill/>
-          </a:ln>
-          <a:effectLst/>
-        </p:spPr>
-        <p:style>
-          <a:lnRef idx="1">
-            <a:schemeClr val="accent1"/>
-          </a:lnRef>
-          <a:fillRef idx="3">
-            <a:schemeClr val="accent1"/>
-          </a:fillRef>
-          <a:effectRef idx="2">
-            <a:schemeClr val="accent1"/>
-          </a:effectRef>
-          <a:fontRef idx="minor">
-            <a:schemeClr val="lt1"/>
-          </a:fontRef>
-        </p:style>
-        <p:txBody>
-          <a:bodyPr tIns="0" bIns="0" rtlCol="0" anchor="ctr"/>
-          <a:lstStyle/>
-          <a:p>
-            <a:pPr algn="ctr"/>
-            <a:endParaRPr lang="en-US" sz="7200" b="1" dirty="0">
-              <a:solidFill>
-                <a:schemeClr val="accent2">
-                  <a:lumMod val="75000"/>
-                </a:schemeClr>
-              </a:solidFill>
-            </a:endParaRPr>
-          </a:p>
-        </p:txBody>
-      </p:sp>
-      <p:sp>
-        <p:nvSpPr>
-          <p:cNvPr id="30" name="Rectangle 29"/>
-          <p:cNvSpPr/>
-          <p:nvPr/>
-        </p:nvSpPr>
-        <p:spPr>
-          <a:xfrm>
-            <a:off x="7755283" y="1529839"/>
-            <a:ext cx="1682227" cy="1015663"/>
-          </a:xfrm>
-          <a:prstGeom prst="rect">
-            <a:avLst/>
-          </a:prstGeom>
-        </p:spPr>
-        <p:txBody>
-          <a:bodyPr wrap="square">
-            <a:spAutoFit/>
-          </a:bodyPr>
-          <a:lstStyle/>
-          <a:p>
-            <a:pPr algn="ctr"/>
-            <a:r>
-              <a:rPr lang="en-US" sz="6000" b="1" dirty="0" smtClean="0">
-                <a:solidFill>
-                  <a:schemeClr val="accent2">
-                    <a:lumMod val="75000"/>
-                  </a:schemeClr>
-                </a:solidFill>
-              </a:rPr>
-              <a:t>$$$</a:t>
-            </a:r>
-            <a:endParaRPr lang="en-US" sz="6000" b="1" dirty="0">
-              <a:solidFill>
-                <a:schemeClr val="accent2">
-                  <a:lumMod val="75000"/>
-                </a:schemeClr>
-              </a:solidFill>
-            </a:endParaRPr>
-          </a:p>
-        </p:txBody>
-      </p:sp>
-      <p:sp>
-        <p:nvSpPr>
-          <p:cNvPr id="31" name="Rectangle 30"/>
-          <p:cNvSpPr/>
-          <p:nvPr/>
-        </p:nvSpPr>
-        <p:spPr>
-          <a:xfrm>
-            <a:off x="595300" y="4662315"/>
-            <a:ext cx="2328056" cy="1015663"/>
-          </a:xfrm>
-          <a:prstGeom prst="rect">
-            <a:avLst/>
-          </a:prstGeom>
-        </p:spPr>
-        <p:txBody>
-          <a:bodyPr wrap="none">
-            <a:spAutoFit/>
-          </a:bodyPr>
-          <a:lstStyle/>
-          <a:p>
-            <a:pPr algn="ctr"/>
-            <a:r>
-              <a:rPr lang="en-US" sz="6000" b="1" dirty="0" smtClean="0">
+              <a:rPr lang="en-US" sz="7200" b="1" dirty="0" smtClean="0">
                 <a:solidFill>
                   <a:schemeClr val="bg1"/>
                 </a:solidFill>
               </a:rPr>
-              <a:t>$0 - 20</a:t>
-            </a:r>
-            <a:endParaRPr lang="en-US" sz="6000" b="1" dirty="0">
+              <a:t>14 - 20</a:t>
+            </a:r>
+            <a:endParaRPr lang="en-US" sz="7200" b="1" dirty="0">
               <a:solidFill>
                 <a:schemeClr val="bg1"/>
               </a:solidFill>
@@ -5093,148 +4914,30 @@
           </a:p>
         </p:txBody>
       </p:sp>
-      <p:sp>
-        <p:nvSpPr>
-          <p:cNvPr id="32" name="Rectangle 31"/>
-          <p:cNvSpPr/>
-          <p:nvPr/>
-        </p:nvSpPr>
-        <p:spPr>
-          <a:xfrm>
-            <a:off x="3782440" y="4650693"/>
-            <a:ext cx="2718037" cy="1015663"/>
-          </a:xfrm>
-          <a:prstGeom prst="rect">
-            <a:avLst/>
-          </a:prstGeom>
-        </p:spPr>
-        <p:txBody>
-          <a:bodyPr wrap="none">
-            <a:spAutoFit/>
-          </a:bodyPr>
-          <a:lstStyle/>
-          <a:p>
-            <a:pPr algn="ctr"/>
-            <a:r>
-              <a:rPr lang="en-US" sz="6000" b="1" dirty="0" smtClean="0">
-                <a:solidFill>
-                  <a:schemeClr val="bg1"/>
-                </a:solidFill>
-              </a:rPr>
-              <a:t>$20 - 50</a:t>
-            </a:r>
-            <a:endParaRPr lang="en-US" sz="6000" b="1" dirty="0">
-              <a:solidFill>
-                <a:schemeClr val="bg1"/>
-              </a:solidFill>
-            </a:endParaRPr>
-          </a:p>
-        </p:txBody>
-      </p:sp>
-      <p:sp>
-        <p:nvSpPr>
-          <p:cNvPr id="33" name="Rectangle 32"/>
-          <p:cNvSpPr/>
-          <p:nvPr/>
-        </p:nvSpPr>
-        <p:spPr>
-          <a:xfrm>
-            <a:off x="7085040" y="4751960"/>
-            <a:ext cx="3108017" cy="1015663"/>
-          </a:xfrm>
-          <a:prstGeom prst="rect">
-            <a:avLst/>
-          </a:prstGeom>
-        </p:spPr>
-        <p:txBody>
-          <a:bodyPr wrap="none">
-            <a:spAutoFit/>
-          </a:bodyPr>
-          <a:lstStyle/>
-          <a:p>
-            <a:pPr algn="ctr"/>
-            <a:r>
-              <a:rPr lang="en-US" sz="6000" b="1" dirty="0" smtClean="0">
-                <a:solidFill>
-                  <a:schemeClr val="bg1"/>
-                </a:solidFill>
-              </a:rPr>
-              <a:t>$50</a:t>
-            </a:r>
-            <a:r>
-              <a:rPr lang="en-US" sz="6000" b="1" dirty="0">
-                <a:solidFill>
-                  <a:schemeClr val="bg1"/>
-                </a:solidFill>
-              </a:rPr>
-              <a:t> </a:t>
-            </a:r>
-            <a:r>
-              <a:rPr lang="en-US" sz="6000" b="1" dirty="0" smtClean="0">
-                <a:solidFill>
-                  <a:schemeClr val="bg1"/>
-                </a:solidFill>
-              </a:rPr>
-              <a:t>- 100</a:t>
-            </a:r>
-            <a:endParaRPr lang="en-US" sz="6000" b="1" dirty="0">
-              <a:solidFill>
-                <a:schemeClr val="bg1"/>
-              </a:solidFill>
-            </a:endParaRPr>
-          </a:p>
-        </p:txBody>
-      </p:sp>
-      <p:sp>
-        <p:nvSpPr>
-          <p:cNvPr id="35" name="Rounded Rectangle 34"/>
-          <p:cNvSpPr/>
-          <p:nvPr/>
-        </p:nvSpPr>
-        <p:spPr>
-          <a:xfrm>
-            <a:off x="10397224" y="3603837"/>
-            <a:ext cx="3147510" cy="3147709"/>
-          </a:xfrm>
-          <a:prstGeom prst="roundRect">
-            <a:avLst/>
-          </a:prstGeom>
-          <a:solidFill>
-            <a:schemeClr val="accent2">
-              <a:lumMod val="75000"/>
-            </a:schemeClr>
-          </a:solidFill>
-          <a:ln>
-            <a:solidFill>
-              <a:schemeClr val="accent2">
-                <a:lumMod val="75000"/>
-              </a:schemeClr>
-            </a:solidFill>
-          </a:ln>
-        </p:spPr>
-        <p:style>
-          <a:lnRef idx="1">
-            <a:schemeClr val="accent1"/>
-          </a:lnRef>
-          <a:fillRef idx="3">
-            <a:schemeClr val="accent1"/>
-          </a:fillRef>
-          <a:effectRef idx="2">
-            <a:schemeClr val="accent1"/>
-          </a:effectRef>
-          <a:fontRef idx="minor">
-            <a:schemeClr val="lt1"/>
-          </a:fontRef>
-        </p:style>
-        <p:txBody>
-          <a:bodyPr rtlCol="0" anchor="ctr"/>
-          <a:lstStyle/>
-          <a:p>
-            <a:pPr algn="ctr"/>
-            <a:endParaRPr lang="en-US"/>
-          </a:p>
-        </p:txBody>
-      </p:sp>
+      <p:pic>
+        <p:nvPicPr>
+          <p:cNvPr id="35" name="Picture 34"/>
+          <p:cNvPicPr>
+            <a:picLocks noChangeAspect="1"/>
+          </p:cNvPicPr>
+          <p:nvPr/>
+        </p:nvPicPr>
+        <p:blipFill>
+          <a:blip r:embed="rId5"/>
+          <a:stretch>
+            <a:fillRect/>
+          </a:stretch>
+        </p:blipFill>
+        <p:spPr>
+          <a:xfrm>
+            <a:off x="855562" y="3735098"/>
+            <a:ext cx="1630956" cy="1786285"/>
+          </a:xfrm>
+          <a:prstGeom prst="rect">
+            <a:avLst/>
+          </a:prstGeom>
+        </p:spPr>
+      </p:pic>
       <p:pic>
         <p:nvPicPr>
           <p:cNvPr id="36" name="Picture 35"/>
@@ -5244,156 +4947,49 @@
           <p:nvPr/>
         </p:nvPicPr>
         <p:blipFill>
-          <a:blip r:embed="rId2"/>
+          <a:blip r:embed="rId6"/>
           <a:stretch>
             <a:fillRect/>
           </a:stretch>
         </p:blipFill>
         <p:spPr>
           <a:xfrm>
-            <a:off x="10992778" y="554141"/>
-            <a:ext cx="2048633" cy="2234069"/>
+            <a:off x="4290266" y="304800"/>
+            <a:ext cx="1697222" cy="1806218"/>
           </a:xfrm>
           <a:prstGeom prst="rect">
             <a:avLst/>
           </a:prstGeom>
         </p:spPr>
       </p:pic>
-      <p:sp>
-        <p:nvSpPr>
-          <p:cNvPr id="37" name="Rectangle 36"/>
-          <p:cNvSpPr/>
-          <p:nvPr/>
-        </p:nvSpPr>
-        <p:spPr>
-          <a:xfrm>
-            <a:off x="11359184" y="1529839"/>
-            <a:ext cx="1354848" cy="939463"/>
-          </a:xfrm>
-          <a:prstGeom prst="rect">
-            <a:avLst/>
-          </a:prstGeom>
-          <a:solidFill>
-            <a:schemeClr val="bg1"/>
-          </a:solidFill>
-          <a:ln>
-            <a:noFill/>
-          </a:ln>
-          <a:effectLst/>
-        </p:spPr>
-        <p:style>
-          <a:lnRef idx="1">
-            <a:schemeClr val="accent1"/>
-          </a:lnRef>
-          <a:fillRef idx="3">
-            <a:schemeClr val="accent1"/>
-          </a:fillRef>
-          <a:effectRef idx="2">
-            <a:schemeClr val="accent1"/>
-          </a:effectRef>
-          <a:fontRef idx="minor">
-            <a:schemeClr val="lt1"/>
-          </a:fontRef>
-        </p:style>
-        <p:txBody>
-          <a:bodyPr tIns="0" bIns="0" rtlCol="0" anchor="ctr"/>
-          <a:lstStyle/>
-          <a:p>
-            <a:pPr algn="ctr"/>
-            <a:endParaRPr lang="en-US" sz="7200" b="1" dirty="0">
-              <a:solidFill>
-                <a:schemeClr val="accent2">
-                  <a:lumMod val="75000"/>
-                </a:schemeClr>
-              </a:solidFill>
-            </a:endParaRPr>
-          </a:p>
-        </p:txBody>
-      </p:sp>
-      <p:sp>
-        <p:nvSpPr>
-          <p:cNvPr id="38" name="Rectangle 37"/>
-          <p:cNvSpPr/>
-          <p:nvPr/>
-        </p:nvSpPr>
-        <p:spPr>
-          <a:xfrm>
-            <a:off x="10820694" y="1529839"/>
-            <a:ext cx="2400040" cy="1015663"/>
-          </a:xfrm>
-          <a:prstGeom prst="rect">
-            <a:avLst/>
-          </a:prstGeom>
-        </p:spPr>
-        <p:txBody>
-          <a:bodyPr wrap="square">
-            <a:spAutoFit/>
-          </a:bodyPr>
-          <a:lstStyle/>
-          <a:p>
-            <a:pPr algn="ctr"/>
-            <a:r>
-              <a:rPr lang="en-US" sz="6000" b="1" dirty="0" smtClean="0">
-                <a:solidFill>
-                  <a:schemeClr val="accent2">
-                    <a:lumMod val="75000"/>
-                  </a:schemeClr>
-                </a:solidFill>
-              </a:rPr>
-              <a:t>$$$$</a:t>
-            </a:r>
-            <a:endParaRPr lang="en-US" sz="6000" b="1" dirty="0">
-              <a:solidFill>
-                <a:schemeClr val="accent2">
-                  <a:lumMod val="75000"/>
-                </a:schemeClr>
-              </a:solidFill>
-            </a:endParaRPr>
-          </a:p>
-        </p:txBody>
-      </p:sp>
-      <p:sp>
-        <p:nvSpPr>
-          <p:cNvPr id="39" name="Rectangle 38"/>
-          <p:cNvSpPr/>
-          <p:nvPr/>
-        </p:nvSpPr>
-        <p:spPr>
-          <a:xfrm>
-            <a:off x="10936333" y="4751960"/>
-            <a:ext cx="2127806" cy="1015663"/>
-          </a:xfrm>
-          <a:prstGeom prst="rect">
-            <a:avLst/>
-          </a:prstGeom>
-        </p:spPr>
-        <p:txBody>
-          <a:bodyPr wrap="none">
-            <a:spAutoFit/>
-          </a:bodyPr>
-          <a:lstStyle/>
-          <a:p>
-            <a:pPr algn="ctr"/>
-            <a:r>
-              <a:rPr lang="en-US" sz="6000" b="1" dirty="0" smtClean="0">
-                <a:solidFill>
-                  <a:schemeClr val="bg1"/>
-                </a:solidFill>
-              </a:rPr>
-              <a:t>$100+</a:t>
-            </a:r>
-            <a:endParaRPr lang="en-US" sz="6000" b="1" dirty="0">
-              <a:solidFill>
-                <a:schemeClr val="bg1"/>
-              </a:solidFill>
-            </a:endParaRPr>
-          </a:p>
-        </p:txBody>
-      </p:sp>
+      <p:pic>
+        <p:nvPicPr>
+          <p:cNvPr id="2" name="Picture 1"/>
+          <p:cNvPicPr>
+            <a:picLocks noChangeAspect="1"/>
+          </p:cNvPicPr>
+          <p:nvPr/>
+        </p:nvPicPr>
+        <p:blipFill>
+          <a:blip r:embed="rId7"/>
+          <a:stretch>
+            <a:fillRect/>
+          </a:stretch>
+        </p:blipFill>
+        <p:spPr>
+          <a:xfrm>
+            <a:off x="4290266" y="3706001"/>
+            <a:ext cx="1660622" cy="1771330"/>
+          </a:xfrm>
+          <a:prstGeom prst="rect">
+            <a:avLst/>
+          </a:prstGeom>
+        </p:spPr>
+      </p:pic>
     </p:spTree>
     <p:extLst>
       <p:ext uri="{BB962C8B-B14F-4D97-AF65-F5344CB8AC3E}">
-        <p14:creationId xmlns:p14="http://schemas.microsoft.com/office/powerpoint/2010/main" val="3214049147"/>
+        <p14:creationId xmlns:p14="http://schemas.microsoft.com/office/powerpoint/2010/main" val="877488005"/>
       </p:ext>
     </p:extLst>
   </p:cSld>
@@ -5422,6 +5018,1827 @@
       </p:grpSpPr>
       <p:sp>
         <p:nvSpPr>
+          <p:cNvPr id="33" name="Rounded Rectangle 32"/>
+          <p:cNvSpPr/>
+          <p:nvPr/>
+        </p:nvSpPr>
+        <p:spPr>
+          <a:xfrm>
+            <a:off x="7034946" y="132869"/>
+            <a:ext cx="3147510" cy="3147709"/>
+          </a:xfrm>
+          <a:prstGeom prst="roundRect">
+            <a:avLst/>
+          </a:prstGeom>
+          <a:solidFill>
+            <a:schemeClr val="accent5">
+              <a:lumMod val="75000"/>
+            </a:schemeClr>
+          </a:solidFill>
+          <a:ln>
+            <a:solidFill>
+              <a:schemeClr val="accent5">
+                <a:lumMod val="75000"/>
+              </a:schemeClr>
+            </a:solidFill>
+          </a:ln>
+        </p:spPr>
+        <p:style>
+          <a:lnRef idx="1">
+            <a:schemeClr val="accent1"/>
+          </a:lnRef>
+          <a:fillRef idx="3">
+            <a:schemeClr val="accent1"/>
+          </a:fillRef>
+          <a:effectRef idx="2">
+            <a:schemeClr val="accent1"/>
+          </a:effectRef>
+          <a:fontRef idx="minor">
+            <a:schemeClr val="lt1"/>
+          </a:fontRef>
+        </p:style>
+        <p:txBody>
+          <a:bodyPr rtlCol="0" anchor="ctr"/>
+          <a:lstStyle/>
+          <a:p>
+            <a:pPr algn="ctr"/>
+            <a:endParaRPr lang="en-US"/>
+          </a:p>
+        </p:txBody>
+      </p:sp>
+      <p:sp>
+        <p:nvSpPr>
+          <p:cNvPr id="4" name="Rounded Rectangle 3"/>
+          <p:cNvSpPr/>
+          <p:nvPr/>
+        </p:nvSpPr>
+        <p:spPr>
+          <a:xfrm>
+            <a:off x="124244" y="138060"/>
+            <a:ext cx="3147510" cy="3147709"/>
+          </a:xfrm>
+          <a:prstGeom prst="roundRect">
+            <a:avLst/>
+          </a:prstGeom>
+          <a:solidFill>
+            <a:schemeClr val="accent5">
+              <a:lumMod val="75000"/>
+            </a:schemeClr>
+          </a:solidFill>
+          <a:ln>
+            <a:solidFill>
+              <a:schemeClr val="accent5">
+                <a:lumMod val="75000"/>
+              </a:schemeClr>
+            </a:solidFill>
+          </a:ln>
+        </p:spPr>
+        <p:style>
+          <a:lnRef idx="1">
+            <a:schemeClr val="accent1"/>
+          </a:lnRef>
+          <a:fillRef idx="3">
+            <a:schemeClr val="accent1"/>
+          </a:fillRef>
+          <a:effectRef idx="2">
+            <a:schemeClr val="accent1"/>
+          </a:effectRef>
+          <a:fontRef idx="minor">
+            <a:schemeClr val="lt1"/>
+          </a:fontRef>
+        </p:style>
+        <p:txBody>
+          <a:bodyPr rtlCol="0" anchor="ctr"/>
+          <a:lstStyle/>
+          <a:p>
+            <a:pPr algn="ctr"/>
+            <a:endParaRPr lang="en-US"/>
+          </a:p>
+        </p:txBody>
+      </p:sp>
+      <p:sp>
+        <p:nvSpPr>
+          <p:cNvPr id="9" name="TextBox 8"/>
+          <p:cNvSpPr txBox="1"/>
+          <p:nvPr/>
+        </p:nvSpPr>
+        <p:spPr>
+          <a:xfrm>
+            <a:off x="627844" y="2168298"/>
+            <a:ext cx="2085082" cy="1015663"/>
+          </a:xfrm>
+          <a:prstGeom prst="rect">
+            <a:avLst/>
+          </a:prstGeom>
+          <a:noFill/>
+        </p:spPr>
+        <p:txBody>
+          <a:bodyPr wrap="square" rtlCol="0">
+            <a:spAutoFit/>
+          </a:bodyPr>
+          <a:lstStyle/>
+          <a:p>
+            <a:pPr algn="ctr"/>
+            <a:r>
+              <a:rPr lang="en-US" sz="6000" b="1" dirty="0" smtClean="0">
+                <a:solidFill>
+                  <a:schemeClr val="bg1"/>
+                </a:solidFill>
+              </a:rPr>
+              <a:t>Baby</a:t>
+            </a:r>
+            <a:endParaRPr lang="en-US" sz="6000" b="1" dirty="0">
+              <a:solidFill>
+                <a:schemeClr val="bg1"/>
+              </a:solidFill>
+            </a:endParaRPr>
+          </a:p>
+        </p:txBody>
+      </p:sp>
+      <p:sp>
+        <p:nvSpPr>
+          <p:cNvPr id="10" name="TextBox 9"/>
+          <p:cNvSpPr txBox="1"/>
+          <p:nvPr/>
+        </p:nvSpPr>
+        <p:spPr>
+          <a:xfrm>
+            <a:off x="3955364" y="2521259"/>
+            <a:ext cx="2085082" cy="523220"/>
+          </a:xfrm>
+          <a:prstGeom prst="rect">
+            <a:avLst/>
+          </a:prstGeom>
+          <a:noFill/>
+        </p:spPr>
+        <p:txBody>
+          <a:bodyPr wrap="square" rtlCol="0">
+            <a:spAutoFit/>
+          </a:bodyPr>
+          <a:lstStyle/>
+          <a:p>
+            <a:pPr algn="ctr"/>
+            <a:r>
+              <a:rPr lang="en-US" sz="2800" dirty="0">
+                <a:solidFill>
+                  <a:schemeClr val="bg1"/>
+                </a:solidFill>
+              </a:rPr>
+              <a:t>6</a:t>
+            </a:r>
+            <a:r>
+              <a:rPr lang="en-US" sz="2800" dirty="0" smtClean="0">
+                <a:solidFill>
+                  <a:schemeClr val="bg1"/>
+                </a:solidFill>
+              </a:rPr>
+              <a:t> - 13</a:t>
+            </a:r>
+            <a:endParaRPr lang="en-US" sz="2800" dirty="0">
+              <a:solidFill>
+                <a:schemeClr val="bg1"/>
+              </a:solidFill>
+            </a:endParaRPr>
+          </a:p>
+        </p:txBody>
+      </p:sp>
+      <p:sp>
+        <p:nvSpPr>
+          <p:cNvPr id="13" name="Rounded Rectangle 12"/>
+          <p:cNvSpPr/>
+          <p:nvPr/>
+        </p:nvSpPr>
+        <p:spPr>
+          <a:xfrm>
+            <a:off x="96088" y="3569429"/>
+            <a:ext cx="3147510" cy="3147709"/>
+          </a:xfrm>
+          <a:prstGeom prst="roundRect">
+            <a:avLst/>
+          </a:prstGeom>
+          <a:solidFill>
+            <a:schemeClr val="accent5">
+              <a:lumMod val="75000"/>
+            </a:schemeClr>
+          </a:solidFill>
+          <a:ln>
+            <a:solidFill>
+              <a:schemeClr val="accent5">
+                <a:lumMod val="75000"/>
+              </a:schemeClr>
+            </a:solidFill>
+          </a:ln>
+        </p:spPr>
+        <p:style>
+          <a:lnRef idx="1">
+            <a:schemeClr val="accent1"/>
+          </a:lnRef>
+          <a:fillRef idx="3">
+            <a:schemeClr val="accent1"/>
+          </a:fillRef>
+          <a:effectRef idx="2">
+            <a:schemeClr val="accent1"/>
+          </a:effectRef>
+          <a:fontRef idx="minor">
+            <a:schemeClr val="lt1"/>
+          </a:fontRef>
+        </p:style>
+        <p:txBody>
+          <a:bodyPr rtlCol="0" anchor="ctr"/>
+          <a:lstStyle/>
+          <a:p>
+            <a:pPr algn="ctr"/>
+            <a:endParaRPr lang="en-US"/>
+          </a:p>
+        </p:txBody>
+      </p:sp>
+      <p:sp>
+        <p:nvSpPr>
+          <p:cNvPr id="20" name="Rounded Rectangle 19"/>
+          <p:cNvSpPr/>
+          <p:nvPr/>
+        </p:nvSpPr>
+        <p:spPr>
+          <a:xfrm>
+            <a:off x="3576008" y="138060"/>
+            <a:ext cx="3147510" cy="3147709"/>
+          </a:xfrm>
+          <a:prstGeom prst="roundRect">
+            <a:avLst/>
+          </a:prstGeom>
+          <a:solidFill>
+            <a:schemeClr val="accent5">
+              <a:lumMod val="75000"/>
+            </a:schemeClr>
+          </a:solidFill>
+          <a:ln>
+            <a:solidFill>
+              <a:schemeClr val="accent5">
+                <a:lumMod val="75000"/>
+              </a:schemeClr>
+            </a:solidFill>
+          </a:ln>
+        </p:spPr>
+        <p:style>
+          <a:lnRef idx="1">
+            <a:schemeClr val="accent1"/>
+          </a:lnRef>
+          <a:fillRef idx="3">
+            <a:schemeClr val="accent1"/>
+          </a:fillRef>
+          <a:effectRef idx="2">
+            <a:schemeClr val="accent1"/>
+          </a:effectRef>
+          <a:fontRef idx="minor">
+            <a:schemeClr val="lt1"/>
+          </a:fontRef>
+        </p:style>
+        <p:txBody>
+          <a:bodyPr rtlCol="0" anchor="ctr"/>
+          <a:lstStyle/>
+          <a:p>
+            <a:pPr algn="ctr"/>
+            <a:endParaRPr lang="en-US"/>
+          </a:p>
+        </p:txBody>
+      </p:sp>
+      <p:sp>
+        <p:nvSpPr>
+          <p:cNvPr id="22" name="TextBox 21"/>
+          <p:cNvSpPr txBox="1"/>
+          <p:nvPr/>
+        </p:nvSpPr>
+        <p:spPr>
+          <a:xfrm>
+            <a:off x="3547852" y="2167669"/>
+            <a:ext cx="3175666" cy="1015663"/>
+          </a:xfrm>
+          <a:prstGeom prst="rect">
+            <a:avLst/>
+          </a:prstGeom>
+          <a:noFill/>
+        </p:spPr>
+        <p:txBody>
+          <a:bodyPr wrap="square" rtlCol="0">
+            <a:spAutoFit/>
+          </a:bodyPr>
+          <a:lstStyle/>
+          <a:p>
+            <a:pPr algn="ctr"/>
+            <a:r>
+              <a:rPr lang="en-US" sz="6000" b="1" dirty="0" smtClean="0">
+                <a:solidFill>
+                  <a:schemeClr val="bg1"/>
+                </a:solidFill>
+              </a:rPr>
+              <a:t>Kid</a:t>
+            </a:r>
+            <a:endParaRPr lang="en-US" sz="6000" b="1" dirty="0">
+              <a:solidFill>
+                <a:schemeClr val="bg1"/>
+              </a:solidFill>
+            </a:endParaRPr>
+          </a:p>
+        </p:txBody>
+      </p:sp>
+      <p:sp>
+        <p:nvSpPr>
+          <p:cNvPr id="19" name="Rounded Rectangle 18"/>
+          <p:cNvSpPr/>
+          <p:nvPr/>
+        </p:nvSpPr>
+        <p:spPr>
+          <a:xfrm>
+            <a:off x="3544804" y="3569429"/>
+            <a:ext cx="3147510" cy="3147709"/>
+          </a:xfrm>
+          <a:prstGeom prst="roundRect">
+            <a:avLst/>
+          </a:prstGeom>
+          <a:solidFill>
+            <a:schemeClr val="accent5">
+              <a:lumMod val="75000"/>
+            </a:schemeClr>
+          </a:solidFill>
+          <a:ln>
+            <a:solidFill>
+              <a:schemeClr val="accent5">
+                <a:lumMod val="75000"/>
+              </a:schemeClr>
+            </a:solidFill>
+          </a:ln>
+        </p:spPr>
+        <p:style>
+          <a:lnRef idx="1">
+            <a:schemeClr val="accent1"/>
+          </a:lnRef>
+          <a:fillRef idx="3">
+            <a:schemeClr val="accent1"/>
+          </a:fillRef>
+          <a:effectRef idx="2">
+            <a:schemeClr val="accent1"/>
+          </a:effectRef>
+          <a:fontRef idx="minor">
+            <a:schemeClr val="lt1"/>
+          </a:fontRef>
+        </p:style>
+        <p:txBody>
+          <a:bodyPr rtlCol="0" anchor="ctr"/>
+          <a:lstStyle/>
+          <a:p>
+            <a:pPr algn="ctr"/>
+            <a:endParaRPr lang="en-US"/>
+          </a:p>
+        </p:txBody>
+      </p:sp>
+      <p:sp>
+        <p:nvSpPr>
+          <p:cNvPr id="24" name="TextBox 23"/>
+          <p:cNvSpPr txBox="1"/>
+          <p:nvPr/>
+        </p:nvSpPr>
+        <p:spPr>
+          <a:xfrm>
+            <a:off x="3544804" y="5599038"/>
+            <a:ext cx="3147510" cy="1015663"/>
+          </a:xfrm>
+          <a:prstGeom prst="rect">
+            <a:avLst/>
+          </a:prstGeom>
+          <a:noFill/>
+        </p:spPr>
+        <p:txBody>
+          <a:bodyPr wrap="square" rtlCol="0">
+            <a:spAutoFit/>
+          </a:bodyPr>
+          <a:lstStyle/>
+          <a:p>
+            <a:pPr algn="ctr"/>
+            <a:r>
+              <a:rPr lang="en-US" sz="6000" b="1" dirty="0" smtClean="0">
+                <a:solidFill>
+                  <a:schemeClr val="bg1"/>
+                </a:solidFill>
+              </a:rPr>
+              <a:t>Adult</a:t>
+            </a:r>
+            <a:endParaRPr lang="en-US" sz="6000" b="1" dirty="0">
+              <a:solidFill>
+                <a:schemeClr val="bg1"/>
+              </a:solidFill>
+            </a:endParaRPr>
+          </a:p>
+        </p:txBody>
+      </p:sp>
+      <p:sp>
+        <p:nvSpPr>
+          <p:cNvPr id="26" name="TextBox 25"/>
+          <p:cNvSpPr txBox="1"/>
+          <p:nvPr/>
+        </p:nvSpPr>
+        <p:spPr>
+          <a:xfrm>
+            <a:off x="96088" y="5656585"/>
+            <a:ext cx="3175666" cy="707886"/>
+          </a:xfrm>
+          <a:prstGeom prst="rect">
+            <a:avLst/>
+          </a:prstGeom>
+          <a:noFill/>
+        </p:spPr>
+        <p:txBody>
+          <a:bodyPr wrap="square" rtlCol="0">
+            <a:spAutoFit/>
+          </a:bodyPr>
+          <a:lstStyle/>
+          <a:p>
+            <a:pPr algn="ctr"/>
+            <a:r>
+              <a:rPr lang="en-US" sz="4000" b="1" dirty="0" smtClean="0">
+                <a:solidFill>
+                  <a:schemeClr val="bg1"/>
+                </a:solidFill>
+              </a:rPr>
+              <a:t>Young Adult</a:t>
+            </a:r>
+            <a:endParaRPr lang="en-US" sz="4000" b="1" dirty="0">
+              <a:solidFill>
+                <a:schemeClr val="bg1"/>
+              </a:solidFill>
+            </a:endParaRPr>
+          </a:p>
+        </p:txBody>
+      </p:sp>
+      <p:pic>
+        <p:nvPicPr>
+          <p:cNvPr id="3" name="Picture 2"/>
+          <p:cNvPicPr>
+            <a:picLocks noChangeAspect="1"/>
+          </p:cNvPicPr>
+          <p:nvPr/>
+        </p:nvPicPr>
+        <p:blipFill>
+          <a:blip r:embed="rId2"/>
+          <a:stretch>
+            <a:fillRect/>
+          </a:stretch>
+        </p:blipFill>
+        <p:spPr>
+          <a:xfrm>
+            <a:off x="7824742" y="324733"/>
+            <a:ext cx="1674642" cy="1786285"/>
+          </a:xfrm>
+          <a:prstGeom prst="rect">
+            <a:avLst/>
+          </a:prstGeom>
+        </p:spPr>
+      </p:pic>
+      <p:pic>
+        <p:nvPicPr>
+          <p:cNvPr id="17" name="Picture 16"/>
+          <p:cNvPicPr>
+            <a:picLocks noChangeAspect="1"/>
+          </p:cNvPicPr>
+          <p:nvPr/>
+        </p:nvPicPr>
+        <p:blipFill>
+          <a:blip r:embed="rId3"/>
+          <a:stretch>
+            <a:fillRect/>
+          </a:stretch>
+        </p:blipFill>
+        <p:spPr>
+          <a:xfrm>
+            <a:off x="990600" y="304800"/>
+            <a:ext cx="1365029" cy="1942189"/>
+          </a:xfrm>
+          <a:prstGeom prst="rect">
+            <a:avLst/>
+          </a:prstGeom>
+        </p:spPr>
+      </p:pic>
+      <p:sp>
+        <p:nvSpPr>
+          <p:cNvPr id="34" name="TextBox 33"/>
+          <p:cNvSpPr txBox="1"/>
+          <p:nvPr/>
+        </p:nvSpPr>
+        <p:spPr>
+          <a:xfrm>
+            <a:off x="7034946" y="2167669"/>
+            <a:ext cx="3175666" cy="1015663"/>
+          </a:xfrm>
+          <a:prstGeom prst="rect">
+            <a:avLst/>
+          </a:prstGeom>
+          <a:noFill/>
+        </p:spPr>
+        <p:txBody>
+          <a:bodyPr wrap="square" rtlCol="0">
+            <a:spAutoFit/>
+          </a:bodyPr>
+          <a:lstStyle/>
+          <a:p>
+            <a:pPr algn="ctr"/>
+            <a:r>
+              <a:rPr lang="en-US" sz="6000" b="1" dirty="0" smtClean="0">
+                <a:solidFill>
+                  <a:schemeClr val="bg1"/>
+                </a:solidFill>
+              </a:rPr>
+              <a:t>Teen</a:t>
+            </a:r>
+            <a:endParaRPr lang="en-US" sz="6000" b="1" dirty="0">
+              <a:solidFill>
+                <a:schemeClr val="bg1"/>
+              </a:solidFill>
+            </a:endParaRPr>
+          </a:p>
+        </p:txBody>
+      </p:sp>
+      <p:pic>
+        <p:nvPicPr>
+          <p:cNvPr id="35" name="Picture 34"/>
+          <p:cNvPicPr>
+            <a:picLocks noChangeAspect="1"/>
+          </p:cNvPicPr>
+          <p:nvPr/>
+        </p:nvPicPr>
+        <p:blipFill>
+          <a:blip r:embed="rId4"/>
+          <a:stretch>
+            <a:fillRect/>
+          </a:stretch>
+        </p:blipFill>
+        <p:spPr>
+          <a:xfrm>
+            <a:off x="855562" y="3735098"/>
+            <a:ext cx="1630956" cy="1786285"/>
+          </a:xfrm>
+          <a:prstGeom prst="rect">
+            <a:avLst/>
+          </a:prstGeom>
+        </p:spPr>
+      </p:pic>
+      <p:pic>
+        <p:nvPicPr>
+          <p:cNvPr id="36" name="Picture 35"/>
+          <p:cNvPicPr>
+            <a:picLocks noChangeAspect="1"/>
+          </p:cNvPicPr>
+          <p:nvPr/>
+        </p:nvPicPr>
+        <p:blipFill>
+          <a:blip r:embed="rId5"/>
+          <a:stretch>
+            <a:fillRect/>
+          </a:stretch>
+        </p:blipFill>
+        <p:spPr>
+          <a:xfrm>
+            <a:off x="4290266" y="304800"/>
+            <a:ext cx="1697222" cy="1806218"/>
+          </a:xfrm>
+          <a:prstGeom prst="rect">
+            <a:avLst/>
+          </a:prstGeom>
+        </p:spPr>
+      </p:pic>
+      <p:pic>
+        <p:nvPicPr>
+          <p:cNvPr id="2" name="Picture 1"/>
+          <p:cNvPicPr>
+            <a:picLocks noChangeAspect="1"/>
+          </p:cNvPicPr>
+          <p:nvPr/>
+        </p:nvPicPr>
+        <p:blipFill>
+          <a:blip r:embed="rId6"/>
+          <a:stretch>
+            <a:fillRect/>
+          </a:stretch>
+        </p:blipFill>
+        <p:spPr>
+          <a:xfrm>
+            <a:off x="4290266" y="3706001"/>
+            <a:ext cx="1660622" cy="1771330"/>
+          </a:xfrm>
+          <a:prstGeom prst="rect">
+            <a:avLst/>
+          </a:prstGeom>
+        </p:spPr>
+      </p:pic>
+      <p:sp>
+        <p:nvSpPr>
+          <p:cNvPr id="32" name="Rounded Rectangle 31"/>
+          <p:cNvSpPr/>
+          <p:nvPr/>
+        </p:nvSpPr>
+        <p:spPr>
+          <a:xfrm>
+            <a:off x="7000161" y="3564238"/>
+            <a:ext cx="3147510" cy="3147709"/>
+          </a:xfrm>
+          <a:prstGeom prst="roundRect">
+            <a:avLst/>
+          </a:prstGeom>
+          <a:solidFill>
+            <a:schemeClr val="accent5">
+              <a:lumMod val="75000"/>
+            </a:schemeClr>
+          </a:solidFill>
+          <a:ln>
+            <a:solidFill>
+              <a:schemeClr val="accent5">
+                <a:lumMod val="75000"/>
+              </a:schemeClr>
+            </a:solidFill>
+          </a:ln>
+        </p:spPr>
+        <p:style>
+          <a:lnRef idx="1">
+            <a:schemeClr val="accent1"/>
+          </a:lnRef>
+          <a:fillRef idx="3">
+            <a:schemeClr val="accent1"/>
+          </a:fillRef>
+          <a:effectRef idx="2">
+            <a:schemeClr val="accent1"/>
+          </a:effectRef>
+          <a:fontRef idx="minor">
+            <a:schemeClr val="lt1"/>
+          </a:fontRef>
+        </p:style>
+        <p:txBody>
+          <a:bodyPr rtlCol="0" anchor="ctr"/>
+          <a:lstStyle/>
+          <a:p>
+            <a:pPr algn="ctr"/>
+            <a:endParaRPr lang="en-US"/>
+          </a:p>
+        </p:txBody>
+      </p:sp>
+      <p:sp>
+        <p:nvSpPr>
+          <p:cNvPr id="37" name="TextBox 36"/>
+          <p:cNvSpPr txBox="1"/>
+          <p:nvPr/>
+        </p:nvSpPr>
+        <p:spPr>
+          <a:xfrm>
+            <a:off x="7429701" y="5656585"/>
+            <a:ext cx="2358113" cy="923330"/>
+          </a:xfrm>
+          <a:prstGeom prst="rect">
+            <a:avLst/>
+          </a:prstGeom>
+          <a:noFill/>
+        </p:spPr>
+        <p:txBody>
+          <a:bodyPr wrap="square" rtlCol="0">
+            <a:spAutoFit/>
+          </a:bodyPr>
+          <a:lstStyle/>
+          <a:p>
+            <a:pPr algn="ctr"/>
+            <a:r>
+              <a:rPr lang="en-US" sz="5400" b="1" dirty="0" smtClean="0">
+                <a:solidFill>
+                  <a:schemeClr val="bg1"/>
+                </a:solidFill>
+              </a:rPr>
+              <a:t>Senior</a:t>
+            </a:r>
+            <a:endParaRPr lang="en-US" sz="5400" b="1" dirty="0">
+              <a:solidFill>
+                <a:schemeClr val="bg1"/>
+              </a:solidFill>
+            </a:endParaRPr>
+          </a:p>
+        </p:txBody>
+      </p:sp>
+      <p:pic>
+        <p:nvPicPr>
+          <p:cNvPr id="38" name="Picture 37"/>
+          <p:cNvPicPr>
+            <a:picLocks noChangeAspect="1"/>
+          </p:cNvPicPr>
+          <p:nvPr/>
+        </p:nvPicPr>
+        <p:blipFill>
+          <a:blip r:embed="rId7"/>
+          <a:stretch>
+            <a:fillRect/>
+          </a:stretch>
+        </p:blipFill>
+        <p:spPr>
+          <a:xfrm>
+            <a:off x="7724930" y="3735097"/>
+            <a:ext cx="1633344" cy="1742234"/>
+          </a:xfrm>
+          <a:prstGeom prst="rect">
+            <a:avLst/>
+          </a:prstGeom>
+        </p:spPr>
+      </p:pic>
+    </p:spTree>
+    <p:extLst>
+      <p:ext uri="{BB962C8B-B14F-4D97-AF65-F5344CB8AC3E}">
+        <p14:creationId xmlns:p14="http://schemas.microsoft.com/office/powerpoint/2010/main" val="3723568807"/>
+      </p:ext>
+    </p:extLst>
+  </p:cSld>
+  <p:clrMapOvr>
+    <a:masterClrMapping/>
+  </p:clrMapOvr>
+</p:sld>
+</file>
+
+<file path=ppt/slides/slide5.xml><?xml version="1.0" encoding="utf-8"?>
+<p:sld xmlns:a="http://schemas.openxmlformats.org/drawingml/2006/main" xmlns:r="http://schemas.openxmlformats.org/officeDocument/2006/relationships" xmlns:p="http://schemas.openxmlformats.org/presentationml/2006/main">
+  <p:cSld>
+    <p:spTree>
+      <p:nvGrpSpPr>
+        <p:cNvPr id="1" name=""/>
+        <p:cNvGrpSpPr/>
+        <p:nvPr/>
+      </p:nvGrpSpPr>
+      <p:grpSpPr>
+        <a:xfrm>
+          <a:off x="0" y="0"/>
+          <a:ext cx="0" cy="0"/>
+          <a:chOff x="0" y="0"/>
+          <a:chExt cx="0" cy="0"/>
+        </a:xfrm>
+      </p:grpSpPr>
+      <p:sp>
+        <p:nvSpPr>
+          <p:cNvPr id="34" name="Rounded Rectangle 33"/>
+          <p:cNvSpPr/>
+          <p:nvPr/>
+        </p:nvSpPr>
+        <p:spPr>
+          <a:xfrm>
+            <a:off x="10361350" y="138060"/>
+            <a:ext cx="3147510" cy="3147709"/>
+          </a:xfrm>
+          <a:prstGeom prst="roundRect">
+            <a:avLst/>
+          </a:prstGeom>
+          <a:solidFill>
+            <a:schemeClr val="accent2">
+              <a:lumMod val="75000"/>
+            </a:schemeClr>
+          </a:solidFill>
+          <a:ln>
+            <a:solidFill>
+              <a:schemeClr val="accent2">
+                <a:lumMod val="75000"/>
+              </a:schemeClr>
+            </a:solidFill>
+          </a:ln>
+        </p:spPr>
+        <p:style>
+          <a:lnRef idx="1">
+            <a:schemeClr val="accent1"/>
+          </a:lnRef>
+          <a:fillRef idx="3">
+            <a:schemeClr val="accent1"/>
+          </a:fillRef>
+          <a:effectRef idx="2">
+            <a:schemeClr val="accent1"/>
+          </a:effectRef>
+          <a:fontRef idx="minor">
+            <a:schemeClr val="lt1"/>
+          </a:fontRef>
+        </p:style>
+        <p:txBody>
+          <a:bodyPr rtlCol="0" anchor="ctr"/>
+          <a:lstStyle/>
+          <a:p>
+            <a:pPr algn="ctr"/>
+            <a:endParaRPr lang="en-US"/>
+          </a:p>
+        </p:txBody>
+      </p:sp>
+      <p:pic>
+        <p:nvPicPr>
+          <p:cNvPr id="40" name="Picture 39"/>
+          <p:cNvPicPr>
+            <a:picLocks noChangeAspect="1"/>
+          </p:cNvPicPr>
+          <p:nvPr/>
+        </p:nvPicPr>
+        <p:blipFill>
+          <a:blip r:embed="rId2"/>
+          <a:stretch>
+            <a:fillRect/>
+          </a:stretch>
+        </p:blipFill>
+        <p:spPr>
+          <a:xfrm>
+            <a:off x="10700227" y="352276"/>
+            <a:ext cx="2048633" cy="2234069"/>
+          </a:xfrm>
+          <a:prstGeom prst="rect">
+            <a:avLst/>
+          </a:prstGeom>
+        </p:spPr>
+      </p:pic>
+      <p:pic>
+        <p:nvPicPr>
+          <p:cNvPr id="41" name="Picture 40"/>
+          <p:cNvPicPr>
+            <a:picLocks noChangeAspect="1"/>
+          </p:cNvPicPr>
+          <p:nvPr/>
+        </p:nvPicPr>
+        <p:blipFill>
+          <a:blip r:embed="rId3"/>
+          <a:stretch>
+            <a:fillRect/>
+          </a:stretch>
+        </p:blipFill>
+        <p:spPr>
+          <a:xfrm>
+            <a:off x="10837328" y="457402"/>
+            <a:ext cx="2007895" cy="2189644"/>
+          </a:xfrm>
+          <a:prstGeom prst="rect">
+            <a:avLst/>
+          </a:prstGeom>
+        </p:spPr>
+      </p:pic>
+      <p:sp>
+        <p:nvSpPr>
+          <p:cNvPr id="4" name="Rounded Rectangle 3"/>
+          <p:cNvSpPr/>
+          <p:nvPr/>
+        </p:nvSpPr>
+        <p:spPr>
+          <a:xfrm>
+            <a:off x="124244" y="138060"/>
+            <a:ext cx="3147510" cy="3147709"/>
+          </a:xfrm>
+          <a:prstGeom prst="roundRect">
+            <a:avLst/>
+          </a:prstGeom>
+          <a:solidFill>
+            <a:schemeClr val="accent2">
+              <a:lumMod val="75000"/>
+            </a:schemeClr>
+          </a:solidFill>
+          <a:ln>
+            <a:solidFill>
+              <a:schemeClr val="accent2">
+                <a:lumMod val="75000"/>
+              </a:schemeClr>
+            </a:solidFill>
+          </a:ln>
+        </p:spPr>
+        <p:style>
+          <a:lnRef idx="1">
+            <a:schemeClr val="accent1"/>
+          </a:lnRef>
+          <a:fillRef idx="3">
+            <a:schemeClr val="accent1"/>
+          </a:fillRef>
+          <a:effectRef idx="2">
+            <a:schemeClr val="accent1"/>
+          </a:effectRef>
+          <a:fontRef idx="minor">
+            <a:schemeClr val="lt1"/>
+          </a:fontRef>
+        </p:style>
+        <p:txBody>
+          <a:bodyPr rtlCol="0" anchor="ctr"/>
+          <a:lstStyle/>
+          <a:p>
+            <a:pPr algn="ctr"/>
+            <a:endParaRPr lang="en-US"/>
+          </a:p>
+        </p:txBody>
+      </p:sp>
+      <p:sp>
+        <p:nvSpPr>
+          <p:cNvPr id="6" name="Rounded Rectangle 5"/>
+          <p:cNvSpPr/>
+          <p:nvPr/>
+        </p:nvSpPr>
+        <p:spPr>
+          <a:xfrm>
+            <a:off x="124244" y="3603837"/>
+            <a:ext cx="3147510" cy="3147709"/>
+          </a:xfrm>
+          <a:prstGeom prst="roundRect">
+            <a:avLst/>
+          </a:prstGeom>
+          <a:solidFill>
+            <a:schemeClr val="accent2">
+              <a:lumMod val="75000"/>
+            </a:schemeClr>
+          </a:solidFill>
+          <a:ln>
+            <a:solidFill>
+              <a:schemeClr val="accent2">
+                <a:lumMod val="75000"/>
+              </a:schemeClr>
+            </a:solidFill>
+          </a:ln>
+        </p:spPr>
+        <p:style>
+          <a:lnRef idx="1">
+            <a:schemeClr val="accent1"/>
+          </a:lnRef>
+          <a:fillRef idx="3">
+            <a:schemeClr val="accent1"/>
+          </a:fillRef>
+          <a:effectRef idx="2">
+            <a:schemeClr val="accent1"/>
+          </a:effectRef>
+          <a:fontRef idx="minor">
+            <a:schemeClr val="lt1"/>
+          </a:fontRef>
+        </p:style>
+        <p:txBody>
+          <a:bodyPr rtlCol="0" anchor="ctr"/>
+          <a:lstStyle/>
+          <a:p>
+            <a:pPr algn="ctr"/>
+            <a:endParaRPr lang="en-US"/>
+          </a:p>
+        </p:txBody>
+      </p:sp>
+      <p:sp>
+        <p:nvSpPr>
+          <p:cNvPr id="7" name="Rounded Rectangle 6"/>
+          <p:cNvSpPr/>
+          <p:nvPr/>
+        </p:nvSpPr>
+        <p:spPr>
+          <a:xfrm>
+            <a:off x="3576008" y="3603837"/>
+            <a:ext cx="3147510" cy="3147709"/>
+          </a:xfrm>
+          <a:prstGeom prst="roundRect">
+            <a:avLst/>
+          </a:prstGeom>
+          <a:solidFill>
+            <a:schemeClr val="accent2">
+              <a:lumMod val="75000"/>
+            </a:schemeClr>
+          </a:solidFill>
+          <a:ln>
+            <a:solidFill>
+              <a:schemeClr val="accent2">
+                <a:lumMod val="75000"/>
+              </a:schemeClr>
+            </a:solidFill>
+          </a:ln>
+        </p:spPr>
+        <p:style>
+          <a:lnRef idx="1">
+            <a:schemeClr val="accent1"/>
+          </a:lnRef>
+          <a:fillRef idx="3">
+            <a:schemeClr val="accent1"/>
+          </a:fillRef>
+          <a:effectRef idx="2">
+            <a:schemeClr val="accent1"/>
+          </a:effectRef>
+          <a:fontRef idx="minor">
+            <a:schemeClr val="lt1"/>
+          </a:fontRef>
+        </p:style>
+        <p:txBody>
+          <a:bodyPr rtlCol="0" anchor="ctr"/>
+          <a:lstStyle/>
+          <a:p>
+            <a:pPr algn="ctr"/>
+            <a:endParaRPr lang="en-US"/>
+          </a:p>
+        </p:txBody>
+      </p:sp>
+      <p:sp>
+        <p:nvSpPr>
+          <p:cNvPr id="13" name="Rounded Rectangle 12"/>
+          <p:cNvSpPr/>
+          <p:nvPr/>
+        </p:nvSpPr>
+        <p:spPr>
+          <a:xfrm>
+            <a:off x="7000161" y="138060"/>
+            <a:ext cx="3147510" cy="3147709"/>
+          </a:xfrm>
+          <a:prstGeom prst="roundRect">
+            <a:avLst/>
+          </a:prstGeom>
+          <a:solidFill>
+            <a:schemeClr val="accent2">
+              <a:lumMod val="75000"/>
+            </a:schemeClr>
+          </a:solidFill>
+          <a:ln>
+            <a:solidFill>
+              <a:schemeClr val="accent2">
+                <a:lumMod val="75000"/>
+              </a:schemeClr>
+            </a:solidFill>
+          </a:ln>
+        </p:spPr>
+        <p:style>
+          <a:lnRef idx="1">
+            <a:schemeClr val="accent1"/>
+          </a:lnRef>
+          <a:fillRef idx="3">
+            <a:schemeClr val="accent1"/>
+          </a:fillRef>
+          <a:effectRef idx="2">
+            <a:schemeClr val="accent1"/>
+          </a:effectRef>
+          <a:fontRef idx="minor">
+            <a:schemeClr val="lt1"/>
+          </a:fontRef>
+        </p:style>
+        <p:txBody>
+          <a:bodyPr rtlCol="0" anchor="ctr"/>
+          <a:lstStyle/>
+          <a:p>
+            <a:pPr algn="ctr"/>
+            <a:endParaRPr lang="en-US"/>
+          </a:p>
+        </p:txBody>
+      </p:sp>
+      <p:sp>
+        <p:nvSpPr>
+          <p:cNvPr id="15" name="Rounded Rectangle 14"/>
+          <p:cNvSpPr/>
+          <p:nvPr/>
+        </p:nvSpPr>
+        <p:spPr>
+          <a:xfrm>
+            <a:off x="7036035" y="3603837"/>
+            <a:ext cx="3147510" cy="3147709"/>
+          </a:xfrm>
+          <a:prstGeom prst="roundRect">
+            <a:avLst/>
+          </a:prstGeom>
+          <a:solidFill>
+            <a:schemeClr val="accent2">
+              <a:lumMod val="75000"/>
+            </a:schemeClr>
+          </a:solidFill>
+          <a:ln>
+            <a:solidFill>
+              <a:schemeClr val="accent2">
+                <a:lumMod val="75000"/>
+              </a:schemeClr>
+            </a:solidFill>
+          </a:ln>
+        </p:spPr>
+        <p:style>
+          <a:lnRef idx="1">
+            <a:schemeClr val="accent1"/>
+          </a:lnRef>
+          <a:fillRef idx="3">
+            <a:schemeClr val="accent1"/>
+          </a:fillRef>
+          <a:effectRef idx="2">
+            <a:schemeClr val="accent1"/>
+          </a:effectRef>
+          <a:fontRef idx="minor">
+            <a:schemeClr val="lt1"/>
+          </a:fontRef>
+        </p:style>
+        <p:txBody>
+          <a:bodyPr rtlCol="0" anchor="ctr"/>
+          <a:lstStyle/>
+          <a:p>
+            <a:pPr algn="ctr"/>
+            <a:endParaRPr lang="en-US"/>
+          </a:p>
+        </p:txBody>
+      </p:sp>
+      <p:sp>
+        <p:nvSpPr>
+          <p:cNvPr id="20" name="Rounded Rectangle 19"/>
+          <p:cNvSpPr/>
+          <p:nvPr/>
+        </p:nvSpPr>
+        <p:spPr>
+          <a:xfrm>
+            <a:off x="3576008" y="138060"/>
+            <a:ext cx="3147510" cy="3147709"/>
+          </a:xfrm>
+          <a:prstGeom prst="roundRect">
+            <a:avLst/>
+          </a:prstGeom>
+          <a:solidFill>
+            <a:schemeClr val="accent2">
+              <a:lumMod val="75000"/>
+            </a:schemeClr>
+          </a:solidFill>
+          <a:ln>
+            <a:solidFill>
+              <a:schemeClr val="accent2">
+                <a:lumMod val="75000"/>
+              </a:schemeClr>
+            </a:solidFill>
+          </a:ln>
+        </p:spPr>
+        <p:style>
+          <a:lnRef idx="1">
+            <a:schemeClr val="accent1"/>
+          </a:lnRef>
+          <a:fillRef idx="3">
+            <a:schemeClr val="accent1"/>
+          </a:fillRef>
+          <a:effectRef idx="2">
+            <a:schemeClr val="accent1"/>
+          </a:effectRef>
+          <a:fontRef idx="minor">
+            <a:schemeClr val="lt1"/>
+          </a:fontRef>
+        </p:style>
+        <p:txBody>
+          <a:bodyPr rtlCol="0" anchor="ctr"/>
+          <a:lstStyle/>
+          <a:p>
+            <a:pPr algn="ctr"/>
+            <a:endParaRPr lang="en-US"/>
+          </a:p>
+        </p:txBody>
+      </p:sp>
+      <p:pic>
+        <p:nvPicPr>
+          <p:cNvPr id="2" name="Picture 1"/>
+          <p:cNvPicPr>
+            <a:picLocks noChangeAspect="1"/>
+          </p:cNvPicPr>
+          <p:nvPr/>
+        </p:nvPicPr>
+        <p:blipFill>
+          <a:blip r:embed="rId2"/>
+          <a:stretch>
+            <a:fillRect/>
+          </a:stretch>
+        </p:blipFill>
+        <p:spPr>
+          <a:xfrm>
+            <a:off x="7575145" y="525919"/>
+            <a:ext cx="2048633" cy="2234069"/>
+          </a:xfrm>
+          <a:prstGeom prst="rect">
+            <a:avLst/>
+          </a:prstGeom>
+        </p:spPr>
+      </p:pic>
+      <p:pic>
+        <p:nvPicPr>
+          <p:cNvPr id="3" name="Picture 2"/>
+          <p:cNvPicPr>
+            <a:picLocks noChangeAspect="1"/>
+          </p:cNvPicPr>
+          <p:nvPr/>
+        </p:nvPicPr>
+        <p:blipFill>
+          <a:blip r:embed="rId4"/>
+          <a:stretch>
+            <a:fillRect/>
+          </a:stretch>
+        </p:blipFill>
+        <p:spPr>
+          <a:xfrm>
+            <a:off x="3969693" y="931339"/>
+            <a:ext cx="2386066" cy="1631100"/>
+          </a:xfrm>
+          <a:prstGeom prst="rect">
+            <a:avLst/>
+          </a:prstGeom>
+        </p:spPr>
+      </p:pic>
+      <p:sp>
+        <p:nvSpPr>
+          <p:cNvPr id="25" name="Rectangle 24"/>
+          <p:cNvSpPr/>
+          <p:nvPr/>
+        </p:nvSpPr>
+        <p:spPr>
+          <a:xfrm>
+            <a:off x="718494" y="1354670"/>
+            <a:ext cx="2079114" cy="1038432"/>
+          </a:xfrm>
+          <a:prstGeom prst="rect">
+            <a:avLst/>
+          </a:prstGeom>
+          <a:solidFill>
+            <a:schemeClr val="bg1"/>
+          </a:solidFill>
+          <a:ln>
+            <a:noFill/>
+          </a:ln>
+        </p:spPr>
+        <p:style>
+          <a:lnRef idx="1">
+            <a:schemeClr val="accent1"/>
+          </a:lnRef>
+          <a:fillRef idx="3">
+            <a:schemeClr val="accent1"/>
+          </a:fillRef>
+          <a:effectRef idx="2">
+            <a:schemeClr val="accent1"/>
+          </a:effectRef>
+          <a:fontRef idx="minor">
+            <a:schemeClr val="lt1"/>
+          </a:fontRef>
+        </p:style>
+        <p:txBody>
+          <a:bodyPr tIns="0" bIns="0" rtlCol="0" anchor="ctr"/>
+          <a:lstStyle/>
+          <a:p>
+            <a:pPr algn="ctr"/>
+            <a:endParaRPr lang="en-US" sz="7200" b="1" dirty="0">
+              <a:solidFill>
+                <a:schemeClr val="accent2">
+                  <a:lumMod val="75000"/>
+                </a:schemeClr>
+              </a:solidFill>
+            </a:endParaRPr>
+          </a:p>
+        </p:txBody>
+      </p:sp>
+      <p:sp>
+        <p:nvSpPr>
+          <p:cNvPr id="26" name="Rectangle 25"/>
+          <p:cNvSpPr/>
+          <p:nvPr/>
+        </p:nvSpPr>
+        <p:spPr>
+          <a:xfrm>
+            <a:off x="1472003" y="1349026"/>
+            <a:ext cx="574647" cy="1015663"/>
+          </a:xfrm>
+          <a:prstGeom prst="rect">
+            <a:avLst/>
+          </a:prstGeom>
+        </p:spPr>
+        <p:txBody>
+          <a:bodyPr wrap="none">
+            <a:spAutoFit/>
+          </a:bodyPr>
+          <a:lstStyle/>
+          <a:p>
+            <a:pPr algn="ctr"/>
+            <a:r>
+              <a:rPr lang="en-US" sz="6000" b="1" dirty="0">
+                <a:solidFill>
+                  <a:schemeClr val="accent2">
+                    <a:lumMod val="75000"/>
+                  </a:schemeClr>
+                </a:solidFill>
+              </a:rPr>
+              <a:t>$</a:t>
+            </a:r>
+          </a:p>
+        </p:txBody>
+      </p:sp>
+      <p:sp>
+        <p:nvSpPr>
+          <p:cNvPr id="27" name="Rectangle 26"/>
+          <p:cNvSpPr/>
+          <p:nvPr/>
+        </p:nvSpPr>
+        <p:spPr>
+          <a:xfrm>
+            <a:off x="4419600" y="1524000"/>
+            <a:ext cx="1524000" cy="792902"/>
+          </a:xfrm>
+          <a:prstGeom prst="rect">
+            <a:avLst/>
+          </a:prstGeom>
+          <a:solidFill>
+            <a:schemeClr val="bg1"/>
+          </a:solidFill>
+          <a:ln>
+            <a:noFill/>
+          </a:ln>
+          <a:effectLst/>
+        </p:spPr>
+        <p:style>
+          <a:lnRef idx="1">
+            <a:schemeClr val="accent1"/>
+          </a:lnRef>
+          <a:fillRef idx="3">
+            <a:schemeClr val="accent1"/>
+          </a:fillRef>
+          <a:effectRef idx="2">
+            <a:schemeClr val="accent1"/>
+          </a:effectRef>
+          <a:fontRef idx="minor">
+            <a:schemeClr val="lt1"/>
+          </a:fontRef>
+        </p:style>
+        <p:txBody>
+          <a:bodyPr tIns="0" bIns="0" rtlCol="0" anchor="ctr"/>
+          <a:lstStyle/>
+          <a:p>
+            <a:pPr algn="ctr"/>
+            <a:endParaRPr lang="en-US" sz="7200" b="1" dirty="0">
+              <a:solidFill>
+                <a:schemeClr val="accent2">
+                  <a:lumMod val="75000"/>
+                </a:schemeClr>
+              </a:solidFill>
+            </a:endParaRPr>
+          </a:p>
+        </p:txBody>
+      </p:sp>
+      <p:sp>
+        <p:nvSpPr>
+          <p:cNvPr id="28" name="Rectangle 27"/>
+          <p:cNvSpPr/>
+          <p:nvPr/>
+        </p:nvSpPr>
+        <p:spPr>
+          <a:xfrm>
+            <a:off x="4588752" y="1377439"/>
+            <a:ext cx="1202449" cy="1015663"/>
+          </a:xfrm>
+          <a:prstGeom prst="rect">
+            <a:avLst/>
+          </a:prstGeom>
+        </p:spPr>
+        <p:txBody>
+          <a:bodyPr wrap="square">
+            <a:spAutoFit/>
+          </a:bodyPr>
+          <a:lstStyle/>
+          <a:p>
+            <a:pPr algn="ctr"/>
+            <a:r>
+              <a:rPr lang="en-US" sz="6000" b="1" dirty="0" smtClean="0">
+                <a:solidFill>
+                  <a:schemeClr val="accent2">
+                    <a:lumMod val="75000"/>
+                  </a:schemeClr>
+                </a:solidFill>
+              </a:rPr>
+              <a:t>$$</a:t>
+            </a:r>
+            <a:endParaRPr lang="en-US" sz="6000" b="1" dirty="0">
+              <a:solidFill>
+                <a:schemeClr val="accent2">
+                  <a:lumMod val="75000"/>
+                </a:schemeClr>
+              </a:solidFill>
+            </a:endParaRPr>
+          </a:p>
+        </p:txBody>
+      </p:sp>
+      <p:sp>
+        <p:nvSpPr>
+          <p:cNvPr id="29" name="Rectangle 28"/>
+          <p:cNvSpPr/>
+          <p:nvPr/>
+        </p:nvSpPr>
+        <p:spPr>
+          <a:xfrm>
+            <a:off x="7941551" y="1529839"/>
+            <a:ext cx="1354848" cy="939463"/>
+          </a:xfrm>
+          <a:prstGeom prst="rect">
+            <a:avLst/>
+          </a:prstGeom>
+          <a:solidFill>
+            <a:schemeClr val="bg1"/>
+          </a:solidFill>
+          <a:ln>
+            <a:noFill/>
+          </a:ln>
+          <a:effectLst/>
+        </p:spPr>
+        <p:style>
+          <a:lnRef idx="1">
+            <a:schemeClr val="accent1"/>
+          </a:lnRef>
+          <a:fillRef idx="3">
+            <a:schemeClr val="accent1"/>
+          </a:fillRef>
+          <a:effectRef idx="2">
+            <a:schemeClr val="accent1"/>
+          </a:effectRef>
+          <a:fontRef idx="minor">
+            <a:schemeClr val="lt1"/>
+          </a:fontRef>
+        </p:style>
+        <p:txBody>
+          <a:bodyPr tIns="0" bIns="0" rtlCol="0" anchor="ctr"/>
+          <a:lstStyle/>
+          <a:p>
+            <a:pPr algn="ctr"/>
+            <a:endParaRPr lang="en-US" sz="7200" b="1" dirty="0">
+              <a:solidFill>
+                <a:schemeClr val="accent2">
+                  <a:lumMod val="75000"/>
+                </a:schemeClr>
+              </a:solidFill>
+            </a:endParaRPr>
+          </a:p>
+        </p:txBody>
+      </p:sp>
+      <p:sp>
+        <p:nvSpPr>
+          <p:cNvPr id="30" name="Rectangle 29"/>
+          <p:cNvSpPr/>
+          <p:nvPr/>
+        </p:nvSpPr>
+        <p:spPr>
+          <a:xfrm>
+            <a:off x="7755283" y="1529839"/>
+            <a:ext cx="1682227" cy="1015663"/>
+          </a:xfrm>
+          <a:prstGeom prst="rect">
+            <a:avLst/>
+          </a:prstGeom>
+        </p:spPr>
+        <p:txBody>
+          <a:bodyPr wrap="square">
+            <a:spAutoFit/>
+          </a:bodyPr>
+          <a:lstStyle/>
+          <a:p>
+            <a:pPr algn="ctr"/>
+            <a:r>
+              <a:rPr lang="en-US" sz="6000" b="1" dirty="0" smtClean="0">
+                <a:solidFill>
+                  <a:schemeClr val="accent2">
+                    <a:lumMod val="75000"/>
+                  </a:schemeClr>
+                </a:solidFill>
+              </a:rPr>
+              <a:t>$$$</a:t>
+            </a:r>
+            <a:endParaRPr lang="en-US" sz="6000" b="1" dirty="0">
+              <a:solidFill>
+                <a:schemeClr val="accent2">
+                  <a:lumMod val="75000"/>
+                </a:schemeClr>
+              </a:solidFill>
+            </a:endParaRPr>
+          </a:p>
+        </p:txBody>
+      </p:sp>
+      <p:sp>
+        <p:nvSpPr>
+          <p:cNvPr id="31" name="Rectangle 30"/>
+          <p:cNvSpPr/>
+          <p:nvPr/>
+        </p:nvSpPr>
+        <p:spPr>
+          <a:xfrm>
+            <a:off x="718494" y="4662315"/>
+            <a:ext cx="1980154" cy="1015663"/>
+          </a:xfrm>
+          <a:prstGeom prst="rect">
+            <a:avLst/>
+          </a:prstGeom>
+        </p:spPr>
+        <p:txBody>
+          <a:bodyPr wrap="none">
+            <a:spAutoFit/>
+          </a:bodyPr>
+          <a:lstStyle/>
+          <a:p>
+            <a:pPr algn="ctr"/>
+            <a:r>
+              <a:rPr lang="en-US" sz="6000" b="1" dirty="0" smtClean="0">
+                <a:solidFill>
+                  <a:schemeClr val="bg1"/>
+                </a:solidFill>
+              </a:rPr>
+              <a:t>$0-20</a:t>
+            </a:r>
+            <a:endParaRPr lang="en-US" sz="6000" b="1" dirty="0">
+              <a:solidFill>
+                <a:schemeClr val="bg1"/>
+              </a:solidFill>
+            </a:endParaRPr>
+          </a:p>
+        </p:txBody>
+      </p:sp>
+      <p:sp>
+        <p:nvSpPr>
+          <p:cNvPr id="32" name="Rectangle 31"/>
+          <p:cNvSpPr/>
+          <p:nvPr/>
+        </p:nvSpPr>
+        <p:spPr>
+          <a:xfrm>
+            <a:off x="3956390" y="4650693"/>
+            <a:ext cx="2370135" cy="1015663"/>
+          </a:xfrm>
+          <a:prstGeom prst="rect">
+            <a:avLst/>
+          </a:prstGeom>
+        </p:spPr>
+        <p:txBody>
+          <a:bodyPr wrap="none">
+            <a:spAutoFit/>
+          </a:bodyPr>
+          <a:lstStyle/>
+          <a:p>
+            <a:pPr algn="ctr"/>
+            <a:r>
+              <a:rPr lang="en-US" sz="6000" b="1" dirty="0" smtClean="0">
+                <a:solidFill>
+                  <a:schemeClr val="bg1"/>
+                </a:solidFill>
+              </a:rPr>
+              <a:t>$20-50</a:t>
+            </a:r>
+            <a:endParaRPr lang="en-US" sz="6000" b="1" dirty="0">
+              <a:solidFill>
+                <a:schemeClr val="bg1"/>
+              </a:solidFill>
+            </a:endParaRPr>
+          </a:p>
+        </p:txBody>
+      </p:sp>
+      <p:sp>
+        <p:nvSpPr>
+          <p:cNvPr id="33" name="Rectangle 32"/>
+          <p:cNvSpPr/>
+          <p:nvPr/>
+        </p:nvSpPr>
+        <p:spPr>
+          <a:xfrm>
+            <a:off x="7258990" y="4662315"/>
+            <a:ext cx="2760116" cy="1015663"/>
+          </a:xfrm>
+          <a:prstGeom prst="rect">
+            <a:avLst/>
+          </a:prstGeom>
+        </p:spPr>
+        <p:txBody>
+          <a:bodyPr wrap="none">
+            <a:spAutoFit/>
+          </a:bodyPr>
+          <a:lstStyle/>
+          <a:p>
+            <a:pPr algn="ctr"/>
+            <a:r>
+              <a:rPr lang="en-US" sz="6000" b="1" dirty="0" smtClean="0">
+                <a:solidFill>
+                  <a:schemeClr val="bg1"/>
+                </a:solidFill>
+              </a:rPr>
+              <a:t>$50-100</a:t>
+            </a:r>
+            <a:endParaRPr lang="en-US" sz="6000" b="1" dirty="0">
+              <a:solidFill>
+                <a:schemeClr val="bg1"/>
+              </a:solidFill>
+            </a:endParaRPr>
+          </a:p>
+        </p:txBody>
+      </p:sp>
+      <p:sp>
+        <p:nvSpPr>
+          <p:cNvPr id="35" name="Rounded Rectangle 34"/>
+          <p:cNvSpPr/>
+          <p:nvPr/>
+        </p:nvSpPr>
+        <p:spPr>
+          <a:xfrm>
+            <a:off x="10397224" y="3603837"/>
+            <a:ext cx="3147510" cy="3147709"/>
+          </a:xfrm>
+          <a:prstGeom prst="roundRect">
+            <a:avLst/>
+          </a:prstGeom>
+          <a:solidFill>
+            <a:schemeClr val="accent2">
+              <a:lumMod val="75000"/>
+            </a:schemeClr>
+          </a:solidFill>
+          <a:ln>
+            <a:solidFill>
+              <a:schemeClr val="accent2">
+                <a:lumMod val="75000"/>
+              </a:schemeClr>
+            </a:solidFill>
+          </a:ln>
+        </p:spPr>
+        <p:style>
+          <a:lnRef idx="1">
+            <a:schemeClr val="accent1"/>
+          </a:lnRef>
+          <a:fillRef idx="3">
+            <a:schemeClr val="accent1"/>
+          </a:fillRef>
+          <a:effectRef idx="2">
+            <a:schemeClr val="accent1"/>
+          </a:effectRef>
+          <a:fontRef idx="minor">
+            <a:schemeClr val="lt1"/>
+          </a:fontRef>
+        </p:style>
+        <p:txBody>
+          <a:bodyPr rtlCol="0" anchor="ctr"/>
+          <a:lstStyle/>
+          <a:p>
+            <a:pPr algn="ctr"/>
+            <a:endParaRPr lang="en-US"/>
+          </a:p>
+        </p:txBody>
+      </p:sp>
+      <p:pic>
+        <p:nvPicPr>
+          <p:cNvPr id="36" name="Picture 35"/>
+          <p:cNvPicPr>
+            <a:picLocks noChangeAspect="1"/>
+          </p:cNvPicPr>
+          <p:nvPr/>
+        </p:nvPicPr>
+        <p:blipFill>
+          <a:blip r:embed="rId2"/>
+          <a:stretch>
+            <a:fillRect/>
+          </a:stretch>
+        </p:blipFill>
+        <p:spPr>
+          <a:xfrm>
+            <a:off x="10992778" y="554141"/>
+            <a:ext cx="2048633" cy="2234069"/>
+          </a:xfrm>
+          <a:prstGeom prst="rect">
+            <a:avLst/>
+          </a:prstGeom>
+        </p:spPr>
+      </p:pic>
+      <p:sp>
+        <p:nvSpPr>
+          <p:cNvPr id="37" name="Rectangle 36"/>
+          <p:cNvSpPr/>
+          <p:nvPr/>
+        </p:nvSpPr>
+        <p:spPr>
+          <a:xfrm>
+            <a:off x="11359184" y="1529839"/>
+            <a:ext cx="1354848" cy="939463"/>
+          </a:xfrm>
+          <a:prstGeom prst="rect">
+            <a:avLst/>
+          </a:prstGeom>
+          <a:solidFill>
+            <a:schemeClr val="bg1"/>
+          </a:solidFill>
+          <a:ln>
+            <a:noFill/>
+          </a:ln>
+          <a:effectLst/>
+        </p:spPr>
+        <p:style>
+          <a:lnRef idx="1">
+            <a:schemeClr val="accent1"/>
+          </a:lnRef>
+          <a:fillRef idx="3">
+            <a:schemeClr val="accent1"/>
+          </a:fillRef>
+          <a:effectRef idx="2">
+            <a:schemeClr val="accent1"/>
+          </a:effectRef>
+          <a:fontRef idx="minor">
+            <a:schemeClr val="lt1"/>
+          </a:fontRef>
+        </p:style>
+        <p:txBody>
+          <a:bodyPr tIns="0" bIns="0" rtlCol="0" anchor="ctr"/>
+          <a:lstStyle/>
+          <a:p>
+            <a:pPr algn="ctr"/>
+            <a:endParaRPr lang="en-US" sz="7200" b="1" dirty="0">
+              <a:solidFill>
+                <a:schemeClr val="accent2">
+                  <a:lumMod val="75000"/>
+                </a:schemeClr>
+              </a:solidFill>
+            </a:endParaRPr>
+          </a:p>
+        </p:txBody>
+      </p:sp>
+      <p:sp>
+        <p:nvSpPr>
+          <p:cNvPr id="38" name="Rectangle 37"/>
+          <p:cNvSpPr/>
+          <p:nvPr/>
+        </p:nvSpPr>
+        <p:spPr>
+          <a:xfrm>
+            <a:off x="10820694" y="1529839"/>
+            <a:ext cx="2400040" cy="1015663"/>
+          </a:xfrm>
+          <a:prstGeom prst="rect">
+            <a:avLst/>
+          </a:prstGeom>
+        </p:spPr>
+        <p:txBody>
+          <a:bodyPr wrap="square">
+            <a:spAutoFit/>
+          </a:bodyPr>
+          <a:lstStyle/>
+          <a:p>
+            <a:pPr algn="ctr"/>
+            <a:r>
+              <a:rPr lang="en-US" sz="6000" b="1" dirty="0" smtClean="0">
+                <a:solidFill>
+                  <a:schemeClr val="accent2">
+                    <a:lumMod val="75000"/>
+                  </a:schemeClr>
+                </a:solidFill>
+              </a:rPr>
+              <a:t>$$$$</a:t>
+            </a:r>
+            <a:endParaRPr lang="en-US" sz="6000" b="1" dirty="0">
+              <a:solidFill>
+                <a:schemeClr val="accent2">
+                  <a:lumMod val="75000"/>
+                </a:schemeClr>
+              </a:solidFill>
+            </a:endParaRPr>
+          </a:p>
+        </p:txBody>
+      </p:sp>
+      <p:sp>
+        <p:nvSpPr>
+          <p:cNvPr id="39" name="Rectangle 38"/>
+          <p:cNvSpPr/>
+          <p:nvPr/>
+        </p:nvSpPr>
+        <p:spPr>
+          <a:xfrm>
+            <a:off x="10936333" y="4640801"/>
+            <a:ext cx="2127806" cy="1015663"/>
+          </a:xfrm>
+          <a:prstGeom prst="rect">
+            <a:avLst/>
+          </a:prstGeom>
+        </p:spPr>
+        <p:txBody>
+          <a:bodyPr wrap="none">
+            <a:spAutoFit/>
+          </a:bodyPr>
+          <a:lstStyle/>
+          <a:p>
+            <a:pPr algn="ctr"/>
+            <a:r>
+              <a:rPr lang="en-US" sz="6000" b="1" dirty="0" smtClean="0">
+                <a:solidFill>
+                  <a:schemeClr val="bg1"/>
+                </a:solidFill>
+              </a:rPr>
+              <a:t>$100+</a:t>
+            </a:r>
+            <a:endParaRPr lang="en-US" sz="6000" b="1" dirty="0">
+              <a:solidFill>
+                <a:schemeClr val="bg1"/>
+              </a:solidFill>
+            </a:endParaRPr>
+          </a:p>
+        </p:txBody>
+      </p:sp>
+    </p:spTree>
+    <p:extLst>
+      <p:ext uri="{BB962C8B-B14F-4D97-AF65-F5344CB8AC3E}">
+        <p14:creationId xmlns:p14="http://schemas.microsoft.com/office/powerpoint/2010/main" val="3214049147"/>
+      </p:ext>
+    </p:extLst>
+  </p:cSld>
+  <p:clrMapOvr>
+    <a:masterClrMapping/>
+  </p:clrMapOvr>
+</p:sld>
+</file>
+
+<file path=ppt/slides/slide6.xml><?xml version="1.0" encoding="utf-8"?>
+<p:sld xmlns:a="http://schemas.openxmlformats.org/drawingml/2006/main" xmlns:r="http://schemas.openxmlformats.org/officeDocument/2006/relationships" xmlns:p="http://schemas.openxmlformats.org/presentationml/2006/main">
+  <p:cSld>
+    <p:spTree>
+      <p:nvGrpSpPr>
+        <p:cNvPr id="1" name=""/>
+        <p:cNvGrpSpPr/>
+        <p:nvPr/>
+      </p:nvGrpSpPr>
+      <p:grpSpPr>
+        <a:xfrm>
+          <a:off x="0" y="0"/>
+          <a:ext cx="0" cy="0"/>
+          <a:chOff x="0" y="0"/>
+          <a:chExt cx="0" cy="0"/>
+        </a:xfrm>
+      </p:grpSpPr>
+      <p:sp>
+        <p:nvSpPr>
           <p:cNvPr id="4" name="Rounded Rectangle 3"/>
           <p:cNvSpPr/>
           <p:nvPr/>
@@ -6017,7 +7434,7 @@
 </p:sld>
 </file>
 
-<file path=ppt/slides/slide5.xml><?xml version="1.0" encoding="utf-8"?>
+<file path=ppt/slides/slide7.xml><?xml version="1.0" encoding="utf-8"?>
 <p:sld xmlns:a="http://schemas.openxmlformats.org/drawingml/2006/main" xmlns:r="http://schemas.openxmlformats.org/officeDocument/2006/relationships" xmlns:p="http://schemas.openxmlformats.org/presentationml/2006/main">
   <p:cSld>
     <p:spTree>
@@ -8129,11 +9546,6 @@
               </a:rPr>
               <a:t>$</a:t>
             </a:r>
-            <a:endParaRPr lang="en-US" sz="2800" b="1" dirty="0">
-              <a:solidFill>
-                <a:schemeClr val="accent1"/>
-              </a:solidFill>
-            </a:endParaRPr>
           </a:p>
         </p:txBody>
       </p:sp>
@@ -8150,7 +9562,7 @@
 </p:sld>
 </file>
 
-<file path=ppt/slides/slide6.xml><?xml version="1.0" encoding="utf-8"?>
+<file path=ppt/slides/slide8.xml><?xml version="1.0" encoding="utf-8"?>
 <p:sld xmlns:a="http://schemas.openxmlformats.org/drawingml/2006/main" xmlns:r="http://schemas.openxmlformats.org/officeDocument/2006/relationships" xmlns:p="http://schemas.openxmlformats.org/presentationml/2006/main">
   <p:cSld>
     <p:spTree>

--- a/thoughtfulgiftgen/static/img/tgg_imgs.pptx
+++ b/thoughtfulgiftgen/static/img/tgg_imgs.pptx
@@ -6,13 +6,15 @@
   </p:sldMasterIdLst>
   <p:sldIdLst>
     <p:sldId id="256" r:id="rId2"/>
-    <p:sldId id="262" r:id="rId3"/>
-    <p:sldId id="257" r:id="rId4"/>
-    <p:sldId id="263" r:id="rId5"/>
-    <p:sldId id="260" r:id="rId6"/>
-    <p:sldId id="259" r:id="rId7"/>
-    <p:sldId id="258" r:id="rId8"/>
-    <p:sldId id="261" r:id="rId9"/>
+    <p:sldId id="264" r:id="rId3"/>
+    <p:sldId id="265" r:id="rId4"/>
+    <p:sldId id="262" r:id="rId5"/>
+    <p:sldId id="257" r:id="rId6"/>
+    <p:sldId id="263" r:id="rId7"/>
+    <p:sldId id="260" r:id="rId8"/>
+    <p:sldId id="259" r:id="rId9"/>
+    <p:sldId id="258" r:id="rId10"/>
+    <p:sldId id="261" r:id="rId11"/>
   </p:sldIdLst>
   <p:sldSz cx="9144000" cy="6858000" type="screen4x3"/>
   <p:notesSz cx="6858000" cy="9144000"/>
@@ -295,7 +297,7 @@
           <a:p>
             <a:fld id="{2CBF8408-F707-764D-8E0F-7F69B6D7E410}" type="datetimeFigureOut">
               <a:rPr lang="en-US" smtClean="0"/>
-              <a:t>12/24/14</a:t>
+              <a:t>1/16/15</a:t>
             </a:fld>
             <a:endParaRPr lang="en-US"/>
           </a:p>
@@ -465,7 +467,7 @@
           <a:p>
             <a:fld id="{2CBF8408-F707-764D-8E0F-7F69B6D7E410}" type="datetimeFigureOut">
               <a:rPr lang="en-US" smtClean="0"/>
-              <a:t>12/24/14</a:t>
+              <a:t>1/16/15</a:t>
             </a:fld>
             <a:endParaRPr lang="en-US"/>
           </a:p>
@@ -645,7 +647,7 @@
           <a:p>
             <a:fld id="{2CBF8408-F707-764D-8E0F-7F69B6D7E410}" type="datetimeFigureOut">
               <a:rPr lang="en-US" smtClean="0"/>
-              <a:t>12/24/14</a:t>
+              <a:t>1/16/15</a:t>
             </a:fld>
             <a:endParaRPr lang="en-US"/>
           </a:p>
@@ -815,7 +817,7 @@
           <a:p>
             <a:fld id="{2CBF8408-F707-764D-8E0F-7F69B6D7E410}" type="datetimeFigureOut">
               <a:rPr lang="en-US" smtClean="0"/>
-              <a:t>12/24/14</a:t>
+              <a:t>1/16/15</a:t>
             </a:fld>
             <a:endParaRPr lang="en-US"/>
           </a:p>
@@ -1061,7 +1063,7 @@
           <a:p>
             <a:fld id="{2CBF8408-F707-764D-8E0F-7F69B6D7E410}" type="datetimeFigureOut">
               <a:rPr lang="en-US" smtClean="0"/>
-              <a:t>12/24/14</a:t>
+              <a:t>1/16/15</a:t>
             </a:fld>
             <a:endParaRPr lang="en-US"/>
           </a:p>
@@ -1349,7 +1351,7 @@
           <a:p>
             <a:fld id="{2CBF8408-F707-764D-8E0F-7F69B6D7E410}" type="datetimeFigureOut">
               <a:rPr lang="en-US" smtClean="0"/>
-              <a:t>12/24/14</a:t>
+              <a:t>1/16/15</a:t>
             </a:fld>
             <a:endParaRPr lang="en-US"/>
           </a:p>
@@ -1771,7 +1773,7 @@
           <a:p>
             <a:fld id="{2CBF8408-F707-764D-8E0F-7F69B6D7E410}" type="datetimeFigureOut">
               <a:rPr lang="en-US" smtClean="0"/>
-              <a:t>12/24/14</a:t>
+              <a:t>1/16/15</a:t>
             </a:fld>
             <a:endParaRPr lang="en-US"/>
           </a:p>
@@ -1889,7 +1891,7 @@
           <a:p>
             <a:fld id="{2CBF8408-F707-764D-8E0F-7F69B6D7E410}" type="datetimeFigureOut">
               <a:rPr lang="en-US" smtClean="0"/>
-              <a:t>12/24/14</a:t>
+              <a:t>1/16/15</a:t>
             </a:fld>
             <a:endParaRPr lang="en-US"/>
           </a:p>
@@ -1984,7 +1986,7 @@
           <a:p>
             <a:fld id="{2CBF8408-F707-764D-8E0F-7F69B6D7E410}" type="datetimeFigureOut">
               <a:rPr lang="en-US" smtClean="0"/>
-              <a:t>12/24/14</a:t>
+              <a:t>1/16/15</a:t>
             </a:fld>
             <a:endParaRPr lang="en-US"/>
           </a:p>
@@ -2261,7 +2263,7 @@
           <a:p>
             <a:fld id="{2CBF8408-F707-764D-8E0F-7F69B6D7E410}" type="datetimeFigureOut">
               <a:rPr lang="en-US" smtClean="0"/>
-              <a:t>12/24/14</a:t>
+              <a:t>1/16/15</a:t>
             </a:fld>
             <a:endParaRPr lang="en-US"/>
           </a:p>
@@ -2514,7 +2516,7 @@
           <a:p>
             <a:fld id="{2CBF8408-F707-764D-8E0F-7F69B6D7E410}" type="datetimeFigureOut">
               <a:rPr lang="en-US" smtClean="0"/>
-              <a:t>12/24/14</a:t>
+              <a:t>1/16/15</a:t>
             </a:fld>
             <a:endParaRPr lang="en-US"/>
           </a:p>
@@ -2727,7 +2729,7 @@
           <a:p>
             <a:fld id="{2CBF8408-F707-764D-8E0F-7F69B6D7E410}" type="datetimeFigureOut">
               <a:rPr lang="en-US" smtClean="0"/>
-              <a:t>12/24/14</a:t>
+              <a:t>1/16/15</a:t>
             </a:fld>
             <a:endParaRPr lang="en-US"/>
           </a:p>
@@ -3517,8 +3519,8 @@
         </p:nvSpPr>
         <p:spPr>
           <a:xfrm>
-            <a:off x="831769" y="5495262"/>
-            <a:ext cx="7263527" cy="1200329"/>
+            <a:off x="-39823" y="5389992"/>
+            <a:ext cx="9238426" cy="1200329"/>
           </a:xfrm>
           <a:prstGeom prst="rect">
             <a:avLst/>
@@ -3531,43 +3533,538 @@
           <a:lstStyle/>
           <a:p>
             <a:r>
-              <a:rPr lang="en-US" sz="7200" b="1" dirty="0">
+              <a:rPr lang="en-US" sz="7200" b="1" dirty="0" smtClean="0">
                 <a:latin typeface="Edwardian Script ITC"/>
                 <a:cs typeface="Edwardian Script ITC"/>
               </a:rPr>
-              <a:t>We're Getting Married!</a:t>
-            </a:r>
-          </a:p>
-        </p:txBody>
-      </p:sp>
-      <p:pic>
-        <p:nvPicPr>
-          <p:cNvPr id="3" name="Picture 2"/>
-          <p:cNvPicPr>
-            <a:picLocks noChangeAspect="1"/>
-          </p:cNvPicPr>
-          <p:nvPr/>
-        </p:nvPicPr>
-        <p:blipFill>
-          <a:blip r:embed="rId2"/>
-          <a:stretch>
-            <a:fillRect/>
-          </a:stretch>
-        </p:blipFill>
-        <p:spPr>
-          <a:xfrm>
-            <a:off x="5531985" y="472503"/>
-            <a:ext cx="3467100" cy="596900"/>
-          </a:xfrm>
-          <a:prstGeom prst="rect">
-            <a:avLst/>
-          </a:prstGeom>
-        </p:spPr>
-      </p:pic>
+              <a:t>Thoughtful Gift Generator </a:t>
+            </a:r>
+            <a:r>
+              <a:rPr lang="en-US" sz="7200" b="1" dirty="0" err="1" smtClean="0">
+                <a:latin typeface="Edwardian Script ITC"/>
+                <a:cs typeface="Edwardian Script ITC"/>
+              </a:rPr>
+              <a:t>Coptor</a:t>
+            </a:r>
+            <a:endParaRPr lang="en-US" sz="7200" b="1" dirty="0">
+              <a:latin typeface="Edwardian Script ITC"/>
+              <a:cs typeface="Edwardian Script ITC"/>
+            </a:endParaRPr>
+          </a:p>
+        </p:txBody>
+      </p:sp>
     </p:spTree>
     <p:extLst>
       <p:ext uri="{BB962C8B-B14F-4D97-AF65-F5344CB8AC3E}">
         <p14:creationId xmlns:p14="http://schemas.microsoft.com/office/powerpoint/2010/main" val="2645063270"/>
+      </p:ext>
+    </p:extLst>
+  </p:cSld>
+  <p:clrMapOvr>
+    <a:masterClrMapping/>
+  </p:clrMapOvr>
+</p:sld>
+</file>
+
+<file path=ppt/slides/slide10.xml><?xml version="1.0" encoding="utf-8"?>
+<p:sld xmlns:a="http://schemas.openxmlformats.org/drawingml/2006/main" xmlns:r="http://schemas.openxmlformats.org/officeDocument/2006/relationships" xmlns:p="http://schemas.openxmlformats.org/presentationml/2006/main">
+  <p:cSld>
+    <p:spTree>
+      <p:nvGrpSpPr>
+        <p:cNvPr id="1" name=""/>
+        <p:cNvGrpSpPr/>
+        <p:nvPr/>
+      </p:nvGrpSpPr>
+      <p:grpSpPr>
+        <a:xfrm>
+          <a:off x="0" y="0"/>
+          <a:ext cx="0" cy="0"/>
+          <a:chOff x="0" y="0"/>
+          <a:chExt cx="0" cy="0"/>
+        </a:xfrm>
+      </p:grpSpPr>
+      <p:sp>
+        <p:nvSpPr>
+          <p:cNvPr id="39" name="Rounded Rectangle 38"/>
+          <p:cNvSpPr/>
+          <p:nvPr/>
+        </p:nvSpPr>
+        <p:spPr>
+          <a:xfrm>
+            <a:off x="-2257778" y="1034827"/>
+            <a:ext cx="10470442" cy="1538588"/>
+          </a:xfrm>
+          <a:prstGeom prst="roundRect">
+            <a:avLst/>
+          </a:prstGeom>
+          <a:solidFill>
+            <a:schemeClr val="tx2">
+              <a:lumMod val="75000"/>
+            </a:schemeClr>
+          </a:solidFill>
+          <a:ln>
+            <a:solidFill>
+              <a:schemeClr val="bg1">
+                <a:lumMod val="50000"/>
+              </a:schemeClr>
+            </a:solidFill>
+          </a:ln>
+        </p:spPr>
+        <p:style>
+          <a:lnRef idx="1">
+            <a:schemeClr val="accent1"/>
+          </a:lnRef>
+          <a:fillRef idx="3">
+            <a:schemeClr val="accent1"/>
+          </a:fillRef>
+          <a:effectRef idx="2">
+            <a:schemeClr val="accent1"/>
+          </a:effectRef>
+          <a:fontRef idx="minor">
+            <a:schemeClr val="lt1"/>
+          </a:fontRef>
+        </p:style>
+        <p:txBody>
+          <a:bodyPr rtlCol="0" anchor="ctr"/>
+          <a:lstStyle/>
+          <a:p>
+            <a:pPr algn="ctr"/>
+            <a:endParaRPr lang="en-US"/>
+          </a:p>
+        </p:txBody>
+      </p:sp>
+      <p:sp>
+        <p:nvSpPr>
+          <p:cNvPr id="24" name="TextBox 23"/>
+          <p:cNvSpPr txBox="1"/>
+          <p:nvPr/>
+        </p:nvSpPr>
+        <p:spPr>
+          <a:xfrm>
+            <a:off x="0" y="1219739"/>
+            <a:ext cx="5594598" cy="1015663"/>
+          </a:xfrm>
+          <a:prstGeom prst="rect">
+            <a:avLst/>
+          </a:prstGeom>
+          <a:noFill/>
+        </p:spPr>
+        <p:txBody>
+          <a:bodyPr wrap="square" rtlCol="0">
+            <a:spAutoFit/>
+          </a:bodyPr>
+          <a:lstStyle/>
+          <a:p>
+            <a:pPr algn="ctr"/>
+            <a:r>
+              <a:rPr lang="en-US" sz="6000" b="1" dirty="0" smtClean="0">
+                <a:solidFill>
+                  <a:schemeClr val="bg1"/>
+                </a:solidFill>
+              </a:rPr>
+              <a:t>Generate Gift!</a:t>
+            </a:r>
+            <a:endParaRPr lang="en-US" sz="6000" b="1" dirty="0">
+              <a:solidFill>
+                <a:schemeClr val="bg1"/>
+              </a:solidFill>
+            </a:endParaRPr>
+          </a:p>
+        </p:txBody>
+      </p:sp>
+      <p:sp>
+        <p:nvSpPr>
+          <p:cNvPr id="32" name="Rounded Rectangle 31"/>
+          <p:cNvSpPr/>
+          <p:nvPr/>
+        </p:nvSpPr>
+        <p:spPr>
+          <a:xfrm>
+            <a:off x="-2257778" y="3303895"/>
+            <a:ext cx="10470442" cy="1538588"/>
+          </a:xfrm>
+          <a:prstGeom prst="roundRect">
+            <a:avLst/>
+          </a:prstGeom>
+          <a:solidFill>
+            <a:schemeClr val="accent2">
+              <a:lumMod val="75000"/>
+            </a:schemeClr>
+          </a:solidFill>
+          <a:ln>
+            <a:solidFill>
+              <a:schemeClr val="bg1">
+                <a:lumMod val="50000"/>
+              </a:schemeClr>
+            </a:solidFill>
+          </a:ln>
+        </p:spPr>
+        <p:style>
+          <a:lnRef idx="1">
+            <a:schemeClr val="accent1"/>
+          </a:lnRef>
+          <a:fillRef idx="3">
+            <a:schemeClr val="accent1"/>
+          </a:fillRef>
+          <a:effectRef idx="2">
+            <a:schemeClr val="accent1"/>
+          </a:effectRef>
+          <a:fontRef idx="minor">
+            <a:schemeClr val="lt1"/>
+          </a:fontRef>
+        </p:style>
+        <p:txBody>
+          <a:bodyPr rtlCol="0" anchor="ctr"/>
+          <a:lstStyle/>
+          <a:p>
+            <a:pPr algn="ctr"/>
+            <a:endParaRPr lang="en-US"/>
+          </a:p>
+        </p:txBody>
+      </p:sp>
+      <p:sp>
+        <p:nvSpPr>
+          <p:cNvPr id="33" name="TextBox 32"/>
+          <p:cNvSpPr txBox="1"/>
+          <p:nvPr/>
+        </p:nvSpPr>
+        <p:spPr>
+          <a:xfrm>
+            <a:off x="-1879751" y="3424078"/>
+            <a:ext cx="9678945" cy="1323439"/>
+          </a:xfrm>
+          <a:prstGeom prst="rect">
+            <a:avLst/>
+          </a:prstGeom>
+          <a:noFill/>
+        </p:spPr>
+        <p:txBody>
+          <a:bodyPr wrap="square" rtlCol="0">
+            <a:spAutoFit/>
+          </a:bodyPr>
+          <a:lstStyle/>
+          <a:p>
+            <a:pPr algn="ctr"/>
+            <a:r>
+              <a:rPr lang="en-US" sz="4000" b="1" dirty="0" smtClean="0">
+                <a:solidFill>
+                  <a:schemeClr val="bg1"/>
+                </a:solidFill>
+              </a:rPr>
+              <a:t>This is too much thinking…</a:t>
+            </a:r>
+          </a:p>
+          <a:p>
+            <a:pPr algn="ctr"/>
+            <a:r>
+              <a:rPr lang="en-US" sz="4000" b="1" dirty="0" smtClean="0">
+                <a:solidFill>
+                  <a:schemeClr val="bg1"/>
+                </a:solidFill>
+              </a:rPr>
+              <a:t>just pick me something random.</a:t>
+            </a:r>
+            <a:endParaRPr lang="en-US" sz="4000" b="1" dirty="0">
+              <a:solidFill>
+                <a:schemeClr val="bg1"/>
+              </a:solidFill>
+            </a:endParaRPr>
+          </a:p>
+        </p:txBody>
+      </p:sp>
+      <p:sp>
+        <p:nvSpPr>
+          <p:cNvPr id="34" name="Rounded Rectangle 33"/>
+          <p:cNvSpPr/>
+          <p:nvPr/>
+        </p:nvSpPr>
+        <p:spPr>
+          <a:xfrm>
+            <a:off x="8466666" y="1034827"/>
+            <a:ext cx="10470442" cy="1538588"/>
+          </a:xfrm>
+          <a:prstGeom prst="roundRect">
+            <a:avLst/>
+          </a:prstGeom>
+          <a:solidFill>
+            <a:schemeClr val="bg1">
+              <a:lumMod val="85000"/>
+            </a:schemeClr>
+          </a:solidFill>
+          <a:ln>
+            <a:solidFill>
+              <a:schemeClr val="bg1">
+                <a:lumMod val="50000"/>
+              </a:schemeClr>
+            </a:solidFill>
+          </a:ln>
+        </p:spPr>
+        <p:style>
+          <a:lnRef idx="1">
+            <a:schemeClr val="accent1"/>
+          </a:lnRef>
+          <a:fillRef idx="3">
+            <a:schemeClr val="accent1"/>
+          </a:fillRef>
+          <a:effectRef idx="2">
+            <a:schemeClr val="accent1"/>
+          </a:effectRef>
+          <a:fontRef idx="minor">
+            <a:schemeClr val="lt1"/>
+          </a:fontRef>
+        </p:style>
+        <p:txBody>
+          <a:bodyPr rtlCol="0" anchor="ctr"/>
+          <a:lstStyle/>
+          <a:p>
+            <a:pPr algn="ctr"/>
+            <a:endParaRPr lang="en-US"/>
+          </a:p>
+        </p:txBody>
+      </p:sp>
+      <p:sp>
+        <p:nvSpPr>
+          <p:cNvPr id="36" name="TextBox 35"/>
+          <p:cNvSpPr txBox="1"/>
+          <p:nvPr/>
+        </p:nvSpPr>
+        <p:spPr>
+          <a:xfrm>
+            <a:off x="10724444" y="1219739"/>
+            <a:ext cx="5594598" cy="1015663"/>
+          </a:xfrm>
+          <a:prstGeom prst="rect">
+            <a:avLst/>
+          </a:prstGeom>
+          <a:noFill/>
+        </p:spPr>
+        <p:txBody>
+          <a:bodyPr wrap="square" rtlCol="0">
+            <a:spAutoFit/>
+          </a:bodyPr>
+          <a:lstStyle/>
+          <a:p>
+            <a:pPr algn="ctr"/>
+            <a:r>
+              <a:rPr lang="en-US" sz="6000" b="1" dirty="0" smtClean="0">
+                <a:solidFill>
+                  <a:schemeClr val="accent1">
+                    <a:lumMod val="75000"/>
+                  </a:schemeClr>
+                </a:solidFill>
+              </a:rPr>
+              <a:t>Generate Gift!</a:t>
+            </a:r>
+            <a:endParaRPr lang="en-US" sz="6000" b="1" dirty="0">
+              <a:solidFill>
+                <a:schemeClr val="accent1">
+                  <a:lumMod val="75000"/>
+                </a:schemeClr>
+              </a:solidFill>
+            </a:endParaRPr>
+          </a:p>
+        </p:txBody>
+      </p:sp>
+      <p:sp>
+        <p:nvSpPr>
+          <p:cNvPr id="41" name="Rounded Rectangle 40"/>
+          <p:cNvSpPr/>
+          <p:nvPr/>
+        </p:nvSpPr>
+        <p:spPr>
+          <a:xfrm>
+            <a:off x="8570134" y="3309741"/>
+            <a:ext cx="10470442" cy="1538588"/>
+          </a:xfrm>
+          <a:prstGeom prst="roundRect">
+            <a:avLst/>
+          </a:prstGeom>
+          <a:solidFill>
+            <a:schemeClr val="accent2">
+              <a:lumMod val="40000"/>
+              <a:lumOff val="60000"/>
+            </a:schemeClr>
+          </a:solidFill>
+          <a:ln>
+            <a:solidFill>
+              <a:schemeClr val="bg1">
+                <a:lumMod val="50000"/>
+              </a:schemeClr>
+            </a:solidFill>
+          </a:ln>
+        </p:spPr>
+        <p:style>
+          <a:lnRef idx="1">
+            <a:schemeClr val="accent1"/>
+          </a:lnRef>
+          <a:fillRef idx="3">
+            <a:schemeClr val="accent1"/>
+          </a:fillRef>
+          <a:effectRef idx="2">
+            <a:schemeClr val="accent1"/>
+          </a:effectRef>
+          <a:fontRef idx="minor">
+            <a:schemeClr val="lt1"/>
+          </a:fontRef>
+        </p:style>
+        <p:txBody>
+          <a:bodyPr rtlCol="0" anchor="ctr"/>
+          <a:lstStyle/>
+          <a:p>
+            <a:pPr algn="ctr"/>
+            <a:endParaRPr lang="en-US"/>
+          </a:p>
+        </p:txBody>
+      </p:sp>
+      <p:sp>
+        <p:nvSpPr>
+          <p:cNvPr id="43" name="TextBox 42"/>
+          <p:cNvSpPr txBox="1"/>
+          <p:nvPr/>
+        </p:nvSpPr>
+        <p:spPr>
+          <a:xfrm>
+            <a:off x="8948161" y="3424078"/>
+            <a:ext cx="9678945" cy="1323439"/>
+          </a:xfrm>
+          <a:prstGeom prst="rect">
+            <a:avLst/>
+          </a:prstGeom>
+          <a:noFill/>
+        </p:spPr>
+        <p:txBody>
+          <a:bodyPr wrap="square" rtlCol="0">
+            <a:spAutoFit/>
+          </a:bodyPr>
+          <a:lstStyle/>
+          <a:p>
+            <a:pPr algn="ctr"/>
+            <a:r>
+              <a:rPr lang="en-US" sz="4000" b="1" dirty="0" smtClean="0">
+                <a:solidFill>
+                  <a:schemeClr val="accent2">
+                    <a:lumMod val="50000"/>
+                  </a:schemeClr>
+                </a:solidFill>
+              </a:rPr>
+              <a:t>This is too much thinking… </a:t>
+            </a:r>
+          </a:p>
+          <a:p>
+            <a:pPr algn="ctr"/>
+            <a:r>
+              <a:rPr lang="en-US" sz="4000" b="1" dirty="0" smtClean="0">
+                <a:solidFill>
+                  <a:schemeClr val="accent2">
+                    <a:lumMod val="50000"/>
+                  </a:schemeClr>
+                </a:solidFill>
+              </a:rPr>
+              <a:t>just pick me something random.</a:t>
+            </a:r>
+            <a:endParaRPr lang="en-US" sz="4000" b="1" dirty="0">
+              <a:solidFill>
+                <a:schemeClr val="accent2">
+                  <a:lumMod val="50000"/>
+                </a:schemeClr>
+              </a:solidFill>
+            </a:endParaRPr>
+          </a:p>
+        </p:txBody>
+      </p:sp>
+      <p:sp>
+        <p:nvSpPr>
+          <p:cNvPr id="44" name="Rounded Rectangle 43"/>
+          <p:cNvSpPr/>
+          <p:nvPr/>
+        </p:nvSpPr>
+        <p:spPr>
+          <a:xfrm>
+            <a:off x="4506134" y="-1296329"/>
+            <a:ext cx="10470442" cy="1538588"/>
+          </a:xfrm>
+          <a:prstGeom prst="roundRect">
+            <a:avLst/>
+          </a:prstGeom>
+          <a:solidFill>
+            <a:schemeClr val="tx2">
+              <a:lumMod val="75000"/>
+            </a:schemeClr>
+          </a:solidFill>
+          <a:ln>
+            <a:solidFill>
+              <a:schemeClr val="bg1">
+                <a:lumMod val="50000"/>
+              </a:schemeClr>
+            </a:solidFill>
+          </a:ln>
+        </p:spPr>
+        <p:style>
+          <a:lnRef idx="1">
+            <a:schemeClr val="accent1"/>
+          </a:lnRef>
+          <a:fillRef idx="3">
+            <a:schemeClr val="accent1"/>
+          </a:fillRef>
+          <a:effectRef idx="2">
+            <a:schemeClr val="accent1"/>
+          </a:effectRef>
+          <a:fontRef idx="minor">
+            <a:schemeClr val="lt1"/>
+          </a:fontRef>
+        </p:style>
+        <p:txBody>
+          <a:bodyPr rtlCol="0" anchor="ctr"/>
+          <a:lstStyle/>
+          <a:p>
+            <a:pPr algn="ctr"/>
+            <a:endParaRPr lang="en-US"/>
+          </a:p>
+        </p:txBody>
+      </p:sp>
+      <p:sp>
+        <p:nvSpPr>
+          <p:cNvPr id="45" name="TextBox 44"/>
+          <p:cNvSpPr txBox="1"/>
+          <p:nvPr/>
+        </p:nvSpPr>
+        <p:spPr>
+          <a:xfrm>
+            <a:off x="6763912" y="-1111417"/>
+            <a:ext cx="5594598" cy="1015663"/>
+          </a:xfrm>
+          <a:prstGeom prst="rect">
+            <a:avLst/>
+          </a:prstGeom>
+          <a:noFill/>
+        </p:spPr>
+        <p:txBody>
+          <a:bodyPr wrap="square" rtlCol="0">
+            <a:spAutoFit/>
+          </a:bodyPr>
+          <a:lstStyle/>
+          <a:p>
+            <a:pPr algn="ctr"/>
+            <a:r>
+              <a:rPr lang="en-US" sz="6000" b="1" dirty="0" smtClean="0">
+                <a:solidFill>
+                  <a:schemeClr val="bg1"/>
+                </a:solidFill>
+              </a:rPr>
+              <a:t>Generate Gift!</a:t>
+            </a:r>
+            <a:endParaRPr lang="en-US" sz="6000" b="1" dirty="0">
+              <a:solidFill>
+                <a:schemeClr val="bg1"/>
+              </a:solidFill>
+            </a:endParaRPr>
+          </a:p>
+        </p:txBody>
+      </p:sp>
+    </p:spTree>
+    <p:extLst>
+      <p:ext uri="{BB962C8B-B14F-4D97-AF65-F5344CB8AC3E}">
+        <p14:creationId xmlns:p14="http://schemas.microsoft.com/office/powerpoint/2010/main" val="578407265"/>
       </p:ext>
     </p:extLst>
   </p:cSld>
@@ -3596,28 +4093,40 @@
       </p:grpSpPr>
       <p:sp>
         <p:nvSpPr>
-          <p:cNvPr id="7" name="Rounded Rectangle 6"/>
+          <p:cNvPr id="4" name="Cloud 3"/>
           <p:cNvSpPr/>
           <p:nvPr/>
         </p:nvSpPr>
         <p:spPr>
           <a:xfrm>
-            <a:off x="4824286" y="0"/>
-            <a:ext cx="3863648" cy="3708661"/>
-          </a:xfrm>
-          <a:prstGeom prst="roundRect">
-            <a:avLst/>
-          </a:prstGeom>
-          <a:solidFill>
-            <a:schemeClr val="tx2">
-              <a:lumMod val="60000"/>
-              <a:lumOff val="40000"/>
-            </a:schemeClr>
-          </a:solidFill>
+            <a:off x="648174" y="892327"/>
+            <a:ext cx="8129332" cy="3744872"/>
+          </a:xfrm>
+          <a:prstGeom prst="cloud">
+            <a:avLst/>
+          </a:prstGeom>
+          <a:gradFill>
+            <a:gsLst>
+              <a:gs pos="23000">
+                <a:schemeClr val="accent1">
+                  <a:lumMod val="20000"/>
+                  <a:lumOff val="80000"/>
+                </a:schemeClr>
+              </a:gs>
+              <a:gs pos="100000">
+                <a:schemeClr val="accent1">
+                  <a:tint val="50000"/>
+                  <a:shade val="100000"/>
+                  <a:satMod val="350000"/>
+                </a:schemeClr>
+              </a:gs>
+            </a:gsLst>
+          </a:gradFill>
           <a:ln>
             <a:solidFill>
               <a:schemeClr val="accent1">
-                <a:lumMod val="75000"/>
+                <a:lumMod val="20000"/>
+                <a:lumOff val="80000"/>
               </a:schemeClr>
             </a:solidFill>
           </a:ln>
@@ -3648,73 +4157,108 @@
       </p:sp>
       <p:sp>
         <p:nvSpPr>
-          <p:cNvPr id="5" name="Rounded Rectangle 4"/>
+          <p:cNvPr id="3" name="Rectangle 2"/>
           <p:cNvSpPr/>
           <p:nvPr/>
         </p:nvSpPr>
         <p:spPr>
           <a:xfrm>
-            <a:off x="302893" y="0"/>
-            <a:ext cx="3863648" cy="3708661"/>
-          </a:xfrm>
-          <a:prstGeom prst="roundRect">
-            <a:avLst/>
-          </a:prstGeom>
-          <a:solidFill>
-            <a:schemeClr val="accent2">
-              <a:lumMod val="50000"/>
-            </a:schemeClr>
-          </a:solidFill>
-          <a:ln>
-            <a:solidFill>
-              <a:schemeClr val="accent2">
-                <a:lumMod val="50000"/>
-              </a:schemeClr>
-            </a:solidFill>
-          </a:ln>
-          <a:effectLst/>
-        </p:spPr>
-        <p:style>
-          <a:lnRef idx="1">
-            <a:schemeClr val="accent1"/>
-          </a:lnRef>
-          <a:fillRef idx="3">
-            <a:schemeClr val="accent1"/>
-          </a:fillRef>
-          <a:effectRef idx="2">
-            <a:schemeClr val="accent1"/>
-          </a:effectRef>
-          <a:fontRef idx="minor">
-            <a:schemeClr val="lt1"/>
-          </a:fontRef>
-        </p:style>
-        <p:txBody>
-          <a:bodyPr rtlCol="0" anchor="ctr"/>
-          <a:lstStyle/>
-          <a:p>
-            <a:pPr algn="ctr"/>
-            <a:endParaRPr lang="en-US"/>
+            <a:off x="1240169" y="2615371"/>
+            <a:ext cx="7574675" cy="1200328"/>
+          </a:xfrm>
+          <a:prstGeom prst="rect">
+            <a:avLst/>
+          </a:prstGeom>
+        </p:spPr>
+        <p:txBody>
+          <a:bodyPr wrap="square">
+            <a:spAutoFit/>
+          </a:bodyPr>
+          <a:lstStyle/>
+          <a:p>
+            <a:r>
+              <a:rPr lang="en-US" sz="4800" b="1" dirty="0" smtClean="0">
+                <a:solidFill>
+                  <a:schemeClr val="tx2">
+                    <a:lumMod val="60000"/>
+                    <a:lumOff val="40000"/>
+                  </a:schemeClr>
+                </a:solidFill>
+              </a:rPr>
+              <a:t>Thoughtful Gift Generator</a:t>
+            </a:r>
+            <a:endParaRPr lang="en-US" sz="4800" b="1" dirty="0">
+              <a:solidFill>
+                <a:schemeClr val="tx2">
+                  <a:lumMod val="60000"/>
+                  <a:lumOff val="40000"/>
+                </a:schemeClr>
+              </a:solidFill>
+            </a:endParaRPr>
+          </a:p>
+          <a:p>
+            <a:r>
+              <a:rPr lang="en-US" sz="2400" i="1" dirty="0" smtClean="0"/>
+              <a:t>		</a:t>
+            </a:r>
+            <a:r>
+              <a:rPr lang="en-US" sz="2400" i="1" dirty="0" smtClean="0">
+                <a:solidFill>
+                  <a:srgbClr val="1F497D"/>
+                </a:solidFill>
+              </a:rPr>
+              <a:t>stop </a:t>
+            </a:r>
+            <a:r>
+              <a:rPr lang="en-US" sz="2400" i="1" dirty="0">
+                <a:solidFill>
+                  <a:srgbClr val="1F497D"/>
+                </a:solidFill>
+              </a:rPr>
+              <a:t>thinking and start being thoughtful!</a:t>
+            </a:r>
           </a:p>
         </p:txBody>
       </p:sp>
       <p:pic>
         <p:nvPicPr>
-          <p:cNvPr id="4" name="Picture 3"/>
+          <p:cNvPr id="15" name="Picture 14"/>
           <p:cNvPicPr>
             <a:picLocks noChangeAspect="1"/>
           </p:cNvPicPr>
           <p:nvPr/>
         </p:nvPicPr>
         <p:blipFill>
-          <a:blip r:embed="rId2"/>
+          <a:blip r:embed="rId2">
+            <a:extLst>
+              <a:ext uri="{BEBA8EAE-BF5A-486C-A8C5-ECC9F3942E4B}">
+                <a14:imgProps xmlns:a14="http://schemas.microsoft.com/office/drawing/2010/main">
+                  <a14:imgLayer r:embed="rId3">
+                    <a14:imgEffect>
+                      <a14:backgroundRemoval t="0" b="97785" l="467" r="100000">
+                        <a14:foregroundMark x1="75384" y1="67722" x2="75384" y2="67722"/>
+                        <a14:foregroundMark x1="69246" y1="62658" x2="69246" y2="62658"/>
+                        <a14:foregroundMark x1="78319" y1="64557" x2="78319" y2="64557"/>
+                        <a14:foregroundMark x1="83322" y1="53797" x2="83322" y2="53797"/>
+                        <a14:foregroundMark x1="95730" y1="87658" x2="95730" y2="87658"/>
+                        <a14:backgroundMark x1="4470" y1="18671" x2="4470" y2="18671"/>
+                        <a14:backgroundMark x1="92995" y1="55696" x2="92995" y2="55696"/>
+                        <a14:backgroundMark x1="83789" y1="71519" x2="83789" y2="71519"/>
+                      </a14:backgroundRemoval>
+                    </a14:imgEffect>
+                  </a14:imgLayer>
+                </a14:imgProps>
+              </a:ext>
+            </a:extLst>
+          </a:blip>
           <a:stretch>
             <a:fillRect/>
           </a:stretch>
         </p:blipFill>
         <p:spPr>
           <a:xfrm>
-            <a:off x="538169" y="333368"/>
-            <a:ext cx="1346039" cy="2955433"/>
+            <a:off x="-5216218" y="5757862"/>
+            <a:ext cx="9144000" cy="1927621"/>
           </a:xfrm>
           <a:prstGeom prst="rect">
             <a:avLst/>
@@ -3723,500 +4267,40 @@
       </p:pic>
       <p:pic>
         <p:nvPicPr>
-          <p:cNvPr id="6" name="Picture 5"/>
+          <p:cNvPr id="16" name="Picture 15"/>
           <p:cNvPicPr>
             <a:picLocks noChangeAspect="1"/>
           </p:cNvPicPr>
           <p:nvPr/>
         </p:nvPicPr>
         <p:blipFill>
-          <a:blip r:embed="rId3"/>
+          <a:blip r:embed="rId4">
+            <a:extLst>
+              <a:ext uri="{BEBA8EAE-BF5A-486C-A8C5-ECC9F3942E4B}">
+                <a14:imgProps xmlns:a14="http://schemas.microsoft.com/office/drawing/2010/main">
+                  <a14:imgLayer r:embed="rId5">
+                    <a14:imgEffect>
+                      <a14:backgroundRemoval t="0" b="97785" l="467" r="100000">
+                        <a14:foregroundMark x1="75384" y1="67722" x2="75384" y2="67722"/>
+                        <a14:foregroundMark x1="69246" y1="62658" x2="69246" y2="62658"/>
+                        <a14:foregroundMark x1="78319" y1="64557" x2="78319" y2="64557"/>
+                        <a14:backgroundMark x1="4470" y1="18671" x2="4470" y2="18671"/>
+                        <a14:backgroundMark x1="92995" y1="55696" x2="92995" y2="55696"/>
+                      </a14:backgroundRemoval>
+                    </a14:imgEffect>
+                  </a14:imgLayer>
+                </a14:imgProps>
+              </a:ext>
+            </a:extLst>
+          </a:blip>
           <a:stretch>
             <a:fillRect/>
           </a:stretch>
         </p:blipFill>
         <p:spPr>
           <a:xfrm>
-            <a:off x="7186092" y="333367"/>
-            <a:ext cx="1102773" cy="2955433"/>
-          </a:xfrm>
-          <a:prstGeom prst="rect">
-            <a:avLst/>
-          </a:prstGeom>
-        </p:spPr>
-      </p:pic>
-      <p:sp>
-        <p:nvSpPr>
-          <p:cNvPr id="8" name="Rounded Rectangle 7"/>
-          <p:cNvSpPr/>
-          <p:nvPr/>
-        </p:nvSpPr>
-        <p:spPr>
-          <a:xfrm>
-            <a:off x="4824286" y="4062619"/>
-            <a:ext cx="3863648" cy="3708661"/>
-          </a:xfrm>
-          <a:prstGeom prst="roundRect">
-            <a:avLst/>
-          </a:prstGeom>
-          <a:solidFill>
-            <a:schemeClr val="tx2">
-              <a:lumMod val="60000"/>
-              <a:lumOff val="40000"/>
-            </a:schemeClr>
-          </a:solidFill>
-          <a:ln>
-            <a:solidFill>
-              <a:schemeClr val="accent1">
-                <a:lumMod val="75000"/>
-              </a:schemeClr>
-            </a:solidFill>
-          </a:ln>
-          <a:effectLst/>
-        </p:spPr>
-        <p:style>
-          <a:lnRef idx="1">
-            <a:schemeClr val="accent1"/>
-          </a:lnRef>
-          <a:fillRef idx="3">
-            <a:schemeClr val="accent1"/>
-          </a:fillRef>
-          <a:effectRef idx="2">
-            <a:schemeClr val="accent1"/>
-          </a:effectRef>
-          <a:fontRef idx="minor">
-            <a:schemeClr val="lt1"/>
-          </a:fontRef>
-        </p:style>
-        <p:txBody>
-          <a:bodyPr rtlCol="0" anchor="ctr"/>
-          <a:lstStyle/>
-          <a:p>
-            <a:pPr algn="ctr"/>
-            <a:endParaRPr lang="en-US"/>
-          </a:p>
-        </p:txBody>
-      </p:sp>
-      <p:sp>
-        <p:nvSpPr>
-          <p:cNvPr id="9" name="Rounded Rectangle 8"/>
-          <p:cNvSpPr/>
-          <p:nvPr/>
-        </p:nvSpPr>
-        <p:spPr>
-          <a:xfrm>
-            <a:off x="248506" y="4062619"/>
-            <a:ext cx="3863648" cy="3708661"/>
-          </a:xfrm>
-          <a:prstGeom prst="roundRect">
-            <a:avLst/>
-          </a:prstGeom>
-          <a:solidFill>
-            <a:schemeClr val="accent2">
-              <a:lumMod val="50000"/>
-            </a:schemeClr>
-          </a:solidFill>
-          <a:ln>
-            <a:solidFill>
-              <a:schemeClr val="accent2">
-                <a:lumMod val="50000"/>
-              </a:schemeClr>
-            </a:solidFill>
-          </a:ln>
-          <a:effectLst/>
-        </p:spPr>
-        <p:style>
-          <a:lnRef idx="1">
-            <a:schemeClr val="accent1"/>
-          </a:lnRef>
-          <a:fillRef idx="3">
-            <a:schemeClr val="accent1"/>
-          </a:fillRef>
-          <a:effectRef idx="2">
-            <a:schemeClr val="accent1"/>
-          </a:effectRef>
-          <a:fontRef idx="minor">
-            <a:schemeClr val="lt1"/>
-          </a:fontRef>
-        </p:style>
-        <p:txBody>
-          <a:bodyPr rtlCol="0" anchor="ctr"/>
-          <a:lstStyle/>
-          <a:p>
-            <a:pPr algn="ctr"/>
-            <a:endParaRPr lang="en-US"/>
-          </a:p>
-        </p:txBody>
-      </p:sp>
-      <p:pic>
-        <p:nvPicPr>
-          <p:cNvPr id="10" name="Picture 9"/>
-          <p:cNvPicPr>
-            <a:picLocks noChangeAspect="1"/>
-          </p:cNvPicPr>
-          <p:nvPr/>
-        </p:nvPicPr>
-        <p:blipFill>
-          <a:blip r:embed="rId2"/>
-          <a:stretch>
-            <a:fillRect/>
-          </a:stretch>
-        </p:blipFill>
-        <p:spPr>
-          <a:xfrm>
-            <a:off x="483782" y="4395987"/>
-            <a:ext cx="1346039" cy="2955433"/>
-          </a:xfrm>
-          <a:prstGeom prst="rect">
-            <a:avLst/>
-          </a:prstGeom>
-        </p:spPr>
-      </p:pic>
-      <p:pic>
-        <p:nvPicPr>
-          <p:cNvPr id="11" name="Picture 10"/>
-          <p:cNvPicPr>
-            <a:picLocks noChangeAspect="1"/>
-          </p:cNvPicPr>
-          <p:nvPr/>
-        </p:nvPicPr>
-        <p:blipFill>
-          <a:blip r:embed="rId3"/>
-          <a:stretch>
-            <a:fillRect/>
-          </a:stretch>
-        </p:blipFill>
-        <p:spPr>
-          <a:xfrm>
-            <a:off x="7186092" y="4395986"/>
-            <a:ext cx="1102773" cy="2955433"/>
-          </a:xfrm>
-          <a:prstGeom prst="rect">
-            <a:avLst/>
-          </a:prstGeom>
-        </p:spPr>
-      </p:pic>
-      <p:sp>
-        <p:nvSpPr>
-          <p:cNvPr id="14" name="Rectangle 13"/>
-          <p:cNvSpPr/>
-          <p:nvPr/>
-        </p:nvSpPr>
-        <p:spPr>
-          <a:xfrm rot="20640718" flipH="1">
-            <a:off x="1505405" y="4876412"/>
-            <a:ext cx="373789" cy="1246250"/>
-          </a:xfrm>
-          <a:prstGeom prst="rect">
-            <a:avLst/>
-          </a:prstGeom>
-          <a:solidFill>
-            <a:schemeClr val="accent2">
-              <a:lumMod val="50000"/>
-            </a:schemeClr>
-          </a:solidFill>
-          <a:ln>
-            <a:noFill/>
-          </a:ln>
-          <a:effectLst/>
-        </p:spPr>
-        <p:style>
-          <a:lnRef idx="1">
-            <a:schemeClr val="accent1"/>
-          </a:lnRef>
-          <a:fillRef idx="3">
-            <a:schemeClr val="accent1"/>
-          </a:fillRef>
-          <a:effectRef idx="2">
-            <a:schemeClr val="accent1"/>
-          </a:effectRef>
-          <a:fontRef idx="minor">
-            <a:schemeClr val="lt1"/>
-          </a:fontRef>
-        </p:style>
-        <p:txBody>
-          <a:bodyPr rtlCol="0" anchor="ctr"/>
-          <a:lstStyle/>
-          <a:p>
-            <a:pPr algn="ctr"/>
-            <a:endParaRPr lang="en-US"/>
-          </a:p>
-        </p:txBody>
-      </p:sp>
-      <p:sp>
-        <p:nvSpPr>
-          <p:cNvPr id="15" name="Rectangle 14"/>
-          <p:cNvSpPr/>
-          <p:nvPr/>
-        </p:nvSpPr>
-        <p:spPr>
-          <a:xfrm>
-            <a:off x="8039275" y="4778546"/>
-            <a:ext cx="407236" cy="2231854"/>
-          </a:xfrm>
-          <a:prstGeom prst="rect">
-            <a:avLst/>
-          </a:prstGeom>
-          <a:solidFill>
-            <a:schemeClr val="tx2">
-              <a:lumMod val="60000"/>
-              <a:lumOff val="40000"/>
-            </a:schemeClr>
-          </a:solidFill>
-          <a:ln>
-            <a:noFill/>
-          </a:ln>
-          <a:effectLst/>
-        </p:spPr>
-        <p:style>
-          <a:lnRef idx="1">
-            <a:schemeClr val="accent1"/>
-          </a:lnRef>
-          <a:fillRef idx="3">
-            <a:schemeClr val="accent1"/>
-          </a:fillRef>
-          <a:effectRef idx="2">
-            <a:schemeClr val="accent1"/>
-          </a:effectRef>
-          <a:fontRef idx="minor">
-            <a:schemeClr val="lt1"/>
-          </a:fontRef>
-        </p:style>
-        <p:txBody>
-          <a:bodyPr rtlCol="0" anchor="ctr"/>
-          <a:lstStyle/>
-          <a:p>
-            <a:pPr algn="ctr"/>
-            <a:endParaRPr lang="en-US"/>
-          </a:p>
-        </p:txBody>
-      </p:sp>
-      <p:sp>
-        <p:nvSpPr>
-          <p:cNvPr id="18" name="Rectangle 17"/>
-          <p:cNvSpPr/>
-          <p:nvPr/>
-        </p:nvSpPr>
-        <p:spPr>
-          <a:xfrm rot="894166" flipH="1">
-            <a:off x="456665" y="4845245"/>
-            <a:ext cx="385497" cy="1246250"/>
-          </a:xfrm>
-          <a:prstGeom prst="rect">
-            <a:avLst/>
-          </a:prstGeom>
-          <a:solidFill>
-            <a:schemeClr val="accent2">
-              <a:lumMod val="50000"/>
-            </a:schemeClr>
-          </a:solidFill>
-          <a:ln>
-            <a:noFill/>
-          </a:ln>
-          <a:effectLst/>
-        </p:spPr>
-        <p:style>
-          <a:lnRef idx="1">
-            <a:schemeClr val="accent1"/>
-          </a:lnRef>
-          <a:fillRef idx="3">
-            <a:schemeClr val="accent1"/>
-          </a:fillRef>
-          <a:effectRef idx="2">
-            <a:schemeClr val="accent1"/>
-          </a:effectRef>
-          <a:fontRef idx="minor">
-            <a:schemeClr val="lt1"/>
-          </a:fontRef>
-        </p:style>
-        <p:txBody>
-          <a:bodyPr rtlCol="0" anchor="ctr"/>
-          <a:lstStyle/>
-          <a:p>
-            <a:pPr algn="ctr"/>
-            <a:endParaRPr lang="en-US"/>
-          </a:p>
-        </p:txBody>
-      </p:sp>
-      <p:sp>
-        <p:nvSpPr>
-          <p:cNvPr id="20" name="Rectangle 19"/>
-          <p:cNvSpPr/>
-          <p:nvPr/>
-        </p:nvSpPr>
-        <p:spPr>
-          <a:xfrm>
-            <a:off x="7010400" y="4953000"/>
-            <a:ext cx="407236" cy="2231854"/>
-          </a:xfrm>
-          <a:prstGeom prst="rect">
-            <a:avLst/>
-          </a:prstGeom>
-          <a:solidFill>
-            <a:schemeClr val="tx2">
-              <a:lumMod val="60000"/>
-              <a:lumOff val="40000"/>
-            </a:schemeClr>
-          </a:solidFill>
-          <a:ln>
-            <a:noFill/>
-          </a:ln>
-          <a:effectLst/>
-        </p:spPr>
-        <p:style>
-          <a:lnRef idx="1">
-            <a:schemeClr val="accent1"/>
-          </a:lnRef>
-          <a:fillRef idx="3">
-            <a:schemeClr val="accent1"/>
-          </a:fillRef>
-          <a:effectRef idx="2">
-            <a:schemeClr val="accent1"/>
-          </a:effectRef>
-          <a:fontRef idx="minor">
-            <a:schemeClr val="lt1"/>
-          </a:fontRef>
-        </p:style>
-        <p:txBody>
-          <a:bodyPr rtlCol="0" anchor="ctr"/>
-          <a:lstStyle/>
-          <a:p>
-            <a:pPr algn="ctr"/>
-            <a:endParaRPr lang="en-US"/>
-          </a:p>
-        </p:txBody>
-      </p:sp>
-      <p:pic>
-        <p:nvPicPr>
-          <p:cNvPr id="21" name="Picture 20"/>
-          <p:cNvPicPr>
-            <a:picLocks noChangeAspect="1"/>
-          </p:cNvPicPr>
-          <p:nvPr/>
-        </p:nvPicPr>
-        <p:blipFill rotWithShape="1">
-          <a:blip r:embed="rId3"/>
-          <a:srcRect r="80429" b="41502"/>
-          <a:stretch/>
-        </p:blipFill>
-        <p:spPr>
-          <a:xfrm rot="10800000">
-            <a:off x="1406261" y="4109274"/>
-            <a:ext cx="215828" cy="1728866"/>
-          </a:xfrm>
-          <a:prstGeom prst="rect">
-            <a:avLst/>
-          </a:prstGeom>
-        </p:spPr>
-      </p:pic>
-      <p:pic>
-        <p:nvPicPr>
-          <p:cNvPr id="22" name="Picture 21"/>
-          <p:cNvPicPr>
-            <a:picLocks noChangeAspect="1"/>
-          </p:cNvPicPr>
-          <p:nvPr/>
-        </p:nvPicPr>
-        <p:blipFill rotWithShape="1">
-          <a:blip r:embed="rId3"/>
-          <a:srcRect r="80429" b="41502"/>
-          <a:stretch/>
-        </p:blipFill>
-        <p:spPr>
-          <a:xfrm rot="10800000" flipH="1">
-            <a:off x="705236" y="4109274"/>
-            <a:ext cx="215828" cy="1728866"/>
-          </a:xfrm>
-          <a:prstGeom prst="rect">
-            <a:avLst/>
-          </a:prstGeom>
-        </p:spPr>
-      </p:pic>
-      <p:sp>
-        <p:nvSpPr>
-          <p:cNvPr id="23" name="Rectangle 22"/>
-          <p:cNvSpPr/>
-          <p:nvPr/>
-        </p:nvSpPr>
-        <p:spPr>
-          <a:xfrm rot="5400000" flipH="1">
-            <a:off x="1048275" y="4742924"/>
-            <a:ext cx="241173" cy="661324"/>
-          </a:xfrm>
-          <a:prstGeom prst="rect">
-            <a:avLst/>
-          </a:prstGeom>
-          <a:solidFill>
-            <a:schemeClr val="bg1"/>
-          </a:solidFill>
-          <a:ln>
-            <a:noFill/>
-          </a:ln>
-          <a:effectLst/>
-        </p:spPr>
-        <p:style>
-          <a:lnRef idx="1">
-            <a:schemeClr val="accent1"/>
-          </a:lnRef>
-          <a:fillRef idx="3">
-            <a:schemeClr val="accent1"/>
-          </a:fillRef>
-          <a:effectRef idx="2">
-            <a:schemeClr val="accent1"/>
-          </a:effectRef>
-          <a:fontRef idx="minor">
-            <a:schemeClr val="lt1"/>
-          </a:fontRef>
-        </p:style>
-        <p:txBody>
-          <a:bodyPr rtlCol="0" anchor="ctr"/>
-          <a:lstStyle/>
-          <a:p>
-            <a:pPr algn="ctr"/>
-            <a:endParaRPr lang="en-US"/>
-          </a:p>
-        </p:txBody>
-      </p:sp>
-      <p:pic>
-        <p:nvPicPr>
-          <p:cNvPr id="24" name="Picture 23"/>
-          <p:cNvPicPr>
-            <a:picLocks noChangeAspect="1"/>
-          </p:cNvPicPr>
-          <p:nvPr/>
-        </p:nvPicPr>
-        <p:blipFill rotWithShape="1">
-          <a:blip r:embed="rId3"/>
-          <a:srcRect r="80429" b="41502"/>
-          <a:stretch/>
-        </p:blipFill>
-        <p:spPr>
-          <a:xfrm rot="10800000">
-            <a:off x="8021007" y="4109274"/>
-            <a:ext cx="215828" cy="1728866"/>
-          </a:xfrm>
-          <a:prstGeom prst="rect">
-            <a:avLst/>
-          </a:prstGeom>
-        </p:spPr>
-      </p:pic>
-      <p:pic>
-        <p:nvPicPr>
-          <p:cNvPr id="25" name="Picture 24"/>
-          <p:cNvPicPr>
-            <a:picLocks noChangeAspect="1"/>
-          </p:cNvPicPr>
-          <p:nvPr/>
-        </p:nvPicPr>
-        <p:blipFill rotWithShape="1">
-          <a:blip r:embed="rId3"/>
-          <a:srcRect r="80429" b="41502"/>
-          <a:stretch/>
-        </p:blipFill>
-        <p:spPr>
-          <a:xfrm rot="10800000" flipH="1">
-            <a:off x="7230336" y="4109274"/>
-            <a:ext cx="215828" cy="1728866"/>
+            <a:off x="-6314444" y="3042940"/>
+            <a:ext cx="9144000" cy="1927621"/>
           </a:xfrm>
           <a:prstGeom prst="rect">
             <a:avLst/>
@@ -4226,7 +4310,7 @@
     </p:spTree>
     <p:extLst>
       <p:ext uri="{BB962C8B-B14F-4D97-AF65-F5344CB8AC3E}">
-        <p14:creationId xmlns:p14="http://schemas.microsoft.com/office/powerpoint/2010/main" val="350364131"/>
+        <p14:creationId xmlns:p14="http://schemas.microsoft.com/office/powerpoint/2010/main" val="2323600262"/>
       </p:ext>
     </p:extLst>
   </p:cSld>
@@ -4255,30 +4339,47 @@
       </p:grpSpPr>
       <p:sp>
         <p:nvSpPr>
-          <p:cNvPr id="33" name="Rounded Rectangle 32"/>
+          <p:cNvPr id="14" name="Cloud Callout 13"/>
           <p:cNvSpPr/>
           <p:nvPr/>
         </p:nvSpPr>
         <p:spPr>
           <a:xfrm>
-            <a:off x="7034946" y="132869"/>
-            <a:ext cx="3147510" cy="3147709"/>
-          </a:xfrm>
-          <a:prstGeom prst="roundRect">
-            <a:avLst/>
-          </a:prstGeom>
-          <a:solidFill>
-            <a:schemeClr val="accent5">
-              <a:lumMod val="75000"/>
-            </a:schemeClr>
-          </a:solidFill>
+            <a:off x="-2813800" y="-1068438"/>
+            <a:ext cx="11957800" cy="4915265"/>
+          </a:xfrm>
+          <a:prstGeom prst="cloudCallout">
+            <a:avLst>
+              <a:gd name="adj1" fmla="val 47322"/>
+              <a:gd name="adj2" fmla="val 48039"/>
+            </a:avLst>
+          </a:prstGeom>
+          <a:gradFill>
+            <a:gsLst>
+              <a:gs pos="23000">
+                <a:schemeClr val="accent1">
+                  <a:lumMod val="20000"/>
+                  <a:lumOff val="80000"/>
+                </a:schemeClr>
+              </a:gs>
+              <a:gs pos="100000">
+                <a:schemeClr val="accent1">
+                  <a:tint val="50000"/>
+                  <a:shade val="100000"/>
+                  <a:satMod val="350000"/>
+                </a:schemeClr>
+              </a:gs>
+            </a:gsLst>
+          </a:gradFill>
           <a:ln>
             <a:solidFill>
-              <a:schemeClr val="accent5">
-                <a:lumMod val="75000"/>
+              <a:schemeClr val="accent1">
+                <a:lumMod val="20000"/>
+                <a:lumOff val="80000"/>
               </a:schemeClr>
             </a:solidFill>
           </a:ln>
+          <a:effectLst/>
         </p:spPr>
         <p:style>
           <a:lnRef idx="1">
@@ -4305,507 +4406,72 @@
       </p:sp>
       <p:sp>
         <p:nvSpPr>
-          <p:cNvPr id="4" name="Rounded Rectangle 3"/>
+          <p:cNvPr id="3" name="Rectangle 2"/>
           <p:cNvSpPr/>
           <p:nvPr/>
         </p:nvSpPr>
         <p:spPr>
           <a:xfrm>
-            <a:off x="124244" y="138060"/>
-            <a:ext cx="3147510" cy="3147709"/>
-          </a:xfrm>
-          <a:prstGeom prst="roundRect">
-            <a:avLst/>
-          </a:prstGeom>
-          <a:solidFill>
-            <a:schemeClr val="accent5">
-              <a:lumMod val="75000"/>
-            </a:schemeClr>
-          </a:solidFill>
-          <a:ln>
-            <a:solidFill>
-              <a:schemeClr val="accent5">
-                <a:lumMod val="75000"/>
-              </a:schemeClr>
-            </a:solidFill>
-          </a:ln>
-        </p:spPr>
-        <p:style>
-          <a:lnRef idx="1">
-            <a:schemeClr val="accent1"/>
-          </a:lnRef>
-          <a:fillRef idx="3">
-            <a:schemeClr val="accent1"/>
-          </a:fillRef>
-          <a:effectRef idx="2">
-            <a:schemeClr val="accent1"/>
-          </a:effectRef>
-          <a:fontRef idx="minor">
-            <a:schemeClr val="lt1"/>
-          </a:fontRef>
-        </p:style>
-        <p:txBody>
-          <a:bodyPr rtlCol="0" anchor="ctr"/>
-          <a:lstStyle/>
-          <a:p>
-            <a:pPr algn="ctr"/>
-            <a:endParaRPr lang="en-US"/>
-          </a:p>
-        </p:txBody>
-      </p:sp>
-      <p:sp>
-        <p:nvSpPr>
-          <p:cNvPr id="9" name="TextBox 8"/>
-          <p:cNvSpPr txBox="1"/>
-          <p:nvPr/>
-        </p:nvSpPr>
-        <p:spPr>
-          <a:xfrm>
-            <a:off x="627844" y="2080249"/>
-            <a:ext cx="2085082" cy="1200329"/>
-          </a:xfrm>
-          <a:prstGeom prst="rect">
-            <a:avLst/>
-          </a:prstGeom>
-          <a:noFill/>
-        </p:spPr>
-        <p:txBody>
-          <a:bodyPr wrap="square" rtlCol="0">
+            <a:off x="-1946989" y="1364216"/>
+            <a:ext cx="11090989" cy="1661993"/>
+          </a:xfrm>
+          <a:prstGeom prst="rect">
+            <a:avLst/>
+          </a:prstGeom>
+        </p:spPr>
+        <p:txBody>
+          <a:bodyPr wrap="square">
             <a:spAutoFit/>
           </a:bodyPr>
           <a:lstStyle/>
           <a:p>
-            <a:pPr algn="ctr"/>
-            <a:r>
-              <a:rPr lang="en-US" sz="7200" b="1" dirty="0" smtClean="0">
+            <a:r>
+              <a:rPr lang="en-US" sz="6600" b="1" dirty="0" smtClean="0">
                 <a:solidFill>
-                  <a:schemeClr val="bg1"/>
+                  <a:schemeClr val="tx2">
+                    <a:lumMod val="60000"/>
+                    <a:lumOff val="40000"/>
+                  </a:schemeClr>
                 </a:solidFill>
               </a:rPr>
-              <a:t>0 - 5</a:t>
-            </a:r>
-            <a:endParaRPr lang="en-US" sz="7200" b="1" dirty="0">
+              <a:t>Thoughtful Gift Generator</a:t>
+            </a:r>
+            <a:endParaRPr lang="en-US" sz="6600" b="1" dirty="0">
               <a:solidFill>
-                <a:schemeClr val="bg1"/>
+                <a:schemeClr val="tx2">
+                  <a:lumMod val="60000"/>
+                  <a:lumOff val="40000"/>
+                </a:schemeClr>
               </a:solidFill>
             </a:endParaRPr>
           </a:p>
-        </p:txBody>
-      </p:sp>
-      <p:sp>
-        <p:nvSpPr>
-          <p:cNvPr id="10" name="TextBox 9"/>
-          <p:cNvSpPr txBox="1"/>
-          <p:nvPr/>
-        </p:nvSpPr>
-        <p:spPr>
-          <a:xfrm>
-            <a:off x="3955364" y="2521259"/>
-            <a:ext cx="2085082" cy="523220"/>
-          </a:xfrm>
-          <a:prstGeom prst="rect">
-            <a:avLst/>
-          </a:prstGeom>
-          <a:noFill/>
-        </p:spPr>
-        <p:txBody>
-          <a:bodyPr wrap="square" rtlCol="0">
-            <a:spAutoFit/>
-          </a:bodyPr>
-          <a:lstStyle/>
-          <a:p>
-            <a:pPr algn="ctr"/>
-            <a:r>
-              <a:rPr lang="en-US" sz="2800" dirty="0">
+          <a:p>
+            <a:r>
+              <a:rPr lang="en-US" sz="3600" i="1" dirty="0" smtClean="0"/>
+              <a:t>			</a:t>
+            </a:r>
+            <a:r>
+              <a:rPr lang="en-US" sz="3600" i="1" dirty="0" smtClean="0">
                 <a:solidFill>
-                  <a:schemeClr val="bg1"/>
+                  <a:srgbClr val="1F497D"/>
                 </a:solidFill>
               </a:rPr>
-              <a:t>6</a:t>
-            </a:r>
-            <a:r>
-              <a:rPr lang="en-US" sz="2800" dirty="0" smtClean="0">
+              <a:t>stop </a:t>
+            </a:r>
+            <a:r>
+              <a:rPr lang="en-US" sz="3600" i="1" dirty="0">
                 <a:solidFill>
-                  <a:schemeClr val="bg1"/>
+                  <a:srgbClr val="1F497D"/>
                 </a:solidFill>
               </a:rPr>
-              <a:t> - 13</a:t>
-            </a:r>
-            <a:endParaRPr lang="en-US" sz="2800" dirty="0">
-              <a:solidFill>
-                <a:schemeClr val="bg1"/>
-              </a:solidFill>
-            </a:endParaRPr>
-          </a:p>
-        </p:txBody>
-      </p:sp>
-      <p:sp>
-        <p:nvSpPr>
-          <p:cNvPr id="13" name="Rounded Rectangle 12"/>
-          <p:cNvSpPr/>
-          <p:nvPr/>
-        </p:nvSpPr>
-        <p:spPr>
-          <a:xfrm>
-            <a:off x="96088" y="3569429"/>
-            <a:ext cx="3147510" cy="3147709"/>
-          </a:xfrm>
-          <a:prstGeom prst="roundRect">
-            <a:avLst/>
-          </a:prstGeom>
-          <a:solidFill>
-            <a:schemeClr val="accent5">
-              <a:lumMod val="75000"/>
-            </a:schemeClr>
-          </a:solidFill>
-          <a:ln>
-            <a:solidFill>
-              <a:schemeClr val="accent5">
-                <a:lumMod val="75000"/>
-              </a:schemeClr>
-            </a:solidFill>
-          </a:ln>
-        </p:spPr>
-        <p:style>
-          <a:lnRef idx="1">
-            <a:schemeClr val="accent1"/>
-          </a:lnRef>
-          <a:fillRef idx="3">
-            <a:schemeClr val="accent1"/>
-          </a:fillRef>
-          <a:effectRef idx="2">
-            <a:schemeClr val="accent1"/>
-          </a:effectRef>
-          <a:fontRef idx="minor">
-            <a:schemeClr val="lt1"/>
-          </a:fontRef>
-        </p:style>
-        <p:txBody>
-          <a:bodyPr rtlCol="0" anchor="ctr"/>
-          <a:lstStyle/>
-          <a:p>
-            <a:pPr algn="ctr"/>
-            <a:endParaRPr lang="en-US"/>
-          </a:p>
-        </p:txBody>
-      </p:sp>
-      <p:sp>
-        <p:nvSpPr>
-          <p:cNvPr id="20" name="Rounded Rectangle 19"/>
-          <p:cNvSpPr/>
-          <p:nvPr/>
-        </p:nvSpPr>
-        <p:spPr>
-          <a:xfrm>
-            <a:off x="3576008" y="138060"/>
-            <a:ext cx="3147510" cy="3147709"/>
-          </a:xfrm>
-          <a:prstGeom prst="roundRect">
-            <a:avLst/>
-          </a:prstGeom>
-          <a:solidFill>
-            <a:schemeClr val="accent5">
-              <a:lumMod val="75000"/>
-            </a:schemeClr>
-          </a:solidFill>
-          <a:ln>
-            <a:solidFill>
-              <a:schemeClr val="accent5">
-                <a:lumMod val="75000"/>
-              </a:schemeClr>
-            </a:solidFill>
-          </a:ln>
-        </p:spPr>
-        <p:style>
-          <a:lnRef idx="1">
-            <a:schemeClr val="accent1"/>
-          </a:lnRef>
-          <a:fillRef idx="3">
-            <a:schemeClr val="accent1"/>
-          </a:fillRef>
-          <a:effectRef idx="2">
-            <a:schemeClr val="accent1"/>
-          </a:effectRef>
-          <a:fontRef idx="minor">
-            <a:schemeClr val="lt1"/>
-          </a:fontRef>
-        </p:style>
-        <p:txBody>
-          <a:bodyPr rtlCol="0" anchor="ctr"/>
-          <a:lstStyle/>
-          <a:p>
-            <a:pPr algn="ctr"/>
-            <a:endParaRPr lang="en-US"/>
-          </a:p>
-        </p:txBody>
-      </p:sp>
-      <p:sp>
-        <p:nvSpPr>
-          <p:cNvPr id="22" name="TextBox 21"/>
-          <p:cNvSpPr txBox="1"/>
-          <p:nvPr/>
-        </p:nvSpPr>
-        <p:spPr>
-          <a:xfrm>
-            <a:off x="3547852" y="2080249"/>
-            <a:ext cx="3175666" cy="1200329"/>
-          </a:xfrm>
-          <a:prstGeom prst="rect">
-            <a:avLst/>
-          </a:prstGeom>
-          <a:noFill/>
-        </p:spPr>
-        <p:txBody>
-          <a:bodyPr wrap="square" rtlCol="0">
-            <a:spAutoFit/>
-          </a:bodyPr>
-          <a:lstStyle/>
-          <a:p>
-            <a:pPr algn="ctr"/>
-            <a:r>
-              <a:rPr lang="en-US" sz="7200" b="1" dirty="0">
-                <a:solidFill>
-                  <a:schemeClr val="bg1"/>
-                </a:solidFill>
-              </a:rPr>
-              <a:t>6</a:t>
-            </a:r>
-            <a:r>
-              <a:rPr lang="en-US" sz="7200" b="1" dirty="0" smtClean="0">
-                <a:solidFill>
-                  <a:schemeClr val="bg1"/>
-                </a:solidFill>
-              </a:rPr>
-              <a:t> - 13</a:t>
-            </a:r>
-            <a:endParaRPr lang="en-US" sz="7200" b="1" dirty="0">
-              <a:solidFill>
-                <a:schemeClr val="bg1"/>
-              </a:solidFill>
-            </a:endParaRPr>
-          </a:p>
-        </p:txBody>
-      </p:sp>
-      <p:sp>
-        <p:nvSpPr>
-          <p:cNvPr id="19" name="Rounded Rectangle 18"/>
-          <p:cNvSpPr/>
-          <p:nvPr/>
-        </p:nvSpPr>
-        <p:spPr>
-          <a:xfrm>
-            <a:off x="3544804" y="3569429"/>
-            <a:ext cx="3147510" cy="3147709"/>
-          </a:xfrm>
-          <a:prstGeom prst="roundRect">
-            <a:avLst/>
-          </a:prstGeom>
-          <a:solidFill>
-            <a:schemeClr val="accent5">
-              <a:lumMod val="75000"/>
-            </a:schemeClr>
-          </a:solidFill>
-          <a:ln>
-            <a:solidFill>
-              <a:schemeClr val="accent5">
-                <a:lumMod val="75000"/>
-              </a:schemeClr>
-            </a:solidFill>
-          </a:ln>
-        </p:spPr>
-        <p:style>
-          <a:lnRef idx="1">
-            <a:schemeClr val="accent1"/>
-          </a:lnRef>
-          <a:fillRef idx="3">
-            <a:schemeClr val="accent1"/>
-          </a:fillRef>
-          <a:effectRef idx="2">
-            <a:schemeClr val="accent1"/>
-          </a:effectRef>
-          <a:fontRef idx="minor">
-            <a:schemeClr val="lt1"/>
-          </a:fontRef>
-        </p:style>
-        <p:txBody>
-          <a:bodyPr rtlCol="0" anchor="ctr"/>
-          <a:lstStyle/>
-          <a:p>
-            <a:pPr algn="ctr"/>
-            <a:endParaRPr lang="en-US"/>
-          </a:p>
-        </p:txBody>
-      </p:sp>
-      <p:sp>
-        <p:nvSpPr>
-          <p:cNvPr id="24" name="TextBox 23"/>
-          <p:cNvSpPr txBox="1"/>
-          <p:nvPr/>
-        </p:nvSpPr>
-        <p:spPr>
-          <a:xfrm>
-            <a:off x="3544804" y="5511618"/>
-            <a:ext cx="3147510" cy="1200329"/>
-          </a:xfrm>
-          <a:prstGeom prst="rect">
-            <a:avLst/>
-          </a:prstGeom>
-          <a:noFill/>
-        </p:spPr>
-        <p:txBody>
-          <a:bodyPr wrap="square" rtlCol="0">
-            <a:spAutoFit/>
-          </a:bodyPr>
-          <a:lstStyle/>
-          <a:p>
-            <a:pPr algn="ctr"/>
-            <a:r>
-              <a:rPr lang="en-US" sz="7200" b="1" dirty="0" smtClean="0">
-                <a:solidFill>
-                  <a:schemeClr val="bg1"/>
-                </a:solidFill>
-              </a:rPr>
-              <a:t>30 - 59</a:t>
-            </a:r>
-            <a:endParaRPr lang="en-US" sz="7200" b="1" dirty="0">
-              <a:solidFill>
-                <a:schemeClr val="bg1"/>
-              </a:solidFill>
-            </a:endParaRPr>
-          </a:p>
-        </p:txBody>
-      </p:sp>
-      <p:sp>
-        <p:nvSpPr>
-          <p:cNvPr id="26" name="TextBox 25"/>
-          <p:cNvSpPr txBox="1"/>
-          <p:nvPr/>
-        </p:nvSpPr>
-        <p:spPr>
-          <a:xfrm>
-            <a:off x="96088" y="5521383"/>
-            <a:ext cx="3175666" cy="1200329"/>
-          </a:xfrm>
-          <a:prstGeom prst="rect">
-            <a:avLst/>
-          </a:prstGeom>
-          <a:noFill/>
-        </p:spPr>
-        <p:txBody>
-          <a:bodyPr wrap="square" rtlCol="0">
-            <a:spAutoFit/>
-          </a:bodyPr>
-          <a:lstStyle/>
-          <a:p>
-            <a:pPr algn="ctr"/>
-            <a:r>
-              <a:rPr lang="en-US" sz="7200" b="1" dirty="0" smtClean="0">
-                <a:solidFill>
-                  <a:schemeClr val="bg1"/>
-                </a:solidFill>
-              </a:rPr>
-              <a:t>21 - 29</a:t>
-            </a:r>
-            <a:endParaRPr lang="en-US" sz="7200" b="1" dirty="0">
-              <a:solidFill>
-                <a:schemeClr val="bg1"/>
-              </a:solidFill>
-            </a:endParaRPr>
-          </a:p>
-        </p:txBody>
-      </p:sp>
-      <p:sp>
-        <p:nvSpPr>
-          <p:cNvPr id="27" name="Rounded Rectangle 26"/>
-          <p:cNvSpPr/>
-          <p:nvPr/>
-        </p:nvSpPr>
-        <p:spPr>
-          <a:xfrm>
-            <a:off x="7000161" y="3564238"/>
-            <a:ext cx="3147510" cy="3147709"/>
-          </a:xfrm>
-          <a:prstGeom prst="roundRect">
-            <a:avLst/>
-          </a:prstGeom>
-          <a:solidFill>
-            <a:schemeClr val="accent5">
-              <a:lumMod val="75000"/>
-            </a:schemeClr>
-          </a:solidFill>
-          <a:ln>
-            <a:solidFill>
-              <a:schemeClr val="accent5">
-                <a:lumMod val="75000"/>
-              </a:schemeClr>
-            </a:solidFill>
-          </a:ln>
-        </p:spPr>
-        <p:style>
-          <a:lnRef idx="1">
-            <a:schemeClr val="accent1"/>
-          </a:lnRef>
-          <a:fillRef idx="3">
-            <a:schemeClr val="accent1"/>
-          </a:fillRef>
-          <a:effectRef idx="2">
-            <a:schemeClr val="accent1"/>
-          </a:effectRef>
-          <a:fontRef idx="minor">
-            <a:schemeClr val="lt1"/>
-          </a:fontRef>
-        </p:style>
-        <p:txBody>
-          <a:bodyPr rtlCol="0" anchor="ctr"/>
-          <a:lstStyle/>
-          <a:p>
-            <a:pPr algn="ctr"/>
-            <a:endParaRPr lang="en-US"/>
-          </a:p>
-        </p:txBody>
-      </p:sp>
-      <p:sp>
-        <p:nvSpPr>
-          <p:cNvPr id="28" name="TextBox 27"/>
-          <p:cNvSpPr txBox="1"/>
-          <p:nvPr/>
-        </p:nvSpPr>
-        <p:spPr>
-          <a:xfrm>
-            <a:off x="7579106" y="5506427"/>
-            <a:ext cx="2358113" cy="1200329"/>
-          </a:xfrm>
-          <a:prstGeom prst="rect">
-            <a:avLst/>
-          </a:prstGeom>
-          <a:noFill/>
-        </p:spPr>
-        <p:txBody>
-          <a:bodyPr wrap="square" rtlCol="0">
-            <a:spAutoFit/>
-          </a:bodyPr>
-          <a:lstStyle/>
-          <a:p>
-            <a:pPr algn="ctr"/>
-            <a:r>
-              <a:rPr lang="en-US" sz="7200" b="1" dirty="0" smtClean="0">
-                <a:solidFill>
-                  <a:schemeClr val="bg1"/>
-                </a:solidFill>
-              </a:rPr>
-              <a:t>60+</a:t>
-            </a:r>
-            <a:endParaRPr lang="en-US" sz="7200" b="1" dirty="0">
-              <a:solidFill>
-                <a:schemeClr val="bg1"/>
-              </a:solidFill>
-            </a:endParaRPr>
+              <a:t>thinking and start being thoughtful!</a:t>
+            </a:r>
           </a:p>
         </p:txBody>
       </p:sp>
       <p:pic>
         <p:nvPicPr>
-          <p:cNvPr id="3" name="Picture 2"/>
+          <p:cNvPr id="10" name="Picture 9"/>
           <p:cNvPicPr>
             <a:picLocks noChangeAspect="1"/>
           </p:cNvPicPr>
@@ -4819,167 +4485,8 @@
         </p:blipFill>
         <p:spPr>
           <a:xfrm>
-            <a:off x="7824742" y="324733"/>
-            <a:ext cx="1674642" cy="1786285"/>
-          </a:xfrm>
-          <a:prstGeom prst="rect">
-            <a:avLst/>
-          </a:prstGeom>
-        </p:spPr>
-      </p:pic>
-      <p:pic>
-        <p:nvPicPr>
-          <p:cNvPr id="5" name="Picture 4"/>
-          <p:cNvPicPr>
-            <a:picLocks noChangeAspect="1"/>
-          </p:cNvPicPr>
-          <p:nvPr/>
-        </p:nvPicPr>
-        <p:blipFill>
-          <a:blip r:embed="rId3"/>
-          <a:stretch>
-            <a:fillRect/>
-          </a:stretch>
-        </p:blipFill>
-        <p:spPr>
-          <a:xfrm>
-            <a:off x="7724930" y="3735097"/>
-            <a:ext cx="1633344" cy="1742234"/>
-          </a:xfrm>
-          <a:prstGeom prst="rect">
-            <a:avLst/>
-          </a:prstGeom>
-        </p:spPr>
-      </p:pic>
-      <p:pic>
-        <p:nvPicPr>
-          <p:cNvPr id="17" name="Picture 16"/>
-          <p:cNvPicPr>
-            <a:picLocks noChangeAspect="1"/>
-          </p:cNvPicPr>
-          <p:nvPr/>
-        </p:nvPicPr>
-        <p:blipFill>
-          <a:blip r:embed="rId4"/>
-          <a:stretch>
-            <a:fillRect/>
-          </a:stretch>
-        </p:blipFill>
-        <p:spPr>
-          <a:xfrm>
-            <a:off x="990600" y="304800"/>
-            <a:ext cx="1365029" cy="1942189"/>
-          </a:xfrm>
-          <a:prstGeom prst="rect">
-            <a:avLst/>
-          </a:prstGeom>
-        </p:spPr>
-      </p:pic>
-      <p:sp>
-        <p:nvSpPr>
-          <p:cNvPr id="34" name="TextBox 33"/>
-          <p:cNvSpPr txBox="1"/>
-          <p:nvPr/>
-        </p:nvSpPr>
-        <p:spPr>
-          <a:xfrm>
-            <a:off x="7034946" y="2080249"/>
-            <a:ext cx="3175666" cy="1200329"/>
-          </a:xfrm>
-          <a:prstGeom prst="rect">
-            <a:avLst/>
-          </a:prstGeom>
-          <a:noFill/>
-        </p:spPr>
-        <p:txBody>
-          <a:bodyPr wrap="square" rtlCol="0">
-            <a:spAutoFit/>
-          </a:bodyPr>
-          <a:lstStyle/>
-          <a:p>
-            <a:pPr algn="ctr"/>
-            <a:r>
-              <a:rPr lang="en-US" sz="7200" b="1" dirty="0" smtClean="0">
-                <a:solidFill>
-                  <a:schemeClr val="bg1"/>
-                </a:solidFill>
-              </a:rPr>
-              <a:t>14 - 20</a:t>
-            </a:r>
-            <a:endParaRPr lang="en-US" sz="7200" b="1" dirty="0">
-              <a:solidFill>
-                <a:schemeClr val="bg1"/>
-              </a:solidFill>
-            </a:endParaRPr>
-          </a:p>
-        </p:txBody>
-      </p:sp>
-      <p:pic>
-        <p:nvPicPr>
-          <p:cNvPr id="35" name="Picture 34"/>
-          <p:cNvPicPr>
-            <a:picLocks noChangeAspect="1"/>
-          </p:cNvPicPr>
-          <p:nvPr/>
-        </p:nvPicPr>
-        <p:blipFill>
-          <a:blip r:embed="rId5"/>
-          <a:stretch>
-            <a:fillRect/>
-          </a:stretch>
-        </p:blipFill>
-        <p:spPr>
-          <a:xfrm>
-            <a:off x="855562" y="3735098"/>
-            <a:ext cx="1630956" cy="1786285"/>
-          </a:xfrm>
-          <a:prstGeom prst="rect">
-            <a:avLst/>
-          </a:prstGeom>
-        </p:spPr>
-      </p:pic>
-      <p:pic>
-        <p:nvPicPr>
-          <p:cNvPr id="36" name="Picture 35"/>
-          <p:cNvPicPr>
-            <a:picLocks noChangeAspect="1"/>
-          </p:cNvPicPr>
-          <p:nvPr/>
-        </p:nvPicPr>
-        <p:blipFill>
-          <a:blip r:embed="rId6"/>
-          <a:stretch>
-            <a:fillRect/>
-          </a:stretch>
-        </p:blipFill>
-        <p:spPr>
-          <a:xfrm>
-            <a:off x="4290266" y="304800"/>
-            <a:ext cx="1697222" cy="1806218"/>
-          </a:xfrm>
-          <a:prstGeom prst="rect">
-            <a:avLst/>
-          </a:prstGeom>
-        </p:spPr>
-      </p:pic>
-      <p:pic>
-        <p:nvPicPr>
-          <p:cNvPr id="2" name="Picture 1"/>
-          <p:cNvPicPr>
-            <a:picLocks noChangeAspect="1"/>
-          </p:cNvPicPr>
-          <p:nvPr/>
-        </p:nvPicPr>
-        <p:blipFill>
-          <a:blip r:embed="rId7"/>
-          <a:stretch>
-            <a:fillRect/>
-          </a:stretch>
-        </p:blipFill>
-        <p:spPr>
-          <a:xfrm>
-            <a:off x="4290266" y="3706001"/>
-            <a:ext cx="1660622" cy="1771330"/>
+            <a:off x="-3232387" y="1658706"/>
+            <a:ext cx="9144000" cy="3787398"/>
           </a:xfrm>
           <a:prstGeom prst="rect">
             <a:avLst/>
@@ -4989,7 +4496,7 @@
     </p:spTree>
     <p:extLst>
       <p:ext uri="{BB962C8B-B14F-4D97-AF65-F5344CB8AC3E}">
-        <p14:creationId xmlns:p14="http://schemas.microsoft.com/office/powerpoint/2010/main" val="877488005"/>
+        <p14:creationId xmlns:p14="http://schemas.microsoft.com/office/powerpoint/2010/main" val="3194780852"/>
       </p:ext>
     </p:extLst>
   </p:cSld>
@@ -5018,30 +4525,32 @@
       </p:grpSpPr>
       <p:sp>
         <p:nvSpPr>
-          <p:cNvPr id="33" name="Rounded Rectangle 32"/>
+          <p:cNvPr id="7" name="Rounded Rectangle 6"/>
           <p:cNvSpPr/>
           <p:nvPr/>
         </p:nvSpPr>
         <p:spPr>
           <a:xfrm>
-            <a:off x="7034946" y="132869"/>
-            <a:ext cx="3147510" cy="3147709"/>
+            <a:off x="4824286" y="0"/>
+            <a:ext cx="3863648" cy="3708661"/>
           </a:xfrm>
           <a:prstGeom prst="roundRect">
             <a:avLst/>
           </a:prstGeom>
           <a:solidFill>
-            <a:schemeClr val="accent5">
-              <a:lumMod val="75000"/>
+            <a:schemeClr val="tx2">
+              <a:lumMod val="60000"/>
+              <a:lumOff val="40000"/>
             </a:schemeClr>
           </a:solidFill>
           <a:ln>
             <a:solidFill>
-              <a:schemeClr val="accent5">
+              <a:schemeClr val="accent1">
                 <a:lumMod val="75000"/>
               </a:schemeClr>
             </a:solidFill>
           </a:ln>
+          <a:effectLst/>
         </p:spPr>
         <p:style>
           <a:lnRef idx="1">
@@ -5068,30 +4577,31 @@
       </p:sp>
       <p:sp>
         <p:nvSpPr>
-          <p:cNvPr id="4" name="Rounded Rectangle 3"/>
+          <p:cNvPr id="5" name="Rounded Rectangle 4"/>
           <p:cNvSpPr/>
           <p:nvPr/>
         </p:nvSpPr>
         <p:spPr>
           <a:xfrm>
-            <a:off x="124244" y="138060"/>
-            <a:ext cx="3147510" cy="3147709"/>
+            <a:off x="302893" y="0"/>
+            <a:ext cx="3863648" cy="3708661"/>
           </a:xfrm>
           <a:prstGeom prst="roundRect">
             <a:avLst/>
           </a:prstGeom>
           <a:solidFill>
-            <a:schemeClr val="accent5">
-              <a:lumMod val="75000"/>
+            <a:schemeClr val="accent2">
+              <a:lumMod val="50000"/>
             </a:schemeClr>
           </a:solidFill>
           <a:ln>
             <a:solidFill>
-              <a:schemeClr val="accent5">
-                <a:lumMod val="75000"/>
+              <a:schemeClr val="accent2">
+                <a:lumMod val="50000"/>
               </a:schemeClr>
             </a:solidFill>
           </a:ln>
+          <a:effectLst/>
         </p:spPr>
         <p:style>
           <a:lnRef idx="1">
@@ -5116,362 +4626,9 @@
           </a:p>
         </p:txBody>
       </p:sp>
-      <p:sp>
-        <p:nvSpPr>
-          <p:cNvPr id="9" name="TextBox 8"/>
-          <p:cNvSpPr txBox="1"/>
-          <p:nvPr/>
-        </p:nvSpPr>
-        <p:spPr>
-          <a:xfrm>
-            <a:off x="627844" y="2168298"/>
-            <a:ext cx="2085082" cy="1015663"/>
-          </a:xfrm>
-          <a:prstGeom prst="rect">
-            <a:avLst/>
-          </a:prstGeom>
-          <a:noFill/>
-        </p:spPr>
-        <p:txBody>
-          <a:bodyPr wrap="square" rtlCol="0">
-            <a:spAutoFit/>
-          </a:bodyPr>
-          <a:lstStyle/>
-          <a:p>
-            <a:pPr algn="ctr"/>
-            <a:r>
-              <a:rPr lang="en-US" sz="6000" b="1" dirty="0" smtClean="0">
-                <a:solidFill>
-                  <a:schemeClr val="bg1"/>
-                </a:solidFill>
-              </a:rPr>
-              <a:t>Baby</a:t>
-            </a:r>
-            <a:endParaRPr lang="en-US" sz="6000" b="1" dirty="0">
-              <a:solidFill>
-                <a:schemeClr val="bg1"/>
-              </a:solidFill>
-            </a:endParaRPr>
-          </a:p>
-        </p:txBody>
-      </p:sp>
-      <p:sp>
-        <p:nvSpPr>
-          <p:cNvPr id="10" name="TextBox 9"/>
-          <p:cNvSpPr txBox="1"/>
-          <p:nvPr/>
-        </p:nvSpPr>
-        <p:spPr>
-          <a:xfrm>
-            <a:off x="3955364" y="2521259"/>
-            <a:ext cx="2085082" cy="523220"/>
-          </a:xfrm>
-          <a:prstGeom prst="rect">
-            <a:avLst/>
-          </a:prstGeom>
-          <a:noFill/>
-        </p:spPr>
-        <p:txBody>
-          <a:bodyPr wrap="square" rtlCol="0">
-            <a:spAutoFit/>
-          </a:bodyPr>
-          <a:lstStyle/>
-          <a:p>
-            <a:pPr algn="ctr"/>
-            <a:r>
-              <a:rPr lang="en-US" sz="2800" dirty="0">
-                <a:solidFill>
-                  <a:schemeClr val="bg1"/>
-                </a:solidFill>
-              </a:rPr>
-              <a:t>6</a:t>
-            </a:r>
-            <a:r>
-              <a:rPr lang="en-US" sz="2800" dirty="0" smtClean="0">
-                <a:solidFill>
-                  <a:schemeClr val="bg1"/>
-                </a:solidFill>
-              </a:rPr>
-              <a:t> - 13</a:t>
-            </a:r>
-            <a:endParaRPr lang="en-US" sz="2800" dirty="0">
-              <a:solidFill>
-                <a:schemeClr val="bg1"/>
-              </a:solidFill>
-            </a:endParaRPr>
-          </a:p>
-        </p:txBody>
-      </p:sp>
-      <p:sp>
-        <p:nvSpPr>
-          <p:cNvPr id="13" name="Rounded Rectangle 12"/>
-          <p:cNvSpPr/>
-          <p:nvPr/>
-        </p:nvSpPr>
-        <p:spPr>
-          <a:xfrm>
-            <a:off x="96088" y="3569429"/>
-            <a:ext cx="3147510" cy="3147709"/>
-          </a:xfrm>
-          <a:prstGeom prst="roundRect">
-            <a:avLst/>
-          </a:prstGeom>
-          <a:solidFill>
-            <a:schemeClr val="accent5">
-              <a:lumMod val="75000"/>
-            </a:schemeClr>
-          </a:solidFill>
-          <a:ln>
-            <a:solidFill>
-              <a:schemeClr val="accent5">
-                <a:lumMod val="75000"/>
-              </a:schemeClr>
-            </a:solidFill>
-          </a:ln>
-        </p:spPr>
-        <p:style>
-          <a:lnRef idx="1">
-            <a:schemeClr val="accent1"/>
-          </a:lnRef>
-          <a:fillRef idx="3">
-            <a:schemeClr val="accent1"/>
-          </a:fillRef>
-          <a:effectRef idx="2">
-            <a:schemeClr val="accent1"/>
-          </a:effectRef>
-          <a:fontRef idx="minor">
-            <a:schemeClr val="lt1"/>
-          </a:fontRef>
-        </p:style>
-        <p:txBody>
-          <a:bodyPr rtlCol="0" anchor="ctr"/>
-          <a:lstStyle/>
-          <a:p>
-            <a:pPr algn="ctr"/>
-            <a:endParaRPr lang="en-US"/>
-          </a:p>
-        </p:txBody>
-      </p:sp>
-      <p:sp>
-        <p:nvSpPr>
-          <p:cNvPr id="20" name="Rounded Rectangle 19"/>
-          <p:cNvSpPr/>
-          <p:nvPr/>
-        </p:nvSpPr>
-        <p:spPr>
-          <a:xfrm>
-            <a:off x="3576008" y="138060"/>
-            <a:ext cx="3147510" cy="3147709"/>
-          </a:xfrm>
-          <a:prstGeom prst="roundRect">
-            <a:avLst/>
-          </a:prstGeom>
-          <a:solidFill>
-            <a:schemeClr val="accent5">
-              <a:lumMod val="75000"/>
-            </a:schemeClr>
-          </a:solidFill>
-          <a:ln>
-            <a:solidFill>
-              <a:schemeClr val="accent5">
-                <a:lumMod val="75000"/>
-              </a:schemeClr>
-            </a:solidFill>
-          </a:ln>
-        </p:spPr>
-        <p:style>
-          <a:lnRef idx="1">
-            <a:schemeClr val="accent1"/>
-          </a:lnRef>
-          <a:fillRef idx="3">
-            <a:schemeClr val="accent1"/>
-          </a:fillRef>
-          <a:effectRef idx="2">
-            <a:schemeClr val="accent1"/>
-          </a:effectRef>
-          <a:fontRef idx="minor">
-            <a:schemeClr val="lt1"/>
-          </a:fontRef>
-        </p:style>
-        <p:txBody>
-          <a:bodyPr rtlCol="0" anchor="ctr"/>
-          <a:lstStyle/>
-          <a:p>
-            <a:pPr algn="ctr"/>
-            <a:endParaRPr lang="en-US"/>
-          </a:p>
-        </p:txBody>
-      </p:sp>
-      <p:sp>
-        <p:nvSpPr>
-          <p:cNvPr id="22" name="TextBox 21"/>
-          <p:cNvSpPr txBox="1"/>
-          <p:nvPr/>
-        </p:nvSpPr>
-        <p:spPr>
-          <a:xfrm>
-            <a:off x="3547852" y="2167669"/>
-            <a:ext cx="3175666" cy="1015663"/>
-          </a:xfrm>
-          <a:prstGeom prst="rect">
-            <a:avLst/>
-          </a:prstGeom>
-          <a:noFill/>
-        </p:spPr>
-        <p:txBody>
-          <a:bodyPr wrap="square" rtlCol="0">
-            <a:spAutoFit/>
-          </a:bodyPr>
-          <a:lstStyle/>
-          <a:p>
-            <a:pPr algn="ctr"/>
-            <a:r>
-              <a:rPr lang="en-US" sz="6000" b="1" dirty="0" smtClean="0">
-                <a:solidFill>
-                  <a:schemeClr val="bg1"/>
-                </a:solidFill>
-              </a:rPr>
-              <a:t>Kid</a:t>
-            </a:r>
-            <a:endParaRPr lang="en-US" sz="6000" b="1" dirty="0">
-              <a:solidFill>
-                <a:schemeClr val="bg1"/>
-              </a:solidFill>
-            </a:endParaRPr>
-          </a:p>
-        </p:txBody>
-      </p:sp>
-      <p:sp>
-        <p:nvSpPr>
-          <p:cNvPr id="19" name="Rounded Rectangle 18"/>
-          <p:cNvSpPr/>
-          <p:nvPr/>
-        </p:nvSpPr>
-        <p:spPr>
-          <a:xfrm>
-            <a:off x="3544804" y="3569429"/>
-            <a:ext cx="3147510" cy="3147709"/>
-          </a:xfrm>
-          <a:prstGeom prst="roundRect">
-            <a:avLst/>
-          </a:prstGeom>
-          <a:solidFill>
-            <a:schemeClr val="accent5">
-              <a:lumMod val="75000"/>
-            </a:schemeClr>
-          </a:solidFill>
-          <a:ln>
-            <a:solidFill>
-              <a:schemeClr val="accent5">
-                <a:lumMod val="75000"/>
-              </a:schemeClr>
-            </a:solidFill>
-          </a:ln>
-        </p:spPr>
-        <p:style>
-          <a:lnRef idx="1">
-            <a:schemeClr val="accent1"/>
-          </a:lnRef>
-          <a:fillRef idx="3">
-            <a:schemeClr val="accent1"/>
-          </a:fillRef>
-          <a:effectRef idx="2">
-            <a:schemeClr val="accent1"/>
-          </a:effectRef>
-          <a:fontRef idx="minor">
-            <a:schemeClr val="lt1"/>
-          </a:fontRef>
-        </p:style>
-        <p:txBody>
-          <a:bodyPr rtlCol="0" anchor="ctr"/>
-          <a:lstStyle/>
-          <a:p>
-            <a:pPr algn="ctr"/>
-            <a:endParaRPr lang="en-US"/>
-          </a:p>
-        </p:txBody>
-      </p:sp>
-      <p:sp>
-        <p:nvSpPr>
-          <p:cNvPr id="24" name="TextBox 23"/>
-          <p:cNvSpPr txBox="1"/>
-          <p:nvPr/>
-        </p:nvSpPr>
-        <p:spPr>
-          <a:xfrm>
-            <a:off x="3544804" y="5599038"/>
-            <a:ext cx="3147510" cy="1015663"/>
-          </a:xfrm>
-          <a:prstGeom prst="rect">
-            <a:avLst/>
-          </a:prstGeom>
-          <a:noFill/>
-        </p:spPr>
-        <p:txBody>
-          <a:bodyPr wrap="square" rtlCol="0">
-            <a:spAutoFit/>
-          </a:bodyPr>
-          <a:lstStyle/>
-          <a:p>
-            <a:pPr algn="ctr"/>
-            <a:r>
-              <a:rPr lang="en-US" sz="6000" b="1" dirty="0" smtClean="0">
-                <a:solidFill>
-                  <a:schemeClr val="bg1"/>
-                </a:solidFill>
-              </a:rPr>
-              <a:t>Adult</a:t>
-            </a:r>
-            <a:endParaRPr lang="en-US" sz="6000" b="1" dirty="0">
-              <a:solidFill>
-                <a:schemeClr val="bg1"/>
-              </a:solidFill>
-            </a:endParaRPr>
-          </a:p>
-        </p:txBody>
-      </p:sp>
-      <p:sp>
-        <p:nvSpPr>
-          <p:cNvPr id="26" name="TextBox 25"/>
-          <p:cNvSpPr txBox="1"/>
-          <p:nvPr/>
-        </p:nvSpPr>
-        <p:spPr>
-          <a:xfrm>
-            <a:off x="96088" y="5656585"/>
-            <a:ext cx="3175666" cy="707886"/>
-          </a:xfrm>
-          <a:prstGeom prst="rect">
-            <a:avLst/>
-          </a:prstGeom>
-          <a:noFill/>
-        </p:spPr>
-        <p:txBody>
-          <a:bodyPr wrap="square" rtlCol="0">
-            <a:spAutoFit/>
-          </a:bodyPr>
-          <a:lstStyle/>
-          <a:p>
-            <a:pPr algn="ctr"/>
-            <a:r>
-              <a:rPr lang="en-US" sz="4000" b="1" dirty="0" smtClean="0">
-                <a:solidFill>
-                  <a:schemeClr val="bg1"/>
-                </a:solidFill>
-              </a:rPr>
-              <a:t>Young Adult</a:t>
-            </a:r>
-            <a:endParaRPr lang="en-US" sz="4000" b="1" dirty="0">
-              <a:solidFill>
-                <a:schemeClr val="bg1"/>
-              </a:solidFill>
-            </a:endParaRPr>
-          </a:p>
-        </p:txBody>
-      </p:sp>
       <p:pic>
         <p:nvPicPr>
-          <p:cNvPr id="3" name="Picture 2"/>
+          <p:cNvPr id="4" name="Picture 3"/>
           <p:cNvPicPr>
             <a:picLocks noChangeAspect="1"/>
           </p:cNvPicPr>
@@ -5485,8 +4642,8 @@
         </p:blipFill>
         <p:spPr>
           <a:xfrm>
-            <a:off x="7824742" y="324733"/>
-            <a:ext cx="1674642" cy="1786285"/>
+            <a:off x="538169" y="333368"/>
+            <a:ext cx="1346039" cy="2955433"/>
           </a:xfrm>
           <a:prstGeom prst="rect">
             <a:avLst/>
@@ -5495,7 +4652,7 @@
       </p:pic>
       <p:pic>
         <p:nvPicPr>
-          <p:cNvPr id="17" name="Picture 16"/>
+          <p:cNvPr id="6" name="Picture 5"/>
           <p:cNvPicPr>
             <a:picLocks noChangeAspect="1"/>
           </p:cNvPicPr>
@@ -5509,8 +4666,8 @@
         </p:blipFill>
         <p:spPr>
           <a:xfrm>
-            <a:off x="990600" y="304800"/>
-            <a:ext cx="1365029" cy="1942189"/>
+            <a:off x="7186092" y="333367"/>
+            <a:ext cx="1102773" cy="2955433"/>
           </a:xfrm>
           <a:prstGeom prst="rect">
             <a:avLst/>
@@ -5519,141 +4676,32 @@
       </p:pic>
       <p:sp>
         <p:nvSpPr>
-          <p:cNvPr id="34" name="TextBox 33"/>
-          <p:cNvSpPr txBox="1"/>
-          <p:nvPr/>
-        </p:nvSpPr>
-        <p:spPr>
-          <a:xfrm>
-            <a:off x="7034946" y="2167669"/>
-            <a:ext cx="3175666" cy="1015663"/>
-          </a:xfrm>
-          <a:prstGeom prst="rect">
-            <a:avLst/>
-          </a:prstGeom>
-          <a:noFill/>
-        </p:spPr>
-        <p:txBody>
-          <a:bodyPr wrap="square" rtlCol="0">
-            <a:spAutoFit/>
-          </a:bodyPr>
-          <a:lstStyle/>
-          <a:p>
-            <a:pPr algn="ctr"/>
-            <a:r>
-              <a:rPr lang="en-US" sz="6000" b="1" dirty="0" smtClean="0">
-                <a:solidFill>
-                  <a:schemeClr val="bg1"/>
-                </a:solidFill>
-              </a:rPr>
-              <a:t>Teen</a:t>
-            </a:r>
-            <a:endParaRPr lang="en-US" sz="6000" b="1" dirty="0">
-              <a:solidFill>
-                <a:schemeClr val="bg1"/>
-              </a:solidFill>
-            </a:endParaRPr>
-          </a:p>
-        </p:txBody>
-      </p:sp>
-      <p:pic>
-        <p:nvPicPr>
-          <p:cNvPr id="35" name="Picture 34"/>
-          <p:cNvPicPr>
-            <a:picLocks noChangeAspect="1"/>
-          </p:cNvPicPr>
-          <p:nvPr/>
-        </p:nvPicPr>
-        <p:blipFill>
-          <a:blip r:embed="rId4"/>
-          <a:stretch>
-            <a:fillRect/>
-          </a:stretch>
-        </p:blipFill>
-        <p:spPr>
-          <a:xfrm>
-            <a:off x="855562" y="3735098"/>
-            <a:ext cx="1630956" cy="1786285"/>
-          </a:xfrm>
-          <a:prstGeom prst="rect">
-            <a:avLst/>
-          </a:prstGeom>
-        </p:spPr>
-      </p:pic>
-      <p:pic>
-        <p:nvPicPr>
-          <p:cNvPr id="36" name="Picture 35"/>
-          <p:cNvPicPr>
-            <a:picLocks noChangeAspect="1"/>
-          </p:cNvPicPr>
-          <p:nvPr/>
-        </p:nvPicPr>
-        <p:blipFill>
-          <a:blip r:embed="rId5"/>
-          <a:stretch>
-            <a:fillRect/>
-          </a:stretch>
-        </p:blipFill>
-        <p:spPr>
-          <a:xfrm>
-            <a:off x="4290266" y="304800"/>
-            <a:ext cx="1697222" cy="1806218"/>
-          </a:xfrm>
-          <a:prstGeom prst="rect">
-            <a:avLst/>
-          </a:prstGeom>
-        </p:spPr>
-      </p:pic>
-      <p:pic>
-        <p:nvPicPr>
-          <p:cNvPr id="2" name="Picture 1"/>
-          <p:cNvPicPr>
-            <a:picLocks noChangeAspect="1"/>
-          </p:cNvPicPr>
-          <p:nvPr/>
-        </p:nvPicPr>
-        <p:blipFill>
-          <a:blip r:embed="rId6"/>
-          <a:stretch>
-            <a:fillRect/>
-          </a:stretch>
-        </p:blipFill>
-        <p:spPr>
-          <a:xfrm>
-            <a:off x="4290266" y="3706001"/>
-            <a:ext cx="1660622" cy="1771330"/>
-          </a:xfrm>
-          <a:prstGeom prst="rect">
-            <a:avLst/>
-          </a:prstGeom>
-        </p:spPr>
-      </p:pic>
-      <p:sp>
-        <p:nvSpPr>
-          <p:cNvPr id="32" name="Rounded Rectangle 31"/>
+          <p:cNvPr id="8" name="Rounded Rectangle 7"/>
           <p:cNvSpPr/>
           <p:nvPr/>
         </p:nvSpPr>
         <p:spPr>
           <a:xfrm>
-            <a:off x="7000161" y="3564238"/>
-            <a:ext cx="3147510" cy="3147709"/>
+            <a:off x="4824286" y="4062619"/>
+            <a:ext cx="3863648" cy="3708661"/>
           </a:xfrm>
           <a:prstGeom prst="roundRect">
             <a:avLst/>
           </a:prstGeom>
           <a:solidFill>
-            <a:schemeClr val="accent5">
-              <a:lumMod val="75000"/>
+            <a:schemeClr val="tx2">
+              <a:lumMod val="60000"/>
+              <a:lumOff val="40000"/>
             </a:schemeClr>
           </a:solidFill>
           <a:ln>
             <a:solidFill>
-              <a:schemeClr val="accent5">
+              <a:schemeClr val="accent1">
                 <a:lumMod val="75000"/>
               </a:schemeClr>
             </a:solidFill>
           </a:ln>
+          <a:effectLst/>
         </p:spPr>
         <p:style>
           <a:lnRef idx="1">
@@ -5680,61 +4728,424 @@
       </p:sp>
       <p:sp>
         <p:nvSpPr>
-          <p:cNvPr id="37" name="TextBox 36"/>
-          <p:cNvSpPr txBox="1"/>
-          <p:nvPr/>
-        </p:nvSpPr>
-        <p:spPr>
-          <a:xfrm>
-            <a:off x="7429701" y="5656585"/>
-            <a:ext cx="2358113" cy="923330"/>
-          </a:xfrm>
-          <a:prstGeom prst="rect">
-            <a:avLst/>
-          </a:prstGeom>
-          <a:noFill/>
-        </p:spPr>
-        <p:txBody>
-          <a:bodyPr wrap="square" rtlCol="0">
-            <a:spAutoFit/>
-          </a:bodyPr>
-          <a:lstStyle/>
-          <a:p>
-            <a:pPr algn="ctr"/>
-            <a:r>
-              <a:rPr lang="en-US" sz="5400" b="1" dirty="0" smtClean="0">
-                <a:solidFill>
-                  <a:schemeClr val="bg1"/>
-                </a:solidFill>
-              </a:rPr>
-              <a:t>Senior</a:t>
-            </a:r>
-            <a:endParaRPr lang="en-US" sz="5400" b="1" dirty="0">
-              <a:solidFill>
-                <a:schemeClr val="bg1"/>
-              </a:solidFill>
-            </a:endParaRPr>
+          <p:cNvPr id="9" name="Rounded Rectangle 8"/>
+          <p:cNvSpPr/>
+          <p:nvPr/>
+        </p:nvSpPr>
+        <p:spPr>
+          <a:xfrm>
+            <a:off x="248506" y="4062619"/>
+            <a:ext cx="3863648" cy="3708661"/>
+          </a:xfrm>
+          <a:prstGeom prst="roundRect">
+            <a:avLst/>
+          </a:prstGeom>
+          <a:solidFill>
+            <a:schemeClr val="accent2">
+              <a:lumMod val="50000"/>
+            </a:schemeClr>
+          </a:solidFill>
+          <a:ln>
+            <a:solidFill>
+              <a:schemeClr val="accent2">
+                <a:lumMod val="50000"/>
+              </a:schemeClr>
+            </a:solidFill>
+          </a:ln>
+          <a:effectLst/>
+        </p:spPr>
+        <p:style>
+          <a:lnRef idx="1">
+            <a:schemeClr val="accent1"/>
+          </a:lnRef>
+          <a:fillRef idx="3">
+            <a:schemeClr val="accent1"/>
+          </a:fillRef>
+          <a:effectRef idx="2">
+            <a:schemeClr val="accent1"/>
+          </a:effectRef>
+          <a:fontRef idx="minor">
+            <a:schemeClr val="lt1"/>
+          </a:fontRef>
+        </p:style>
+        <p:txBody>
+          <a:bodyPr rtlCol="0" anchor="ctr"/>
+          <a:lstStyle/>
+          <a:p>
+            <a:pPr algn="ctr"/>
+            <a:endParaRPr lang="en-US"/>
           </a:p>
         </p:txBody>
       </p:sp>
       <p:pic>
         <p:nvPicPr>
-          <p:cNvPr id="38" name="Picture 37"/>
+          <p:cNvPr id="10" name="Picture 9"/>
           <p:cNvPicPr>
             <a:picLocks noChangeAspect="1"/>
           </p:cNvPicPr>
           <p:nvPr/>
         </p:nvPicPr>
         <p:blipFill>
-          <a:blip r:embed="rId7"/>
+          <a:blip r:embed="rId2"/>
           <a:stretch>
             <a:fillRect/>
           </a:stretch>
         </p:blipFill>
         <p:spPr>
           <a:xfrm>
-            <a:off x="7724930" y="3735097"/>
-            <a:ext cx="1633344" cy="1742234"/>
+            <a:off x="483782" y="4395987"/>
+            <a:ext cx="1346039" cy="2955433"/>
+          </a:xfrm>
+          <a:prstGeom prst="rect">
+            <a:avLst/>
+          </a:prstGeom>
+        </p:spPr>
+      </p:pic>
+      <p:pic>
+        <p:nvPicPr>
+          <p:cNvPr id="11" name="Picture 10"/>
+          <p:cNvPicPr>
+            <a:picLocks noChangeAspect="1"/>
+          </p:cNvPicPr>
+          <p:nvPr/>
+        </p:nvPicPr>
+        <p:blipFill>
+          <a:blip r:embed="rId3"/>
+          <a:stretch>
+            <a:fillRect/>
+          </a:stretch>
+        </p:blipFill>
+        <p:spPr>
+          <a:xfrm>
+            <a:off x="7186092" y="4395986"/>
+            <a:ext cx="1102773" cy="2955433"/>
+          </a:xfrm>
+          <a:prstGeom prst="rect">
+            <a:avLst/>
+          </a:prstGeom>
+        </p:spPr>
+      </p:pic>
+      <p:sp>
+        <p:nvSpPr>
+          <p:cNvPr id="14" name="Rectangle 13"/>
+          <p:cNvSpPr/>
+          <p:nvPr/>
+        </p:nvSpPr>
+        <p:spPr>
+          <a:xfrm rot="20640718" flipH="1">
+            <a:off x="1505405" y="4876412"/>
+            <a:ext cx="373789" cy="1246250"/>
+          </a:xfrm>
+          <a:prstGeom prst="rect">
+            <a:avLst/>
+          </a:prstGeom>
+          <a:solidFill>
+            <a:schemeClr val="accent2">
+              <a:lumMod val="50000"/>
+            </a:schemeClr>
+          </a:solidFill>
+          <a:ln>
+            <a:noFill/>
+          </a:ln>
+          <a:effectLst/>
+        </p:spPr>
+        <p:style>
+          <a:lnRef idx="1">
+            <a:schemeClr val="accent1"/>
+          </a:lnRef>
+          <a:fillRef idx="3">
+            <a:schemeClr val="accent1"/>
+          </a:fillRef>
+          <a:effectRef idx="2">
+            <a:schemeClr val="accent1"/>
+          </a:effectRef>
+          <a:fontRef idx="minor">
+            <a:schemeClr val="lt1"/>
+          </a:fontRef>
+        </p:style>
+        <p:txBody>
+          <a:bodyPr rtlCol="0" anchor="ctr"/>
+          <a:lstStyle/>
+          <a:p>
+            <a:pPr algn="ctr"/>
+            <a:endParaRPr lang="en-US"/>
+          </a:p>
+        </p:txBody>
+      </p:sp>
+      <p:sp>
+        <p:nvSpPr>
+          <p:cNvPr id="15" name="Rectangle 14"/>
+          <p:cNvSpPr/>
+          <p:nvPr/>
+        </p:nvSpPr>
+        <p:spPr>
+          <a:xfrm>
+            <a:off x="8039275" y="4778546"/>
+            <a:ext cx="407236" cy="2231854"/>
+          </a:xfrm>
+          <a:prstGeom prst="rect">
+            <a:avLst/>
+          </a:prstGeom>
+          <a:solidFill>
+            <a:schemeClr val="tx2">
+              <a:lumMod val="60000"/>
+              <a:lumOff val="40000"/>
+            </a:schemeClr>
+          </a:solidFill>
+          <a:ln>
+            <a:noFill/>
+          </a:ln>
+          <a:effectLst/>
+        </p:spPr>
+        <p:style>
+          <a:lnRef idx="1">
+            <a:schemeClr val="accent1"/>
+          </a:lnRef>
+          <a:fillRef idx="3">
+            <a:schemeClr val="accent1"/>
+          </a:fillRef>
+          <a:effectRef idx="2">
+            <a:schemeClr val="accent1"/>
+          </a:effectRef>
+          <a:fontRef idx="minor">
+            <a:schemeClr val="lt1"/>
+          </a:fontRef>
+        </p:style>
+        <p:txBody>
+          <a:bodyPr rtlCol="0" anchor="ctr"/>
+          <a:lstStyle/>
+          <a:p>
+            <a:pPr algn="ctr"/>
+            <a:endParaRPr lang="en-US"/>
+          </a:p>
+        </p:txBody>
+      </p:sp>
+      <p:sp>
+        <p:nvSpPr>
+          <p:cNvPr id="18" name="Rectangle 17"/>
+          <p:cNvSpPr/>
+          <p:nvPr/>
+        </p:nvSpPr>
+        <p:spPr>
+          <a:xfrm rot="894166" flipH="1">
+            <a:off x="456665" y="4845245"/>
+            <a:ext cx="385497" cy="1246250"/>
+          </a:xfrm>
+          <a:prstGeom prst="rect">
+            <a:avLst/>
+          </a:prstGeom>
+          <a:solidFill>
+            <a:schemeClr val="accent2">
+              <a:lumMod val="50000"/>
+            </a:schemeClr>
+          </a:solidFill>
+          <a:ln>
+            <a:noFill/>
+          </a:ln>
+          <a:effectLst/>
+        </p:spPr>
+        <p:style>
+          <a:lnRef idx="1">
+            <a:schemeClr val="accent1"/>
+          </a:lnRef>
+          <a:fillRef idx="3">
+            <a:schemeClr val="accent1"/>
+          </a:fillRef>
+          <a:effectRef idx="2">
+            <a:schemeClr val="accent1"/>
+          </a:effectRef>
+          <a:fontRef idx="minor">
+            <a:schemeClr val="lt1"/>
+          </a:fontRef>
+        </p:style>
+        <p:txBody>
+          <a:bodyPr rtlCol="0" anchor="ctr"/>
+          <a:lstStyle/>
+          <a:p>
+            <a:pPr algn="ctr"/>
+            <a:endParaRPr lang="en-US"/>
+          </a:p>
+        </p:txBody>
+      </p:sp>
+      <p:sp>
+        <p:nvSpPr>
+          <p:cNvPr id="20" name="Rectangle 19"/>
+          <p:cNvSpPr/>
+          <p:nvPr/>
+        </p:nvSpPr>
+        <p:spPr>
+          <a:xfrm>
+            <a:off x="7010400" y="4953000"/>
+            <a:ext cx="407236" cy="2231854"/>
+          </a:xfrm>
+          <a:prstGeom prst="rect">
+            <a:avLst/>
+          </a:prstGeom>
+          <a:solidFill>
+            <a:schemeClr val="tx2">
+              <a:lumMod val="60000"/>
+              <a:lumOff val="40000"/>
+            </a:schemeClr>
+          </a:solidFill>
+          <a:ln>
+            <a:noFill/>
+          </a:ln>
+          <a:effectLst/>
+        </p:spPr>
+        <p:style>
+          <a:lnRef idx="1">
+            <a:schemeClr val="accent1"/>
+          </a:lnRef>
+          <a:fillRef idx="3">
+            <a:schemeClr val="accent1"/>
+          </a:fillRef>
+          <a:effectRef idx="2">
+            <a:schemeClr val="accent1"/>
+          </a:effectRef>
+          <a:fontRef idx="minor">
+            <a:schemeClr val="lt1"/>
+          </a:fontRef>
+        </p:style>
+        <p:txBody>
+          <a:bodyPr rtlCol="0" anchor="ctr"/>
+          <a:lstStyle/>
+          <a:p>
+            <a:pPr algn="ctr"/>
+            <a:endParaRPr lang="en-US"/>
+          </a:p>
+        </p:txBody>
+      </p:sp>
+      <p:pic>
+        <p:nvPicPr>
+          <p:cNvPr id="21" name="Picture 20"/>
+          <p:cNvPicPr>
+            <a:picLocks noChangeAspect="1"/>
+          </p:cNvPicPr>
+          <p:nvPr/>
+        </p:nvPicPr>
+        <p:blipFill rotWithShape="1">
+          <a:blip r:embed="rId3"/>
+          <a:srcRect r="80429" b="41502"/>
+          <a:stretch/>
+        </p:blipFill>
+        <p:spPr>
+          <a:xfrm rot="10800000">
+            <a:off x="1406261" y="4109274"/>
+            <a:ext cx="215828" cy="1728866"/>
+          </a:xfrm>
+          <a:prstGeom prst="rect">
+            <a:avLst/>
+          </a:prstGeom>
+        </p:spPr>
+      </p:pic>
+      <p:pic>
+        <p:nvPicPr>
+          <p:cNvPr id="22" name="Picture 21"/>
+          <p:cNvPicPr>
+            <a:picLocks noChangeAspect="1"/>
+          </p:cNvPicPr>
+          <p:nvPr/>
+        </p:nvPicPr>
+        <p:blipFill rotWithShape="1">
+          <a:blip r:embed="rId3"/>
+          <a:srcRect r="80429" b="41502"/>
+          <a:stretch/>
+        </p:blipFill>
+        <p:spPr>
+          <a:xfrm rot="10800000" flipH="1">
+            <a:off x="705236" y="4109274"/>
+            <a:ext cx="215828" cy="1728866"/>
+          </a:xfrm>
+          <a:prstGeom prst="rect">
+            <a:avLst/>
+          </a:prstGeom>
+        </p:spPr>
+      </p:pic>
+      <p:sp>
+        <p:nvSpPr>
+          <p:cNvPr id="23" name="Rectangle 22"/>
+          <p:cNvSpPr/>
+          <p:nvPr/>
+        </p:nvSpPr>
+        <p:spPr>
+          <a:xfrm rot="5400000" flipH="1">
+            <a:off x="1048275" y="4742924"/>
+            <a:ext cx="241173" cy="661324"/>
+          </a:xfrm>
+          <a:prstGeom prst="rect">
+            <a:avLst/>
+          </a:prstGeom>
+          <a:solidFill>
+            <a:schemeClr val="bg1"/>
+          </a:solidFill>
+          <a:ln>
+            <a:noFill/>
+          </a:ln>
+          <a:effectLst/>
+        </p:spPr>
+        <p:style>
+          <a:lnRef idx="1">
+            <a:schemeClr val="accent1"/>
+          </a:lnRef>
+          <a:fillRef idx="3">
+            <a:schemeClr val="accent1"/>
+          </a:fillRef>
+          <a:effectRef idx="2">
+            <a:schemeClr val="accent1"/>
+          </a:effectRef>
+          <a:fontRef idx="minor">
+            <a:schemeClr val="lt1"/>
+          </a:fontRef>
+        </p:style>
+        <p:txBody>
+          <a:bodyPr rtlCol="0" anchor="ctr"/>
+          <a:lstStyle/>
+          <a:p>
+            <a:pPr algn="ctr"/>
+            <a:endParaRPr lang="en-US"/>
+          </a:p>
+        </p:txBody>
+      </p:sp>
+      <p:pic>
+        <p:nvPicPr>
+          <p:cNvPr id="24" name="Picture 23"/>
+          <p:cNvPicPr>
+            <a:picLocks noChangeAspect="1"/>
+          </p:cNvPicPr>
+          <p:nvPr/>
+        </p:nvPicPr>
+        <p:blipFill rotWithShape="1">
+          <a:blip r:embed="rId3"/>
+          <a:srcRect r="80429" b="41502"/>
+          <a:stretch/>
+        </p:blipFill>
+        <p:spPr>
+          <a:xfrm rot="10800000">
+            <a:off x="8021007" y="4109274"/>
+            <a:ext cx="215828" cy="1728866"/>
+          </a:xfrm>
+          <a:prstGeom prst="rect">
+            <a:avLst/>
+          </a:prstGeom>
+        </p:spPr>
+      </p:pic>
+      <p:pic>
+        <p:nvPicPr>
+          <p:cNvPr id="25" name="Picture 24"/>
+          <p:cNvPicPr>
+            <a:picLocks noChangeAspect="1"/>
+          </p:cNvPicPr>
+          <p:nvPr/>
+        </p:nvPicPr>
+        <p:blipFill rotWithShape="1">
+          <a:blip r:embed="rId3"/>
+          <a:srcRect r="80429" b="41502"/>
+          <a:stretch/>
+        </p:blipFill>
+        <p:spPr>
+          <a:xfrm rot="10800000" flipH="1">
+            <a:off x="7230336" y="4109274"/>
+            <a:ext cx="215828" cy="1728866"/>
           </a:xfrm>
           <a:prstGeom prst="rect">
             <a:avLst/>
@@ -5744,7 +5155,7 @@
     </p:spTree>
     <p:extLst>
       <p:ext uri="{BB962C8B-B14F-4D97-AF65-F5344CB8AC3E}">
-        <p14:creationId xmlns:p14="http://schemas.microsoft.com/office/powerpoint/2010/main" val="3723568807"/>
+        <p14:creationId xmlns:p14="http://schemas.microsoft.com/office/powerpoint/2010/main" val="350364131"/>
       </p:ext>
     </p:extLst>
   </p:cSld>
@@ -5773,26 +5184,26 @@
       </p:grpSpPr>
       <p:sp>
         <p:nvSpPr>
-          <p:cNvPr id="34" name="Rounded Rectangle 33"/>
+          <p:cNvPr id="33" name="Rounded Rectangle 32"/>
           <p:cNvSpPr/>
           <p:nvPr/>
         </p:nvSpPr>
         <p:spPr>
           <a:xfrm>
-            <a:off x="10361350" y="138060"/>
+            <a:off x="7034946" y="132869"/>
             <a:ext cx="3147510" cy="3147709"/>
           </a:xfrm>
           <a:prstGeom prst="roundRect">
             <a:avLst/>
           </a:prstGeom>
           <a:solidFill>
-            <a:schemeClr val="accent2">
+            <a:schemeClr val="accent5">
               <a:lumMod val="75000"/>
             </a:schemeClr>
           </a:solidFill>
           <a:ln>
             <a:solidFill>
-              <a:schemeClr val="accent2">
+              <a:schemeClr val="accent5">
                 <a:lumMod val="75000"/>
               </a:schemeClr>
             </a:solidFill>
@@ -5821,9 +5232,509 @@
           </a:p>
         </p:txBody>
       </p:sp>
+      <p:sp>
+        <p:nvSpPr>
+          <p:cNvPr id="4" name="Rounded Rectangle 3"/>
+          <p:cNvSpPr/>
+          <p:nvPr/>
+        </p:nvSpPr>
+        <p:spPr>
+          <a:xfrm>
+            <a:off x="124244" y="138060"/>
+            <a:ext cx="3147510" cy="3147709"/>
+          </a:xfrm>
+          <a:prstGeom prst="roundRect">
+            <a:avLst/>
+          </a:prstGeom>
+          <a:solidFill>
+            <a:schemeClr val="accent5">
+              <a:lumMod val="75000"/>
+            </a:schemeClr>
+          </a:solidFill>
+          <a:ln>
+            <a:solidFill>
+              <a:schemeClr val="accent5">
+                <a:lumMod val="75000"/>
+              </a:schemeClr>
+            </a:solidFill>
+          </a:ln>
+        </p:spPr>
+        <p:style>
+          <a:lnRef idx="1">
+            <a:schemeClr val="accent1"/>
+          </a:lnRef>
+          <a:fillRef idx="3">
+            <a:schemeClr val="accent1"/>
+          </a:fillRef>
+          <a:effectRef idx="2">
+            <a:schemeClr val="accent1"/>
+          </a:effectRef>
+          <a:fontRef idx="minor">
+            <a:schemeClr val="lt1"/>
+          </a:fontRef>
+        </p:style>
+        <p:txBody>
+          <a:bodyPr rtlCol="0" anchor="ctr"/>
+          <a:lstStyle/>
+          <a:p>
+            <a:pPr algn="ctr"/>
+            <a:endParaRPr lang="en-US"/>
+          </a:p>
+        </p:txBody>
+      </p:sp>
+      <p:sp>
+        <p:nvSpPr>
+          <p:cNvPr id="9" name="TextBox 8"/>
+          <p:cNvSpPr txBox="1"/>
+          <p:nvPr/>
+        </p:nvSpPr>
+        <p:spPr>
+          <a:xfrm>
+            <a:off x="627844" y="2080249"/>
+            <a:ext cx="2085082" cy="1200329"/>
+          </a:xfrm>
+          <a:prstGeom prst="rect">
+            <a:avLst/>
+          </a:prstGeom>
+          <a:noFill/>
+        </p:spPr>
+        <p:txBody>
+          <a:bodyPr wrap="square" rtlCol="0">
+            <a:spAutoFit/>
+          </a:bodyPr>
+          <a:lstStyle/>
+          <a:p>
+            <a:pPr algn="ctr"/>
+            <a:r>
+              <a:rPr lang="en-US" sz="7200" b="1" dirty="0" smtClean="0">
+                <a:solidFill>
+                  <a:schemeClr val="bg1"/>
+                </a:solidFill>
+              </a:rPr>
+              <a:t>0 - 5</a:t>
+            </a:r>
+            <a:endParaRPr lang="en-US" sz="7200" b="1" dirty="0">
+              <a:solidFill>
+                <a:schemeClr val="bg1"/>
+              </a:solidFill>
+            </a:endParaRPr>
+          </a:p>
+        </p:txBody>
+      </p:sp>
+      <p:sp>
+        <p:nvSpPr>
+          <p:cNvPr id="10" name="TextBox 9"/>
+          <p:cNvSpPr txBox="1"/>
+          <p:nvPr/>
+        </p:nvSpPr>
+        <p:spPr>
+          <a:xfrm>
+            <a:off x="3955364" y="2521259"/>
+            <a:ext cx="2085082" cy="523220"/>
+          </a:xfrm>
+          <a:prstGeom prst="rect">
+            <a:avLst/>
+          </a:prstGeom>
+          <a:noFill/>
+        </p:spPr>
+        <p:txBody>
+          <a:bodyPr wrap="square" rtlCol="0">
+            <a:spAutoFit/>
+          </a:bodyPr>
+          <a:lstStyle/>
+          <a:p>
+            <a:pPr algn="ctr"/>
+            <a:r>
+              <a:rPr lang="en-US" sz="2800" dirty="0">
+                <a:solidFill>
+                  <a:schemeClr val="bg1"/>
+                </a:solidFill>
+              </a:rPr>
+              <a:t>6</a:t>
+            </a:r>
+            <a:r>
+              <a:rPr lang="en-US" sz="2800" dirty="0" smtClean="0">
+                <a:solidFill>
+                  <a:schemeClr val="bg1"/>
+                </a:solidFill>
+              </a:rPr>
+              <a:t> - 13</a:t>
+            </a:r>
+            <a:endParaRPr lang="en-US" sz="2800" dirty="0">
+              <a:solidFill>
+                <a:schemeClr val="bg1"/>
+              </a:solidFill>
+            </a:endParaRPr>
+          </a:p>
+        </p:txBody>
+      </p:sp>
+      <p:sp>
+        <p:nvSpPr>
+          <p:cNvPr id="13" name="Rounded Rectangle 12"/>
+          <p:cNvSpPr/>
+          <p:nvPr/>
+        </p:nvSpPr>
+        <p:spPr>
+          <a:xfrm>
+            <a:off x="96088" y="3569429"/>
+            <a:ext cx="3147510" cy="3147709"/>
+          </a:xfrm>
+          <a:prstGeom prst="roundRect">
+            <a:avLst/>
+          </a:prstGeom>
+          <a:solidFill>
+            <a:schemeClr val="accent5">
+              <a:lumMod val="75000"/>
+            </a:schemeClr>
+          </a:solidFill>
+          <a:ln>
+            <a:solidFill>
+              <a:schemeClr val="accent5">
+                <a:lumMod val="75000"/>
+              </a:schemeClr>
+            </a:solidFill>
+          </a:ln>
+        </p:spPr>
+        <p:style>
+          <a:lnRef idx="1">
+            <a:schemeClr val="accent1"/>
+          </a:lnRef>
+          <a:fillRef idx="3">
+            <a:schemeClr val="accent1"/>
+          </a:fillRef>
+          <a:effectRef idx="2">
+            <a:schemeClr val="accent1"/>
+          </a:effectRef>
+          <a:fontRef idx="minor">
+            <a:schemeClr val="lt1"/>
+          </a:fontRef>
+        </p:style>
+        <p:txBody>
+          <a:bodyPr rtlCol="0" anchor="ctr"/>
+          <a:lstStyle/>
+          <a:p>
+            <a:pPr algn="ctr"/>
+            <a:endParaRPr lang="en-US"/>
+          </a:p>
+        </p:txBody>
+      </p:sp>
+      <p:sp>
+        <p:nvSpPr>
+          <p:cNvPr id="20" name="Rounded Rectangle 19"/>
+          <p:cNvSpPr/>
+          <p:nvPr/>
+        </p:nvSpPr>
+        <p:spPr>
+          <a:xfrm>
+            <a:off x="3576008" y="138060"/>
+            <a:ext cx="3147510" cy="3147709"/>
+          </a:xfrm>
+          <a:prstGeom prst="roundRect">
+            <a:avLst/>
+          </a:prstGeom>
+          <a:solidFill>
+            <a:schemeClr val="accent5">
+              <a:lumMod val="75000"/>
+            </a:schemeClr>
+          </a:solidFill>
+          <a:ln>
+            <a:solidFill>
+              <a:schemeClr val="accent5">
+                <a:lumMod val="75000"/>
+              </a:schemeClr>
+            </a:solidFill>
+          </a:ln>
+        </p:spPr>
+        <p:style>
+          <a:lnRef idx="1">
+            <a:schemeClr val="accent1"/>
+          </a:lnRef>
+          <a:fillRef idx="3">
+            <a:schemeClr val="accent1"/>
+          </a:fillRef>
+          <a:effectRef idx="2">
+            <a:schemeClr val="accent1"/>
+          </a:effectRef>
+          <a:fontRef idx="minor">
+            <a:schemeClr val="lt1"/>
+          </a:fontRef>
+        </p:style>
+        <p:txBody>
+          <a:bodyPr rtlCol="0" anchor="ctr"/>
+          <a:lstStyle/>
+          <a:p>
+            <a:pPr algn="ctr"/>
+            <a:endParaRPr lang="en-US"/>
+          </a:p>
+        </p:txBody>
+      </p:sp>
+      <p:sp>
+        <p:nvSpPr>
+          <p:cNvPr id="22" name="TextBox 21"/>
+          <p:cNvSpPr txBox="1"/>
+          <p:nvPr/>
+        </p:nvSpPr>
+        <p:spPr>
+          <a:xfrm>
+            <a:off x="3547852" y="2080249"/>
+            <a:ext cx="3175666" cy="1200329"/>
+          </a:xfrm>
+          <a:prstGeom prst="rect">
+            <a:avLst/>
+          </a:prstGeom>
+          <a:noFill/>
+        </p:spPr>
+        <p:txBody>
+          <a:bodyPr wrap="square" rtlCol="0">
+            <a:spAutoFit/>
+          </a:bodyPr>
+          <a:lstStyle/>
+          <a:p>
+            <a:pPr algn="ctr"/>
+            <a:r>
+              <a:rPr lang="en-US" sz="7200" b="1" dirty="0">
+                <a:solidFill>
+                  <a:schemeClr val="bg1"/>
+                </a:solidFill>
+              </a:rPr>
+              <a:t>6</a:t>
+            </a:r>
+            <a:r>
+              <a:rPr lang="en-US" sz="7200" b="1" dirty="0" smtClean="0">
+                <a:solidFill>
+                  <a:schemeClr val="bg1"/>
+                </a:solidFill>
+              </a:rPr>
+              <a:t> - 13</a:t>
+            </a:r>
+            <a:endParaRPr lang="en-US" sz="7200" b="1" dirty="0">
+              <a:solidFill>
+                <a:schemeClr val="bg1"/>
+              </a:solidFill>
+            </a:endParaRPr>
+          </a:p>
+        </p:txBody>
+      </p:sp>
+      <p:sp>
+        <p:nvSpPr>
+          <p:cNvPr id="19" name="Rounded Rectangle 18"/>
+          <p:cNvSpPr/>
+          <p:nvPr/>
+        </p:nvSpPr>
+        <p:spPr>
+          <a:xfrm>
+            <a:off x="3544804" y="3569429"/>
+            <a:ext cx="3147510" cy="3147709"/>
+          </a:xfrm>
+          <a:prstGeom prst="roundRect">
+            <a:avLst/>
+          </a:prstGeom>
+          <a:solidFill>
+            <a:schemeClr val="accent5">
+              <a:lumMod val="75000"/>
+            </a:schemeClr>
+          </a:solidFill>
+          <a:ln>
+            <a:solidFill>
+              <a:schemeClr val="accent5">
+                <a:lumMod val="75000"/>
+              </a:schemeClr>
+            </a:solidFill>
+          </a:ln>
+        </p:spPr>
+        <p:style>
+          <a:lnRef idx="1">
+            <a:schemeClr val="accent1"/>
+          </a:lnRef>
+          <a:fillRef idx="3">
+            <a:schemeClr val="accent1"/>
+          </a:fillRef>
+          <a:effectRef idx="2">
+            <a:schemeClr val="accent1"/>
+          </a:effectRef>
+          <a:fontRef idx="minor">
+            <a:schemeClr val="lt1"/>
+          </a:fontRef>
+        </p:style>
+        <p:txBody>
+          <a:bodyPr rtlCol="0" anchor="ctr"/>
+          <a:lstStyle/>
+          <a:p>
+            <a:pPr algn="ctr"/>
+            <a:endParaRPr lang="en-US"/>
+          </a:p>
+        </p:txBody>
+      </p:sp>
+      <p:sp>
+        <p:nvSpPr>
+          <p:cNvPr id="24" name="TextBox 23"/>
+          <p:cNvSpPr txBox="1"/>
+          <p:nvPr/>
+        </p:nvSpPr>
+        <p:spPr>
+          <a:xfrm>
+            <a:off x="3544804" y="5511618"/>
+            <a:ext cx="3147510" cy="1200329"/>
+          </a:xfrm>
+          <a:prstGeom prst="rect">
+            <a:avLst/>
+          </a:prstGeom>
+          <a:noFill/>
+        </p:spPr>
+        <p:txBody>
+          <a:bodyPr wrap="square" rtlCol="0">
+            <a:spAutoFit/>
+          </a:bodyPr>
+          <a:lstStyle/>
+          <a:p>
+            <a:pPr algn="ctr"/>
+            <a:r>
+              <a:rPr lang="en-US" sz="7200" b="1" dirty="0" smtClean="0">
+                <a:solidFill>
+                  <a:schemeClr val="bg1"/>
+                </a:solidFill>
+              </a:rPr>
+              <a:t>30 - 59</a:t>
+            </a:r>
+            <a:endParaRPr lang="en-US" sz="7200" b="1" dirty="0">
+              <a:solidFill>
+                <a:schemeClr val="bg1"/>
+              </a:solidFill>
+            </a:endParaRPr>
+          </a:p>
+        </p:txBody>
+      </p:sp>
+      <p:sp>
+        <p:nvSpPr>
+          <p:cNvPr id="26" name="TextBox 25"/>
+          <p:cNvSpPr txBox="1"/>
+          <p:nvPr/>
+        </p:nvSpPr>
+        <p:spPr>
+          <a:xfrm>
+            <a:off x="96088" y="5521383"/>
+            <a:ext cx="3175666" cy="1200329"/>
+          </a:xfrm>
+          <a:prstGeom prst="rect">
+            <a:avLst/>
+          </a:prstGeom>
+          <a:noFill/>
+        </p:spPr>
+        <p:txBody>
+          <a:bodyPr wrap="square" rtlCol="0">
+            <a:spAutoFit/>
+          </a:bodyPr>
+          <a:lstStyle/>
+          <a:p>
+            <a:pPr algn="ctr"/>
+            <a:r>
+              <a:rPr lang="en-US" sz="7200" b="1" dirty="0" smtClean="0">
+                <a:solidFill>
+                  <a:schemeClr val="bg1"/>
+                </a:solidFill>
+              </a:rPr>
+              <a:t>21 - 29</a:t>
+            </a:r>
+            <a:endParaRPr lang="en-US" sz="7200" b="1" dirty="0">
+              <a:solidFill>
+                <a:schemeClr val="bg1"/>
+              </a:solidFill>
+            </a:endParaRPr>
+          </a:p>
+        </p:txBody>
+      </p:sp>
+      <p:sp>
+        <p:nvSpPr>
+          <p:cNvPr id="27" name="Rounded Rectangle 26"/>
+          <p:cNvSpPr/>
+          <p:nvPr/>
+        </p:nvSpPr>
+        <p:spPr>
+          <a:xfrm>
+            <a:off x="7000161" y="3564238"/>
+            <a:ext cx="3147510" cy="3147709"/>
+          </a:xfrm>
+          <a:prstGeom prst="roundRect">
+            <a:avLst/>
+          </a:prstGeom>
+          <a:solidFill>
+            <a:schemeClr val="accent5">
+              <a:lumMod val="75000"/>
+            </a:schemeClr>
+          </a:solidFill>
+          <a:ln>
+            <a:solidFill>
+              <a:schemeClr val="accent5">
+                <a:lumMod val="75000"/>
+              </a:schemeClr>
+            </a:solidFill>
+          </a:ln>
+        </p:spPr>
+        <p:style>
+          <a:lnRef idx="1">
+            <a:schemeClr val="accent1"/>
+          </a:lnRef>
+          <a:fillRef idx="3">
+            <a:schemeClr val="accent1"/>
+          </a:fillRef>
+          <a:effectRef idx="2">
+            <a:schemeClr val="accent1"/>
+          </a:effectRef>
+          <a:fontRef idx="minor">
+            <a:schemeClr val="lt1"/>
+          </a:fontRef>
+        </p:style>
+        <p:txBody>
+          <a:bodyPr rtlCol="0" anchor="ctr"/>
+          <a:lstStyle/>
+          <a:p>
+            <a:pPr algn="ctr"/>
+            <a:endParaRPr lang="en-US"/>
+          </a:p>
+        </p:txBody>
+      </p:sp>
+      <p:sp>
+        <p:nvSpPr>
+          <p:cNvPr id="28" name="TextBox 27"/>
+          <p:cNvSpPr txBox="1"/>
+          <p:nvPr/>
+        </p:nvSpPr>
+        <p:spPr>
+          <a:xfrm>
+            <a:off x="7579106" y="5506427"/>
+            <a:ext cx="2358113" cy="1200329"/>
+          </a:xfrm>
+          <a:prstGeom prst="rect">
+            <a:avLst/>
+          </a:prstGeom>
+          <a:noFill/>
+        </p:spPr>
+        <p:txBody>
+          <a:bodyPr wrap="square" rtlCol="0">
+            <a:spAutoFit/>
+          </a:bodyPr>
+          <a:lstStyle/>
+          <a:p>
+            <a:pPr algn="ctr"/>
+            <a:r>
+              <a:rPr lang="en-US" sz="7200" b="1" dirty="0" smtClean="0">
+                <a:solidFill>
+                  <a:schemeClr val="bg1"/>
+                </a:solidFill>
+              </a:rPr>
+              <a:t>60+</a:t>
+            </a:r>
+            <a:endParaRPr lang="en-US" sz="7200" b="1" dirty="0">
+              <a:solidFill>
+                <a:schemeClr val="bg1"/>
+              </a:solidFill>
+            </a:endParaRPr>
+          </a:p>
+        </p:txBody>
+      </p:sp>
       <p:pic>
         <p:nvPicPr>
-          <p:cNvPr id="40" name="Picture 39"/>
+          <p:cNvPr id="3" name="Picture 2"/>
           <p:cNvPicPr>
             <a:picLocks noChangeAspect="1"/>
           </p:cNvPicPr>
@@ -5837,8 +5748,8 @@
         </p:blipFill>
         <p:spPr>
           <a:xfrm>
-            <a:off x="10700227" y="352276"/>
-            <a:ext cx="2048633" cy="2234069"/>
+            <a:off x="7824742" y="324733"/>
+            <a:ext cx="1674642" cy="1786285"/>
           </a:xfrm>
           <a:prstGeom prst="rect">
             <a:avLst/>
@@ -5847,7 +5758,7 @@
       </p:pic>
       <p:pic>
         <p:nvPicPr>
-          <p:cNvPr id="41" name="Picture 40"/>
+          <p:cNvPr id="5" name="Picture 4"/>
           <p:cNvPicPr>
             <a:picLocks noChangeAspect="1"/>
           </p:cNvPicPr>
@@ -5861,332 +5772,8 @@
         </p:blipFill>
         <p:spPr>
           <a:xfrm>
-            <a:off x="10837328" y="457402"/>
-            <a:ext cx="2007895" cy="2189644"/>
-          </a:xfrm>
-          <a:prstGeom prst="rect">
-            <a:avLst/>
-          </a:prstGeom>
-        </p:spPr>
-      </p:pic>
-      <p:sp>
-        <p:nvSpPr>
-          <p:cNvPr id="4" name="Rounded Rectangle 3"/>
-          <p:cNvSpPr/>
-          <p:nvPr/>
-        </p:nvSpPr>
-        <p:spPr>
-          <a:xfrm>
-            <a:off x="124244" y="138060"/>
-            <a:ext cx="3147510" cy="3147709"/>
-          </a:xfrm>
-          <a:prstGeom prst="roundRect">
-            <a:avLst/>
-          </a:prstGeom>
-          <a:solidFill>
-            <a:schemeClr val="accent2">
-              <a:lumMod val="75000"/>
-            </a:schemeClr>
-          </a:solidFill>
-          <a:ln>
-            <a:solidFill>
-              <a:schemeClr val="accent2">
-                <a:lumMod val="75000"/>
-              </a:schemeClr>
-            </a:solidFill>
-          </a:ln>
-        </p:spPr>
-        <p:style>
-          <a:lnRef idx="1">
-            <a:schemeClr val="accent1"/>
-          </a:lnRef>
-          <a:fillRef idx="3">
-            <a:schemeClr val="accent1"/>
-          </a:fillRef>
-          <a:effectRef idx="2">
-            <a:schemeClr val="accent1"/>
-          </a:effectRef>
-          <a:fontRef idx="minor">
-            <a:schemeClr val="lt1"/>
-          </a:fontRef>
-        </p:style>
-        <p:txBody>
-          <a:bodyPr rtlCol="0" anchor="ctr"/>
-          <a:lstStyle/>
-          <a:p>
-            <a:pPr algn="ctr"/>
-            <a:endParaRPr lang="en-US"/>
-          </a:p>
-        </p:txBody>
-      </p:sp>
-      <p:sp>
-        <p:nvSpPr>
-          <p:cNvPr id="6" name="Rounded Rectangle 5"/>
-          <p:cNvSpPr/>
-          <p:nvPr/>
-        </p:nvSpPr>
-        <p:spPr>
-          <a:xfrm>
-            <a:off x="124244" y="3603837"/>
-            <a:ext cx="3147510" cy="3147709"/>
-          </a:xfrm>
-          <a:prstGeom prst="roundRect">
-            <a:avLst/>
-          </a:prstGeom>
-          <a:solidFill>
-            <a:schemeClr val="accent2">
-              <a:lumMod val="75000"/>
-            </a:schemeClr>
-          </a:solidFill>
-          <a:ln>
-            <a:solidFill>
-              <a:schemeClr val="accent2">
-                <a:lumMod val="75000"/>
-              </a:schemeClr>
-            </a:solidFill>
-          </a:ln>
-        </p:spPr>
-        <p:style>
-          <a:lnRef idx="1">
-            <a:schemeClr val="accent1"/>
-          </a:lnRef>
-          <a:fillRef idx="3">
-            <a:schemeClr val="accent1"/>
-          </a:fillRef>
-          <a:effectRef idx="2">
-            <a:schemeClr val="accent1"/>
-          </a:effectRef>
-          <a:fontRef idx="minor">
-            <a:schemeClr val="lt1"/>
-          </a:fontRef>
-        </p:style>
-        <p:txBody>
-          <a:bodyPr rtlCol="0" anchor="ctr"/>
-          <a:lstStyle/>
-          <a:p>
-            <a:pPr algn="ctr"/>
-            <a:endParaRPr lang="en-US"/>
-          </a:p>
-        </p:txBody>
-      </p:sp>
-      <p:sp>
-        <p:nvSpPr>
-          <p:cNvPr id="7" name="Rounded Rectangle 6"/>
-          <p:cNvSpPr/>
-          <p:nvPr/>
-        </p:nvSpPr>
-        <p:spPr>
-          <a:xfrm>
-            <a:off x="3576008" y="3603837"/>
-            <a:ext cx="3147510" cy="3147709"/>
-          </a:xfrm>
-          <a:prstGeom prst="roundRect">
-            <a:avLst/>
-          </a:prstGeom>
-          <a:solidFill>
-            <a:schemeClr val="accent2">
-              <a:lumMod val="75000"/>
-            </a:schemeClr>
-          </a:solidFill>
-          <a:ln>
-            <a:solidFill>
-              <a:schemeClr val="accent2">
-                <a:lumMod val="75000"/>
-              </a:schemeClr>
-            </a:solidFill>
-          </a:ln>
-        </p:spPr>
-        <p:style>
-          <a:lnRef idx="1">
-            <a:schemeClr val="accent1"/>
-          </a:lnRef>
-          <a:fillRef idx="3">
-            <a:schemeClr val="accent1"/>
-          </a:fillRef>
-          <a:effectRef idx="2">
-            <a:schemeClr val="accent1"/>
-          </a:effectRef>
-          <a:fontRef idx="minor">
-            <a:schemeClr val="lt1"/>
-          </a:fontRef>
-        </p:style>
-        <p:txBody>
-          <a:bodyPr rtlCol="0" anchor="ctr"/>
-          <a:lstStyle/>
-          <a:p>
-            <a:pPr algn="ctr"/>
-            <a:endParaRPr lang="en-US"/>
-          </a:p>
-        </p:txBody>
-      </p:sp>
-      <p:sp>
-        <p:nvSpPr>
-          <p:cNvPr id="13" name="Rounded Rectangle 12"/>
-          <p:cNvSpPr/>
-          <p:nvPr/>
-        </p:nvSpPr>
-        <p:spPr>
-          <a:xfrm>
-            <a:off x="7000161" y="138060"/>
-            <a:ext cx="3147510" cy="3147709"/>
-          </a:xfrm>
-          <a:prstGeom prst="roundRect">
-            <a:avLst/>
-          </a:prstGeom>
-          <a:solidFill>
-            <a:schemeClr val="accent2">
-              <a:lumMod val="75000"/>
-            </a:schemeClr>
-          </a:solidFill>
-          <a:ln>
-            <a:solidFill>
-              <a:schemeClr val="accent2">
-                <a:lumMod val="75000"/>
-              </a:schemeClr>
-            </a:solidFill>
-          </a:ln>
-        </p:spPr>
-        <p:style>
-          <a:lnRef idx="1">
-            <a:schemeClr val="accent1"/>
-          </a:lnRef>
-          <a:fillRef idx="3">
-            <a:schemeClr val="accent1"/>
-          </a:fillRef>
-          <a:effectRef idx="2">
-            <a:schemeClr val="accent1"/>
-          </a:effectRef>
-          <a:fontRef idx="minor">
-            <a:schemeClr val="lt1"/>
-          </a:fontRef>
-        </p:style>
-        <p:txBody>
-          <a:bodyPr rtlCol="0" anchor="ctr"/>
-          <a:lstStyle/>
-          <a:p>
-            <a:pPr algn="ctr"/>
-            <a:endParaRPr lang="en-US"/>
-          </a:p>
-        </p:txBody>
-      </p:sp>
-      <p:sp>
-        <p:nvSpPr>
-          <p:cNvPr id="15" name="Rounded Rectangle 14"/>
-          <p:cNvSpPr/>
-          <p:nvPr/>
-        </p:nvSpPr>
-        <p:spPr>
-          <a:xfrm>
-            <a:off x="7036035" y="3603837"/>
-            <a:ext cx="3147510" cy="3147709"/>
-          </a:xfrm>
-          <a:prstGeom prst="roundRect">
-            <a:avLst/>
-          </a:prstGeom>
-          <a:solidFill>
-            <a:schemeClr val="accent2">
-              <a:lumMod val="75000"/>
-            </a:schemeClr>
-          </a:solidFill>
-          <a:ln>
-            <a:solidFill>
-              <a:schemeClr val="accent2">
-                <a:lumMod val="75000"/>
-              </a:schemeClr>
-            </a:solidFill>
-          </a:ln>
-        </p:spPr>
-        <p:style>
-          <a:lnRef idx="1">
-            <a:schemeClr val="accent1"/>
-          </a:lnRef>
-          <a:fillRef idx="3">
-            <a:schemeClr val="accent1"/>
-          </a:fillRef>
-          <a:effectRef idx="2">
-            <a:schemeClr val="accent1"/>
-          </a:effectRef>
-          <a:fontRef idx="minor">
-            <a:schemeClr val="lt1"/>
-          </a:fontRef>
-        </p:style>
-        <p:txBody>
-          <a:bodyPr rtlCol="0" anchor="ctr"/>
-          <a:lstStyle/>
-          <a:p>
-            <a:pPr algn="ctr"/>
-            <a:endParaRPr lang="en-US"/>
-          </a:p>
-        </p:txBody>
-      </p:sp>
-      <p:sp>
-        <p:nvSpPr>
-          <p:cNvPr id="20" name="Rounded Rectangle 19"/>
-          <p:cNvSpPr/>
-          <p:nvPr/>
-        </p:nvSpPr>
-        <p:spPr>
-          <a:xfrm>
-            <a:off x="3576008" y="138060"/>
-            <a:ext cx="3147510" cy="3147709"/>
-          </a:xfrm>
-          <a:prstGeom prst="roundRect">
-            <a:avLst/>
-          </a:prstGeom>
-          <a:solidFill>
-            <a:schemeClr val="accent2">
-              <a:lumMod val="75000"/>
-            </a:schemeClr>
-          </a:solidFill>
-          <a:ln>
-            <a:solidFill>
-              <a:schemeClr val="accent2">
-                <a:lumMod val="75000"/>
-              </a:schemeClr>
-            </a:solidFill>
-          </a:ln>
-        </p:spPr>
-        <p:style>
-          <a:lnRef idx="1">
-            <a:schemeClr val="accent1"/>
-          </a:lnRef>
-          <a:fillRef idx="3">
-            <a:schemeClr val="accent1"/>
-          </a:fillRef>
-          <a:effectRef idx="2">
-            <a:schemeClr val="accent1"/>
-          </a:effectRef>
-          <a:fontRef idx="minor">
-            <a:schemeClr val="lt1"/>
-          </a:fontRef>
-        </p:style>
-        <p:txBody>
-          <a:bodyPr rtlCol="0" anchor="ctr"/>
-          <a:lstStyle/>
-          <a:p>
-            <a:pPr algn="ctr"/>
-            <a:endParaRPr lang="en-US"/>
-          </a:p>
-        </p:txBody>
-      </p:sp>
-      <p:pic>
-        <p:nvPicPr>
-          <p:cNvPr id="2" name="Picture 1"/>
-          <p:cNvPicPr>
-            <a:picLocks noChangeAspect="1"/>
-          </p:cNvPicPr>
-          <p:nvPr/>
-        </p:nvPicPr>
-        <p:blipFill>
-          <a:blip r:embed="rId2"/>
-          <a:stretch>
-            <a:fillRect/>
-          </a:stretch>
-        </p:blipFill>
-        <p:spPr>
-          <a:xfrm>
-            <a:off x="7575145" y="525919"/>
-            <a:ext cx="2048633" cy="2234069"/>
+            <a:off x="7724930" y="3735097"/>
+            <a:ext cx="1633344" cy="1742234"/>
           </a:xfrm>
           <a:prstGeom prst="rect">
             <a:avLst/>
@@ -6195,7 +5782,7 @@
       </p:pic>
       <p:pic>
         <p:nvPicPr>
-          <p:cNvPr id="3" name="Picture 2"/>
+          <p:cNvPr id="17" name="Picture 16"/>
           <p:cNvPicPr>
             <a:picLocks noChangeAspect="1"/>
           </p:cNvPicPr>
@@ -6209,8 +5796,8 @@
         </p:blipFill>
         <p:spPr>
           <a:xfrm>
-            <a:off x="3969693" y="931339"/>
-            <a:ext cx="2386066" cy="1631100"/>
+            <a:off x="990600" y="304800"/>
+            <a:ext cx="1365029" cy="1942189"/>
           </a:xfrm>
           <a:prstGeom prst="rect">
             <a:avLst/>
@@ -6219,306 +5806,36 @@
       </p:pic>
       <p:sp>
         <p:nvSpPr>
-          <p:cNvPr id="25" name="Rectangle 24"/>
-          <p:cNvSpPr/>
-          <p:nvPr/>
-        </p:nvSpPr>
-        <p:spPr>
-          <a:xfrm>
-            <a:off x="718494" y="1354670"/>
-            <a:ext cx="2079114" cy="1038432"/>
-          </a:xfrm>
-          <a:prstGeom prst="rect">
-            <a:avLst/>
-          </a:prstGeom>
-          <a:solidFill>
-            <a:schemeClr val="bg1"/>
-          </a:solidFill>
-          <a:ln>
-            <a:noFill/>
-          </a:ln>
-        </p:spPr>
-        <p:style>
-          <a:lnRef idx="1">
-            <a:schemeClr val="accent1"/>
-          </a:lnRef>
-          <a:fillRef idx="3">
-            <a:schemeClr val="accent1"/>
-          </a:fillRef>
-          <a:effectRef idx="2">
-            <a:schemeClr val="accent1"/>
-          </a:effectRef>
-          <a:fontRef idx="minor">
-            <a:schemeClr val="lt1"/>
-          </a:fontRef>
-        </p:style>
-        <p:txBody>
-          <a:bodyPr tIns="0" bIns="0" rtlCol="0" anchor="ctr"/>
-          <a:lstStyle/>
-          <a:p>
-            <a:pPr algn="ctr"/>
-            <a:endParaRPr lang="en-US" sz="7200" b="1" dirty="0">
-              <a:solidFill>
-                <a:schemeClr val="accent2">
-                  <a:lumMod val="75000"/>
-                </a:schemeClr>
-              </a:solidFill>
-            </a:endParaRPr>
-          </a:p>
-        </p:txBody>
-      </p:sp>
-      <p:sp>
-        <p:nvSpPr>
-          <p:cNvPr id="26" name="Rectangle 25"/>
-          <p:cNvSpPr/>
-          <p:nvPr/>
-        </p:nvSpPr>
-        <p:spPr>
-          <a:xfrm>
-            <a:off x="1472003" y="1349026"/>
-            <a:ext cx="574647" cy="1015663"/>
-          </a:xfrm>
-          <a:prstGeom prst="rect">
-            <a:avLst/>
-          </a:prstGeom>
-        </p:spPr>
-        <p:txBody>
-          <a:bodyPr wrap="none">
+          <p:cNvPr id="34" name="TextBox 33"/>
+          <p:cNvSpPr txBox="1"/>
+          <p:nvPr/>
+        </p:nvSpPr>
+        <p:spPr>
+          <a:xfrm>
+            <a:off x="7034946" y="2080249"/>
+            <a:ext cx="3175666" cy="1200329"/>
+          </a:xfrm>
+          <a:prstGeom prst="rect">
+            <a:avLst/>
+          </a:prstGeom>
+          <a:noFill/>
+        </p:spPr>
+        <p:txBody>
+          <a:bodyPr wrap="square" rtlCol="0">
             <a:spAutoFit/>
           </a:bodyPr>
           <a:lstStyle/>
           <a:p>
             <a:pPr algn="ctr"/>
             <a:r>
-              <a:rPr lang="en-US" sz="6000" b="1" dirty="0">
-                <a:solidFill>
-                  <a:schemeClr val="accent2">
-                    <a:lumMod val="75000"/>
-                  </a:schemeClr>
-                </a:solidFill>
-              </a:rPr>
-              <a:t>$</a:t>
-            </a:r>
-          </a:p>
-        </p:txBody>
-      </p:sp>
-      <p:sp>
-        <p:nvSpPr>
-          <p:cNvPr id="27" name="Rectangle 26"/>
-          <p:cNvSpPr/>
-          <p:nvPr/>
-        </p:nvSpPr>
-        <p:spPr>
-          <a:xfrm>
-            <a:off x="4419600" y="1524000"/>
-            <a:ext cx="1524000" cy="792902"/>
-          </a:xfrm>
-          <a:prstGeom prst="rect">
-            <a:avLst/>
-          </a:prstGeom>
-          <a:solidFill>
-            <a:schemeClr val="bg1"/>
-          </a:solidFill>
-          <a:ln>
-            <a:noFill/>
-          </a:ln>
-          <a:effectLst/>
-        </p:spPr>
-        <p:style>
-          <a:lnRef idx="1">
-            <a:schemeClr val="accent1"/>
-          </a:lnRef>
-          <a:fillRef idx="3">
-            <a:schemeClr val="accent1"/>
-          </a:fillRef>
-          <a:effectRef idx="2">
-            <a:schemeClr val="accent1"/>
-          </a:effectRef>
-          <a:fontRef idx="minor">
-            <a:schemeClr val="lt1"/>
-          </a:fontRef>
-        </p:style>
-        <p:txBody>
-          <a:bodyPr tIns="0" bIns="0" rtlCol="0" anchor="ctr"/>
-          <a:lstStyle/>
-          <a:p>
-            <a:pPr algn="ctr"/>
-            <a:endParaRPr lang="en-US" sz="7200" b="1" dirty="0">
-              <a:solidFill>
-                <a:schemeClr val="accent2">
-                  <a:lumMod val="75000"/>
-                </a:schemeClr>
-              </a:solidFill>
-            </a:endParaRPr>
-          </a:p>
-        </p:txBody>
-      </p:sp>
-      <p:sp>
-        <p:nvSpPr>
-          <p:cNvPr id="28" name="Rectangle 27"/>
-          <p:cNvSpPr/>
-          <p:nvPr/>
-        </p:nvSpPr>
-        <p:spPr>
-          <a:xfrm>
-            <a:off x="4588752" y="1377439"/>
-            <a:ext cx="1202449" cy="1015663"/>
-          </a:xfrm>
-          <a:prstGeom prst="rect">
-            <a:avLst/>
-          </a:prstGeom>
-        </p:spPr>
-        <p:txBody>
-          <a:bodyPr wrap="square">
-            <a:spAutoFit/>
-          </a:bodyPr>
-          <a:lstStyle/>
-          <a:p>
-            <a:pPr algn="ctr"/>
-            <a:r>
-              <a:rPr lang="en-US" sz="6000" b="1" dirty="0" smtClean="0">
-                <a:solidFill>
-                  <a:schemeClr val="accent2">
-                    <a:lumMod val="75000"/>
-                  </a:schemeClr>
-                </a:solidFill>
-              </a:rPr>
-              <a:t>$$</a:t>
-            </a:r>
-            <a:endParaRPr lang="en-US" sz="6000" b="1" dirty="0">
-              <a:solidFill>
-                <a:schemeClr val="accent2">
-                  <a:lumMod val="75000"/>
-                </a:schemeClr>
-              </a:solidFill>
-            </a:endParaRPr>
-          </a:p>
-        </p:txBody>
-      </p:sp>
-      <p:sp>
-        <p:nvSpPr>
-          <p:cNvPr id="29" name="Rectangle 28"/>
-          <p:cNvSpPr/>
-          <p:nvPr/>
-        </p:nvSpPr>
-        <p:spPr>
-          <a:xfrm>
-            <a:off x="7941551" y="1529839"/>
-            <a:ext cx="1354848" cy="939463"/>
-          </a:xfrm>
-          <a:prstGeom prst="rect">
-            <a:avLst/>
-          </a:prstGeom>
-          <a:solidFill>
-            <a:schemeClr val="bg1"/>
-          </a:solidFill>
-          <a:ln>
-            <a:noFill/>
-          </a:ln>
-          <a:effectLst/>
-        </p:spPr>
-        <p:style>
-          <a:lnRef idx="1">
-            <a:schemeClr val="accent1"/>
-          </a:lnRef>
-          <a:fillRef idx="3">
-            <a:schemeClr val="accent1"/>
-          </a:fillRef>
-          <a:effectRef idx="2">
-            <a:schemeClr val="accent1"/>
-          </a:effectRef>
-          <a:fontRef idx="minor">
-            <a:schemeClr val="lt1"/>
-          </a:fontRef>
-        </p:style>
-        <p:txBody>
-          <a:bodyPr tIns="0" bIns="0" rtlCol="0" anchor="ctr"/>
-          <a:lstStyle/>
-          <a:p>
-            <a:pPr algn="ctr"/>
-            <a:endParaRPr lang="en-US" sz="7200" b="1" dirty="0">
-              <a:solidFill>
-                <a:schemeClr val="accent2">
-                  <a:lumMod val="75000"/>
-                </a:schemeClr>
-              </a:solidFill>
-            </a:endParaRPr>
-          </a:p>
-        </p:txBody>
-      </p:sp>
-      <p:sp>
-        <p:nvSpPr>
-          <p:cNvPr id="30" name="Rectangle 29"/>
-          <p:cNvSpPr/>
-          <p:nvPr/>
-        </p:nvSpPr>
-        <p:spPr>
-          <a:xfrm>
-            <a:off x="7755283" y="1529839"/>
-            <a:ext cx="1682227" cy="1015663"/>
-          </a:xfrm>
-          <a:prstGeom prst="rect">
-            <a:avLst/>
-          </a:prstGeom>
-        </p:spPr>
-        <p:txBody>
-          <a:bodyPr wrap="square">
-            <a:spAutoFit/>
-          </a:bodyPr>
-          <a:lstStyle/>
-          <a:p>
-            <a:pPr algn="ctr"/>
-            <a:r>
-              <a:rPr lang="en-US" sz="6000" b="1" dirty="0" smtClean="0">
-                <a:solidFill>
-                  <a:schemeClr val="accent2">
-                    <a:lumMod val="75000"/>
-                  </a:schemeClr>
-                </a:solidFill>
-              </a:rPr>
-              <a:t>$$$</a:t>
-            </a:r>
-            <a:endParaRPr lang="en-US" sz="6000" b="1" dirty="0">
-              <a:solidFill>
-                <a:schemeClr val="accent2">
-                  <a:lumMod val="75000"/>
-                </a:schemeClr>
-              </a:solidFill>
-            </a:endParaRPr>
-          </a:p>
-        </p:txBody>
-      </p:sp>
-      <p:sp>
-        <p:nvSpPr>
-          <p:cNvPr id="31" name="Rectangle 30"/>
-          <p:cNvSpPr/>
-          <p:nvPr/>
-        </p:nvSpPr>
-        <p:spPr>
-          <a:xfrm>
-            <a:off x="718494" y="4662315"/>
-            <a:ext cx="1980154" cy="1015663"/>
-          </a:xfrm>
-          <a:prstGeom prst="rect">
-            <a:avLst/>
-          </a:prstGeom>
-        </p:spPr>
-        <p:txBody>
-          <a:bodyPr wrap="none">
-            <a:spAutoFit/>
-          </a:bodyPr>
-          <a:lstStyle/>
-          <a:p>
-            <a:pPr algn="ctr"/>
-            <a:r>
-              <a:rPr lang="en-US" sz="6000" b="1" dirty="0" smtClean="0">
+              <a:rPr lang="en-US" sz="7200" b="1" dirty="0" smtClean="0">
                 <a:solidFill>
                   <a:schemeClr val="bg1"/>
                 </a:solidFill>
               </a:rPr>
-              <a:t>$0-20</a:t>
-            </a:r>
-            <a:endParaRPr lang="en-US" sz="6000" b="1" dirty="0">
+              <a:t>14 - 20</a:t>
+            </a:r>
+            <a:endParaRPr lang="en-US" sz="7200" b="1" dirty="0">
               <a:solidFill>
                 <a:schemeClr val="bg1"/>
               </a:solidFill>
@@ -6526,132 +5843,30 @@
           </a:p>
         </p:txBody>
       </p:sp>
-      <p:sp>
-        <p:nvSpPr>
-          <p:cNvPr id="32" name="Rectangle 31"/>
-          <p:cNvSpPr/>
-          <p:nvPr/>
-        </p:nvSpPr>
-        <p:spPr>
-          <a:xfrm>
-            <a:off x="3956390" y="4650693"/>
-            <a:ext cx="2370135" cy="1015663"/>
-          </a:xfrm>
-          <a:prstGeom prst="rect">
-            <a:avLst/>
-          </a:prstGeom>
-        </p:spPr>
-        <p:txBody>
-          <a:bodyPr wrap="none">
-            <a:spAutoFit/>
-          </a:bodyPr>
-          <a:lstStyle/>
-          <a:p>
-            <a:pPr algn="ctr"/>
-            <a:r>
-              <a:rPr lang="en-US" sz="6000" b="1" dirty="0" smtClean="0">
-                <a:solidFill>
-                  <a:schemeClr val="bg1"/>
-                </a:solidFill>
-              </a:rPr>
-              <a:t>$20-50</a:t>
-            </a:r>
-            <a:endParaRPr lang="en-US" sz="6000" b="1" dirty="0">
-              <a:solidFill>
-                <a:schemeClr val="bg1"/>
-              </a:solidFill>
-            </a:endParaRPr>
-          </a:p>
-        </p:txBody>
-      </p:sp>
-      <p:sp>
-        <p:nvSpPr>
-          <p:cNvPr id="33" name="Rectangle 32"/>
-          <p:cNvSpPr/>
-          <p:nvPr/>
-        </p:nvSpPr>
-        <p:spPr>
-          <a:xfrm>
-            <a:off x="7258990" y="4662315"/>
-            <a:ext cx="2760116" cy="1015663"/>
-          </a:xfrm>
-          <a:prstGeom prst="rect">
-            <a:avLst/>
-          </a:prstGeom>
-        </p:spPr>
-        <p:txBody>
-          <a:bodyPr wrap="none">
-            <a:spAutoFit/>
-          </a:bodyPr>
-          <a:lstStyle/>
-          <a:p>
-            <a:pPr algn="ctr"/>
-            <a:r>
-              <a:rPr lang="en-US" sz="6000" b="1" dirty="0" smtClean="0">
-                <a:solidFill>
-                  <a:schemeClr val="bg1"/>
-                </a:solidFill>
-              </a:rPr>
-              <a:t>$50-100</a:t>
-            </a:r>
-            <a:endParaRPr lang="en-US" sz="6000" b="1" dirty="0">
-              <a:solidFill>
-                <a:schemeClr val="bg1"/>
-              </a:solidFill>
-            </a:endParaRPr>
-          </a:p>
-        </p:txBody>
-      </p:sp>
-      <p:sp>
-        <p:nvSpPr>
-          <p:cNvPr id="35" name="Rounded Rectangle 34"/>
-          <p:cNvSpPr/>
-          <p:nvPr/>
-        </p:nvSpPr>
-        <p:spPr>
-          <a:xfrm>
-            <a:off x="10397224" y="3603837"/>
-            <a:ext cx="3147510" cy="3147709"/>
-          </a:xfrm>
-          <a:prstGeom prst="roundRect">
-            <a:avLst/>
-          </a:prstGeom>
-          <a:solidFill>
-            <a:schemeClr val="accent2">
-              <a:lumMod val="75000"/>
-            </a:schemeClr>
-          </a:solidFill>
-          <a:ln>
-            <a:solidFill>
-              <a:schemeClr val="accent2">
-                <a:lumMod val="75000"/>
-              </a:schemeClr>
-            </a:solidFill>
-          </a:ln>
-        </p:spPr>
-        <p:style>
-          <a:lnRef idx="1">
-            <a:schemeClr val="accent1"/>
-          </a:lnRef>
-          <a:fillRef idx="3">
-            <a:schemeClr val="accent1"/>
-          </a:fillRef>
-          <a:effectRef idx="2">
-            <a:schemeClr val="accent1"/>
-          </a:effectRef>
-          <a:fontRef idx="minor">
-            <a:schemeClr val="lt1"/>
-          </a:fontRef>
-        </p:style>
-        <p:txBody>
-          <a:bodyPr rtlCol="0" anchor="ctr"/>
-          <a:lstStyle/>
-          <a:p>
-            <a:pPr algn="ctr"/>
-            <a:endParaRPr lang="en-US"/>
-          </a:p>
-        </p:txBody>
-      </p:sp>
+      <p:pic>
+        <p:nvPicPr>
+          <p:cNvPr id="35" name="Picture 34"/>
+          <p:cNvPicPr>
+            <a:picLocks noChangeAspect="1"/>
+          </p:cNvPicPr>
+          <p:nvPr/>
+        </p:nvPicPr>
+        <p:blipFill>
+          <a:blip r:embed="rId5"/>
+          <a:stretch>
+            <a:fillRect/>
+          </a:stretch>
+        </p:blipFill>
+        <p:spPr>
+          <a:xfrm>
+            <a:off x="855562" y="3735098"/>
+            <a:ext cx="1630956" cy="1786285"/>
+          </a:xfrm>
+          <a:prstGeom prst="rect">
+            <a:avLst/>
+          </a:prstGeom>
+        </p:spPr>
+      </p:pic>
       <p:pic>
         <p:nvPicPr>
           <p:cNvPr id="36" name="Picture 35"/>
@@ -6661,156 +5876,49 @@
           <p:nvPr/>
         </p:nvPicPr>
         <p:blipFill>
-          <a:blip r:embed="rId2"/>
+          <a:blip r:embed="rId6"/>
           <a:stretch>
             <a:fillRect/>
           </a:stretch>
         </p:blipFill>
         <p:spPr>
           <a:xfrm>
-            <a:off x="10992778" y="554141"/>
-            <a:ext cx="2048633" cy="2234069"/>
+            <a:off x="4290266" y="304800"/>
+            <a:ext cx="1697222" cy="1806218"/>
           </a:xfrm>
           <a:prstGeom prst="rect">
             <a:avLst/>
           </a:prstGeom>
         </p:spPr>
       </p:pic>
-      <p:sp>
-        <p:nvSpPr>
-          <p:cNvPr id="37" name="Rectangle 36"/>
-          <p:cNvSpPr/>
-          <p:nvPr/>
-        </p:nvSpPr>
-        <p:spPr>
-          <a:xfrm>
-            <a:off x="11359184" y="1529839"/>
-            <a:ext cx="1354848" cy="939463"/>
-          </a:xfrm>
-          <a:prstGeom prst="rect">
-            <a:avLst/>
-          </a:prstGeom>
-          <a:solidFill>
-            <a:schemeClr val="bg1"/>
-          </a:solidFill>
-          <a:ln>
-            <a:noFill/>
-          </a:ln>
-          <a:effectLst/>
-        </p:spPr>
-        <p:style>
-          <a:lnRef idx="1">
-            <a:schemeClr val="accent1"/>
-          </a:lnRef>
-          <a:fillRef idx="3">
-            <a:schemeClr val="accent1"/>
-          </a:fillRef>
-          <a:effectRef idx="2">
-            <a:schemeClr val="accent1"/>
-          </a:effectRef>
-          <a:fontRef idx="minor">
-            <a:schemeClr val="lt1"/>
-          </a:fontRef>
-        </p:style>
-        <p:txBody>
-          <a:bodyPr tIns="0" bIns="0" rtlCol="0" anchor="ctr"/>
-          <a:lstStyle/>
-          <a:p>
-            <a:pPr algn="ctr"/>
-            <a:endParaRPr lang="en-US" sz="7200" b="1" dirty="0">
-              <a:solidFill>
-                <a:schemeClr val="accent2">
-                  <a:lumMod val="75000"/>
-                </a:schemeClr>
-              </a:solidFill>
-            </a:endParaRPr>
-          </a:p>
-        </p:txBody>
-      </p:sp>
-      <p:sp>
-        <p:nvSpPr>
-          <p:cNvPr id="38" name="Rectangle 37"/>
-          <p:cNvSpPr/>
-          <p:nvPr/>
-        </p:nvSpPr>
-        <p:spPr>
-          <a:xfrm>
-            <a:off x="10820694" y="1529839"/>
-            <a:ext cx="2400040" cy="1015663"/>
-          </a:xfrm>
-          <a:prstGeom prst="rect">
-            <a:avLst/>
-          </a:prstGeom>
-        </p:spPr>
-        <p:txBody>
-          <a:bodyPr wrap="square">
-            <a:spAutoFit/>
-          </a:bodyPr>
-          <a:lstStyle/>
-          <a:p>
-            <a:pPr algn="ctr"/>
-            <a:r>
-              <a:rPr lang="en-US" sz="6000" b="1" dirty="0" smtClean="0">
-                <a:solidFill>
-                  <a:schemeClr val="accent2">
-                    <a:lumMod val="75000"/>
-                  </a:schemeClr>
-                </a:solidFill>
-              </a:rPr>
-              <a:t>$$$$</a:t>
-            </a:r>
-            <a:endParaRPr lang="en-US" sz="6000" b="1" dirty="0">
-              <a:solidFill>
-                <a:schemeClr val="accent2">
-                  <a:lumMod val="75000"/>
-                </a:schemeClr>
-              </a:solidFill>
-            </a:endParaRPr>
-          </a:p>
-        </p:txBody>
-      </p:sp>
-      <p:sp>
-        <p:nvSpPr>
-          <p:cNvPr id="39" name="Rectangle 38"/>
-          <p:cNvSpPr/>
-          <p:nvPr/>
-        </p:nvSpPr>
-        <p:spPr>
-          <a:xfrm>
-            <a:off x="10936333" y="4640801"/>
-            <a:ext cx="2127806" cy="1015663"/>
-          </a:xfrm>
-          <a:prstGeom prst="rect">
-            <a:avLst/>
-          </a:prstGeom>
-        </p:spPr>
-        <p:txBody>
-          <a:bodyPr wrap="none">
-            <a:spAutoFit/>
-          </a:bodyPr>
-          <a:lstStyle/>
-          <a:p>
-            <a:pPr algn="ctr"/>
-            <a:r>
-              <a:rPr lang="en-US" sz="6000" b="1" dirty="0" smtClean="0">
-                <a:solidFill>
-                  <a:schemeClr val="bg1"/>
-                </a:solidFill>
-              </a:rPr>
-              <a:t>$100+</a:t>
-            </a:r>
-            <a:endParaRPr lang="en-US" sz="6000" b="1" dirty="0">
-              <a:solidFill>
-                <a:schemeClr val="bg1"/>
-              </a:solidFill>
-            </a:endParaRPr>
-          </a:p>
-        </p:txBody>
-      </p:sp>
+      <p:pic>
+        <p:nvPicPr>
+          <p:cNvPr id="2" name="Picture 1"/>
+          <p:cNvPicPr>
+            <a:picLocks noChangeAspect="1"/>
+          </p:cNvPicPr>
+          <p:nvPr/>
+        </p:nvPicPr>
+        <p:blipFill>
+          <a:blip r:embed="rId7"/>
+          <a:stretch>
+            <a:fillRect/>
+          </a:stretch>
+        </p:blipFill>
+        <p:spPr>
+          <a:xfrm>
+            <a:off x="4290266" y="3706001"/>
+            <a:ext cx="1660622" cy="1771330"/>
+          </a:xfrm>
+          <a:prstGeom prst="rect">
+            <a:avLst/>
+          </a:prstGeom>
+        </p:spPr>
+      </p:pic>
     </p:spTree>
     <p:extLst>
       <p:ext uri="{BB962C8B-B14F-4D97-AF65-F5344CB8AC3E}">
-        <p14:creationId xmlns:p14="http://schemas.microsoft.com/office/powerpoint/2010/main" val="3214049147"/>
+        <p14:creationId xmlns:p14="http://schemas.microsoft.com/office/powerpoint/2010/main" val="877488005"/>
       </p:ext>
     </p:extLst>
   </p:cSld>
@@ -6839,6 +5947,1827 @@
       </p:grpSpPr>
       <p:sp>
         <p:nvSpPr>
+          <p:cNvPr id="33" name="Rounded Rectangle 32"/>
+          <p:cNvSpPr/>
+          <p:nvPr/>
+        </p:nvSpPr>
+        <p:spPr>
+          <a:xfrm>
+            <a:off x="7034946" y="132869"/>
+            <a:ext cx="3147510" cy="3147709"/>
+          </a:xfrm>
+          <a:prstGeom prst="roundRect">
+            <a:avLst/>
+          </a:prstGeom>
+          <a:solidFill>
+            <a:schemeClr val="accent5">
+              <a:lumMod val="75000"/>
+            </a:schemeClr>
+          </a:solidFill>
+          <a:ln>
+            <a:solidFill>
+              <a:schemeClr val="accent5">
+                <a:lumMod val="75000"/>
+              </a:schemeClr>
+            </a:solidFill>
+          </a:ln>
+        </p:spPr>
+        <p:style>
+          <a:lnRef idx="1">
+            <a:schemeClr val="accent1"/>
+          </a:lnRef>
+          <a:fillRef idx="3">
+            <a:schemeClr val="accent1"/>
+          </a:fillRef>
+          <a:effectRef idx="2">
+            <a:schemeClr val="accent1"/>
+          </a:effectRef>
+          <a:fontRef idx="minor">
+            <a:schemeClr val="lt1"/>
+          </a:fontRef>
+        </p:style>
+        <p:txBody>
+          <a:bodyPr rtlCol="0" anchor="ctr"/>
+          <a:lstStyle/>
+          <a:p>
+            <a:pPr algn="ctr"/>
+            <a:endParaRPr lang="en-US"/>
+          </a:p>
+        </p:txBody>
+      </p:sp>
+      <p:sp>
+        <p:nvSpPr>
+          <p:cNvPr id="4" name="Rounded Rectangle 3"/>
+          <p:cNvSpPr/>
+          <p:nvPr/>
+        </p:nvSpPr>
+        <p:spPr>
+          <a:xfrm>
+            <a:off x="124244" y="138060"/>
+            <a:ext cx="3147510" cy="3147709"/>
+          </a:xfrm>
+          <a:prstGeom prst="roundRect">
+            <a:avLst/>
+          </a:prstGeom>
+          <a:solidFill>
+            <a:schemeClr val="accent5">
+              <a:lumMod val="75000"/>
+            </a:schemeClr>
+          </a:solidFill>
+          <a:ln>
+            <a:solidFill>
+              <a:schemeClr val="accent5">
+                <a:lumMod val="75000"/>
+              </a:schemeClr>
+            </a:solidFill>
+          </a:ln>
+        </p:spPr>
+        <p:style>
+          <a:lnRef idx="1">
+            <a:schemeClr val="accent1"/>
+          </a:lnRef>
+          <a:fillRef idx="3">
+            <a:schemeClr val="accent1"/>
+          </a:fillRef>
+          <a:effectRef idx="2">
+            <a:schemeClr val="accent1"/>
+          </a:effectRef>
+          <a:fontRef idx="minor">
+            <a:schemeClr val="lt1"/>
+          </a:fontRef>
+        </p:style>
+        <p:txBody>
+          <a:bodyPr rtlCol="0" anchor="ctr"/>
+          <a:lstStyle/>
+          <a:p>
+            <a:pPr algn="ctr"/>
+            <a:endParaRPr lang="en-US"/>
+          </a:p>
+        </p:txBody>
+      </p:sp>
+      <p:sp>
+        <p:nvSpPr>
+          <p:cNvPr id="9" name="TextBox 8"/>
+          <p:cNvSpPr txBox="1"/>
+          <p:nvPr/>
+        </p:nvSpPr>
+        <p:spPr>
+          <a:xfrm>
+            <a:off x="627844" y="2168298"/>
+            <a:ext cx="2085082" cy="1015663"/>
+          </a:xfrm>
+          <a:prstGeom prst="rect">
+            <a:avLst/>
+          </a:prstGeom>
+          <a:noFill/>
+        </p:spPr>
+        <p:txBody>
+          <a:bodyPr wrap="square" rtlCol="0">
+            <a:spAutoFit/>
+          </a:bodyPr>
+          <a:lstStyle/>
+          <a:p>
+            <a:pPr algn="ctr"/>
+            <a:r>
+              <a:rPr lang="en-US" sz="6000" b="1" dirty="0" smtClean="0">
+                <a:solidFill>
+                  <a:schemeClr val="bg1"/>
+                </a:solidFill>
+              </a:rPr>
+              <a:t>Baby</a:t>
+            </a:r>
+            <a:endParaRPr lang="en-US" sz="6000" b="1" dirty="0">
+              <a:solidFill>
+                <a:schemeClr val="bg1"/>
+              </a:solidFill>
+            </a:endParaRPr>
+          </a:p>
+        </p:txBody>
+      </p:sp>
+      <p:sp>
+        <p:nvSpPr>
+          <p:cNvPr id="10" name="TextBox 9"/>
+          <p:cNvSpPr txBox="1"/>
+          <p:nvPr/>
+        </p:nvSpPr>
+        <p:spPr>
+          <a:xfrm>
+            <a:off x="3955364" y="2521259"/>
+            <a:ext cx="2085082" cy="523220"/>
+          </a:xfrm>
+          <a:prstGeom prst="rect">
+            <a:avLst/>
+          </a:prstGeom>
+          <a:noFill/>
+        </p:spPr>
+        <p:txBody>
+          <a:bodyPr wrap="square" rtlCol="0">
+            <a:spAutoFit/>
+          </a:bodyPr>
+          <a:lstStyle/>
+          <a:p>
+            <a:pPr algn="ctr"/>
+            <a:r>
+              <a:rPr lang="en-US" sz="2800" dirty="0">
+                <a:solidFill>
+                  <a:schemeClr val="bg1"/>
+                </a:solidFill>
+              </a:rPr>
+              <a:t>6</a:t>
+            </a:r>
+            <a:r>
+              <a:rPr lang="en-US" sz="2800" dirty="0" smtClean="0">
+                <a:solidFill>
+                  <a:schemeClr val="bg1"/>
+                </a:solidFill>
+              </a:rPr>
+              <a:t> - 13</a:t>
+            </a:r>
+            <a:endParaRPr lang="en-US" sz="2800" dirty="0">
+              <a:solidFill>
+                <a:schemeClr val="bg1"/>
+              </a:solidFill>
+            </a:endParaRPr>
+          </a:p>
+        </p:txBody>
+      </p:sp>
+      <p:sp>
+        <p:nvSpPr>
+          <p:cNvPr id="13" name="Rounded Rectangle 12"/>
+          <p:cNvSpPr/>
+          <p:nvPr/>
+        </p:nvSpPr>
+        <p:spPr>
+          <a:xfrm>
+            <a:off x="96088" y="3569429"/>
+            <a:ext cx="3147510" cy="3147709"/>
+          </a:xfrm>
+          <a:prstGeom prst="roundRect">
+            <a:avLst/>
+          </a:prstGeom>
+          <a:solidFill>
+            <a:schemeClr val="accent5">
+              <a:lumMod val="75000"/>
+            </a:schemeClr>
+          </a:solidFill>
+          <a:ln>
+            <a:solidFill>
+              <a:schemeClr val="accent5">
+                <a:lumMod val="75000"/>
+              </a:schemeClr>
+            </a:solidFill>
+          </a:ln>
+        </p:spPr>
+        <p:style>
+          <a:lnRef idx="1">
+            <a:schemeClr val="accent1"/>
+          </a:lnRef>
+          <a:fillRef idx="3">
+            <a:schemeClr val="accent1"/>
+          </a:fillRef>
+          <a:effectRef idx="2">
+            <a:schemeClr val="accent1"/>
+          </a:effectRef>
+          <a:fontRef idx="minor">
+            <a:schemeClr val="lt1"/>
+          </a:fontRef>
+        </p:style>
+        <p:txBody>
+          <a:bodyPr rtlCol="0" anchor="ctr"/>
+          <a:lstStyle/>
+          <a:p>
+            <a:pPr algn="ctr"/>
+            <a:endParaRPr lang="en-US"/>
+          </a:p>
+        </p:txBody>
+      </p:sp>
+      <p:sp>
+        <p:nvSpPr>
+          <p:cNvPr id="20" name="Rounded Rectangle 19"/>
+          <p:cNvSpPr/>
+          <p:nvPr/>
+        </p:nvSpPr>
+        <p:spPr>
+          <a:xfrm>
+            <a:off x="3576008" y="138060"/>
+            <a:ext cx="3147510" cy="3147709"/>
+          </a:xfrm>
+          <a:prstGeom prst="roundRect">
+            <a:avLst/>
+          </a:prstGeom>
+          <a:solidFill>
+            <a:schemeClr val="accent5">
+              <a:lumMod val="75000"/>
+            </a:schemeClr>
+          </a:solidFill>
+          <a:ln>
+            <a:solidFill>
+              <a:schemeClr val="accent5">
+                <a:lumMod val="75000"/>
+              </a:schemeClr>
+            </a:solidFill>
+          </a:ln>
+        </p:spPr>
+        <p:style>
+          <a:lnRef idx="1">
+            <a:schemeClr val="accent1"/>
+          </a:lnRef>
+          <a:fillRef idx="3">
+            <a:schemeClr val="accent1"/>
+          </a:fillRef>
+          <a:effectRef idx="2">
+            <a:schemeClr val="accent1"/>
+          </a:effectRef>
+          <a:fontRef idx="minor">
+            <a:schemeClr val="lt1"/>
+          </a:fontRef>
+        </p:style>
+        <p:txBody>
+          <a:bodyPr rtlCol="0" anchor="ctr"/>
+          <a:lstStyle/>
+          <a:p>
+            <a:pPr algn="ctr"/>
+            <a:endParaRPr lang="en-US"/>
+          </a:p>
+        </p:txBody>
+      </p:sp>
+      <p:sp>
+        <p:nvSpPr>
+          <p:cNvPr id="22" name="TextBox 21"/>
+          <p:cNvSpPr txBox="1"/>
+          <p:nvPr/>
+        </p:nvSpPr>
+        <p:spPr>
+          <a:xfrm>
+            <a:off x="3547852" y="2167669"/>
+            <a:ext cx="3175666" cy="1015663"/>
+          </a:xfrm>
+          <a:prstGeom prst="rect">
+            <a:avLst/>
+          </a:prstGeom>
+          <a:noFill/>
+        </p:spPr>
+        <p:txBody>
+          <a:bodyPr wrap="square" rtlCol="0">
+            <a:spAutoFit/>
+          </a:bodyPr>
+          <a:lstStyle/>
+          <a:p>
+            <a:pPr algn="ctr"/>
+            <a:r>
+              <a:rPr lang="en-US" sz="6000" b="1" dirty="0" smtClean="0">
+                <a:solidFill>
+                  <a:schemeClr val="bg1"/>
+                </a:solidFill>
+              </a:rPr>
+              <a:t>Kid</a:t>
+            </a:r>
+            <a:endParaRPr lang="en-US" sz="6000" b="1" dirty="0">
+              <a:solidFill>
+                <a:schemeClr val="bg1"/>
+              </a:solidFill>
+            </a:endParaRPr>
+          </a:p>
+        </p:txBody>
+      </p:sp>
+      <p:sp>
+        <p:nvSpPr>
+          <p:cNvPr id="19" name="Rounded Rectangle 18"/>
+          <p:cNvSpPr/>
+          <p:nvPr/>
+        </p:nvSpPr>
+        <p:spPr>
+          <a:xfrm>
+            <a:off x="3544804" y="3569429"/>
+            <a:ext cx="3147510" cy="3147709"/>
+          </a:xfrm>
+          <a:prstGeom prst="roundRect">
+            <a:avLst/>
+          </a:prstGeom>
+          <a:solidFill>
+            <a:schemeClr val="accent5">
+              <a:lumMod val="75000"/>
+            </a:schemeClr>
+          </a:solidFill>
+          <a:ln>
+            <a:solidFill>
+              <a:schemeClr val="accent5">
+                <a:lumMod val="75000"/>
+              </a:schemeClr>
+            </a:solidFill>
+          </a:ln>
+        </p:spPr>
+        <p:style>
+          <a:lnRef idx="1">
+            <a:schemeClr val="accent1"/>
+          </a:lnRef>
+          <a:fillRef idx="3">
+            <a:schemeClr val="accent1"/>
+          </a:fillRef>
+          <a:effectRef idx="2">
+            <a:schemeClr val="accent1"/>
+          </a:effectRef>
+          <a:fontRef idx="minor">
+            <a:schemeClr val="lt1"/>
+          </a:fontRef>
+        </p:style>
+        <p:txBody>
+          <a:bodyPr rtlCol="0" anchor="ctr"/>
+          <a:lstStyle/>
+          <a:p>
+            <a:pPr algn="ctr"/>
+            <a:endParaRPr lang="en-US"/>
+          </a:p>
+        </p:txBody>
+      </p:sp>
+      <p:sp>
+        <p:nvSpPr>
+          <p:cNvPr id="24" name="TextBox 23"/>
+          <p:cNvSpPr txBox="1"/>
+          <p:nvPr/>
+        </p:nvSpPr>
+        <p:spPr>
+          <a:xfrm>
+            <a:off x="3544804" y="5599038"/>
+            <a:ext cx="3147510" cy="1015663"/>
+          </a:xfrm>
+          <a:prstGeom prst="rect">
+            <a:avLst/>
+          </a:prstGeom>
+          <a:noFill/>
+        </p:spPr>
+        <p:txBody>
+          <a:bodyPr wrap="square" rtlCol="0">
+            <a:spAutoFit/>
+          </a:bodyPr>
+          <a:lstStyle/>
+          <a:p>
+            <a:pPr algn="ctr"/>
+            <a:r>
+              <a:rPr lang="en-US" sz="6000" b="1" dirty="0" smtClean="0">
+                <a:solidFill>
+                  <a:schemeClr val="bg1"/>
+                </a:solidFill>
+              </a:rPr>
+              <a:t>Adult</a:t>
+            </a:r>
+            <a:endParaRPr lang="en-US" sz="6000" b="1" dirty="0">
+              <a:solidFill>
+                <a:schemeClr val="bg1"/>
+              </a:solidFill>
+            </a:endParaRPr>
+          </a:p>
+        </p:txBody>
+      </p:sp>
+      <p:sp>
+        <p:nvSpPr>
+          <p:cNvPr id="26" name="TextBox 25"/>
+          <p:cNvSpPr txBox="1"/>
+          <p:nvPr/>
+        </p:nvSpPr>
+        <p:spPr>
+          <a:xfrm>
+            <a:off x="96088" y="5656585"/>
+            <a:ext cx="3175666" cy="707886"/>
+          </a:xfrm>
+          <a:prstGeom prst="rect">
+            <a:avLst/>
+          </a:prstGeom>
+          <a:noFill/>
+        </p:spPr>
+        <p:txBody>
+          <a:bodyPr wrap="square" rtlCol="0">
+            <a:spAutoFit/>
+          </a:bodyPr>
+          <a:lstStyle/>
+          <a:p>
+            <a:pPr algn="ctr"/>
+            <a:r>
+              <a:rPr lang="en-US" sz="4000" b="1" dirty="0" smtClean="0">
+                <a:solidFill>
+                  <a:schemeClr val="bg1"/>
+                </a:solidFill>
+              </a:rPr>
+              <a:t>Young Adult</a:t>
+            </a:r>
+            <a:endParaRPr lang="en-US" sz="4000" b="1" dirty="0">
+              <a:solidFill>
+                <a:schemeClr val="bg1"/>
+              </a:solidFill>
+            </a:endParaRPr>
+          </a:p>
+        </p:txBody>
+      </p:sp>
+      <p:pic>
+        <p:nvPicPr>
+          <p:cNvPr id="3" name="Picture 2"/>
+          <p:cNvPicPr>
+            <a:picLocks noChangeAspect="1"/>
+          </p:cNvPicPr>
+          <p:nvPr/>
+        </p:nvPicPr>
+        <p:blipFill>
+          <a:blip r:embed="rId2"/>
+          <a:stretch>
+            <a:fillRect/>
+          </a:stretch>
+        </p:blipFill>
+        <p:spPr>
+          <a:xfrm>
+            <a:off x="7824742" y="324733"/>
+            <a:ext cx="1674642" cy="1786285"/>
+          </a:xfrm>
+          <a:prstGeom prst="rect">
+            <a:avLst/>
+          </a:prstGeom>
+        </p:spPr>
+      </p:pic>
+      <p:pic>
+        <p:nvPicPr>
+          <p:cNvPr id="17" name="Picture 16"/>
+          <p:cNvPicPr>
+            <a:picLocks noChangeAspect="1"/>
+          </p:cNvPicPr>
+          <p:nvPr/>
+        </p:nvPicPr>
+        <p:blipFill>
+          <a:blip r:embed="rId3"/>
+          <a:stretch>
+            <a:fillRect/>
+          </a:stretch>
+        </p:blipFill>
+        <p:spPr>
+          <a:xfrm>
+            <a:off x="990600" y="304800"/>
+            <a:ext cx="1365029" cy="1942189"/>
+          </a:xfrm>
+          <a:prstGeom prst="rect">
+            <a:avLst/>
+          </a:prstGeom>
+        </p:spPr>
+      </p:pic>
+      <p:sp>
+        <p:nvSpPr>
+          <p:cNvPr id="34" name="TextBox 33"/>
+          <p:cNvSpPr txBox="1"/>
+          <p:nvPr/>
+        </p:nvSpPr>
+        <p:spPr>
+          <a:xfrm>
+            <a:off x="7034946" y="2167669"/>
+            <a:ext cx="3175666" cy="1015663"/>
+          </a:xfrm>
+          <a:prstGeom prst="rect">
+            <a:avLst/>
+          </a:prstGeom>
+          <a:noFill/>
+        </p:spPr>
+        <p:txBody>
+          <a:bodyPr wrap="square" rtlCol="0">
+            <a:spAutoFit/>
+          </a:bodyPr>
+          <a:lstStyle/>
+          <a:p>
+            <a:pPr algn="ctr"/>
+            <a:r>
+              <a:rPr lang="en-US" sz="6000" b="1" dirty="0" smtClean="0">
+                <a:solidFill>
+                  <a:schemeClr val="bg1"/>
+                </a:solidFill>
+              </a:rPr>
+              <a:t>Teen</a:t>
+            </a:r>
+            <a:endParaRPr lang="en-US" sz="6000" b="1" dirty="0">
+              <a:solidFill>
+                <a:schemeClr val="bg1"/>
+              </a:solidFill>
+            </a:endParaRPr>
+          </a:p>
+        </p:txBody>
+      </p:sp>
+      <p:pic>
+        <p:nvPicPr>
+          <p:cNvPr id="35" name="Picture 34"/>
+          <p:cNvPicPr>
+            <a:picLocks noChangeAspect="1"/>
+          </p:cNvPicPr>
+          <p:nvPr/>
+        </p:nvPicPr>
+        <p:blipFill>
+          <a:blip r:embed="rId4"/>
+          <a:stretch>
+            <a:fillRect/>
+          </a:stretch>
+        </p:blipFill>
+        <p:spPr>
+          <a:xfrm>
+            <a:off x="855562" y="3735098"/>
+            <a:ext cx="1630956" cy="1786285"/>
+          </a:xfrm>
+          <a:prstGeom prst="rect">
+            <a:avLst/>
+          </a:prstGeom>
+        </p:spPr>
+      </p:pic>
+      <p:pic>
+        <p:nvPicPr>
+          <p:cNvPr id="36" name="Picture 35"/>
+          <p:cNvPicPr>
+            <a:picLocks noChangeAspect="1"/>
+          </p:cNvPicPr>
+          <p:nvPr/>
+        </p:nvPicPr>
+        <p:blipFill>
+          <a:blip r:embed="rId5"/>
+          <a:stretch>
+            <a:fillRect/>
+          </a:stretch>
+        </p:blipFill>
+        <p:spPr>
+          <a:xfrm>
+            <a:off x="4290266" y="304800"/>
+            <a:ext cx="1697222" cy="1806218"/>
+          </a:xfrm>
+          <a:prstGeom prst="rect">
+            <a:avLst/>
+          </a:prstGeom>
+        </p:spPr>
+      </p:pic>
+      <p:pic>
+        <p:nvPicPr>
+          <p:cNvPr id="2" name="Picture 1"/>
+          <p:cNvPicPr>
+            <a:picLocks noChangeAspect="1"/>
+          </p:cNvPicPr>
+          <p:nvPr/>
+        </p:nvPicPr>
+        <p:blipFill>
+          <a:blip r:embed="rId6"/>
+          <a:stretch>
+            <a:fillRect/>
+          </a:stretch>
+        </p:blipFill>
+        <p:spPr>
+          <a:xfrm>
+            <a:off x="4290266" y="3706001"/>
+            <a:ext cx="1660622" cy="1771330"/>
+          </a:xfrm>
+          <a:prstGeom prst="rect">
+            <a:avLst/>
+          </a:prstGeom>
+        </p:spPr>
+      </p:pic>
+      <p:sp>
+        <p:nvSpPr>
+          <p:cNvPr id="32" name="Rounded Rectangle 31"/>
+          <p:cNvSpPr/>
+          <p:nvPr/>
+        </p:nvSpPr>
+        <p:spPr>
+          <a:xfrm>
+            <a:off x="7000161" y="3564238"/>
+            <a:ext cx="3147510" cy="3147709"/>
+          </a:xfrm>
+          <a:prstGeom prst="roundRect">
+            <a:avLst/>
+          </a:prstGeom>
+          <a:solidFill>
+            <a:schemeClr val="accent5">
+              <a:lumMod val="75000"/>
+            </a:schemeClr>
+          </a:solidFill>
+          <a:ln>
+            <a:solidFill>
+              <a:schemeClr val="accent5">
+                <a:lumMod val="75000"/>
+              </a:schemeClr>
+            </a:solidFill>
+          </a:ln>
+        </p:spPr>
+        <p:style>
+          <a:lnRef idx="1">
+            <a:schemeClr val="accent1"/>
+          </a:lnRef>
+          <a:fillRef idx="3">
+            <a:schemeClr val="accent1"/>
+          </a:fillRef>
+          <a:effectRef idx="2">
+            <a:schemeClr val="accent1"/>
+          </a:effectRef>
+          <a:fontRef idx="minor">
+            <a:schemeClr val="lt1"/>
+          </a:fontRef>
+        </p:style>
+        <p:txBody>
+          <a:bodyPr rtlCol="0" anchor="ctr"/>
+          <a:lstStyle/>
+          <a:p>
+            <a:pPr algn="ctr"/>
+            <a:endParaRPr lang="en-US"/>
+          </a:p>
+        </p:txBody>
+      </p:sp>
+      <p:sp>
+        <p:nvSpPr>
+          <p:cNvPr id="37" name="TextBox 36"/>
+          <p:cNvSpPr txBox="1"/>
+          <p:nvPr/>
+        </p:nvSpPr>
+        <p:spPr>
+          <a:xfrm>
+            <a:off x="7429701" y="5656585"/>
+            <a:ext cx="2358113" cy="923330"/>
+          </a:xfrm>
+          <a:prstGeom prst="rect">
+            <a:avLst/>
+          </a:prstGeom>
+          <a:noFill/>
+        </p:spPr>
+        <p:txBody>
+          <a:bodyPr wrap="square" rtlCol="0">
+            <a:spAutoFit/>
+          </a:bodyPr>
+          <a:lstStyle/>
+          <a:p>
+            <a:pPr algn="ctr"/>
+            <a:r>
+              <a:rPr lang="en-US" sz="5400" b="1" dirty="0" smtClean="0">
+                <a:solidFill>
+                  <a:schemeClr val="bg1"/>
+                </a:solidFill>
+              </a:rPr>
+              <a:t>Senior</a:t>
+            </a:r>
+            <a:endParaRPr lang="en-US" sz="5400" b="1" dirty="0">
+              <a:solidFill>
+                <a:schemeClr val="bg1"/>
+              </a:solidFill>
+            </a:endParaRPr>
+          </a:p>
+        </p:txBody>
+      </p:sp>
+      <p:pic>
+        <p:nvPicPr>
+          <p:cNvPr id="38" name="Picture 37"/>
+          <p:cNvPicPr>
+            <a:picLocks noChangeAspect="1"/>
+          </p:cNvPicPr>
+          <p:nvPr/>
+        </p:nvPicPr>
+        <p:blipFill>
+          <a:blip r:embed="rId7"/>
+          <a:stretch>
+            <a:fillRect/>
+          </a:stretch>
+        </p:blipFill>
+        <p:spPr>
+          <a:xfrm>
+            <a:off x="7724930" y="3735097"/>
+            <a:ext cx="1633344" cy="1742234"/>
+          </a:xfrm>
+          <a:prstGeom prst="rect">
+            <a:avLst/>
+          </a:prstGeom>
+        </p:spPr>
+      </p:pic>
+    </p:spTree>
+    <p:extLst>
+      <p:ext uri="{BB962C8B-B14F-4D97-AF65-F5344CB8AC3E}">
+        <p14:creationId xmlns:p14="http://schemas.microsoft.com/office/powerpoint/2010/main" val="3723568807"/>
+      </p:ext>
+    </p:extLst>
+  </p:cSld>
+  <p:clrMapOvr>
+    <a:masterClrMapping/>
+  </p:clrMapOvr>
+</p:sld>
+</file>
+
+<file path=ppt/slides/slide7.xml><?xml version="1.0" encoding="utf-8"?>
+<p:sld xmlns:a="http://schemas.openxmlformats.org/drawingml/2006/main" xmlns:r="http://schemas.openxmlformats.org/officeDocument/2006/relationships" xmlns:p="http://schemas.openxmlformats.org/presentationml/2006/main">
+  <p:cSld>
+    <p:spTree>
+      <p:nvGrpSpPr>
+        <p:cNvPr id="1" name=""/>
+        <p:cNvGrpSpPr/>
+        <p:nvPr/>
+      </p:nvGrpSpPr>
+      <p:grpSpPr>
+        <a:xfrm>
+          <a:off x="0" y="0"/>
+          <a:ext cx="0" cy="0"/>
+          <a:chOff x="0" y="0"/>
+          <a:chExt cx="0" cy="0"/>
+        </a:xfrm>
+      </p:grpSpPr>
+      <p:sp>
+        <p:nvSpPr>
+          <p:cNvPr id="34" name="Rounded Rectangle 33"/>
+          <p:cNvSpPr/>
+          <p:nvPr/>
+        </p:nvSpPr>
+        <p:spPr>
+          <a:xfrm>
+            <a:off x="10361350" y="138060"/>
+            <a:ext cx="3147510" cy="3147709"/>
+          </a:xfrm>
+          <a:prstGeom prst="roundRect">
+            <a:avLst/>
+          </a:prstGeom>
+          <a:solidFill>
+            <a:schemeClr val="accent2">
+              <a:lumMod val="75000"/>
+            </a:schemeClr>
+          </a:solidFill>
+          <a:ln>
+            <a:solidFill>
+              <a:schemeClr val="accent2">
+                <a:lumMod val="75000"/>
+              </a:schemeClr>
+            </a:solidFill>
+          </a:ln>
+        </p:spPr>
+        <p:style>
+          <a:lnRef idx="1">
+            <a:schemeClr val="accent1"/>
+          </a:lnRef>
+          <a:fillRef idx="3">
+            <a:schemeClr val="accent1"/>
+          </a:fillRef>
+          <a:effectRef idx="2">
+            <a:schemeClr val="accent1"/>
+          </a:effectRef>
+          <a:fontRef idx="minor">
+            <a:schemeClr val="lt1"/>
+          </a:fontRef>
+        </p:style>
+        <p:txBody>
+          <a:bodyPr rtlCol="0" anchor="ctr"/>
+          <a:lstStyle/>
+          <a:p>
+            <a:pPr algn="ctr"/>
+            <a:endParaRPr lang="en-US"/>
+          </a:p>
+        </p:txBody>
+      </p:sp>
+      <p:pic>
+        <p:nvPicPr>
+          <p:cNvPr id="40" name="Picture 39"/>
+          <p:cNvPicPr>
+            <a:picLocks noChangeAspect="1"/>
+          </p:cNvPicPr>
+          <p:nvPr/>
+        </p:nvPicPr>
+        <p:blipFill>
+          <a:blip r:embed="rId2"/>
+          <a:stretch>
+            <a:fillRect/>
+          </a:stretch>
+        </p:blipFill>
+        <p:spPr>
+          <a:xfrm>
+            <a:off x="10700227" y="352276"/>
+            <a:ext cx="2048633" cy="2234069"/>
+          </a:xfrm>
+          <a:prstGeom prst="rect">
+            <a:avLst/>
+          </a:prstGeom>
+        </p:spPr>
+      </p:pic>
+      <p:pic>
+        <p:nvPicPr>
+          <p:cNvPr id="41" name="Picture 40"/>
+          <p:cNvPicPr>
+            <a:picLocks noChangeAspect="1"/>
+          </p:cNvPicPr>
+          <p:nvPr/>
+        </p:nvPicPr>
+        <p:blipFill>
+          <a:blip r:embed="rId3"/>
+          <a:stretch>
+            <a:fillRect/>
+          </a:stretch>
+        </p:blipFill>
+        <p:spPr>
+          <a:xfrm>
+            <a:off x="10837328" y="457402"/>
+            <a:ext cx="2007895" cy="2189644"/>
+          </a:xfrm>
+          <a:prstGeom prst="rect">
+            <a:avLst/>
+          </a:prstGeom>
+        </p:spPr>
+      </p:pic>
+      <p:sp>
+        <p:nvSpPr>
+          <p:cNvPr id="4" name="Rounded Rectangle 3"/>
+          <p:cNvSpPr/>
+          <p:nvPr/>
+        </p:nvSpPr>
+        <p:spPr>
+          <a:xfrm>
+            <a:off x="124244" y="138060"/>
+            <a:ext cx="3147510" cy="3147709"/>
+          </a:xfrm>
+          <a:prstGeom prst="roundRect">
+            <a:avLst/>
+          </a:prstGeom>
+          <a:solidFill>
+            <a:schemeClr val="accent2">
+              <a:lumMod val="75000"/>
+            </a:schemeClr>
+          </a:solidFill>
+          <a:ln>
+            <a:solidFill>
+              <a:schemeClr val="accent2">
+                <a:lumMod val="75000"/>
+              </a:schemeClr>
+            </a:solidFill>
+          </a:ln>
+        </p:spPr>
+        <p:style>
+          <a:lnRef idx="1">
+            <a:schemeClr val="accent1"/>
+          </a:lnRef>
+          <a:fillRef idx="3">
+            <a:schemeClr val="accent1"/>
+          </a:fillRef>
+          <a:effectRef idx="2">
+            <a:schemeClr val="accent1"/>
+          </a:effectRef>
+          <a:fontRef idx="minor">
+            <a:schemeClr val="lt1"/>
+          </a:fontRef>
+        </p:style>
+        <p:txBody>
+          <a:bodyPr rtlCol="0" anchor="ctr"/>
+          <a:lstStyle/>
+          <a:p>
+            <a:pPr algn="ctr"/>
+            <a:endParaRPr lang="en-US"/>
+          </a:p>
+        </p:txBody>
+      </p:sp>
+      <p:sp>
+        <p:nvSpPr>
+          <p:cNvPr id="6" name="Rounded Rectangle 5"/>
+          <p:cNvSpPr/>
+          <p:nvPr/>
+        </p:nvSpPr>
+        <p:spPr>
+          <a:xfrm>
+            <a:off x="124244" y="3603837"/>
+            <a:ext cx="3147510" cy="3147709"/>
+          </a:xfrm>
+          <a:prstGeom prst="roundRect">
+            <a:avLst/>
+          </a:prstGeom>
+          <a:solidFill>
+            <a:schemeClr val="accent2">
+              <a:lumMod val="75000"/>
+            </a:schemeClr>
+          </a:solidFill>
+          <a:ln>
+            <a:solidFill>
+              <a:schemeClr val="accent2">
+                <a:lumMod val="75000"/>
+              </a:schemeClr>
+            </a:solidFill>
+          </a:ln>
+        </p:spPr>
+        <p:style>
+          <a:lnRef idx="1">
+            <a:schemeClr val="accent1"/>
+          </a:lnRef>
+          <a:fillRef idx="3">
+            <a:schemeClr val="accent1"/>
+          </a:fillRef>
+          <a:effectRef idx="2">
+            <a:schemeClr val="accent1"/>
+          </a:effectRef>
+          <a:fontRef idx="minor">
+            <a:schemeClr val="lt1"/>
+          </a:fontRef>
+        </p:style>
+        <p:txBody>
+          <a:bodyPr rtlCol="0" anchor="ctr"/>
+          <a:lstStyle/>
+          <a:p>
+            <a:pPr algn="ctr"/>
+            <a:endParaRPr lang="en-US"/>
+          </a:p>
+        </p:txBody>
+      </p:sp>
+      <p:sp>
+        <p:nvSpPr>
+          <p:cNvPr id="7" name="Rounded Rectangle 6"/>
+          <p:cNvSpPr/>
+          <p:nvPr/>
+        </p:nvSpPr>
+        <p:spPr>
+          <a:xfrm>
+            <a:off x="3576008" y="3603837"/>
+            <a:ext cx="3147510" cy="3147709"/>
+          </a:xfrm>
+          <a:prstGeom prst="roundRect">
+            <a:avLst/>
+          </a:prstGeom>
+          <a:solidFill>
+            <a:schemeClr val="accent2">
+              <a:lumMod val="75000"/>
+            </a:schemeClr>
+          </a:solidFill>
+          <a:ln>
+            <a:solidFill>
+              <a:schemeClr val="accent2">
+                <a:lumMod val="75000"/>
+              </a:schemeClr>
+            </a:solidFill>
+          </a:ln>
+        </p:spPr>
+        <p:style>
+          <a:lnRef idx="1">
+            <a:schemeClr val="accent1"/>
+          </a:lnRef>
+          <a:fillRef idx="3">
+            <a:schemeClr val="accent1"/>
+          </a:fillRef>
+          <a:effectRef idx="2">
+            <a:schemeClr val="accent1"/>
+          </a:effectRef>
+          <a:fontRef idx="minor">
+            <a:schemeClr val="lt1"/>
+          </a:fontRef>
+        </p:style>
+        <p:txBody>
+          <a:bodyPr rtlCol="0" anchor="ctr"/>
+          <a:lstStyle/>
+          <a:p>
+            <a:pPr algn="ctr"/>
+            <a:endParaRPr lang="en-US"/>
+          </a:p>
+        </p:txBody>
+      </p:sp>
+      <p:sp>
+        <p:nvSpPr>
+          <p:cNvPr id="13" name="Rounded Rectangle 12"/>
+          <p:cNvSpPr/>
+          <p:nvPr/>
+        </p:nvSpPr>
+        <p:spPr>
+          <a:xfrm>
+            <a:off x="7000161" y="138060"/>
+            <a:ext cx="3147510" cy="3147709"/>
+          </a:xfrm>
+          <a:prstGeom prst="roundRect">
+            <a:avLst/>
+          </a:prstGeom>
+          <a:solidFill>
+            <a:schemeClr val="accent2">
+              <a:lumMod val="75000"/>
+            </a:schemeClr>
+          </a:solidFill>
+          <a:ln>
+            <a:solidFill>
+              <a:schemeClr val="accent2">
+                <a:lumMod val="75000"/>
+              </a:schemeClr>
+            </a:solidFill>
+          </a:ln>
+        </p:spPr>
+        <p:style>
+          <a:lnRef idx="1">
+            <a:schemeClr val="accent1"/>
+          </a:lnRef>
+          <a:fillRef idx="3">
+            <a:schemeClr val="accent1"/>
+          </a:fillRef>
+          <a:effectRef idx="2">
+            <a:schemeClr val="accent1"/>
+          </a:effectRef>
+          <a:fontRef idx="minor">
+            <a:schemeClr val="lt1"/>
+          </a:fontRef>
+        </p:style>
+        <p:txBody>
+          <a:bodyPr rtlCol="0" anchor="ctr"/>
+          <a:lstStyle/>
+          <a:p>
+            <a:pPr algn="ctr"/>
+            <a:endParaRPr lang="en-US"/>
+          </a:p>
+        </p:txBody>
+      </p:sp>
+      <p:sp>
+        <p:nvSpPr>
+          <p:cNvPr id="15" name="Rounded Rectangle 14"/>
+          <p:cNvSpPr/>
+          <p:nvPr/>
+        </p:nvSpPr>
+        <p:spPr>
+          <a:xfrm>
+            <a:off x="7036035" y="3603837"/>
+            <a:ext cx="3147510" cy="3147709"/>
+          </a:xfrm>
+          <a:prstGeom prst="roundRect">
+            <a:avLst/>
+          </a:prstGeom>
+          <a:solidFill>
+            <a:schemeClr val="accent2">
+              <a:lumMod val="75000"/>
+            </a:schemeClr>
+          </a:solidFill>
+          <a:ln>
+            <a:solidFill>
+              <a:schemeClr val="accent2">
+                <a:lumMod val="75000"/>
+              </a:schemeClr>
+            </a:solidFill>
+          </a:ln>
+        </p:spPr>
+        <p:style>
+          <a:lnRef idx="1">
+            <a:schemeClr val="accent1"/>
+          </a:lnRef>
+          <a:fillRef idx="3">
+            <a:schemeClr val="accent1"/>
+          </a:fillRef>
+          <a:effectRef idx="2">
+            <a:schemeClr val="accent1"/>
+          </a:effectRef>
+          <a:fontRef idx="minor">
+            <a:schemeClr val="lt1"/>
+          </a:fontRef>
+        </p:style>
+        <p:txBody>
+          <a:bodyPr rtlCol="0" anchor="ctr"/>
+          <a:lstStyle/>
+          <a:p>
+            <a:pPr algn="ctr"/>
+            <a:endParaRPr lang="en-US"/>
+          </a:p>
+        </p:txBody>
+      </p:sp>
+      <p:sp>
+        <p:nvSpPr>
+          <p:cNvPr id="20" name="Rounded Rectangle 19"/>
+          <p:cNvSpPr/>
+          <p:nvPr/>
+        </p:nvSpPr>
+        <p:spPr>
+          <a:xfrm>
+            <a:off x="3576008" y="138060"/>
+            <a:ext cx="3147510" cy="3147709"/>
+          </a:xfrm>
+          <a:prstGeom prst="roundRect">
+            <a:avLst/>
+          </a:prstGeom>
+          <a:solidFill>
+            <a:schemeClr val="accent2">
+              <a:lumMod val="75000"/>
+            </a:schemeClr>
+          </a:solidFill>
+          <a:ln>
+            <a:solidFill>
+              <a:schemeClr val="accent2">
+                <a:lumMod val="75000"/>
+              </a:schemeClr>
+            </a:solidFill>
+          </a:ln>
+        </p:spPr>
+        <p:style>
+          <a:lnRef idx="1">
+            <a:schemeClr val="accent1"/>
+          </a:lnRef>
+          <a:fillRef idx="3">
+            <a:schemeClr val="accent1"/>
+          </a:fillRef>
+          <a:effectRef idx="2">
+            <a:schemeClr val="accent1"/>
+          </a:effectRef>
+          <a:fontRef idx="minor">
+            <a:schemeClr val="lt1"/>
+          </a:fontRef>
+        </p:style>
+        <p:txBody>
+          <a:bodyPr rtlCol="0" anchor="ctr"/>
+          <a:lstStyle/>
+          <a:p>
+            <a:pPr algn="ctr"/>
+            <a:endParaRPr lang="en-US"/>
+          </a:p>
+        </p:txBody>
+      </p:sp>
+      <p:pic>
+        <p:nvPicPr>
+          <p:cNvPr id="2" name="Picture 1"/>
+          <p:cNvPicPr>
+            <a:picLocks noChangeAspect="1"/>
+          </p:cNvPicPr>
+          <p:nvPr/>
+        </p:nvPicPr>
+        <p:blipFill>
+          <a:blip r:embed="rId2"/>
+          <a:stretch>
+            <a:fillRect/>
+          </a:stretch>
+        </p:blipFill>
+        <p:spPr>
+          <a:xfrm>
+            <a:off x="7575145" y="525919"/>
+            <a:ext cx="2048633" cy="2234069"/>
+          </a:xfrm>
+          <a:prstGeom prst="rect">
+            <a:avLst/>
+          </a:prstGeom>
+        </p:spPr>
+      </p:pic>
+      <p:pic>
+        <p:nvPicPr>
+          <p:cNvPr id="3" name="Picture 2"/>
+          <p:cNvPicPr>
+            <a:picLocks noChangeAspect="1"/>
+          </p:cNvPicPr>
+          <p:nvPr/>
+        </p:nvPicPr>
+        <p:blipFill>
+          <a:blip r:embed="rId4"/>
+          <a:stretch>
+            <a:fillRect/>
+          </a:stretch>
+        </p:blipFill>
+        <p:spPr>
+          <a:xfrm>
+            <a:off x="3969693" y="931339"/>
+            <a:ext cx="2386066" cy="1631100"/>
+          </a:xfrm>
+          <a:prstGeom prst="rect">
+            <a:avLst/>
+          </a:prstGeom>
+        </p:spPr>
+      </p:pic>
+      <p:sp>
+        <p:nvSpPr>
+          <p:cNvPr id="25" name="Rectangle 24"/>
+          <p:cNvSpPr/>
+          <p:nvPr/>
+        </p:nvSpPr>
+        <p:spPr>
+          <a:xfrm>
+            <a:off x="718494" y="1354670"/>
+            <a:ext cx="2079114" cy="1038432"/>
+          </a:xfrm>
+          <a:prstGeom prst="rect">
+            <a:avLst/>
+          </a:prstGeom>
+          <a:solidFill>
+            <a:schemeClr val="bg1"/>
+          </a:solidFill>
+          <a:ln>
+            <a:noFill/>
+          </a:ln>
+        </p:spPr>
+        <p:style>
+          <a:lnRef idx="1">
+            <a:schemeClr val="accent1"/>
+          </a:lnRef>
+          <a:fillRef idx="3">
+            <a:schemeClr val="accent1"/>
+          </a:fillRef>
+          <a:effectRef idx="2">
+            <a:schemeClr val="accent1"/>
+          </a:effectRef>
+          <a:fontRef idx="minor">
+            <a:schemeClr val="lt1"/>
+          </a:fontRef>
+        </p:style>
+        <p:txBody>
+          <a:bodyPr tIns="0" bIns="0" rtlCol="0" anchor="ctr"/>
+          <a:lstStyle/>
+          <a:p>
+            <a:pPr algn="ctr"/>
+            <a:endParaRPr lang="en-US" sz="7200" b="1" dirty="0">
+              <a:solidFill>
+                <a:schemeClr val="accent2">
+                  <a:lumMod val="75000"/>
+                </a:schemeClr>
+              </a:solidFill>
+            </a:endParaRPr>
+          </a:p>
+        </p:txBody>
+      </p:sp>
+      <p:sp>
+        <p:nvSpPr>
+          <p:cNvPr id="26" name="Rectangle 25"/>
+          <p:cNvSpPr/>
+          <p:nvPr/>
+        </p:nvSpPr>
+        <p:spPr>
+          <a:xfrm>
+            <a:off x="1472003" y="1349026"/>
+            <a:ext cx="574647" cy="1015663"/>
+          </a:xfrm>
+          <a:prstGeom prst="rect">
+            <a:avLst/>
+          </a:prstGeom>
+        </p:spPr>
+        <p:txBody>
+          <a:bodyPr wrap="none">
+            <a:spAutoFit/>
+          </a:bodyPr>
+          <a:lstStyle/>
+          <a:p>
+            <a:pPr algn="ctr"/>
+            <a:r>
+              <a:rPr lang="en-US" sz="6000" b="1" dirty="0">
+                <a:solidFill>
+                  <a:schemeClr val="accent2">
+                    <a:lumMod val="75000"/>
+                  </a:schemeClr>
+                </a:solidFill>
+              </a:rPr>
+              <a:t>$</a:t>
+            </a:r>
+          </a:p>
+        </p:txBody>
+      </p:sp>
+      <p:sp>
+        <p:nvSpPr>
+          <p:cNvPr id="27" name="Rectangle 26"/>
+          <p:cNvSpPr/>
+          <p:nvPr/>
+        </p:nvSpPr>
+        <p:spPr>
+          <a:xfrm>
+            <a:off x="4419600" y="1524000"/>
+            <a:ext cx="1524000" cy="792902"/>
+          </a:xfrm>
+          <a:prstGeom prst="rect">
+            <a:avLst/>
+          </a:prstGeom>
+          <a:solidFill>
+            <a:schemeClr val="bg1"/>
+          </a:solidFill>
+          <a:ln>
+            <a:noFill/>
+          </a:ln>
+          <a:effectLst/>
+        </p:spPr>
+        <p:style>
+          <a:lnRef idx="1">
+            <a:schemeClr val="accent1"/>
+          </a:lnRef>
+          <a:fillRef idx="3">
+            <a:schemeClr val="accent1"/>
+          </a:fillRef>
+          <a:effectRef idx="2">
+            <a:schemeClr val="accent1"/>
+          </a:effectRef>
+          <a:fontRef idx="minor">
+            <a:schemeClr val="lt1"/>
+          </a:fontRef>
+        </p:style>
+        <p:txBody>
+          <a:bodyPr tIns="0" bIns="0" rtlCol="0" anchor="ctr"/>
+          <a:lstStyle/>
+          <a:p>
+            <a:pPr algn="ctr"/>
+            <a:endParaRPr lang="en-US" sz="7200" b="1" dirty="0">
+              <a:solidFill>
+                <a:schemeClr val="accent2">
+                  <a:lumMod val="75000"/>
+                </a:schemeClr>
+              </a:solidFill>
+            </a:endParaRPr>
+          </a:p>
+        </p:txBody>
+      </p:sp>
+      <p:sp>
+        <p:nvSpPr>
+          <p:cNvPr id="28" name="Rectangle 27"/>
+          <p:cNvSpPr/>
+          <p:nvPr/>
+        </p:nvSpPr>
+        <p:spPr>
+          <a:xfrm>
+            <a:off x="4588752" y="1377439"/>
+            <a:ext cx="1202449" cy="1015663"/>
+          </a:xfrm>
+          <a:prstGeom prst="rect">
+            <a:avLst/>
+          </a:prstGeom>
+        </p:spPr>
+        <p:txBody>
+          <a:bodyPr wrap="square">
+            <a:spAutoFit/>
+          </a:bodyPr>
+          <a:lstStyle/>
+          <a:p>
+            <a:pPr algn="ctr"/>
+            <a:r>
+              <a:rPr lang="en-US" sz="6000" b="1" dirty="0" smtClean="0">
+                <a:solidFill>
+                  <a:schemeClr val="accent2">
+                    <a:lumMod val="75000"/>
+                  </a:schemeClr>
+                </a:solidFill>
+              </a:rPr>
+              <a:t>$$</a:t>
+            </a:r>
+            <a:endParaRPr lang="en-US" sz="6000" b="1" dirty="0">
+              <a:solidFill>
+                <a:schemeClr val="accent2">
+                  <a:lumMod val="75000"/>
+                </a:schemeClr>
+              </a:solidFill>
+            </a:endParaRPr>
+          </a:p>
+        </p:txBody>
+      </p:sp>
+      <p:sp>
+        <p:nvSpPr>
+          <p:cNvPr id="29" name="Rectangle 28"/>
+          <p:cNvSpPr/>
+          <p:nvPr/>
+        </p:nvSpPr>
+        <p:spPr>
+          <a:xfrm>
+            <a:off x="7941551" y="1529839"/>
+            <a:ext cx="1354848" cy="939463"/>
+          </a:xfrm>
+          <a:prstGeom prst="rect">
+            <a:avLst/>
+          </a:prstGeom>
+          <a:solidFill>
+            <a:schemeClr val="bg1"/>
+          </a:solidFill>
+          <a:ln>
+            <a:noFill/>
+          </a:ln>
+          <a:effectLst/>
+        </p:spPr>
+        <p:style>
+          <a:lnRef idx="1">
+            <a:schemeClr val="accent1"/>
+          </a:lnRef>
+          <a:fillRef idx="3">
+            <a:schemeClr val="accent1"/>
+          </a:fillRef>
+          <a:effectRef idx="2">
+            <a:schemeClr val="accent1"/>
+          </a:effectRef>
+          <a:fontRef idx="minor">
+            <a:schemeClr val="lt1"/>
+          </a:fontRef>
+        </p:style>
+        <p:txBody>
+          <a:bodyPr tIns="0" bIns="0" rtlCol="0" anchor="ctr"/>
+          <a:lstStyle/>
+          <a:p>
+            <a:pPr algn="ctr"/>
+            <a:endParaRPr lang="en-US" sz="7200" b="1" dirty="0">
+              <a:solidFill>
+                <a:schemeClr val="accent2">
+                  <a:lumMod val="75000"/>
+                </a:schemeClr>
+              </a:solidFill>
+            </a:endParaRPr>
+          </a:p>
+        </p:txBody>
+      </p:sp>
+      <p:sp>
+        <p:nvSpPr>
+          <p:cNvPr id="30" name="Rectangle 29"/>
+          <p:cNvSpPr/>
+          <p:nvPr/>
+        </p:nvSpPr>
+        <p:spPr>
+          <a:xfrm>
+            <a:off x="7755283" y="1529839"/>
+            <a:ext cx="1682227" cy="1015663"/>
+          </a:xfrm>
+          <a:prstGeom prst="rect">
+            <a:avLst/>
+          </a:prstGeom>
+        </p:spPr>
+        <p:txBody>
+          <a:bodyPr wrap="square">
+            <a:spAutoFit/>
+          </a:bodyPr>
+          <a:lstStyle/>
+          <a:p>
+            <a:pPr algn="ctr"/>
+            <a:r>
+              <a:rPr lang="en-US" sz="6000" b="1" dirty="0" smtClean="0">
+                <a:solidFill>
+                  <a:schemeClr val="accent2">
+                    <a:lumMod val="75000"/>
+                  </a:schemeClr>
+                </a:solidFill>
+              </a:rPr>
+              <a:t>$$$</a:t>
+            </a:r>
+            <a:endParaRPr lang="en-US" sz="6000" b="1" dirty="0">
+              <a:solidFill>
+                <a:schemeClr val="accent2">
+                  <a:lumMod val="75000"/>
+                </a:schemeClr>
+              </a:solidFill>
+            </a:endParaRPr>
+          </a:p>
+        </p:txBody>
+      </p:sp>
+      <p:sp>
+        <p:nvSpPr>
+          <p:cNvPr id="31" name="Rectangle 30"/>
+          <p:cNvSpPr/>
+          <p:nvPr/>
+        </p:nvSpPr>
+        <p:spPr>
+          <a:xfrm>
+            <a:off x="718494" y="4662315"/>
+            <a:ext cx="1980154" cy="1015663"/>
+          </a:xfrm>
+          <a:prstGeom prst="rect">
+            <a:avLst/>
+          </a:prstGeom>
+        </p:spPr>
+        <p:txBody>
+          <a:bodyPr wrap="none">
+            <a:spAutoFit/>
+          </a:bodyPr>
+          <a:lstStyle/>
+          <a:p>
+            <a:pPr algn="ctr"/>
+            <a:r>
+              <a:rPr lang="en-US" sz="6000" b="1" dirty="0" smtClean="0">
+                <a:solidFill>
+                  <a:schemeClr val="bg1"/>
+                </a:solidFill>
+              </a:rPr>
+              <a:t>$0-20</a:t>
+            </a:r>
+            <a:endParaRPr lang="en-US" sz="6000" b="1" dirty="0">
+              <a:solidFill>
+                <a:schemeClr val="bg1"/>
+              </a:solidFill>
+            </a:endParaRPr>
+          </a:p>
+        </p:txBody>
+      </p:sp>
+      <p:sp>
+        <p:nvSpPr>
+          <p:cNvPr id="32" name="Rectangle 31"/>
+          <p:cNvSpPr/>
+          <p:nvPr/>
+        </p:nvSpPr>
+        <p:spPr>
+          <a:xfrm>
+            <a:off x="3956390" y="4650693"/>
+            <a:ext cx="2370135" cy="1015663"/>
+          </a:xfrm>
+          <a:prstGeom prst="rect">
+            <a:avLst/>
+          </a:prstGeom>
+        </p:spPr>
+        <p:txBody>
+          <a:bodyPr wrap="none">
+            <a:spAutoFit/>
+          </a:bodyPr>
+          <a:lstStyle/>
+          <a:p>
+            <a:pPr algn="ctr"/>
+            <a:r>
+              <a:rPr lang="en-US" sz="6000" b="1" dirty="0" smtClean="0">
+                <a:solidFill>
+                  <a:schemeClr val="bg1"/>
+                </a:solidFill>
+              </a:rPr>
+              <a:t>$20-50</a:t>
+            </a:r>
+            <a:endParaRPr lang="en-US" sz="6000" b="1" dirty="0">
+              <a:solidFill>
+                <a:schemeClr val="bg1"/>
+              </a:solidFill>
+            </a:endParaRPr>
+          </a:p>
+        </p:txBody>
+      </p:sp>
+      <p:sp>
+        <p:nvSpPr>
+          <p:cNvPr id="33" name="Rectangle 32"/>
+          <p:cNvSpPr/>
+          <p:nvPr/>
+        </p:nvSpPr>
+        <p:spPr>
+          <a:xfrm>
+            <a:off x="7258990" y="4662315"/>
+            <a:ext cx="2760116" cy="1015663"/>
+          </a:xfrm>
+          <a:prstGeom prst="rect">
+            <a:avLst/>
+          </a:prstGeom>
+        </p:spPr>
+        <p:txBody>
+          <a:bodyPr wrap="none">
+            <a:spAutoFit/>
+          </a:bodyPr>
+          <a:lstStyle/>
+          <a:p>
+            <a:pPr algn="ctr"/>
+            <a:r>
+              <a:rPr lang="en-US" sz="6000" b="1" dirty="0" smtClean="0">
+                <a:solidFill>
+                  <a:schemeClr val="bg1"/>
+                </a:solidFill>
+              </a:rPr>
+              <a:t>$50-100</a:t>
+            </a:r>
+            <a:endParaRPr lang="en-US" sz="6000" b="1" dirty="0">
+              <a:solidFill>
+                <a:schemeClr val="bg1"/>
+              </a:solidFill>
+            </a:endParaRPr>
+          </a:p>
+        </p:txBody>
+      </p:sp>
+      <p:sp>
+        <p:nvSpPr>
+          <p:cNvPr id="35" name="Rounded Rectangle 34"/>
+          <p:cNvSpPr/>
+          <p:nvPr/>
+        </p:nvSpPr>
+        <p:spPr>
+          <a:xfrm>
+            <a:off x="10397224" y="3603837"/>
+            <a:ext cx="3147510" cy="3147709"/>
+          </a:xfrm>
+          <a:prstGeom prst="roundRect">
+            <a:avLst/>
+          </a:prstGeom>
+          <a:solidFill>
+            <a:schemeClr val="accent2">
+              <a:lumMod val="75000"/>
+            </a:schemeClr>
+          </a:solidFill>
+          <a:ln>
+            <a:solidFill>
+              <a:schemeClr val="accent2">
+                <a:lumMod val="75000"/>
+              </a:schemeClr>
+            </a:solidFill>
+          </a:ln>
+        </p:spPr>
+        <p:style>
+          <a:lnRef idx="1">
+            <a:schemeClr val="accent1"/>
+          </a:lnRef>
+          <a:fillRef idx="3">
+            <a:schemeClr val="accent1"/>
+          </a:fillRef>
+          <a:effectRef idx="2">
+            <a:schemeClr val="accent1"/>
+          </a:effectRef>
+          <a:fontRef idx="minor">
+            <a:schemeClr val="lt1"/>
+          </a:fontRef>
+        </p:style>
+        <p:txBody>
+          <a:bodyPr rtlCol="0" anchor="ctr"/>
+          <a:lstStyle/>
+          <a:p>
+            <a:pPr algn="ctr"/>
+            <a:endParaRPr lang="en-US"/>
+          </a:p>
+        </p:txBody>
+      </p:sp>
+      <p:pic>
+        <p:nvPicPr>
+          <p:cNvPr id="36" name="Picture 35"/>
+          <p:cNvPicPr>
+            <a:picLocks noChangeAspect="1"/>
+          </p:cNvPicPr>
+          <p:nvPr/>
+        </p:nvPicPr>
+        <p:blipFill>
+          <a:blip r:embed="rId2"/>
+          <a:stretch>
+            <a:fillRect/>
+          </a:stretch>
+        </p:blipFill>
+        <p:spPr>
+          <a:xfrm>
+            <a:off x="10992778" y="554141"/>
+            <a:ext cx="2048633" cy="2234069"/>
+          </a:xfrm>
+          <a:prstGeom prst="rect">
+            <a:avLst/>
+          </a:prstGeom>
+        </p:spPr>
+      </p:pic>
+      <p:sp>
+        <p:nvSpPr>
+          <p:cNvPr id="37" name="Rectangle 36"/>
+          <p:cNvSpPr/>
+          <p:nvPr/>
+        </p:nvSpPr>
+        <p:spPr>
+          <a:xfrm>
+            <a:off x="11359184" y="1529839"/>
+            <a:ext cx="1354848" cy="939463"/>
+          </a:xfrm>
+          <a:prstGeom prst="rect">
+            <a:avLst/>
+          </a:prstGeom>
+          <a:solidFill>
+            <a:schemeClr val="bg1"/>
+          </a:solidFill>
+          <a:ln>
+            <a:noFill/>
+          </a:ln>
+          <a:effectLst/>
+        </p:spPr>
+        <p:style>
+          <a:lnRef idx="1">
+            <a:schemeClr val="accent1"/>
+          </a:lnRef>
+          <a:fillRef idx="3">
+            <a:schemeClr val="accent1"/>
+          </a:fillRef>
+          <a:effectRef idx="2">
+            <a:schemeClr val="accent1"/>
+          </a:effectRef>
+          <a:fontRef idx="minor">
+            <a:schemeClr val="lt1"/>
+          </a:fontRef>
+        </p:style>
+        <p:txBody>
+          <a:bodyPr tIns="0" bIns="0" rtlCol="0" anchor="ctr"/>
+          <a:lstStyle/>
+          <a:p>
+            <a:pPr algn="ctr"/>
+            <a:endParaRPr lang="en-US" sz="7200" b="1" dirty="0">
+              <a:solidFill>
+                <a:schemeClr val="accent2">
+                  <a:lumMod val="75000"/>
+                </a:schemeClr>
+              </a:solidFill>
+            </a:endParaRPr>
+          </a:p>
+        </p:txBody>
+      </p:sp>
+      <p:sp>
+        <p:nvSpPr>
+          <p:cNvPr id="38" name="Rectangle 37"/>
+          <p:cNvSpPr/>
+          <p:nvPr/>
+        </p:nvSpPr>
+        <p:spPr>
+          <a:xfrm>
+            <a:off x="10820694" y="1529839"/>
+            <a:ext cx="2400040" cy="1015663"/>
+          </a:xfrm>
+          <a:prstGeom prst="rect">
+            <a:avLst/>
+          </a:prstGeom>
+        </p:spPr>
+        <p:txBody>
+          <a:bodyPr wrap="square">
+            <a:spAutoFit/>
+          </a:bodyPr>
+          <a:lstStyle/>
+          <a:p>
+            <a:pPr algn="ctr"/>
+            <a:r>
+              <a:rPr lang="en-US" sz="6000" b="1" dirty="0" smtClean="0">
+                <a:solidFill>
+                  <a:schemeClr val="accent2">
+                    <a:lumMod val="75000"/>
+                  </a:schemeClr>
+                </a:solidFill>
+              </a:rPr>
+              <a:t>$$$$</a:t>
+            </a:r>
+            <a:endParaRPr lang="en-US" sz="6000" b="1" dirty="0">
+              <a:solidFill>
+                <a:schemeClr val="accent2">
+                  <a:lumMod val="75000"/>
+                </a:schemeClr>
+              </a:solidFill>
+            </a:endParaRPr>
+          </a:p>
+        </p:txBody>
+      </p:sp>
+      <p:sp>
+        <p:nvSpPr>
+          <p:cNvPr id="39" name="Rectangle 38"/>
+          <p:cNvSpPr/>
+          <p:nvPr/>
+        </p:nvSpPr>
+        <p:spPr>
+          <a:xfrm>
+            <a:off x="10936333" y="4640801"/>
+            <a:ext cx="2127806" cy="1015663"/>
+          </a:xfrm>
+          <a:prstGeom prst="rect">
+            <a:avLst/>
+          </a:prstGeom>
+        </p:spPr>
+        <p:txBody>
+          <a:bodyPr wrap="none">
+            <a:spAutoFit/>
+          </a:bodyPr>
+          <a:lstStyle/>
+          <a:p>
+            <a:pPr algn="ctr"/>
+            <a:r>
+              <a:rPr lang="en-US" sz="6000" b="1" dirty="0" smtClean="0">
+                <a:solidFill>
+                  <a:schemeClr val="bg1"/>
+                </a:solidFill>
+              </a:rPr>
+              <a:t>$100+</a:t>
+            </a:r>
+            <a:endParaRPr lang="en-US" sz="6000" b="1" dirty="0">
+              <a:solidFill>
+                <a:schemeClr val="bg1"/>
+              </a:solidFill>
+            </a:endParaRPr>
+          </a:p>
+        </p:txBody>
+      </p:sp>
+    </p:spTree>
+    <p:extLst>
+      <p:ext uri="{BB962C8B-B14F-4D97-AF65-F5344CB8AC3E}">
+        <p14:creationId xmlns:p14="http://schemas.microsoft.com/office/powerpoint/2010/main" val="3214049147"/>
+      </p:ext>
+    </p:extLst>
+  </p:cSld>
+  <p:clrMapOvr>
+    <a:masterClrMapping/>
+  </p:clrMapOvr>
+</p:sld>
+</file>
+
+<file path=ppt/slides/slide8.xml><?xml version="1.0" encoding="utf-8"?>
+<p:sld xmlns:a="http://schemas.openxmlformats.org/drawingml/2006/main" xmlns:r="http://schemas.openxmlformats.org/officeDocument/2006/relationships" xmlns:p="http://schemas.openxmlformats.org/presentationml/2006/main">
+  <p:cSld>
+    <p:spTree>
+      <p:nvGrpSpPr>
+        <p:cNvPr id="1" name=""/>
+        <p:cNvGrpSpPr/>
+        <p:nvPr/>
+      </p:nvGrpSpPr>
+      <p:grpSpPr>
+        <a:xfrm>
+          <a:off x="0" y="0"/>
+          <a:ext cx="0" cy="0"/>
+          <a:chOff x="0" y="0"/>
+          <a:chExt cx="0" cy="0"/>
+        </a:xfrm>
+      </p:grpSpPr>
+      <p:sp>
+        <p:nvSpPr>
           <p:cNvPr id="4" name="Rounded Rectangle 3"/>
           <p:cNvSpPr/>
           <p:nvPr/>
@@ -7434,7 +8363,7 @@
 </p:sld>
 </file>
 
-<file path=ppt/slides/slide7.xml><?xml version="1.0" encoding="utf-8"?>
+<file path=ppt/slides/slide9.xml><?xml version="1.0" encoding="utf-8"?>
 <p:sld xmlns:a="http://schemas.openxmlformats.org/drawingml/2006/main" xmlns:r="http://schemas.openxmlformats.org/officeDocument/2006/relationships" xmlns:p="http://schemas.openxmlformats.org/presentationml/2006/main">
   <p:cSld>
     <p:spTree>
@@ -9553,514 +10482,6 @@
     <p:extLst>
       <p:ext uri="{BB962C8B-B14F-4D97-AF65-F5344CB8AC3E}">
         <p14:creationId xmlns:p14="http://schemas.microsoft.com/office/powerpoint/2010/main" val="4153367389"/>
-      </p:ext>
-    </p:extLst>
-  </p:cSld>
-  <p:clrMapOvr>
-    <a:masterClrMapping/>
-  </p:clrMapOvr>
-</p:sld>
-</file>
-
-<file path=ppt/slides/slide8.xml><?xml version="1.0" encoding="utf-8"?>
-<p:sld xmlns:a="http://schemas.openxmlformats.org/drawingml/2006/main" xmlns:r="http://schemas.openxmlformats.org/officeDocument/2006/relationships" xmlns:p="http://schemas.openxmlformats.org/presentationml/2006/main">
-  <p:cSld>
-    <p:spTree>
-      <p:nvGrpSpPr>
-        <p:cNvPr id="1" name=""/>
-        <p:cNvGrpSpPr/>
-        <p:nvPr/>
-      </p:nvGrpSpPr>
-      <p:grpSpPr>
-        <a:xfrm>
-          <a:off x="0" y="0"/>
-          <a:ext cx="0" cy="0"/>
-          <a:chOff x="0" y="0"/>
-          <a:chExt cx="0" cy="0"/>
-        </a:xfrm>
-      </p:grpSpPr>
-      <p:sp>
-        <p:nvSpPr>
-          <p:cNvPr id="39" name="Rounded Rectangle 38"/>
-          <p:cNvSpPr/>
-          <p:nvPr/>
-        </p:nvSpPr>
-        <p:spPr>
-          <a:xfrm>
-            <a:off x="-2257778" y="1034827"/>
-            <a:ext cx="10470442" cy="1538588"/>
-          </a:xfrm>
-          <a:prstGeom prst="roundRect">
-            <a:avLst/>
-          </a:prstGeom>
-          <a:solidFill>
-            <a:schemeClr val="tx2">
-              <a:lumMod val="75000"/>
-            </a:schemeClr>
-          </a:solidFill>
-          <a:ln>
-            <a:solidFill>
-              <a:schemeClr val="bg1">
-                <a:lumMod val="50000"/>
-              </a:schemeClr>
-            </a:solidFill>
-          </a:ln>
-        </p:spPr>
-        <p:style>
-          <a:lnRef idx="1">
-            <a:schemeClr val="accent1"/>
-          </a:lnRef>
-          <a:fillRef idx="3">
-            <a:schemeClr val="accent1"/>
-          </a:fillRef>
-          <a:effectRef idx="2">
-            <a:schemeClr val="accent1"/>
-          </a:effectRef>
-          <a:fontRef idx="minor">
-            <a:schemeClr val="lt1"/>
-          </a:fontRef>
-        </p:style>
-        <p:txBody>
-          <a:bodyPr rtlCol="0" anchor="ctr"/>
-          <a:lstStyle/>
-          <a:p>
-            <a:pPr algn="ctr"/>
-            <a:endParaRPr lang="en-US"/>
-          </a:p>
-        </p:txBody>
-      </p:sp>
-      <p:sp>
-        <p:nvSpPr>
-          <p:cNvPr id="24" name="TextBox 23"/>
-          <p:cNvSpPr txBox="1"/>
-          <p:nvPr/>
-        </p:nvSpPr>
-        <p:spPr>
-          <a:xfrm>
-            <a:off x="0" y="1219739"/>
-            <a:ext cx="5594598" cy="1015663"/>
-          </a:xfrm>
-          <a:prstGeom prst="rect">
-            <a:avLst/>
-          </a:prstGeom>
-          <a:noFill/>
-        </p:spPr>
-        <p:txBody>
-          <a:bodyPr wrap="square" rtlCol="0">
-            <a:spAutoFit/>
-          </a:bodyPr>
-          <a:lstStyle/>
-          <a:p>
-            <a:pPr algn="ctr"/>
-            <a:r>
-              <a:rPr lang="en-US" sz="6000" b="1" dirty="0" smtClean="0">
-                <a:solidFill>
-                  <a:schemeClr val="bg1"/>
-                </a:solidFill>
-              </a:rPr>
-              <a:t>Generate Gift!</a:t>
-            </a:r>
-            <a:endParaRPr lang="en-US" sz="6000" b="1" dirty="0">
-              <a:solidFill>
-                <a:schemeClr val="bg1"/>
-              </a:solidFill>
-            </a:endParaRPr>
-          </a:p>
-        </p:txBody>
-      </p:sp>
-      <p:sp>
-        <p:nvSpPr>
-          <p:cNvPr id="32" name="Rounded Rectangle 31"/>
-          <p:cNvSpPr/>
-          <p:nvPr/>
-        </p:nvSpPr>
-        <p:spPr>
-          <a:xfrm>
-            <a:off x="-2257778" y="3303895"/>
-            <a:ext cx="10470442" cy="1538588"/>
-          </a:xfrm>
-          <a:prstGeom prst="roundRect">
-            <a:avLst/>
-          </a:prstGeom>
-          <a:solidFill>
-            <a:schemeClr val="accent2">
-              <a:lumMod val="75000"/>
-            </a:schemeClr>
-          </a:solidFill>
-          <a:ln>
-            <a:solidFill>
-              <a:schemeClr val="bg1">
-                <a:lumMod val="50000"/>
-              </a:schemeClr>
-            </a:solidFill>
-          </a:ln>
-        </p:spPr>
-        <p:style>
-          <a:lnRef idx="1">
-            <a:schemeClr val="accent1"/>
-          </a:lnRef>
-          <a:fillRef idx="3">
-            <a:schemeClr val="accent1"/>
-          </a:fillRef>
-          <a:effectRef idx="2">
-            <a:schemeClr val="accent1"/>
-          </a:effectRef>
-          <a:fontRef idx="minor">
-            <a:schemeClr val="lt1"/>
-          </a:fontRef>
-        </p:style>
-        <p:txBody>
-          <a:bodyPr rtlCol="0" anchor="ctr"/>
-          <a:lstStyle/>
-          <a:p>
-            <a:pPr algn="ctr"/>
-            <a:endParaRPr lang="en-US"/>
-          </a:p>
-        </p:txBody>
-      </p:sp>
-      <p:sp>
-        <p:nvSpPr>
-          <p:cNvPr id="33" name="TextBox 32"/>
-          <p:cNvSpPr txBox="1"/>
-          <p:nvPr/>
-        </p:nvSpPr>
-        <p:spPr>
-          <a:xfrm>
-            <a:off x="-1879751" y="3424078"/>
-            <a:ext cx="9678945" cy="1323439"/>
-          </a:xfrm>
-          <a:prstGeom prst="rect">
-            <a:avLst/>
-          </a:prstGeom>
-          <a:noFill/>
-        </p:spPr>
-        <p:txBody>
-          <a:bodyPr wrap="square" rtlCol="0">
-            <a:spAutoFit/>
-          </a:bodyPr>
-          <a:lstStyle/>
-          <a:p>
-            <a:pPr algn="ctr"/>
-            <a:r>
-              <a:rPr lang="en-US" sz="4000" b="1" dirty="0" smtClean="0">
-                <a:solidFill>
-                  <a:schemeClr val="bg1"/>
-                </a:solidFill>
-              </a:rPr>
-              <a:t>This is too much thinking…</a:t>
-            </a:r>
-          </a:p>
-          <a:p>
-            <a:pPr algn="ctr"/>
-            <a:r>
-              <a:rPr lang="en-US" sz="4000" b="1" dirty="0" smtClean="0">
-                <a:solidFill>
-                  <a:schemeClr val="bg1"/>
-                </a:solidFill>
-              </a:rPr>
-              <a:t>just pick me something random.</a:t>
-            </a:r>
-            <a:endParaRPr lang="en-US" sz="4000" b="1" dirty="0">
-              <a:solidFill>
-                <a:schemeClr val="bg1"/>
-              </a:solidFill>
-            </a:endParaRPr>
-          </a:p>
-        </p:txBody>
-      </p:sp>
-      <p:sp>
-        <p:nvSpPr>
-          <p:cNvPr id="34" name="Rounded Rectangle 33"/>
-          <p:cNvSpPr/>
-          <p:nvPr/>
-        </p:nvSpPr>
-        <p:spPr>
-          <a:xfrm>
-            <a:off x="8466666" y="1034827"/>
-            <a:ext cx="10470442" cy="1538588"/>
-          </a:xfrm>
-          <a:prstGeom prst="roundRect">
-            <a:avLst/>
-          </a:prstGeom>
-          <a:solidFill>
-            <a:schemeClr val="bg1">
-              <a:lumMod val="85000"/>
-            </a:schemeClr>
-          </a:solidFill>
-          <a:ln>
-            <a:solidFill>
-              <a:schemeClr val="bg1">
-                <a:lumMod val="50000"/>
-              </a:schemeClr>
-            </a:solidFill>
-          </a:ln>
-        </p:spPr>
-        <p:style>
-          <a:lnRef idx="1">
-            <a:schemeClr val="accent1"/>
-          </a:lnRef>
-          <a:fillRef idx="3">
-            <a:schemeClr val="accent1"/>
-          </a:fillRef>
-          <a:effectRef idx="2">
-            <a:schemeClr val="accent1"/>
-          </a:effectRef>
-          <a:fontRef idx="minor">
-            <a:schemeClr val="lt1"/>
-          </a:fontRef>
-        </p:style>
-        <p:txBody>
-          <a:bodyPr rtlCol="0" anchor="ctr"/>
-          <a:lstStyle/>
-          <a:p>
-            <a:pPr algn="ctr"/>
-            <a:endParaRPr lang="en-US"/>
-          </a:p>
-        </p:txBody>
-      </p:sp>
-      <p:sp>
-        <p:nvSpPr>
-          <p:cNvPr id="36" name="TextBox 35"/>
-          <p:cNvSpPr txBox="1"/>
-          <p:nvPr/>
-        </p:nvSpPr>
-        <p:spPr>
-          <a:xfrm>
-            <a:off x="10724444" y="1219739"/>
-            <a:ext cx="5594598" cy="1015663"/>
-          </a:xfrm>
-          <a:prstGeom prst="rect">
-            <a:avLst/>
-          </a:prstGeom>
-          <a:noFill/>
-        </p:spPr>
-        <p:txBody>
-          <a:bodyPr wrap="square" rtlCol="0">
-            <a:spAutoFit/>
-          </a:bodyPr>
-          <a:lstStyle/>
-          <a:p>
-            <a:pPr algn="ctr"/>
-            <a:r>
-              <a:rPr lang="en-US" sz="6000" b="1" dirty="0" smtClean="0">
-                <a:solidFill>
-                  <a:schemeClr val="accent1">
-                    <a:lumMod val="75000"/>
-                  </a:schemeClr>
-                </a:solidFill>
-              </a:rPr>
-              <a:t>Generate Gift!</a:t>
-            </a:r>
-            <a:endParaRPr lang="en-US" sz="6000" b="1" dirty="0">
-              <a:solidFill>
-                <a:schemeClr val="accent1">
-                  <a:lumMod val="75000"/>
-                </a:schemeClr>
-              </a:solidFill>
-            </a:endParaRPr>
-          </a:p>
-        </p:txBody>
-      </p:sp>
-      <p:sp>
-        <p:nvSpPr>
-          <p:cNvPr id="41" name="Rounded Rectangle 40"/>
-          <p:cNvSpPr/>
-          <p:nvPr/>
-        </p:nvSpPr>
-        <p:spPr>
-          <a:xfrm>
-            <a:off x="8570134" y="3309741"/>
-            <a:ext cx="10470442" cy="1538588"/>
-          </a:xfrm>
-          <a:prstGeom prst="roundRect">
-            <a:avLst/>
-          </a:prstGeom>
-          <a:solidFill>
-            <a:schemeClr val="accent2">
-              <a:lumMod val="40000"/>
-              <a:lumOff val="60000"/>
-            </a:schemeClr>
-          </a:solidFill>
-          <a:ln>
-            <a:solidFill>
-              <a:schemeClr val="bg1">
-                <a:lumMod val="50000"/>
-              </a:schemeClr>
-            </a:solidFill>
-          </a:ln>
-        </p:spPr>
-        <p:style>
-          <a:lnRef idx="1">
-            <a:schemeClr val="accent1"/>
-          </a:lnRef>
-          <a:fillRef idx="3">
-            <a:schemeClr val="accent1"/>
-          </a:fillRef>
-          <a:effectRef idx="2">
-            <a:schemeClr val="accent1"/>
-          </a:effectRef>
-          <a:fontRef idx="minor">
-            <a:schemeClr val="lt1"/>
-          </a:fontRef>
-        </p:style>
-        <p:txBody>
-          <a:bodyPr rtlCol="0" anchor="ctr"/>
-          <a:lstStyle/>
-          <a:p>
-            <a:pPr algn="ctr"/>
-            <a:endParaRPr lang="en-US"/>
-          </a:p>
-        </p:txBody>
-      </p:sp>
-      <p:sp>
-        <p:nvSpPr>
-          <p:cNvPr id="43" name="TextBox 42"/>
-          <p:cNvSpPr txBox="1"/>
-          <p:nvPr/>
-        </p:nvSpPr>
-        <p:spPr>
-          <a:xfrm>
-            <a:off x="8948161" y="3424078"/>
-            <a:ext cx="9678945" cy="1323439"/>
-          </a:xfrm>
-          <a:prstGeom prst="rect">
-            <a:avLst/>
-          </a:prstGeom>
-          <a:noFill/>
-        </p:spPr>
-        <p:txBody>
-          <a:bodyPr wrap="square" rtlCol="0">
-            <a:spAutoFit/>
-          </a:bodyPr>
-          <a:lstStyle/>
-          <a:p>
-            <a:pPr algn="ctr"/>
-            <a:r>
-              <a:rPr lang="en-US" sz="4000" b="1" dirty="0" smtClean="0">
-                <a:solidFill>
-                  <a:schemeClr val="accent2">
-                    <a:lumMod val="50000"/>
-                  </a:schemeClr>
-                </a:solidFill>
-              </a:rPr>
-              <a:t>This is too much thinking… </a:t>
-            </a:r>
-          </a:p>
-          <a:p>
-            <a:pPr algn="ctr"/>
-            <a:r>
-              <a:rPr lang="en-US" sz="4000" b="1" dirty="0" smtClean="0">
-                <a:solidFill>
-                  <a:schemeClr val="accent2">
-                    <a:lumMod val="50000"/>
-                  </a:schemeClr>
-                </a:solidFill>
-              </a:rPr>
-              <a:t>just pick me something random.</a:t>
-            </a:r>
-            <a:endParaRPr lang="en-US" sz="4000" b="1" dirty="0">
-              <a:solidFill>
-                <a:schemeClr val="accent2">
-                  <a:lumMod val="50000"/>
-                </a:schemeClr>
-              </a:solidFill>
-            </a:endParaRPr>
-          </a:p>
-        </p:txBody>
-      </p:sp>
-      <p:sp>
-        <p:nvSpPr>
-          <p:cNvPr id="44" name="Rounded Rectangle 43"/>
-          <p:cNvSpPr/>
-          <p:nvPr/>
-        </p:nvSpPr>
-        <p:spPr>
-          <a:xfrm>
-            <a:off x="4506134" y="-1296329"/>
-            <a:ext cx="10470442" cy="1538588"/>
-          </a:xfrm>
-          <a:prstGeom prst="roundRect">
-            <a:avLst/>
-          </a:prstGeom>
-          <a:solidFill>
-            <a:schemeClr val="tx2">
-              <a:lumMod val="75000"/>
-            </a:schemeClr>
-          </a:solidFill>
-          <a:ln>
-            <a:solidFill>
-              <a:schemeClr val="bg1">
-                <a:lumMod val="50000"/>
-              </a:schemeClr>
-            </a:solidFill>
-          </a:ln>
-        </p:spPr>
-        <p:style>
-          <a:lnRef idx="1">
-            <a:schemeClr val="accent1"/>
-          </a:lnRef>
-          <a:fillRef idx="3">
-            <a:schemeClr val="accent1"/>
-          </a:fillRef>
-          <a:effectRef idx="2">
-            <a:schemeClr val="accent1"/>
-          </a:effectRef>
-          <a:fontRef idx="minor">
-            <a:schemeClr val="lt1"/>
-          </a:fontRef>
-        </p:style>
-        <p:txBody>
-          <a:bodyPr rtlCol="0" anchor="ctr"/>
-          <a:lstStyle/>
-          <a:p>
-            <a:pPr algn="ctr"/>
-            <a:endParaRPr lang="en-US"/>
-          </a:p>
-        </p:txBody>
-      </p:sp>
-      <p:sp>
-        <p:nvSpPr>
-          <p:cNvPr id="45" name="TextBox 44"/>
-          <p:cNvSpPr txBox="1"/>
-          <p:nvPr/>
-        </p:nvSpPr>
-        <p:spPr>
-          <a:xfrm>
-            <a:off x="6763912" y="-1111417"/>
-            <a:ext cx="5594598" cy="1015663"/>
-          </a:xfrm>
-          <a:prstGeom prst="rect">
-            <a:avLst/>
-          </a:prstGeom>
-          <a:noFill/>
-        </p:spPr>
-        <p:txBody>
-          <a:bodyPr wrap="square" rtlCol="0">
-            <a:spAutoFit/>
-          </a:bodyPr>
-          <a:lstStyle/>
-          <a:p>
-            <a:pPr algn="ctr"/>
-            <a:r>
-              <a:rPr lang="en-US" sz="6000" b="1" dirty="0" smtClean="0">
-                <a:solidFill>
-                  <a:schemeClr val="bg1"/>
-                </a:solidFill>
-              </a:rPr>
-              <a:t>Generate Gift!</a:t>
-            </a:r>
-            <a:endParaRPr lang="en-US" sz="6000" b="1" dirty="0">
-              <a:solidFill>
-                <a:schemeClr val="bg1"/>
-              </a:solidFill>
-            </a:endParaRPr>
-          </a:p>
-        </p:txBody>
-      </p:sp>
-    </p:spTree>
-    <p:extLst>
-      <p:ext uri="{BB962C8B-B14F-4D97-AF65-F5344CB8AC3E}">
-        <p14:creationId xmlns:p14="http://schemas.microsoft.com/office/powerpoint/2010/main" val="578407265"/>
       </p:ext>
     </p:extLst>
   </p:cSld>
